--- a/MLClusteringAlgorithms.pptx
+++ b/MLClusteringAlgorithms.pptx
@@ -4,9 +4,13 @@
   <p:sldMasterIdLst>
     <p:sldMasterId id="2147483648" r:id="rId1"/>
   </p:sldMasterIdLst>
+  <p:notesMasterIdLst>
+    <p:notesMasterId r:id="rId5"/>
+  </p:notesMasterIdLst>
   <p:sldIdLst>
     <p:sldId id="256" r:id="rId2"/>
     <p:sldId id="257" r:id="rId3"/>
+    <p:sldId id="258" r:id="rId4"/>
   </p:sldIdLst>
   <p:sldSz cx="12192000" cy="6858000"/>
   <p:notesSz cx="6858000" cy="9144000"/>
@@ -105,6 +109,11 @@
       </a:defRPr>
     </a:lvl9pPr>
   </p:defaultTextStyle>
+  <p:extLst>
+    <p:ext uri="{EFAFB233-063F-42B5-8137-9DF3F51BA10A}">
+      <p15:sldGuideLst xmlns:p15="http://schemas.microsoft.com/office/powerpoint/2012/main"/>
+    </p:ext>
+  </p:extLst>
 </p:presentation>
 </file>
 
@@ -988,6 +997,356 @@
 </cs:chartStyle>
 </file>
 
+<file path=ppt/notesMasters/notesMaster1.xml><?xml version="1.0" encoding="utf-8"?>
+<p:notesMaster xmlns:a="http://schemas.openxmlformats.org/drawingml/2006/main" xmlns:r="http://schemas.openxmlformats.org/officeDocument/2006/relationships" xmlns:p="http://schemas.openxmlformats.org/presentationml/2006/main">
+  <p:cSld>
+    <p:bg>
+      <p:bgRef idx="1001">
+        <a:schemeClr val="bg1"/>
+      </p:bgRef>
+    </p:bg>
+    <p:spTree>
+      <p:nvGrpSpPr>
+        <p:cNvPr id="1" name=""/>
+        <p:cNvGrpSpPr/>
+        <p:nvPr/>
+      </p:nvGrpSpPr>
+      <p:grpSpPr>
+        <a:xfrm>
+          <a:off x="0" y="0"/>
+          <a:ext cx="0" cy="0"/>
+          <a:chOff x="0" y="0"/>
+          <a:chExt cx="0" cy="0"/>
+        </a:xfrm>
+      </p:grpSpPr>
+      <p:sp>
+        <p:nvSpPr>
+          <p:cNvPr id="2" name="Header Placeholder 1"/>
+          <p:cNvSpPr>
+            <a:spLocks noGrp="1"/>
+          </p:cNvSpPr>
+          <p:nvPr>
+            <p:ph type="hdr" sz="quarter"/>
+          </p:nvPr>
+        </p:nvSpPr>
+        <p:spPr>
+          <a:xfrm>
+            <a:off x="0" y="0"/>
+            <a:ext cx="2971800" cy="458788"/>
+          </a:xfrm>
+          <a:prstGeom prst="rect">
+            <a:avLst/>
+          </a:prstGeom>
+        </p:spPr>
+        <p:txBody>
+          <a:bodyPr vert="horz" lIns="91440" tIns="45720" rIns="91440" bIns="45720" rtlCol="0"/>
+          <a:lstStyle>
+            <a:lvl1pPr algn="l">
+              <a:defRPr sz="1200"/>
+            </a:lvl1pPr>
+          </a:lstStyle>
+          <a:p>
+            <a:endParaRPr lang="en-IN"/>
+          </a:p>
+        </p:txBody>
+      </p:sp>
+      <p:sp>
+        <p:nvSpPr>
+          <p:cNvPr id="3" name="Date Placeholder 2"/>
+          <p:cNvSpPr>
+            <a:spLocks noGrp="1"/>
+          </p:cNvSpPr>
+          <p:nvPr>
+            <p:ph type="dt" idx="1"/>
+          </p:nvPr>
+        </p:nvSpPr>
+        <p:spPr>
+          <a:xfrm>
+            <a:off x="3884613" y="0"/>
+            <a:ext cx="2971800" cy="458788"/>
+          </a:xfrm>
+          <a:prstGeom prst="rect">
+            <a:avLst/>
+          </a:prstGeom>
+        </p:spPr>
+        <p:txBody>
+          <a:bodyPr vert="horz" lIns="91440" tIns="45720" rIns="91440" bIns="45720" rtlCol="0"/>
+          <a:lstStyle>
+            <a:lvl1pPr algn="r">
+              <a:defRPr sz="1200"/>
+            </a:lvl1pPr>
+          </a:lstStyle>
+          <a:p>
+            <a:fld id="{632BE07B-4151-411A-A48D-7B840AF9CC49}" type="datetimeFigureOut">
+              <a:rPr lang="en-IN" smtClean="0"/>
+              <a:t>05-09-2024</a:t>
+            </a:fld>
+            <a:endParaRPr lang="en-IN"/>
+          </a:p>
+        </p:txBody>
+      </p:sp>
+      <p:sp>
+        <p:nvSpPr>
+          <p:cNvPr id="4" name="Slide Image Placeholder 3"/>
+          <p:cNvSpPr>
+            <a:spLocks noGrp="1" noRot="1" noChangeAspect="1"/>
+          </p:cNvSpPr>
+          <p:nvPr>
+            <p:ph type="sldImg" idx="2"/>
+          </p:nvPr>
+        </p:nvSpPr>
+        <p:spPr>
+          <a:xfrm>
+            <a:off x="685800" y="1143000"/>
+            <a:ext cx="5486400" cy="3086100"/>
+          </a:xfrm>
+          <a:prstGeom prst="rect">
+            <a:avLst/>
+          </a:prstGeom>
+          <a:noFill/>
+          <a:ln w="12700">
+            <a:solidFill>
+              <a:prstClr val="black"/>
+            </a:solidFill>
+          </a:ln>
+        </p:spPr>
+        <p:txBody>
+          <a:bodyPr vert="horz" lIns="91440" tIns="45720" rIns="91440" bIns="45720" rtlCol="0" anchor="ctr"/>
+          <a:lstStyle/>
+          <a:p>
+            <a:endParaRPr lang="en-IN"/>
+          </a:p>
+        </p:txBody>
+      </p:sp>
+      <p:sp>
+        <p:nvSpPr>
+          <p:cNvPr id="5" name="Notes Placeholder 4"/>
+          <p:cNvSpPr>
+            <a:spLocks noGrp="1"/>
+          </p:cNvSpPr>
+          <p:nvPr>
+            <p:ph type="body" sz="quarter" idx="3"/>
+          </p:nvPr>
+        </p:nvSpPr>
+        <p:spPr>
+          <a:xfrm>
+            <a:off x="685800" y="4400550"/>
+            <a:ext cx="5486400" cy="3600450"/>
+          </a:xfrm>
+          <a:prstGeom prst="rect">
+            <a:avLst/>
+          </a:prstGeom>
+        </p:spPr>
+        <p:txBody>
+          <a:bodyPr vert="horz" lIns="91440" tIns="45720" rIns="91440" bIns="45720" rtlCol="0"/>
+          <a:lstStyle/>
+          <a:p>
+            <a:pPr lvl="0"/>
+            <a:r>
+              <a:rPr lang="en-US"/>
+              <a:t>Edit Master text styles</a:t>
+            </a:r>
+          </a:p>
+          <a:p>
+            <a:pPr lvl="1"/>
+            <a:r>
+              <a:rPr lang="en-US"/>
+              <a:t>Second level</a:t>
+            </a:r>
+          </a:p>
+          <a:p>
+            <a:pPr lvl="2"/>
+            <a:r>
+              <a:rPr lang="en-US"/>
+              <a:t>Third level</a:t>
+            </a:r>
+          </a:p>
+          <a:p>
+            <a:pPr lvl="3"/>
+            <a:r>
+              <a:rPr lang="en-US"/>
+              <a:t>Fourth level</a:t>
+            </a:r>
+          </a:p>
+          <a:p>
+            <a:pPr lvl="4"/>
+            <a:r>
+              <a:rPr lang="en-US"/>
+              <a:t>Fifth level</a:t>
+            </a:r>
+            <a:endParaRPr lang="en-IN"/>
+          </a:p>
+        </p:txBody>
+      </p:sp>
+      <p:sp>
+        <p:nvSpPr>
+          <p:cNvPr id="6" name="Footer Placeholder 5"/>
+          <p:cNvSpPr>
+            <a:spLocks noGrp="1"/>
+          </p:cNvSpPr>
+          <p:nvPr>
+            <p:ph type="ftr" sz="quarter" idx="4"/>
+          </p:nvPr>
+        </p:nvSpPr>
+        <p:spPr>
+          <a:xfrm>
+            <a:off x="0" y="8685213"/>
+            <a:ext cx="2971800" cy="458787"/>
+          </a:xfrm>
+          <a:prstGeom prst="rect">
+            <a:avLst/>
+          </a:prstGeom>
+        </p:spPr>
+        <p:txBody>
+          <a:bodyPr vert="horz" lIns="91440" tIns="45720" rIns="91440" bIns="45720" rtlCol="0" anchor="b"/>
+          <a:lstStyle>
+            <a:lvl1pPr algn="l">
+              <a:defRPr sz="1200"/>
+            </a:lvl1pPr>
+          </a:lstStyle>
+          <a:p>
+            <a:endParaRPr lang="en-IN"/>
+          </a:p>
+        </p:txBody>
+      </p:sp>
+      <p:sp>
+        <p:nvSpPr>
+          <p:cNvPr id="7" name="Slide Number Placeholder 6"/>
+          <p:cNvSpPr>
+            <a:spLocks noGrp="1"/>
+          </p:cNvSpPr>
+          <p:nvPr>
+            <p:ph type="sldNum" sz="quarter" idx="5"/>
+          </p:nvPr>
+        </p:nvSpPr>
+        <p:spPr>
+          <a:xfrm>
+            <a:off x="3884613" y="8685213"/>
+            <a:ext cx="2971800" cy="458787"/>
+          </a:xfrm>
+          <a:prstGeom prst="rect">
+            <a:avLst/>
+          </a:prstGeom>
+        </p:spPr>
+        <p:txBody>
+          <a:bodyPr vert="horz" lIns="91440" tIns="45720" rIns="91440" bIns="45720" rtlCol="0" anchor="b"/>
+          <a:lstStyle>
+            <a:lvl1pPr algn="r">
+              <a:defRPr sz="1200"/>
+            </a:lvl1pPr>
+          </a:lstStyle>
+          <a:p>
+            <a:fld id="{957504D0-FB09-41F4-AF52-3E0A7537AB2D}" type="slidenum">
+              <a:rPr lang="en-IN" smtClean="0"/>
+              <a:t>‹#›</a:t>
+            </a:fld>
+            <a:endParaRPr lang="en-IN"/>
+          </a:p>
+        </p:txBody>
+      </p:sp>
+    </p:spTree>
+    <p:extLst>
+      <p:ext uri="{BB962C8B-B14F-4D97-AF65-F5344CB8AC3E}">
+        <p14:creationId xmlns:p14="http://schemas.microsoft.com/office/powerpoint/2010/main" val="3211529817"/>
+      </p:ext>
+    </p:extLst>
+  </p:cSld>
+  <p:clrMap bg1="lt1" tx1="dk1" bg2="lt2" tx2="dk2" accent1="accent1" accent2="accent2" accent3="accent3" accent4="accent4" accent5="accent5" accent6="accent6" hlink="hlink" folHlink="folHlink"/>
+  <p:notesStyle>
+    <a:lvl1pPr marL="0" algn="l" defTabSz="914400" rtl="0" eaLnBrk="1" latinLnBrk="0" hangingPunct="1">
+      <a:defRPr sz="1200" kern="1200">
+        <a:solidFill>
+          <a:schemeClr val="tx1"/>
+        </a:solidFill>
+        <a:latin typeface="+mn-lt"/>
+        <a:ea typeface="+mn-ea"/>
+        <a:cs typeface="+mn-cs"/>
+      </a:defRPr>
+    </a:lvl1pPr>
+    <a:lvl2pPr marL="457200" algn="l" defTabSz="914400" rtl="0" eaLnBrk="1" latinLnBrk="0" hangingPunct="1">
+      <a:defRPr sz="1200" kern="1200">
+        <a:solidFill>
+          <a:schemeClr val="tx1"/>
+        </a:solidFill>
+        <a:latin typeface="+mn-lt"/>
+        <a:ea typeface="+mn-ea"/>
+        <a:cs typeface="+mn-cs"/>
+      </a:defRPr>
+    </a:lvl2pPr>
+    <a:lvl3pPr marL="914400" algn="l" defTabSz="914400" rtl="0" eaLnBrk="1" latinLnBrk="0" hangingPunct="1">
+      <a:defRPr sz="1200" kern="1200">
+        <a:solidFill>
+          <a:schemeClr val="tx1"/>
+        </a:solidFill>
+        <a:latin typeface="+mn-lt"/>
+        <a:ea typeface="+mn-ea"/>
+        <a:cs typeface="+mn-cs"/>
+      </a:defRPr>
+    </a:lvl3pPr>
+    <a:lvl4pPr marL="1371600" algn="l" defTabSz="914400" rtl="0" eaLnBrk="1" latinLnBrk="0" hangingPunct="1">
+      <a:defRPr sz="1200" kern="1200">
+        <a:solidFill>
+          <a:schemeClr val="tx1"/>
+        </a:solidFill>
+        <a:latin typeface="+mn-lt"/>
+        <a:ea typeface="+mn-ea"/>
+        <a:cs typeface="+mn-cs"/>
+      </a:defRPr>
+    </a:lvl4pPr>
+    <a:lvl5pPr marL="1828800" algn="l" defTabSz="914400" rtl="0" eaLnBrk="1" latinLnBrk="0" hangingPunct="1">
+      <a:defRPr sz="1200" kern="1200">
+        <a:solidFill>
+          <a:schemeClr val="tx1"/>
+        </a:solidFill>
+        <a:latin typeface="+mn-lt"/>
+        <a:ea typeface="+mn-ea"/>
+        <a:cs typeface="+mn-cs"/>
+      </a:defRPr>
+    </a:lvl5pPr>
+    <a:lvl6pPr marL="2286000" algn="l" defTabSz="914400" rtl="0" eaLnBrk="1" latinLnBrk="0" hangingPunct="1">
+      <a:defRPr sz="1200" kern="1200">
+        <a:solidFill>
+          <a:schemeClr val="tx1"/>
+        </a:solidFill>
+        <a:latin typeface="+mn-lt"/>
+        <a:ea typeface="+mn-ea"/>
+        <a:cs typeface="+mn-cs"/>
+      </a:defRPr>
+    </a:lvl6pPr>
+    <a:lvl7pPr marL="2743200" algn="l" defTabSz="914400" rtl="0" eaLnBrk="1" latinLnBrk="0" hangingPunct="1">
+      <a:defRPr sz="1200" kern="1200">
+        <a:solidFill>
+          <a:schemeClr val="tx1"/>
+        </a:solidFill>
+        <a:latin typeface="+mn-lt"/>
+        <a:ea typeface="+mn-ea"/>
+        <a:cs typeface="+mn-cs"/>
+      </a:defRPr>
+    </a:lvl7pPr>
+    <a:lvl8pPr marL="3200400" algn="l" defTabSz="914400" rtl="0" eaLnBrk="1" latinLnBrk="0" hangingPunct="1">
+      <a:defRPr sz="1200" kern="1200">
+        <a:solidFill>
+          <a:schemeClr val="tx1"/>
+        </a:solidFill>
+        <a:latin typeface="+mn-lt"/>
+        <a:ea typeface="+mn-ea"/>
+        <a:cs typeface="+mn-cs"/>
+      </a:defRPr>
+    </a:lvl8pPr>
+    <a:lvl9pPr marL="3657600" algn="l" defTabSz="914400" rtl="0" eaLnBrk="1" latinLnBrk="0" hangingPunct="1">
+      <a:defRPr sz="1200" kern="1200">
+        <a:solidFill>
+          <a:schemeClr val="tx1"/>
+        </a:solidFill>
+        <a:latin typeface="+mn-lt"/>
+        <a:ea typeface="+mn-ea"/>
+        <a:cs typeface="+mn-cs"/>
+      </a:defRPr>
+    </a:lvl9pPr>
+  </p:notesStyle>
+</p:notesMaster>
+</file>
+
 <file path=ppt/slideLayouts/slideLayout1.xml><?xml version="1.0" encoding="utf-8"?>
 <p:sldLayout xmlns:a="http://schemas.openxmlformats.org/drawingml/2006/main" xmlns:r="http://schemas.openxmlformats.org/officeDocument/2006/relationships" xmlns:p="http://schemas.openxmlformats.org/presentationml/2006/main" type="title" preserve="1">
   <p:cSld name="Title Slide">
@@ -1137,7 +1496,7 @@
           <a:p>
             <a:fld id="{ABA92BD0-17E5-4CD3-8A8A-078C365EACCB}" type="datetimeFigureOut">
               <a:rPr lang="en-IN" smtClean="0"/>
-              <a:t>24-08-2024</a:t>
+              <a:t>05-09-2024</a:t>
             </a:fld>
             <a:endParaRPr lang="en-IN"/>
           </a:p>
@@ -1337,7 +1696,7 @@
           <a:p>
             <a:fld id="{ABA92BD0-17E5-4CD3-8A8A-078C365EACCB}" type="datetimeFigureOut">
               <a:rPr lang="en-IN" smtClean="0"/>
-              <a:t>24-08-2024</a:t>
+              <a:t>05-09-2024</a:t>
             </a:fld>
             <a:endParaRPr lang="en-IN"/>
           </a:p>
@@ -1547,7 +1906,7 @@
           <a:p>
             <a:fld id="{ABA92BD0-17E5-4CD3-8A8A-078C365EACCB}" type="datetimeFigureOut">
               <a:rPr lang="en-IN" smtClean="0"/>
-              <a:t>24-08-2024</a:t>
+              <a:t>05-09-2024</a:t>
             </a:fld>
             <a:endParaRPr lang="en-IN"/>
           </a:p>
@@ -1747,7 +2106,7 @@
           <a:p>
             <a:fld id="{ABA92BD0-17E5-4CD3-8A8A-078C365EACCB}" type="datetimeFigureOut">
               <a:rPr lang="en-IN" smtClean="0"/>
-              <a:t>24-08-2024</a:t>
+              <a:t>05-09-2024</a:t>
             </a:fld>
             <a:endParaRPr lang="en-IN"/>
           </a:p>
@@ -2023,7 +2382,7 @@
           <a:p>
             <a:fld id="{ABA92BD0-17E5-4CD3-8A8A-078C365EACCB}" type="datetimeFigureOut">
               <a:rPr lang="en-IN" smtClean="0"/>
-              <a:t>24-08-2024</a:t>
+              <a:t>05-09-2024</a:t>
             </a:fld>
             <a:endParaRPr lang="en-IN"/>
           </a:p>
@@ -2291,7 +2650,7 @@
           <a:p>
             <a:fld id="{ABA92BD0-17E5-4CD3-8A8A-078C365EACCB}" type="datetimeFigureOut">
               <a:rPr lang="en-IN" smtClean="0"/>
-              <a:t>24-08-2024</a:t>
+              <a:t>05-09-2024</a:t>
             </a:fld>
             <a:endParaRPr lang="en-IN"/>
           </a:p>
@@ -2706,7 +3065,7 @@
           <a:p>
             <a:fld id="{ABA92BD0-17E5-4CD3-8A8A-078C365EACCB}" type="datetimeFigureOut">
               <a:rPr lang="en-IN" smtClean="0"/>
-              <a:t>24-08-2024</a:t>
+              <a:t>05-09-2024</a:t>
             </a:fld>
             <a:endParaRPr lang="en-IN"/>
           </a:p>
@@ -2848,7 +3207,7 @@
           <a:p>
             <a:fld id="{ABA92BD0-17E5-4CD3-8A8A-078C365EACCB}" type="datetimeFigureOut">
               <a:rPr lang="en-IN" smtClean="0"/>
-              <a:t>24-08-2024</a:t>
+              <a:t>05-09-2024</a:t>
             </a:fld>
             <a:endParaRPr lang="en-IN"/>
           </a:p>
@@ -2961,7 +3320,7 @@
           <a:p>
             <a:fld id="{ABA92BD0-17E5-4CD3-8A8A-078C365EACCB}" type="datetimeFigureOut">
               <a:rPr lang="en-IN" smtClean="0"/>
-              <a:t>24-08-2024</a:t>
+              <a:t>05-09-2024</a:t>
             </a:fld>
             <a:endParaRPr lang="en-IN"/>
           </a:p>
@@ -3274,7 +3633,7 @@
           <a:p>
             <a:fld id="{ABA92BD0-17E5-4CD3-8A8A-078C365EACCB}" type="datetimeFigureOut">
               <a:rPr lang="en-IN" smtClean="0"/>
-              <a:t>24-08-2024</a:t>
+              <a:t>05-09-2024</a:t>
             </a:fld>
             <a:endParaRPr lang="en-IN"/>
           </a:p>
@@ -3563,7 +3922,7 @@
           <a:p>
             <a:fld id="{ABA92BD0-17E5-4CD3-8A8A-078C365EACCB}" type="datetimeFigureOut">
               <a:rPr lang="en-IN" smtClean="0"/>
-              <a:t>24-08-2024</a:t>
+              <a:t>05-09-2024</a:t>
             </a:fld>
             <a:endParaRPr lang="en-IN"/>
           </a:p>
@@ -3806,7 +4165,7 @@
           <a:p>
             <a:fld id="{ABA92BD0-17E5-4CD3-8A8A-078C365EACCB}" type="datetimeFigureOut">
               <a:rPr lang="en-IN" smtClean="0"/>
-              <a:t>24-08-2024</a:t>
+              <a:t>05-09-2024</a:t>
             </a:fld>
             <a:endParaRPr lang="en-IN"/>
           </a:p>
@@ -4341,6 +4700,106 @@
 </p:sld>
 </file>
 
+<file path=ppt/slides/slide3.xml><?xml version="1.0" encoding="utf-8"?>
+<p:sld xmlns:a="http://schemas.openxmlformats.org/drawingml/2006/main" xmlns:r="http://schemas.openxmlformats.org/officeDocument/2006/relationships" xmlns:p="http://schemas.openxmlformats.org/presentationml/2006/main">
+  <p:cSld>
+    <p:spTree>
+      <p:nvGrpSpPr>
+        <p:cNvPr id="1" name=""/>
+        <p:cNvGrpSpPr/>
+        <p:nvPr/>
+      </p:nvGrpSpPr>
+      <p:grpSpPr>
+        <a:xfrm>
+          <a:off x="0" y="0"/>
+          <a:ext cx="0" cy="0"/>
+          <a:chOff x="0" y="0"/>
+          <a:chExt cx="0" cy="0"/>
+        </a:xfrm>
+      </p:grpSpPr>
+      <p:sp>
+        <p:nvSpPr>
+          <p:cNvPr id="3" name="Footer Placeholder 2">
+            <a:extLst>
+              <a:ext uri="{FF2B5EF4-FFF2-40B4-BE49-F238E27FC236}">
+                <a16:creationId xmlns:a16="http://schemas.microsoft.com/office/drawing/2014/main" id="{DAF5AB59-A2ED-4DA4-A7FA-C90BE9D52D60}"/>
+              </a:ext>
+            </a:extLst>
+          </p:cNvPr>
+          <p:cNvSpPr>
+            <a:spLocks noGrp="1"/>
+          </p:cNvSpPr>
+          <p:nvPr>
+            <p:ph type="ftr" sz="quarter" idx="11"/>
+          </p:nvPr>
+        </p:nvSpPr>
+        <p:spPr/>
+        <p:txBody>
+          <a:bodyPr/>
+          <a:lstStyle/>
+          <a:p>
+            <a:r>
+              <a:rPr lang="en-IN" dirty="0"/>
+              <a:t>Machine Learning Clustering Algorithms</a:t>
+            </a:r>
+          </a:p>
+        </p:txBody>
+      </p:sp>
+      <p:sp>
+        <p:nvSpPr>
+          <p:cNvPr id="4" name="TextBox 3">
+            <a:extLst>
+              <a:ext uri="{FF2B5EF4-FFF2-40B4-BE49-F238E27FC236}">
+                <a16:creationId xmlns:a16="http://schemas.microsoft.com/office/drawing/2014/main" id="{D5A70246-F957-4C92-8A18-7658DBEB3C73}"/>
+              </a:ext>
+            </a:extLst>
+          </p:cNvPr>
+          <p:cNvSpPr txBox="1"/>
+          <p:nvPr/>
+        </p:nvSpPr>
+        <p:spPr>
+          <a:xfrm>
+            <a:off x="1435108" y="2826640"/>
+            <a:ext cx="9321783" cy="584775"/>
+          </a:xfrm>
+          <a:prstGeom prst="rect">
+            <a:avLst/>
+          </a:prstGeom>
+          <a:noFill/>
+        </p:spPr>
+        <p:txBody>
+          <a:bodyPr wrap="none" rtlCol="0">
+            <a:spAutoFit/>
+          </a:bodyPr>
+          <a:lstStyle/>
+          <a:p>
+            <a:r>
+              <a:rPr lang="en-US" sz="3200" dirty="0">
+                <a:latin typeface="Cascadia Code" panose="020B0609020000020004" pitchFamily="49" charset="0"/>
+                <a:cs typeface="Cascadia Code" panose="020B0609020000020004" pitchFamily="49" charset="0"/>
+              </a:rPr>
+              <a:t>Machine Learning Clustering Algorithms</a:t>
+            </a:r>
+            <a:endParaRPr lang="en-IN" sz="3200" dirty="0">
+              <a:latin typeface="Cascadia Code" panose="020B0609020000020004" pitchFamily="49" charset="0"/>
+              <a:cs typeface="Cascadia Code" panose="020B0609020000020004" pitchFamily="49" charset="0"/>
+            </a:endParaRPr>
+          </a:p>
+        </p:txBody>
+      </p:sp>
+    </p:spTree>
+    <p:extLst>
+      <p:ext uri="{BB962C8B-B14F-4D97-AF65-F5344CB8AC3E}">
+        <p14:creationId xmlns:p14="http://schemas.microsoft.com/office/powerpoint/2010/main" val="2181389527"/>
+      </p:ext>
+    </p:extLst>
+  </p:cSld>
+  <p:clrMapOvr>
+    <a:masterClrMapping/>
+  </p:clrMapOvr>
+</p:sld>
+</file>
+
 <file path=ppt/theme/theme1.xml><?xml version="1.0" encoding="utf-8"?>
 <a:theme xmlns:a="http://schemas.openxmlformats.org/drawingml/2006/main" name="Office Theme">
   <a:themeElements>
@@ -4634,4 +5093,299 @@
     </a:ext>
   </a:extLst>
 </a:theme>
+</file>
+
+<file path=ppt/theme/theme2.xml><?xml version="1.0" encoding="utf-8"?>
+<a:theme xmlns:a="http://schemas.openxmlformats.org/drawingml/2006/main" name="Office Theme">
+  <a:themeElements>
+    <a:clrScheme name="Office">
+      <a:dk1>
+        <a:sysClr val="windowText" lastClr="000000"/>
+      </a:dk1>
+      <a:lt1>
+        <a:sysClr val="window" lastClr="FFFFFF"/>
+      </a:lt1>
+      <a:dk2>
+        <a:srgbClr val="44546A"/>
+      </a:dk2>
+      <a:lt2>
+        <a:srgbClr val="E7E6E6"/>
+      </a:lt2>
+      <a:accent1>
+        <a:srgbClr val="4472C4"/>
+      </a:accent1>
+      <a:accent2>
+        <a:srgbClr val="ED7D31"/>
+      </a:accent2>
+      <a:accent3>
+        <a:srgbClr val="A5A5A5"/>
+      </a:accent3>
+      <a:accent4>
+        <a:srgbClr val="FFC000"/>
+      </a:accent4>
+      <a:accent5>
+        <a:srgbClr val="5B9BD5"/>
+      </a:accent5>
+      <a:accent6>
+        <a:srgbClr val="70AD47"/>
+      </a:accent6>
+      <a:hlink>
+        <a:srgbClr val="0563C1"/>
+      </a:hlink>
+      <a:folHlink>
+        <a:srgbClr val="954F72"/>
+      </a:folHlink>
+    </a:clrScheme>
+    <a:fontScheme name="Office">
+      <a:majorFont>
+        <a:latin typeface="Calibri Light" panose="020F0302020204030204"/>
+        <a:ea typeface=""/>
+        <a:cs typeface=""/>
+        <a:font script="Jpan" typeface="游ゴシック Light"/>
+        <a:font script="Hang" typeface="맑은 고딕"/>
+        <a:font script="Hans" typeface="等线 Light"/>
+        <a:font script="Hant" typeface="新細明體"/>
+        <a:font script="Arab" typeface="Times New Roman"/>
+        <a:font script="Hebr" typeface="Times New Roman"/>
+        <a:font script="Thai" typeface="Angsana New"/>
+        <a:font script="Ethi" typeface="Nyala"/>
+        <a:font script="Beng" typeface="Vrinda"/>
+        <a:font script="Gujr" typeface="Shruti"/>
+        <a:font script="Khmr" typeface="MoolBoran"/>
+        <a:font script="Knda" typeface="Tunga"/>
+        <a:font script="Guru" typeface="Raavi"/>
+        <a:font script="Cans" typeface="Euphemia"/>
+        <a:font script="Cher" typeface="Plantagenet Cherokee"/>
+        <a:font script="Yiii" typeface="Microsoft Yi Baiti"/>
+        <a:font script="Tibt" typeface="Microsoft Himalaya"/>
+        <a:font script="Thaa" typeface="MV Boli"/>
+        <a:font script="Deva" typeface="Mangal"/>
+        <a:font script="Telu" typeface="Gautami"/>
+        <a:font script="Taml" typeface="Latha"/>
+        <a:font script="Syrc" typeface="Estrangelo Edessa"/>
+        <a:font script="Orya" typeface="Kalinga"/>
+        <a:font script="Mlym" typeface="Kartika"/>
+        <a:font script="Laoo" typeface="DokChampa"/>
+        <a:font script="Sinh" typeface="Iskoola Pota"/>
+        <a:font script="Mong" typeface="Mongolian Baiti"/>
+        <a:font script="Viet" typeface="Times New Roman"/>
+        <a:font script="Uigh" typeface="Microsoft Uighur"/>
+        <a:font script="Geor" typeface="Sylfaen"/>
+        <a:font script="Armn" typeface="Arial"/>
+        <a:font script="Bugi" typeface="Leelawadee UI"/>
+        <a:font script="Bopo" typeface="Microsoft JhengHei"/>
+        <a:font script="Java" typeface="Javanese Text"/>
+        <a:font script="Lisu" typeface="Segoe UI"/>
+        <a:font script="Mymr" typeface="Myanmar Text"/>
+        <a:font script="Nkoo" typeface="Ebrima"/>
+        <a:font script="Olck" typeface="Nirmala UI"/>
+        <a:font script="Osma" typeface="Ebrima"/>
+        <a:font script="Phag" typeface="Phagspa"/>
+        <a:font script="Syrn" typeface="Estrangelo Edessa"/>
+        <a:font script="Syrj" typeface="Estrangelo Edessa"/>
+        <a:font script="Syre" typeface="Estrangelo Edessa"/>
+        <a:font script="Sora" typeface="Nirmala UI"/>
+        <a:font script="Tale" typeface="Microsoft Tai Le"/>
+        <a:font script="Talu" typeface="Microsoft New Tai Lue"/>
+        <a:font script="Tfng" typeface="Ebrima"/>
+      </a:majorFont>
+      <a:minorFont>
+        <a:latin typeface="Calibri" panose="020F0502020204030204"/>
+        <a:ea typeface=""/>
+        <a:cs typeface=""/>
+        <a:font script="Jpan" typeface="游ゴシック"/>
+        <a:font script="Hang" typeface="맑은 고딕"/>
+        <a:font script="Hans" typeface="等线"/>
+        <a:font script="Hant" typeface="新細明體"/>
+        <a:font script="Arab" typeface="Arial"/>
+        <a:font script="Hebr" typeface="Arial"/>
+        <a:font script="Thai" typeface="Cordia New"/>
+        <a:font script="Ethi" typeface="Nyala"/>
+        <a:font script="Beng" typeface="Vrinda"/>
+        <a:font script="Gujr" typeface="Shruti"/>
+        <a:font script="Khmr" typeface="DaunPenh"/>
+        <a:font script="Knda" typeface="Tunga"/>
+        <a:font script="Guru" typeface="Raavi"/>
+        <a:font script="Cans" typeface="Euphemia"/>
+        <a:font script="Cher" typeface="Plantagenet Cherokee"/>
+        <a:font script="Yiii" typeface="Microsoft Yi Baiti"/>
+        <a:font script="Tibt" typeface="Microsoft Himalaya"/>
+        <a:font script="Thaa" typeface="MV Boli"/>
+        <a:font script="Deva" typeface="Mangal"/>
+        <a:font script="Telu" typeface="Gautami"/>
+        <a:font script="Taml" typeface="Latha"/>
+        <a:font script="Syrc" typeface="Estrangelo Edessa"/>
+        <a:font script="Orya" typeface="Kalinga"/>
+        <a:font script="Mlym" typeface="Kartika"/>
+        <a:font script="Laoo" typeface="DokChampa"/>
+        <a:font script="Sinh" typeface="Iskoola Pota"/>
+        <a:font script="Mong" typeface="Mongolian Baiti"/>
+        <a:font script="Viet" typeface="Arial"/>
+        <a:font script="Uigh" typeface="Microsoft Uighur"/>
+        <a:font script="Geor" typeface="Sylfaen"/>
+        <a:font script="Armn" typeface="Arial"/>
+        <a:font script="Bugi" typeface="Leelawadee UI"/>
+        <a:font script="Bopo" typeface="Microsoft JhengHei"/>
+        <a:font script="Java" typeface="Javanese Text"/>
+        <a:font script="Lisu" typeface="Segoe UI"/>
+        <a:font script="Mymr" typeface="Myanmar Text"/>
+        <a:font script="Nkoo" typeface="Ebrima"/>
+        <a:font script="Olck" typeface="Nirmala UI"/>
+        <a:font script="Osma" typeface="Ebrima"/>
+        <a:font script="Phag" typeface="Phagspa"/>
+        <a:font script="Syrn" typeface="Estrangelo Edessa"/>
+        <a:font script="Syrj" typeface="Estrangelo Edessa"/>
+        <a:font script="Syre" typeface="Estrangelo Edessa"/>
+        <a:font script="Sora" typeface="Nirmala UI"/>
+        <a:font script="Tale" typeface="Microsoft Tai Le"/>
+        <a:font script="Talu" typeface="Microsoft New Tai Lue"/>
+        <a:font script="Tfng" typeface="Ebrima"/>
+      </a:minorFont>
+    </a:fontScheme>
+    <a:fmtScheme name="Office">
+      <a:fillStyleLst>
+        <a:solidFill>
+          <a:schemeClr val="phClr"/>
+        </a:solidFill>
+        <a:gradFill rotWithShape="1">
+          <a:gsLst>
+            <a:gs pos="0">
+              <a:schemeClr val="phClr">
+                <a:lumMod val="110000"/>
+                <a:satMod val="105000"/>
+                <a:tint val="67000"/>
+              </a:schemeClr>
+            </a:gs>
+            <a:gs pos="50000">
+              <a:schemeClr val="phClr">
+                <a:lumMod val="105000"/>
+                <a:satMod val="103000"/>
+                <a:tint val="73000"/>
+              </a:schemeClr>
+            </a:gs>
+            <a:gs pos="100000">
+              <a:schemeClr val="phClr">
+                <a:lumMod val="105000"/>
+                <a:satMod val="109000"/>
+                <a:tint val="81000"/>
+              </a:schemeClr>
+            </a:gs>
+          </a:gsLst>
+          <a:lin ang="5400000" scaled="0"/>
+        </a:gradFill>
+        <a:gradFill rotWithShape="1">
+          <a:gsLst>
+            <a:gs pos="0">
+              <a:schemeClr val="phClr">
+                <a:satMod val="103000"/>
+                <a:lumMod val="102000"/>
+                <a:tint val="94000"/>
+              </a:schemeClr>
+            </a:gs>
+            <a:gs pos="50000">
+              <a:schemeClr val="phClr">
+                <a:satMod val="110000"/>
+                <a:lumMod val="100000"/>
+                <a:shade val="100000"/>
+              </a:schemeClr>
+            </a:gs>
+            <a:gs pos="100000">
+              <a:schemeClr val="phClr">
+                <a:lumMod val="99000"/>
+                <a:satMod val="120000"/>
+                <a:shade val="78000"/>
+              </a:schemeClr>
+            </a:gs>
+          </a:gsLst>
+          <a:lin ang="5400000" scaled="0"/>
+        </a:gradFill>
+      </a:fillStyleLst>
+      <a:lnStyleLst>
+        <a:ln w="6350" cap="flat" cmpd="sng" algn="ctr">
+          <a:solidFill>
+            <a:schemeClr val="phClr"/>
+          </a:solidFill>
+          <a:prstDash val="solid"/>
+          <a:miter lim="800000"/>
+        </a:ln>
+        <a:ln w="12700" cap="flat" cmpd="sng" algn="ctr">
+          <a:solidFill>
+            <a:schemeClr val="phClr"/>
+          </a:solidFill>
+          <a:prstDash val="solid"/>
+          <a:miter lim="800000"/>
+        </a:ln>
+        <a:ln w="19050" cap="flat" cmpd="sng" algn="ctr">
+          <a:solidFill>
+            <a:schemeClr val="phClr"/>
+          </a:solidFill>
+          <a:prstDash val="solid"/>
+          <a:miter lim="800000"/>
+        </a:ln>
+      </a:lnStyleLst>
+      <a:effectStyleLst>
+        <a:effectStyle>
+          <a:effectLst/>
+        </a:effectStyle>
+        <a:effectStyle>
+          <a:effectLst/>
+        </a:effectStyle>
+        <a:effectStyle>
+          <a:effectLst>
+            <a:outerShdw blurRad="57150" dist="19050" dir="5400000" algn="ctr" rotWithShape="0">
+              <a:srgbClr val="000000">
+                <a:alpha val="63000"/>
+              </a:srgbClr>
+            </a:outerShdw>
+          </a:effectLst>
+        </a:effectStyle>
+      </a:effectStyleLst>
+      <a:bgFillStyleLst>
+        <a:solidFill>
+          <a:schemeClr val="phClr"/>
+        </a:solidFill>
+        <a:solidFill>
+          <a:schemeClr val="phClr">
+            <a:tint val="95000"/>
+            <a:satMod val="170000"/>
+          </a:schemeClr>
+        </a:solidFill>
+        <a:gradFill rotWithShape="1">
+          <a:gsLst>
+            <a:gs pos="0">
+              <a:schemeClr val="phClr">
+                <a:tint val="93000"/>
+                <a:satMod val="150000"/>
+                <a:shade val="98000"/>
+                <a:lumMod val="102000"/>
+              </a:schemeClr>
+            </a:gs>
+            <a:gs pos="50000">
+              <a:schemeClr val="phClr">
+                <a:tint val="98000"/>
+                <a:satMod val="130000"/>
+                <a:shade val="90000"/>
+                <a:lumMod val="103000"/>
+              </a:schemeClr>
+            </a:gs>
+            <a:gs pos="100000">
+              <a:schemeClr val="phClr">
+                <a:shade val="63000"/>
+                <a:satMod val="120000"/>
+              </a:schemeClr>
+            </a:gs>
+          </a:gsLst>
+          <a:lin ang="5400000" scaled="0"/>
+        </a:gradFill>
+      </a:bgFillStyleLst>
+    </a:fmtScheme>
+  </a:themeElements>
+  <a:objectDefaults/>
+  <a:extraClrSchemeLst/>
+  <a:extLst>
+    <a:ext uri="{05A4C25C-085E-4340-85A3-A5531E510DB2}">
+      <thm15:themeFamily xmlns:thm15="http://schemas.microsoft.com/office/thememl/2012/main" name="Office Theme" id="{62F939B6-93AF-4DB8-9C6B-D6C7DFDC589F}" vid="{4A3C46E8-61CC-4603-A589-7422A47A8E4A}"/>
+    </a:ext>
+  </a:extLst>
+</a:theme>
 </file>
--- a/MLClusteringAlgorithms.pptx
+++ b/MLClusteringAlgorithms.pptx
@@ -5,22 +5,36 @@
     <p:sldMasterId id="2147483648" r:id="rId1"/>
   </p:sldMasterIdLst>
   <p:notesMasterIdLst>
-    <p:notesMasterId r:id="rId15"/>
+    <p:notesMasterId r:id="rId29"/>
   </p:notesMasterIdLst>
   <p:sldIdLst>
     <p:sldId id="256" r:id="rId2"/>
     <p:sldId id="264" r:id="rId3"/>
     <p:sldId id="257" r:id="rId4"/>
-    <p:sldId id="265" r:id="rId5"/>
-    <p:sldId id="258" r:id="rId6"/>
-    <p:sldId id="259" r:id="rId7"/>
-    <p:sldId id="260" r:id="rId8"/>
-    <p:sldId id="262" r:id="rId9"/>
-    <p:sldId id="266" r:id="rId10"/>
-    <p:sldId id="267" r:id="rId11"/>
-    <p:sldId id="268" r:id="rId12"/>
-    <p:sldId id="269" r:id="rId13"/>
-    <p:sldId id="270" r:id="rId14"/>
+    <p:sldId id="279" r:id="rId5"/>
+    <p:sldId id="265" r:id="rId6"/>
+    <p:sldId id="258" r:id="rId7"/>
+    <p:sldId id="259" r:id="rId8"/>
+    <p:sldId id="260" r:id="rId9"/>
+    <p:sldId id="262" r:id="rId10"/>
+    <p:sldId id="266" r:id="rId11"/>
+    <p:sldId id="267" r:id="rId12"/>
+    <p:sldId id="268" r:id="rId13"/>
+    <p:sldId id="269" r:id="rId14"/>
+    <p:sldId id="270" r:id="rId15"/>
+    <p:sldId id="271" r:id="rId16"/>
+    <p:sldId id="272" r:id="rId17"/>
+    <p:sldId id="277" r:id="rId18"/>
+    <p:sldId id="278" r:id="rId19"/>
+    <p:sldId id="280" r:id="rId20"/>
+    <p:sldId id="281" r:id="rId21"/>
+    <p:sldId id="282" r:id="rId22"/>
+    <p:sldId id="283" r:id="rId23"/>
+    <p:sldId id="284" r:id="rId24"/>
+    <p:sldId id="285" r:id="rId25"/>
+    <p:sldId id="286" r:id="rId26"/>
+    <p:sldId id="287" r:id="rId27"/>
+    <p:sldId id="288" r:id="rId28"/>
   </p:sldIdLst>
   <p:sldSz cx="12192000" cy="6858000"/>
   <p:notesSz cx="6858000" cy="9144000"/>
@@ -540,6 +554,386 @@
           <c:layoutTarget val="inner"/>
           <c:xMode val="edge"/>
           <c:yMode val="edge"/>
+          <c:x val="0.10022910238451549"/>
+          <c:y val="4.0708794818003068E-2"/>
+          <c:w val="0.93161564960629917"/>
+          <c:h val="0.82951139090112014"/>
+        </c:manualLayout>
+      </c:layout>
+      <c:scatterChart>
+        <c:scatterStyle val="lineMarker"/>
+        <c:varyColors val="0"/>
+        <c:ser>
+          <c:idx val="0"/>
+          <c:order val="0"/>
+          <c:spPr>
+            <a:ln w="25400" cap="rnd">
+              <a:noFill/>
+              <a:round/>
+            </a:ln>
+            <a:effectLst/>
+          </c:spPr>
+          <c:marker>
+            <c:symbol val="circle"/>
+            <c:size val="5"/>
+            <c:spPr>
+              <a:gradFill rotWithShape="1">
+                <a:gsLst>
+                  <a:gs pos="0">
+                    <a:schemeClr val="accent1">
+                      <a:satMod val="103000"/>
+                      <a:lumMod val="102000"/>
+                      <a:tint val="94000"/>
+                    </a:schemeClr>
+                  </a:gs>
+                  <a:gs pos="50000">
+                    <a:schemeClr val="accent1">
+                      <a:satMod val="110000"/>
+                      <a:lumMod val="100000"/>
+                      <a:shade val="100000"/>
+                    </a:schemeClr>
+                  </a:gs>
+                  <a:gs pos="100000">
+                    <a:schemeClr val="accent1">
+                      <a:lumMod val="99000"/>
+                      <a:satMod val="120000"/>
+                      <a:shade val="78000"/>
+                    </a:schemeClr>
+                  </a:gs>
+                </a:gsLst>
+                <a:lin ang="5400000" scaled="0"/>
+              </a:gradFill>
+              <a:ln w="9525">
+                <a:solidFill>
+                  <a:schemeClr val="accent1"/>
+                </a:solidFill>
+                <a:round/>
+              </a:ln>
+              <a:effectLst/>
+            </c:spPr>
+          </c:marker>
+          <c:xVal>
+            <c:numRef>
+              <c:f>Sheet1!$A$2:$A$20</c:f>
+              <c:numCache>
+                <c:formatCode>General</c:formatCode>
+                <c:ptCount val="19"/>
+                <c:pt idx="0">
+                  <c:v>2</c:v>
+                </c:pt>
+                <c:pt idx="1">
+                  <c:v>2</c:v>
+                </c:pt>
+                <c:pt idx="2">
+                  <c:v>8</c:v>
+                </c:pt>
+                <c:pt idx="3">
+                  <c:v>5</c:v>
+                </c:pt>
+                <c:pt idx="4">
+                  <c:v>7</c:v>
+                </c:pt>
+                <c:pt idx="5">
+                  <c:v>6</c:v>
+                </c:pt>
+                <c:pt idx="6">
+                  <c:v>1</c:v>
+                </c:pt>
+                <c:pt idx="7">
+                  <c:v>4</c:v>
+                </c:pt>
+                <c:pt idx="8">
+                  <c:v>6</c:v>
+                </c:pt>
+                <c:pt idx="9">
+                  <c:v>4</c:v>
+                </c:pt>
+                <c:pt idx="10">
+                  <c:v>4</c:v>
+                </c:pt>
+                <c:pt idx="11">
+                  <c:v>4</c:v>
+                </c:pt>
+                <c:pt idx="12">
+                  <c:v>3</c:v>
+                </c:pt>
+                <c:pt idx="13">
+                  <c:v>3</c:v>
+                </c:pt>
+                <c:pt idx="14">
+                  <c:v>5</c:v>
+                </c:pt>
+                <c:pt idx="15">
+                  <c:v>4</c:v>
+                </c:pt>
+                <c:pt idx="16">
+                  <c:v>7</c:v>
+                </c:pt>
+                <c:pt idx="17">
+                  <c:v>7</c:v>
+                </c:pt>
+                <c:pt idx="18">
+                  <c:v>8</c:v>
+                </c:pt>
+              </c:numCache>
+            </c:numRef>
+          </c:xVal>
+          <c:yVal>
+            <c:numRef>
+              <c:f>Sheet1!$B$2:$B$20</c:f>
+              <c:numCache>
+                <c:formatCode>General</c:formatCode>
+                <c:ptCount val="19"/>
+                <c:pt idx="0">
+                  <c:v>10</c:v>
+                </c:pt>
+                <c:pt idx="1">
+                  <c:v>5</c:v>
+                </c:pt>
+                <c:pt idx="2">
+                  <c:v>4</c:v>
+                </c:pt>
+                <c:pt idx="3">
+                  <c:v>8</c:v>
+                </c:pt>
+                <c:pt idx="4">
+                  <c:v>5</c:v>
+                </c:pt>
+                <c:pt idx="5">
+                  <c:v>4</c:v>
+                </c:pt>
+                <c:pt idx="6">
+                  <c:v>2</c:v>
+                </c:pt>
+                <c:pt idx="7">
+                  <c:v>9</c:v>
+                </c:pt>
+                <c:pt idx="8">
+                  <c:v>10</c:v>
+                </c:pt>
+                <c:pt idx="9">
+                  <c:v>2</c:v>
+                </c:pt>
+                <c:pt idx="10">
+                  <c:v>5</c:v>
+                </c:pt>
+                <c:pt idx="11">
+                  <c:v>3</c:v>
+                </c:pt>
+                <c:pt idx="12">
+                  <c:v>3</c:v>
+                </c:pt>
+                <c:pt idx="13">
+                  <c:v>4</c:v>
+                </c:pt>
+                <c:pt idx="14">
+                  <c:v>10</c:v>
+                </c:pt>
+                <c:pt idx="15">
+                  <c:v>10</c:v>
+                </c:pt>
+                <c:pt idx="16">
+                  <c:v>2</c:v>
+                </c:pt>
+                <c:pt idx="17">
+                  <c:v>4</c:v>
+                </c:pt>
+                <c:pt idx="18">
+                  <c:v>4</c:v>
+                </c:pt>
+              </c:numCache>
+            </c:numRef>
+          </c:yVal>
+          <c:smooth val="0"/>
+          <c:extLst>
+            <c:ext xmlns:c15="http://schemas.microsoft.com/office/drawing/2012/chart" uri="{02D57815-91ED-43cb-92C2-25804820EDAC}">
+              <c15:filteredSeriesTitle>
+                <c15:tx>
+                  <c:strRef>
+                    <c:extLst>
+                      <c:ext uri="{02D57815-91ED-43cb-92C2-25804820EDAC}">
+                        <c15:formulaRef>
+                          <c15:sqref>Sheet1!$B$1</c15:sqref>
+                        </c15:formulaRef>
+                      </c:ext>
+                    </c:extLst>
+                    <c:strCache>
+                      <c:ptCount val="1"/>
+                      <c:pt idx="0">
+                        <c:v>Y-Values</c:v>
+                      </c:pt>
+                    </c:strCache>
+                  </c:strRef>
+                </c15:tx>
+              </c15:filteredSeriesTitle>
+            </c:ext>
+            <c:ext xmlns:c16="http://schemas.microsoft.com/office/drawing/2014/chart" uri="{C3380CC4-5D6E-409C-BE32-E72D297353CC}">
+              <c16:uniqueId val="{00000000-93FE-4FDB-A1BA-C4B5226C213F}"/>
+            </c:ext>
+          </c:extLst>
+        </c:ser>
+        <c:dLbls>
+          <c:showLegendKey val="0"/>
+          <c:showVal val="0"/>
+          <c:showCatName val="0"/>
+          <c:showSerName val="0"/>
+          <c:showPercent val="0"/>
+          <c:showBubbleSize val="0"/>
+        </c:dLbls>
+        <c:axId val="371758256"/>
+        <c:axId val="371758912"/>
+      </c:scatterChart>
+      <c:valAx>
+        <c:axId val="371758256"/>
+        <c:scaling>
+          <c:orientation val="minMax"/>
+        </c:scaling>
+        <c:delete val="0"/>
+        <c:axPos val="b"/>
+        <c:numFmt formatCode="General" sourceLinked="1"/>
+        <c:majorTickMark val="none"/>
+        <c:minorTickMark val="none"/>
+        <c:tickLblPos val="nextTo"/>
+        <c:spPr>
+          <a:noFill/>
+          <a:ln>
+            <a:solidFill>
+              <a:schemeClr val="tx2">
+                <a:lumMod val="40000"/>
+                <a:lumOff val="60000"/>
+              </a:schemeClr>
+            </a:solidFill>
+          </a:ln>
+          <a:effectLst/>
+        </c:spPr>
+        <c:txPr>
+          <a:bodyPr rot="-60000000" spcFirstLastPara="1" vertOverflow="ellipsis" vert="horz" wrap="square" anchor="ctr" anchorCtr="1"/>
+          <a:lstStyle/>
+          <a:p>
+            <a:pPr>
+              <a:defRPr sz="1197" b="0" i="0" u="none" strike="noStrike" kern="1200" baseline="0">
+                <a:solidFill>
+                  <a:schemeClr val="tx2"/>
+                </a:solidFill>
+                <a:latin typeface="+mn-lt"/>
+                <a:ea typeface="+mn-ea"/>
+                <a:cs typeface="+mn-cs"/>
+              </a:defRPr>
+            </a:pPr>
+            <a:endParaRPr lang="en-US"/>
+          </a:p>
+        </c:txPr>
+        <c:crossAx val="371758912"/>
+        <c:crosses val="autoZero"/>
+        <c:crossBetween val="midCat"/>
+      </c:valAx>
+      <c:valAx>
+        <c:axId val="371758912"/>
+        <c:scaling>
+          <c:orientation val="minMax"/>
+        </c:scaling>
+        <c:delete val="0"/>
+        <c:axPos val="l"/>
+        <c:numFmt formatCode="General" sourceLinked="1"/>
+        <c:majorTickMark val="none"/>
+        <c:minorTickMark val="none"/>
+        <c:tickLblPos val="nextTo"/>
+        <c:spPr>
+          <a:noFill/>
+          <a:ln>
+            <a:solidFill>
+              <a:schemeClr val="tx2">
+                <a:lumMod val="40000"/>
+                <a:lumOff val="60000"/>
+              </a:schemeClr>
+            </a:solidFill>
+          </a:ln>
+          <a:effectLst/>
+        </c:spPr>
+        <c:txPr>
+          <a:bodyPr rot="-60000000" spcFirstLastPara="1" vertOverflow="ellipsis" vert="horz" wrap="square" anchor="ctr" anchorCtr="1"/>
+          <a:lstStyle/>
+          <a:p>
+            <a:pPr>
+              <a:defRPr sz="1197" b="0" i="0" u="none" strike="noStrike" kern="1200" baseline="0">
+                <a:solidFill>
+                  <a:schemeClr val="tx2"/>
+                </a:solidFill>
+                <a:latin typeface="+mn-lt"/>
+                <a:ea typeface="+mn-ea"/>
+                <a:cs typeface="+mn-cs"/>
+              </a:defRPr>
+            </a:pPr>
+            <a:endParaRPr lang="en-US"/>
+          </a:p>
+        </c:txPr>
+        <c:crossAx val="371758256"/>
+        <c:crosses val="autoZero"/>
+        <c:crossBetween val="midCat"/>
+      </c:valAx>
+      <c:spPr>
+        <a:noFill/>
+        <a:ln>
+          <a:noFill/>
+        </a:ln>
+        <a:effectLst/>
+      </c:spPr>
+    </c:plotArea>
+    <c:plotVisOnly val="1"/>
+    <c:dispBlanksAs val="gap"/>
+    <c:extLst>
+      <c:ext xmlns:c16r3="http://schemas.microsoft.com/office/drawing/2017/03/chart" uri="{56B9EC1D-385E-4148-901F-78D8002777C0}">
+        <c16r3:dataDisplayOptions16>
+          <c16r3:dispNaAsBlank val="1"/>
+        </c16r3:dataDisplayOptions16>
+      </c:ext>
+    </c:extLst>
+    <c:showDLblsOverMax val="0"/>
+  </c:chart>
+  <c:spPr>
+    <a:noFill/>
+    <a:ln>
+      <a:noFill/>
+    </a:ln>
+    <a:effectLst/>
+  </c:spPr>
+  <c:txPr>
+    <a:bodyPr/>
+    <a:lstStyle/>
+    <a:p>
+      <a:pPr>
+        <a:defRPr/>
+      </a:pPr>
+      <a:endParaRPr lang="en-US"/>
+    </a:p>
+  </c:txPr>
+  <c:externalData r:id="rId3">
+    <c:autoUpdate val="0"/>
+  </c:externalData>
+</c:chartSpace>
+</file>
+
+<file path=ppt/charts/chart11.xml><?xml version="1.0" encoding="utf-8"?>
+<c:chartSpace xmlns:c="http://schemas.openxmlformats.org/drawingml/2006/chart" xmlns:a="http://schemas.openxmlformats.org/drawingml/2006/main" xmlns:r="http://schemas.openxmlformats.org/officeDocument/2006/relationships" xmlns:c16r2="http://schemas.microsoft.com/office/drawing/2015/06/chart">
+  <c:date1904 val="0"/>
+  <c:lang val="en-US"/>
+  <c:roundedCorners val="0"/>
+  <mc:AlternateContent xmlns:mc="http://schemas.openxmlformats.org/markup-compatibility/2006">
+    <mc:Choice xmlns:c14="http://schemas.microsoft.com/office/drawing/2007/8/2/chart" Requires="c14">
+      <c14:style val="102"/>
+    </mc:Choice>
+    <mc:Fallback>
+      <c:style val="2"/>
+    </mc:Fallback>
+  </mc:AlternateContent>
+  <c:chart>
+    <c:autoTitleDeleted val="1"/>
+    <c:plotArea>
+      <c:layout>
+        <c:manualLayout>
+          <c:layoutTarget val="inner"/>
+          <c:xMode val="edge"/>
+          <c:yMode val="edge"/>
           <c:x val="6.5246557271216421E-2"/>
           <c:y val="6.7763849931369177E-2"/>
           <c:w val="0.93161564960629917"/>
@@ -755,6 +1149,344 @@
             </c:ext>
             <c:ext xmlns:c16="http://schemas.microsoft.com/office/drawing/2014/chart" uri="{C3380CC4-5D6E-409C-BE32-E72D297353CC}">
               <c16:uniqueId val="{00000000-EC96-4D50-8C07-EE21BFA36236}"/>
+            </c:ext>
+          </c:extLst>
+        </c:ser>
+        <c:dLbls>
+          <c:showLegendKey val="0"/>
+          <c:showVal val="0"/>
+          <c:showCatName val="0"/>
+          <c:showSerName val="0"/>
+          <c:showPercent val="0"/>
+          <c:showBubbleSize val="0"/>
+        </c:dLbls>
+        <c:axId val="371758256"/>
+        <c:axId val="371758912"/>
+      </c:scatterChart>
+      <c:valAx>
+        <c:axId val="371758256"/>
+        <c:scaling>
+          <c:orientation val="minMax"/>
+        </c:scaling>
+        <c:delete val="0"/>
+        <c:axPos val="b"/>
+        <c:numFmt formatCode="General" sourceLinked="1"/>
+        <c:majorTickMark val="none"/>
+        <c:minorTickMark val="none"/>
+        <c:tickLblPos val="nextTo"/>
+        <c:spPr>
+          <a:noFill/>
+          <a:ln>
+            <a:solidFill>
+              <a:schemeClr val="tx2">
+                <a:lumMod val="40000"/>
+                <a:lumOff val="60000"/>
+              </a:schemeClr>
+            </a:solidFill>
+          </a:ln>
+          <a:effectLst/>
+        </c:spPr>
+        <c:txPr>
+          <a:bodyPr rot="-60000000" spcFirstLastPara="1" vertOverflow="ellipsis" vert="horz" wrap="square" anchor="ctr" anchorCtr="1"/>
+          <a:lstStyle/>
+          <a:p>
+            <a:pPr>
+              <a:defRPr sz="1197" b="0" i="0" u="none" strike="noStrike" kern="1200" baseline="0">
+                <a:solidFill>
+                  <a:schemeClr val="tx2"/>
+                </a:solidFill>
+                <a:latin typeface="+mn-lt"/>
+                <a:ea typeface="+mn-ea"/>
+                <a:cs typeface="+mn-cs"/>
+              </a:defRPr>
+            </a:pPr>
+            <a:endParaRPr lang="en-US"/>
+          </a:p>
+        </c:txPr>
+        <c:crossAx val="371758912"/>
+        <c:crosses val="autoZero"/>
+        <c:crossBetween val="midCat"/>
+      </c:valAx>
+      <c:valAx>
+        <c:axId val="371758912"/>
+        <c:scaling>
+          <c:orientation val="minMax"/>
+        </c:scaling>
+        <c:delete val="0"/>
+        <c:axPos val="l"/>
+        <c:numFmt formatCode="General" sourceLinked="1"/>
+        <c:majorTickMark val="none"/>
+        <c:minorTickMark val="none"/>
+        <c:tickLblPos val="nextTo"/>
+        <c:spPr>
+          <a:noFill/>
+          <a:ln>
+            <a:solidFill>
+              <a:schemeClr val="tx2">
+                <a:lumMod val="40000"/>
+                <a:lumOff val="60000"/>
+              </a:schemeClr>
+            </a:solidFill>
+          </a:ln>
+          <a:effectLst/>
+        </c:spPr>
+        <c:txPr>
+          <a:bodyPr rot="-60000000" spcFirstLastPara="1" vertOverflow="ellipsis" vert="horz" wrap="square" anchor="ctr" anchorCtr="1"/>
+          <a:lstStyle/>
+          <a:p>
+            <a:pPr>
+              <a:defRPr sz="1197" b="0" i="0" u="none" strike="noStrike" kern="1200" baseline="0">
+                <a:solidFill>
+                  <a:schemeClr val="tx2"/>
+                </a:solidFill>
+                <a:latin typeface="+mn-lt"/>
+                <a:ea typeface="+mn-ea"/>
+                <a:cs typeface="+mn-cs"/>
+              </a:defRPr>
+            </a:pPr>
+            <a:endParaRPr lang="en-US"/>
+          </a:p>
+        </c:txPr>
+        <c:crossAx val="371758256"/>
+        <c:crosses val="autoZero"/>
+        <c:crossBetween val="midCat"/>
+      </c:valAx>
+      <c:spPr>
+        <a:noFill/>
+        <a:ln>
+          <a:noFill/>
+        </a:ln>
+        <a:effectLst/>
+      </c:spPr>
+    </c:plotArea>
+    <c:plotVisOnly val="1"/>
+    <c:dispBlanksAs val="gap"/>
+    <c:extLst>
+      <c:ext xmlns:c16r3="http://schemas.microsoft.com/office/drawing/2017/03/chart" uri="{56B9EC1D-385E-4148-901F-78D8002777C0}">
+        <c16r3:dataDisplayOptions16>
+          <c16r3:dispNaAsBlank val="1"/>
+        </c16r3:dataDisplayOptions16>
+      </c:ext>
+    </c:extLst>
+    <c:showDLblsOverMax val="0"/>
+  </c:chart>
+  <c:spPr>
+    <a:noFill/>
+    <a:ln>
+      <a:noFill/>
+    </a:ln>
+    <a:effectLst/>
+  </c:spPr>
+  <c:txPr>
+    <a:bodyPr/>
+    <a:lstStyle/>
+    <a:p>
+      <a:pPr>
+        <a:defRPr/>
+      </a:pPr>
+      <a:endParaRPr lang="en-US"/>
+    </a:p>
+  </c:txPr>
+  <c:externalData r:id="rId3">
+    <c:autoUpdate val="0"/>
+  </c:externalData>
+</c:chartSpace>
+</file>
+
+<file path=ppt/charts/chart12.xml><?xml version="1.0" encoding="utf-8"?>
+<c:chartSpace xmlns:c="http://schemas.openxmlformats.org/drawingml/2006/chart" xmlns:a="http://schemas.openxmlformats.org/drawingml/2006/main" xmlns:r="http://schemas.openxmlformats.org/officeDocument/2006/relationships" xmlns:c16r2="http://schemas.microsoft.com/office/drawing/2015/06/chart">
+  <c:date1904 val="0"/>
+  <c:lang val="en-US"/>
+  <c:roundedCorners val="0"/>
+  <mc:AlternateContent xmlns:mc="http://schemas.openxmlformats.org/markup-compatibility/2006">
+    <mc:Choice xmlns:c14="http://schemas.microsoft.com/office/drawing/2007/8/2/chart" Requires="c14">
+      <c14:style val="102"/>
+    </mc:Choice>
+    <mc:Fallback>
+      <c:style val="2"/>
+    </mc:Fallback>
+  </mc:AlternateContent>
+  <c:chart>
+    <c:autoTitleDeleted val="1"/>
+    <c:plotArea>
+      <c:layout>
+        <c:manualLayout>
+          <c:layoutTarget val="inner"/>
+          <c:xMode val="edge"/>
+          <c:yMode val="edge"/>
+          <c:x val="4.7852405113723864E-2"/>
+          <c:y val="6.6780287957118267E-2"/>
+          <c:w val="0.93161564960629917"/>
+          <c:h val="0.82951139090112014"/>
+        </c:manualLayout>
+      </c:layout>
+      <c:scatterChart>
+        <c:scatterStyle val="lineMarker"/>
+        <c:varyColors val="0"/>
+        <c:ser>
+          <c:idx val="0"/>
+          <c:order val="0"/>
+          <c:tx>
+            <c:strRef>
+              <c:f>Sheet1!$B$1</c:f>
+              <c:strCache>
+                <c:ptCount val="1"/>
+                <c:pt idx="0">
+                  <c:v>Y-Values</c:v>
+                </c:pt>
+              </c:strCache>
+            </c:strRef>
+          </c:tx>
+          <c:spPr>
+            <a:ln w="25400" cap="rnd">
+              <a:noFill/>
+              <a:round/>
+            </a:ln>
+            <a:effectLst/>
+          </c:spPr>
+          <c:marker>
+            <c:symbol val="circle"/>
+            <c:size val="5"/>
+            <c:spPr>
+              <a:gradFill rotWithShape="1">
+                <a:gsLst>
+                  <a:gs pos="0">
+                    <a:schemeClr val="accent1">
+                      <a:satMod val="103000"/>
+                      <a:lumMod val="102000"/>
+                      <a:tint val="94000"/>
+                    </a:schemeClr>
+                  </a:gs>
+                  <a:gs pos="50000">
+                    <a:schemeClr val="accent1">
+                      <a:satMod val="110000"/>
+                      <a:lumMod val="100000"/>
+                      <a:shade val="100000"/>
+                    </a:schemeClr>
+                  </a:gs>
+                  <a:gs pos="100000">
+                    <a:schemeClr val="accent1">
+                      <a:lumMod val="99000"/>
+                      <a:satMod val="120000"/>
+                      <a:shade val="78000"/>
+                    </a:schemeClr>
+                  </a:gs>
+                </a:gsLst>
+                <a:lin ang="5400000" scaled="0"/>
+              </a:gradFill>
+              <a:ln w="9525">
+                <a:solidFill>
+                  <a:schemeClr val="accent1"/>
+                </a:solidFill>
+                <a:round/>
+              </a:ln>
+              <a:effectLst/>
+            </c:spPr>
+          </c:marker>
+          <c:dLbls>
+            <c:spPr>
+              <a:solidFill>
+                <a:prstClr val="white"/>
+              </a:solidFill>
+              <a:ln>
+                <a:solidFill>
+                  <a:prstClr val="black">
+                    <a:lumMod val="25000"/>
+                    <a:lumOff val="75000"/>
+                  </a:prstClr>
+                </a:solidFill>
+              </a:ln>
+              <a:effectLst/>
+            </c:spPr>
+            <c:txPr>
+              <a:bodyPr rot="0" spcFirstLastPara="1" vertOverflow="clip" horzOverflow="clip" vert="horz" wrap="square" lIns="38100" tIns="19050" rIns="38100" bIns="19050" anchor="ctr" anchorCtr="1">
+                <a:spAutoFit/>
+              </a:bodyPr>
+              <a:lstStyle/>
+              <a:p>
+                <a:pPr>
+                  <a:defRPr sz="1197" b="0" i="0" u="none" strike="noStrike" kern="1200" baseline="0">
+                    <a:solidFill>
+                      <a:schemeClr val="dk2">
+                        <a:lumMod val="75000"/>
+                      </a:schemeClr>
+                    </a:solidFill>
+                    <a:latin typeface="+mn-lt"/>
+                    <a:ea typeface="+mn-ea"/>
+                    <a:cs typeface="+mn-cs"/>
+                  </a:defRPr>
+                </a:pPr>
+                <a:endParaRPr lang="en-US"/>
+              </a:p>
+            </c:txPr>
+            <c:showLegendKey val="0"/>
+            <c:showVal val="1"/>
+            <c:showCatName val="1"/>
+            <c:showSerName val="0"/>
+            <c:showPercent val="0"/>
+            <c:showBubbleSize val="0"/>
+            <c:showLeaderLines val="0"/>
+            <c:extLst>
+              <c:ext xmlns:c15="http://schemas.microsoft.com/office/drawing/2012/chart" uri="{CE6537A1-D6FC-4f65-9D91-7224C49458BB}">
+                <c15:spPr xmlns:c15="http://schemas.microsoft.com/office/drawing/2012/chart">
+                  <a:prstGeom prst="wedgeRectCallout">
+                    <a:avLst/>
+                  </a:prstGeom>
+                  <a:noFill/>
+                  <a:ln>
+                    <a:noFill/>
+                  </a:ln>
+                </c15:spPr>
+                <c15:showLeaderLines val="0"/>
+              </c:ext>
+            </c:extLst>
+          </c:dLbls>
+          <c:xVal>
+            <c:numRef>
+              <c:f>Sheet1!$A$2:$A$20</c:f>
+              <c:numCache>
+                <c:formatCode>General</c:formatCode>
+                <c:ptCount val="19"/>
+                <c:pt idx="0">
+                  <c:v>2</c:v>
+                </c:pt>
+                <c:pt idx="1">
+                  <c:v>3</c:v>
+                </c:pt>
+                <c:pt idx="2">
+                  <c:v>6</c:v>
+                </c:pt>
+                <c:pt idx="3">
+                  <c:v>8</c:v>
+                </c:pt>
+              </c:numCache>
+            </c:numRef>
+          </c:xVal>
+          <c:yVal>
+            <c:numRef>
+              <c:f>Sheet1!$B$2:$B$20</c:f>
+              <c:numCache>
+                <c:formatCode>General</c:formatCode>
+                <c:ptCount val="19"/>
+                <c:pt idx="0">
+                  <c:v>3</c:v>
+                </c:pt>
+                <c:pt idx="1">
+                  <c:v>3</c:v>
+                </c:pt>
+                <c:pt idx="2">
+                  <c:v>5</c:v>
+                </c:pt>
+                <c:pt idx="3">
+                  <c:v>8</c:v>
+                </c:pt>
+              </c:numCache>
+            </c:numRef>
+          </c:yVal>
+          <c:smooth val="0"/>
+          <c:extLst>
+            <c:ext xmlns:c16="http://schemas.microsoft.com/office/drawing/2014/chart" uri="{C3380CC4-5D6E-409C-BE32-E72D297353CC}">
+              <c16:uniqueId val="{00000000-E4FA-43B0-872F-BB02B4381D96}"/>
             </c:ext>
           </c:extLst>
         </c:ser>
@@ -3209,6 +3941,64 @@
               <a:effectLst/>
             </c:spPr>
           </c:marker>
+          <c:dLbls>
+            <c:spPr>
+              <a:solidFill>
+                <a:prstClr val="white"/>
+              </a:solidFill>
+              <a:ln>
+                <a:solidFill>
+                  <a:prstClr val="black">
+                    <a:lumMod val="25000"/>
+                    <a:lumOff val="75000"/>
+                  </a:prstClr>
+                </a:solidFill>
+              </a:ln>
+              <a:effectLst/>
+            </c:spPr>
+            <c:txPr>
+              <a:bodyPr rot="0" spcFirstLastPara="1" vertOverflow="clip" horzOverflow="clip" vert="horz" wrap="square" lIns="38100" tIns="19050" rIns="38100" bIns="19050" anchor="ctr" anchorCtr="1">
+                <a:spAutoFit/>
+              </a:bodyPr>
+              <a:lstStyle/>
+              <a:p>
+                <a:pPr>
+                  <a:defRPr sz="1197" b="0" i="0" u="none" strike="noStrike" kern="1200" baseline="0">
+                    <a:solidFill>
+                      <a:schemeClr val="dk2">
+                        <a:lumMod val="75000"/>
+                      </a:schemeClr>
+                    </a:solidFill>
+                    <a:latin typeface="+mn-lt"/>
+                    <a:ea typeface="+mn-ea"/>
+                    <a:cs typeface="+mn-cs"/>
+                  </a:defRPr>
+                </a:pPr>
+                <a:endParaRPr lang="en-US"/>
+              </a:p>
+            </c:txPr>
+            <c:showLegendKey val="0"/>
+            <c:showVal val="1"/>
+            <c:showCatName val="1"/>
+            <c:showSerName val="0"/>
+            <c:showPercent val="0"/>
+            <c:showBubbleSize val="0"/>
+            <c:showLeaderLines val="0"/>
+            <c:extLst>
+              <c:ext xmlns:c15="http://schemas.microsoft.com/office/drawing/2012/chart" uri="{CE6537A1-D6FC-4f65-9D91-7224C49458BB}">
+                <c15:spPr xmlns:c15="http://schemas.microsoft.com/office/drawing/2012/chart">
+                  <a:prstGeom prst="wedgeRectCallout">
+                    <a:avLst/>
+                  </a:prstGeom>
+                  <a:noFill/>
+                  <a:ln>
+                    <a:noFill/>
+                  </a:ln>
+                </c15:spPr>
+                <c15:showLeaderLines val="0"/>
+              </c:ext>
+            </c:extLst>
+          </c:dLbls>
           <c:xVal>
             <c:numRef>
               <c:f>Sheet1!$A$2:$A$20</c:f>
@@ -3219,57 +4009,12 @@
                   <c:v>2</c:v>
                 </c:pt>
                 <c:pt idx="1">
-                  <c:v>2</c:v>
+                  <c:v>3</c:v>
                 </c:pt>
                 <c:pt idx="2">
-                  <c:v>8</c:v>
+                  <c:v>6</c:v>
                 </c:pt>
                 <c:pt idx="3">
-                  <c:v>5</c:v>
-                </c:pt>
-                <c:pt idx="4">
-                  <c:v>7</c:v>
-                </c:pt>
-                <c:pt idx="5">
-                  <c:v>6</c:v>
-                </c:pt>
-                <c:pt idx="6">
-                  <c:v>1</c:v>
-                </c:pt>
-                <c:pt idx="7">
-                  <c:v>4</c:v>
-                </c:pt>
-                <c:pt idx="8">
-                  <c:v>6</c:v>
-                </c:pt>
-                <c:pt idx="9">
-                  <c:v>4</c:v>
-                </c:pt>
-                <c:pt idx="10">
-                  <c:v>4</c:v>
-                </c:pt>
-                <c:pt idx="11">
-                  <c:v>4</c:v>
-                </c:pt>
-                <c:pt idx="12">
-                  <c:v>3</c:v>
-                </c:pt>
-                <c:pt idx="13">
-                  <c:v>3</c:v>
-                </c:pt>
-                <c:pt idx="14">
-                  <c:v>5</c:v>
-                </c:pt>
-                <c:pt idx="15">
-                  <c:v>4</c:v>
-                </c:pt>
-                <c:pt idx="16">
-                  <c:v>7</c:v>
-                </c:pt>
-                <c:pt idx="17">
-                  <c:v>7</c:v>
-                </c:pt>
-                <c:pt idx="18">
                   <c:v>8</c:v>
                 </c:pt>
               </c:numCache>
@@ -3282,61 +4027,16 @@
                 <c:formatCode>General</c:formatCode>
                 <c:ptCount val="19"/>
                 <c:pt idx="0">
-                  <c:v>10</c:v>
+                  <c:v>3</c:v>
                 </c:pt>
                 <c:pt idx="1">
+                  <c:v>3</c:v>
+                </c:pt>
+                <c:pt idx="2">
                   <c:v>5</c:v>
-                </c:pt>
-                <c:pt idx="2">
-                  <c:v>4</c:v>
                 </c:pt>
                 <c:pt idx="3">
                   <c:v>8</c:v>
-                </c:pt>
-                <c:pt idx="4">
-                  <c:v>5</c:v>
-                </c:pt>
-                <c:pt idx="5">
-                  <c:v>4</c:v>
-                </c:pt>
-                <c:pt idx="6">
-                  <c:v>2</c:v>
-                </c:pt>
-                <c:pt idx="7">
-                  <c:v>9</c:v>
-                </c:pt>
-                <c:pt idx="8">
-                  <c:v>10</c:v>
-                </c:pt>
-                <c:pt idx="9">
-                  <c:v>2</c:v>
-                </c:pt>
-                <c:pt idx="10">
-                  <c:v>5</c:v>
-                </c:pt>
-                <c:pt idx="11">
-                  <c:v>3</c:v>
-                </c:pt>
-                <c:pt idx="12">
-                  <c:v>3</c:v>
-                </c:pt>
-                <c:pt idx="13">
-                  <c:v>4</c:v>
-                </c:pt>
-                <c:pt idx="14">
-                  <c:v>10</c:v>
-                </c:pt>
-                <c:pt idx="15">
-                  <c:v>10</c:v>
-                </c:pt>
-                <c:pt idx="16">
-                  <c:v>2</c:v>
-                </c:pt>
-                <c:pt idx="17">
-                  <c:v>4</c:v>
-                </c:pt>
-                <c:pt idx="18">
-                  <c:v>4</c:v>
                 </c:pt>
               </c:numCache>
             </c:numRef>
@@ -3510,8 +4210,8 @@
           <c:layoutTarget val="inner"/>
           <c:xMode val="edge"/>
           <c:yMode val="edge"/>
-          <c:x val="0.10022910238451549"/>
-          <c:y val="4.0708794818003068E-2"/>
+          <c:x val="5.4271038385826774E-2"/>
+          <c:y val="3.5238371355907273E-2"/>
           <c:w val="0.93161564960629917"/>
           <c:h val="0.82951139090112014"/>
         </c:manualLayout>
@@ -3522,6 +4222,17 @@
         <c:ser>
           <c:idx val="0"/>
           <c:order val="0"/>
+          <c:tx>
+            <c:strRef>
+              <c:f>Sheet1!$B$1</c:f>
+              <c:strCache>
+                <c:ptCount val="1"/>
+                <c:pt idx="0">
+                  <c:v>Y-Values</c:v>
+                </c:pt>
+              </c:strCache>
+            </c:strRef>
+          </c:tx>
           <c:spPr>
             <a:ln w="25400" cap="rnd">
               <a:noFill/>
@@ -3702,29 +4413,8 @@
           </c:yVal>
           <c:smooth val="0"/>
           <c:extLst>
-            <c:ext xmlns:c15="http://schemas.microsoft.com/office/drawing/2012/chart" uri="{02D57815-91ED-43cb-92C2-25804820EDAC}">
-              <c15:filteredSeriesTitle>
-                <c15:tx>
-                  <c:strRef>
-                    <c:extLst>
-                      <c:ext uri="{02D57815-91ED-43cb-92C2-25804820EDAC}">
-                        <c15:formulaRef>
-                          <c15:sqref>Sheet1!$B$1</c15:sqref>
-                        </c15:formulaRef>
-                      </c:ext>
-                    </c:extLst>
-                    <c:strCache>
-                      <c:ptCount val="1"/>
-                      <c:pt idx="0">
-                        <c:v>Y-Values</c:v>
-                      </c:pt>
-                    </c:strCache>
-                  </c:strRef>
-                </c15:tx>
-              </c15:filteredSeriesTitle>
-            </c:ext>
             <c:ext xmlns:c16="http://schemas.microsoft.com/office/drawing/2014/chart" uri="{C3380CC4-5D6E-409C-BE32-E72D297353CC}">
-              <c16:uniqueId val="{00000000-93FE-4FDB-A1BA-C4B5226C213F}"/>
+              <c16:uniqueId val="{00000000-E4FA-43B0-872F-BB02B4381D96}"/>
             </c:ext>
           </c:extLst>
         </c:ser>
@@ -3910,6 +4600,86 @@
 </file>
 
 <file path=ppt/charts/colors10.xml><?xml version="1.0" encoding="utf-8"?>
+<cs:colorStyle xmlns:cs="http://schemas.microsoft.com/office/drawing/2012/chartStyle" xmlns:a="http://schemas.openxmlformats.org/drawingml/2006/main" meth="cycle" id="10">
+  <a:schemeClr val="accent1"/>
+  <a:schemeClr val="accent2"/>
+  <a:schemeClr val="accent3"/>
+  <a:schemeClr val="accent4"/>
+  <a:schemeClr val="accent5"/>
+  <a:schemeClr val="accent6"/>
+  <cs:variation/>
+  <cs:variation>
+    <a:lumMod val="60000"/>
+  </cs:variation>
+  <cs:variation>
+    <a:lumMod val="80000"/>
+    <a:lumOff val="20000"/>
+  </cs:variation>
+  <cs:variation>
+    <a:lumMod val="80000"/>
+  </cs:variation>
+  <cs:variation>
+    <a:lumMod val="60000"/>
+    <a:lumOff val="40000"/>
+  </cs:variation>
+  <cs:variation>
+    <a:lumMod val="50000"/>
+  </cs:variation>
+  <cs:variation>
+    <a:lumMod val="70000"/>
+    <a:lumOff val="30000"/>
+  </cs:variation>
+  <cs:variation>
+    <a:lumMod val="70000"/>
+  </cs:variation>
+  <cs:variation>
+    <a:lumMod val="50000"/>
+    <a:lumOff val="50000"/>
+  </cs:variation>
+</cs:colorStyle>
+</file>
+
+<file path=ppt/charts/colors11.xml><?xml version="1.0" encoding="utf-8"?>
+<cs:colorStyle xmlns:cs="http://schemas.microsoft.com/office/drawing/2012/chartStyle" xmlns:a="http://schemas.openxmlformats.org/drawingml/2006/main" meth="cycle" id="10">
+  <a:schemeClr val="accent1"/>
+  <a:schemeClr val="accent2"/>
+  <a:schemeClr val="accent3"/>
+  <a:schemeClr val="accent4"/>
+  <a:schemeClr val="accent5"/>
+  <a:schemeClr val="accent6"/>
+  <cs:variation/>
+  <cs:variation>
+    <a:lumMod val="60000"/>
+  </cs:variation>
+  <cs:variation>
+    <a:lumMod val="80000"/>
+    <a:lumOff val="20000"/>
+  </cs:variation>
+  <cs:variation>
+    <a:lumMod val="80000"/>
+  </cs:variation>
+  <cs:variation>
+    <a:lumMod val="60000"/>
+    <a:lumOff val="40000"/>
+  </cs:variation>
+  <cs:variation>
+    <a:lumMod val="50000"/>
+  </cs:variation>
+  <cs:variation>
+    <a:lumMod val="70000"/>
+    <a:lumOff val="30000"/>
+  </cs:variation>
+  <cs:variation>
+    <a:lumMod val="70000"/>
+  </cs:variation>
+  <cs:variation>
+    <a:lumMod val="50000"/>
+    <a:lumOff val="50000"/>
+  </cs:variation>
+</cs:colorStyle>
+</file>
+
+<file path=ppt/charts/colors12.xml><?xml version="1.0" encoding="utf-8"?>
 <cs:colorStyle xmlns:cs="http://schemas.microsoft.com/office/drawing/2012/chartStyle" xmlns:a="http://schemas.openxmlformats.org/drawingml/2006/main" meth="cycle" id="10">
   <a:schemeClr val="accent1"/>
   <a:schemeClr val="accent2"/>
@@ -5227,6 +5997,964 @@
 </cs:chartStyle>
 </file>
 
+<file path=ppt/charts/style11.xml><?xml version="1.0" encoding="utf-8"?>
+<cs:chartStyle xmlns:cs="http://schemas.microsoft.com/office/drawing/2012/chartStyle" xmlns:a="http://schemas.openxmlformats.org/drawingml/2006/main" id="242">
+  <cs:axisTitle>
+    <cs:lnRef idx="0"/>
+    <cs:fillRef idx="0"/>
+    <cs:effectRef idx="0"/>
+    <cs:fontRef idx="minor">
+      <a:schemeClr val="tx2"/>
+    </cs:fontRef>
+    <cs:defRPr sz="1197" b="1" kern="1200"/>
+  </cs:axisTitle>
+  <cs:categoryAxis>
+    <cs:lnRef idx="0"/>
+    <cs:fillRef idx="0"/>
+    <cs:effectRef idx="0"/>
+    <cs:fontRef idx="minor">
+      <a:schemeClr val="tx2"/>
+    </cs:fontRef>
+    <cs:spPr>
+      <a:ln w="9525" cap="flat" cmpd="sng" algn="ctr">
+        <a:solidFill>
+          <a:schemeClr val="tx2">
+            <a:lumMod val="15000"/>
+            <a:lumOff val="85000"/>
+          </a:schemeClr>
+        </a:solidFill>
+        <a:round/>
+      </a:ln>
+    </cs:spPr>
+    <cs:defRPr sz="1197" kern="1200"/>
+  </cs:categoryAxis>
+  <cs:chartArea mods="allowNoFillOverride allowNoLineOverride">
+    <cs:lnRef idx="0"/>
+    <cs:fillRef idx="0"/>
+    <cs:effectRef idx="0"/>
+    <cs:fontRef idx="minor">
+      <a:schemeClr val="tx2"/>
+    </cs:fontRef>
+    <cs:spPr>
+      <a:solidFill>
+        <a:schemeClr val="bg1"/>
+      </a:solidFill>
+      <a:ln w="9525" cap="flat" cmpd="sng" algn="ctr">
+        <a:solidFill>
+          <a:schemeClr val="tx2">
+            <a:lumMod val="15000"/>
+            <a:lumOff val="85000"/>
+          </a:schemeClr>
+        </a:solidFill>
+        <a:round/>
+      </a:ln>
+    </cs:spPr>
+    <cs:defRPr sz="1197" kern="1200"/>
+  </cs:chartArea>
+  <cs:dataLabel>
+    <cs:lnRef idx="0"/>
+    <cs:fillRef idx="0"/>
+    <cs:effectRef idx="0"/>
+    <cs:fontRef idx="minor">
+      <a:schemeClr val="tx2"/>
+    </cs:fontRef>
+    <cs:defRPr sz="1197" kern="1200"/>
+  </cs:dataLabel>
+  <cs:dataLabelCallout>
+    <cs:lnRef idx="0"/>
+    <cs:fillRef idx="0"/>
+    <cs:effectRef idx="0"/>
+    <cs:fontRef idx="minor">
+      <a:schemeClr val="dk2">
+        <a:lumMod val="75000"/>
+      </a:schemeClr>
+    </cs:fontRef>
+    <cs:spPr>
+      <a:solidFill>
+        <a:schemeClr val="lt1"/>
+      </a:solidFill>
+      <a:ln>
+        <a:solidFill>
+          <a:schemeClr val="dk1">
+            <a:lumMod val="25000"/>
+            <a:lumOff val="75000"/>
+          </a:schemeClr>
+        </a:solidFill>
+      </a:ln>
+    </cs:spPr>
+    <cs:defRPr sz="1197" kern="1200"/>
+    <cs:bodyPr rot="0" spcFirstLastPara="1" vertOverflow="clip" horzOverflow="clip" vert="horz" wrap="square" lIns="36576" tIns="18288" rIns="36576" bIns="18288" anchor="ctr" anchorCtr="1">
+      <a:spAutoFit/>
+    </cs:bodyPr>
+  </cs:dataLabelCallout>
+  <cs:dataPoint>
+    <cs:lnRef idx="0"/>
+    <cs:fillRef idx="3">
+      <cs:styleClr val="auto"/>
+    </cs:fillRef>
+    <cs:effectRef idx="2"/>
+    <cs:fontRef idx="minor">
+      <a:schemeClr val="tx2"/>
+    </cs:fontRef>
+  </cs:dataPoint>
+  <cs:dataPoint3D>
+    <cs:lnRef idx="0"/>
+    <cs:fillRef idx="3">
+      <cs:styleClr val="auto"/>
+    </cs:fillRef>
+    <cs:effectRef idx="2"/>
+    <cs:fontRef idx="minor">
+      <a:schemeClr val="tx2"/>
+    </cs:fontRef>
+  </cs:dataPoint3D>
+  <cs:dataPointLine>
+    <cs:lnRef idx="0">
+      <cs:styleClr val="auto"/>
+    </cs:lnRef>
+    <cs:fillRef idx="3"/>
+    <cs:effectRef idx="2"/>
+    <cs:fontRef idx="minor">
+      <a:schemeClr val="tx2"/>
+    </cs:fontRef>
+    <cs:spPr>
+      <a:ln w="9525" cap="rnd">
+        <a:solidFill>
+          <a:schemeClr val="phClr"/>
+        </a:solidFill>
+        <a:round/>
+      </a:ln>
+    </cs:spPr>
+  </cs:dataPointLine>
+  <cs:dataPointMarker>
+    <cs:lnRef idx="0">
+      <cs:styleClr val="auto"/>
+    </cs:lnRef>
+    <cs:fillRef idx="3">
+      <cs:styleClr val="auto"/>
+    </cs:fillRef>
+    <cs:effectRef idx="2"/>
+    <cs:fontRef idx="minor">
+      <a:schemeClr val="tx2"/>
+    </cs:fontRef>
+    <cs:spPr>
+      <a:ln w="9525">
+        <a:solidFill>
+          <a:schemeClr val="phClr"/>
+        </a:solidFill>
+        <a:round/>
+      </a:ln>
+    </cs:spPr>
+  </cs:dataPointMarker>
+  <cs:dataPointMarkerLayout symbol="circle" size="5"/>
+  <cs:dataPointWireframe>
+    <cs:lnRef idx="0">
+      <cs:styleClr val="auto"/>
+    </cs:lnRef>
+    <cs:fillRef idx="3"/>
+    <cs:effectRef idx="2"/>
+    <cs:fontRef idx="minor">
+      <a:schemeClr val="tx2"/>
+    </cs:fontRef>
+    <cs:spPr>
+      <a:ln w="9525" cap="rnd">
+        <a:solidFill>
+          <a:schemeClr val="phClr"/>
+        </a:solidFill>
+        <a:round/>
+      </a:ln>
+    </cs:spPr>
+  </cs:dataPointWireframe>
+  <cs:dataTable>
+    <cs:lnRef idx="0"/>
+    <cs:fillRef idx="0"/>
+    <cs:effectRef idx="0"/>
+    <cs:fontRef idx="minor">
+      <a:schemeClr val="tx2"/>
+    </cs:fontRef>
+    <cs:spPr>
+      <a:ln w="9525">
+        <a:solidFill>
+          <a:schemeClr val="tx2">
+            <a:lumMod val="15000"/>
+            <a:lumOff val="85000"/>
+          </a:schemeClr>
+        </a:solidFill>
+      </a:ln>
+    </cs:spPr>
+    <cs:defRPr sz="1197" kern="1200"/>
+  </cs:dataTable>
+  <cs:downBar>
+    <cs:lnRef idx="0"/>
+    <cs:fillRef idx="0"/>
+    <cs:effectRef idx="0"/>
+    <cs:fontRef idx="minor">
+      <a:schemeClr val="dk1"/>
+    </cs:fontRef>
+    <cs:spPr>
+      <a:solidFill>
+        <a:schemeClr val="dk1">
+          <a:lumMod val="65000"/>
+          <a:lumOff val="35000"/>
+        </a:schemeClr>
+      </a:solidFill>
+      <a:ln w="9525">
+        <a:solidFill>
+          <a:schemeClr val="tx1">
+            <a:lumMod val="65000"/>
+            <a:lumOff val="35000"/>
+          </a:schemeClr>
+        </a:solidFill>
+      </a:ln>
+    </cs:spPr>
+  </cs:downBar>
+  <cs:dropLine>
+    <cs:lnRef idx="0"/>
+    <cs:fillRef idx="0"/>
+    <cs:effectRef idx="0"/>
+    <cs:fontRef idx="minor">
+      <a:schemeClr val="tx2"/>
+    </cs:fontRef>
+    <cs:spPr>
+      <a:ln w="9525">
+        <a:solidFill>
+          <a:schemeClr val="tx2">
+            <a:lumMod val="60000"/>
+            <a:lumOff val="40000"/>
+          </a:schemeClr>
+        </a:solidFill>
+        <a:prstDash val="dash"/>
+      </a:ln>
+    </cs:spPr>
+  </cs:dropLine>
+  <cs:errorBar>
+    <cs:lnRef idx="0"/>
+    <cs:fillRef idx="0"/>
+    <cs:effectRef idx="0"/>
+    <cs:fontRef idx="minor">
+      <a:schemeClr val="tx2"/>
+    </cs:fontRef>
+    <cs:spPr>
+      <a:ln w="9525">
+        <a:solidFill>
+          <a:schemeClr val="tx2">
+            <a:lumMod val="75000"/>
+          </a:schemeClr>
+        </a:solidFill>
+        <a:round/>
+      </a:ln>
+    </cs:spPr>
+  </cs:errorBar>
+  <cs:floor>
+    <cs:lnRef idx="0"/>
+    <cs:fillRef idx="0"/>
+    <cs:effectRef idx="0"/>
+    <cs:fontRef idx="minor">
+      <a:schemeClr val="tx2"/>
+    </cs:fontRef>
+  </cs:floor>
+  <cs:gridlineMajor>
+    <cs:lnRef idx="0"/>
+    <cs:fillRef idx="0"/>
+    <cs:effectRef idx="0"/>
+    <cs:fontRef idx="minor">
+      <a:schemeClr val="tx2"/>
+    </cs:fontRef>
+    <cs:spPr>
+      <a:ln w="9525" cap="flat" cmpd="sng" algn="ctr">
+        <a:solidFill>
+          <a:schemeClr val="tx2">
+            <a:lumMod val="15000"/>
+            <a:lumOff val="85000"/>
+          </a:schemeClr>
+        </a:solidFill>
+        <a:round/>
+      </a:ln>
+    </cs:spPr>
+  </cs:gridlineMajor>
+  <cs:gridlineMinor>
+    <cs:lnRef idx="0"/>
+    <cs:fillRef idx="0"/>
+    <cs:effectRef idx="0"/>
+    <cs:fontRef idx="minor">
+      <a:schemeClr val="tx2"/>
+    </cs:fontRef>
+    <cs:spPr>
+      <a:ln>
+        <a:solidFill>
+          <a:schemeClr val="tx2">
+            <a:lumMod val="5000"/>
+            <a:lumOff val="95000"/>
+          </a:schemeClr>
+        </a:solidFill>
+      </a:ln>
+    </cs:spPr>
+  </cs:gridlineMinor>
+  <cs:hiLoLine>
+    <cs:lnRef idx="0"/>
+    <cs:fillRef idx="0"/>
+    <cs:effectRef idx="0"/>
+    <cs:fontRef idx="minor">
+      <a:schemeClr val="tx2"/>
+    </cs:fontRef>
+    <cs:spPr>
+      <a:ln w="9525">
+        <a:solidFill>
+          <a:schemeClr val="tx2">
+            <a:lumMod val="60000"/>
+            <a:lumOff val="40000"/>
+          </a:schemeClr>
+        </a:solidFill>
+        <a:prstDash val="dash"/>
+      </a:ln>
+    </cs:spPr>
+  </cs:hiLoLine>
+  <cs:leaderLine>
+    <cs:lnRef idx="0"/>
+    <cs:fillRef idx="0"/>
+    <cs:effectRef idx="0"/>
+    <cs:fontRef idx="minor">
+      <a:schemeClr val="tx2"/>
+    </cs:fontRef>
+    <cs:spPr>
+      <a:ln w="9525">
+        <a:solidFill>
+          <a:schemeClr val="tx2">
+            <a:lumMod val="35000"/>
+            <a:lumOff val="65000"/>
+          </a:schemeClr>
+        </a:solidFill>
+      </a:ln>
+    </cs:spPr>
+  </cs:leaderLine>
+  <cs:legend>
+    <cs:lnRef idx="0"/>
+    <cs:fillRef idx="0"/>
+    <cs:effectRef idx="0"/>
+    <cs:fontRef idx="minor">
+      <a:schemeClr val="tx2"/>
+    </cs:fontRef>
+    <cs:defRPr sz="1197" kern="1200"/>
+  </cs:legend>
+  <cs:plotArea>
+    <cs:lnRef idx="0"/>
+    <cs:fillRef idx="0"/>
+    <cs:effectRef idx="0"/>
+    <cs:fontRef idx="minor">
+      <a:schemeClr val="tx2"/>
+    </cs:fontRef>
+  </cs:plotArea>
+  <cs:plotArea3D>
+    <cs:lnRef idx="0"/>
+    <cs:fillRef idx="0"/>
+    <cs:effectRef idx="0"/>
+    <cs:fontRef idx="minor">
+      <a:schemeClr val="tx2"/>
+    </cs:fontRef>
+  </cs:plotArea3D>
+  <cs:seriesAxis>
+    <cs:lnRef idx="0"/>
+    <cs:fillRef idx="0"/>
+    <cs:effectRef idx="0"/>
+    <cs:fontRef idx="minor">
+      <a:schemeClr val="tx2"/>
+    </cs:fontRef>
+    <cs:spPr>
+      <a:ln w="9525" cap="flat" cmpd="sng" algn="ctr">
+        <a:solidFill>
+          <a:schemeClr val="tx2">
+            <a:lumMod val="15000"/>
+            <a:lumOff val="85000"/>
+          </a:schemeClr>
+        </a:solidFill>
+        <a:round/>
+      </a:ln>
+    </cs:spPr>
+    <cs:defRPr sz="1197" kern="1200"/>
+  </cs:seriesAxis>
+  <cs:seriesLine>
+    <cs:lnRef idx="0"/>
+    <cs:fillRef idx="0"/>
+    <cs:effectRef idx="0"/>
+    <cs:fontRef idx="minor">
+      <a:schemeClr val="tx2"/>
+    </cs:fontRef>
+    <cs:spPr>
+      <a:ln w="9525">
+        <a:solidFill>
+          <a:schemeClr val="tx2">
+            <a:lumMod val="60000"/>
+            <a:lumOff val="40000"/>
+          </a:schemeClr>
+        </a:solidFill>
+        <a:prstDash val="dash"/>
+      </a:ln>
+    </cs:spPr>
+  </cs:seriesLine>
+  <cs:title>
+    <cs:lnRef idx="0"/>
+    <cs:fillRef idx="0"/>
+    <cs:effectRef idx="0"/>
+    <cs:fontRef idx="minor">
+      <a:schemeClr val="tx2"/>
+    </cs:fontRef>
+    <cs:defRPr sz="2128" b="1" kern="1200"/>
+  </cs:title>
+  <cs:trendline>
+    <cs:lnRef idx="0">
+      <cs:styleClr val="auto"/>
+    </cs:lnRef>
+    <cs:fillRef idx="0"/>
+    <cs:effectRef idx="0"/>
+    <cs:fontRef idx="minor">
+      <a:schemeClr val="tx2"/>
+    </cs:fontRef>
+    <cs:spPr>
+      <a:ln w="9525" cap="rnd">
+        <a:solidFill>
+          <a:schemeClr val="phClr"/>
+        </a:solidFill>
+      </a:ln>
+    </cs:spPr>
+  </cs:trendline>
+  <cs:trendlineLabel>
+    <cs:lnRef idx="0"/>
+    <cs:fillRef idx="0"/>
+    <cs:effectRef idx="0"/>
+    <cs:fontRef idx="minor">
+      <a:schemeClr val="tx2"/>
+    </cs:fontRef>
+    <cs:defRPr sz="1197" kern="1200"/>
+  </cs:trendlineLabel>
+  <cs:upBar>
+    <cs:lnRef idx="0"/>
+    <cs:fillRef idx="0"/>
+    <cs:effectRef idx="0"/>
+    <cs:fontRef idx="minor">
+      <a:schemeClr val="tx2"/>
+    </cs:fontRef>
+    <cs:spPr>
+      <a:solidFill>
+        <a:schemeClr val="lt1"/>
+      </a:solidFill>
+      <a:ln w="9525">
+        <a:solidFill>
+          <a:schemeClr val="tx1">
+            <a:lumMod val="15000"/>
+            <a:lumOff val="85000"/>
+          </a:schemeClr>
+        </a:solidFill>
+      </a:ln>
+    </cs:spPr>
+  </cs:upBar>
+  <cs:valueAxis>
+    <cs:lnRef idx="0"/>
+    <cs:fillRef idx="0"/>
+    <cs:effectRef idx="0"/>
+    <cs:fontRef idx="minor">
+      <a:schemeClr val="tx2"/>
+    </cs:fontRef>
+    <cs:spPr>
+      <a:ln>
+        <a:solidFill>
+          <a:schemeClr val="tx2">
+            <a:lumMod val="40000"/>
+            <a:lumOff val="60000"/>
+          </a:schemeClr>
+        </a:solidFill>
+      </a:ln>
+    </cs:spPr>
+    <cs:defRPr sz="1197" kern="1200"/>
+  </cs:valueAxis>
+  <cs:wall>
+    <cs:lnRef idx="0"/>
+    <cs:fillRef idx="0"/>
+    <cs:effectRef idx="0"/>
+    <cs:fontRef idx="minor">
+      <a:schemeClr val="tx2"/>
+    </cs:fontRef>
+  </cs:wall>
+</cs:chartStyle>
+</file>
+
+<file path=ppt/charts/style12.xml><?xml version="1.0" encoding="utf-8"?>
+<cs:chartStyle xmlns:cs="http://schemas.microsoft.com/office/drawing/2012/chartStyle" xmlns:a="http://schemas.openxmlformats.org/drawingml/2006/main" id="242">
+  <cs:axisTitle>
+    <cs:lnRef idx="0"/>
+    <cs:fillRef idx="0"/>
+    <cs:effectRef idx="0"/>
+    <cs:fontRef idx="minor">
+      <a:schemeClr val="tx2"/>
+    </cs:fontRef>
+    <cs:defRPr sz="1197" b="1" kern="1200"/>
+  </cs:axisTitle>
+  <cs:categoryAxis>
+    <cs:lnRef idx="0"/>
+    <cs:fillRef idx="0"/>
+    <cs:effectRef idx="0"/>
+    <cs:fontRef idx="minor">
+      <a:schemeClr val="tx2"/>
+    </cs:fontRef>
+    <cs:spPr>
+      <a:ln w="9525" cap="flat" cmpd="sng" algn="ctr">
+        <a:solidFill>
+          <a:schemeClr val="tx2">
+            <a:lumMod val="15000"/>
+            <a:lumOff val="85000"/>
+          </a:schemeClr>
+        </a:solidFill>
+        <a:round/>
+      </a:ln>
+    </cs:spPr>
+    <cs:defRPr sz="1197" kern="1200"/>
+  </cs:categoryAxis>
+  <cs:chartArea mods="allowNoFillOverride allowNoLineOverride">
+    <cs:lnRef idx="0"/>
+    <cs:fillRef idx="0"/>
+    <cs:effectRef idx="0"/>
+    <cs:fontRef idx="minor">
+      <a:schemeClr val="tx2"/>
+    </cs:fontRef>
+    <cs:spPr>
+      <a:solidFill>
+        <a:schemeClr val="bg1"/>
+      </a:solidFill>
+      <a:ln w="9525" cap="flat" cmpd="sng" algn="ctr">
+        <a:solidFill>
+          <a:schemeClr val="tx2">
+            <a:lumMod val="15000"/>
+            <a:lumOff val="85000"/>
+          </a:schemeClr>
+        </a:solidFill>
+        <a:round/>
+      </a:ln>
+    </cs:spPr>
+    <cs:defRPr sz="1197" kern="1200"/>
+  </cs:chartArea>
+  <cs:dataLabel>
+    <cs:lnRef idx="0"/>
+    <cs:fillRef idx="0"/>
+    <cs:effectRef idx="0"/>
+    <cs:fontRef idx="minor">
+      <a:schemeClr val="tx2"/>
+    </cs:fontRef>
+    <cs:defRPr sz="1197" kern="1200"/>
+  </cs:dataLabel>
+  <cs:dataLabelCallout>
+    <cs:lnRef idx="0"/>
+    <cs:fillRef idx="0"/>
+    <cs:effectRef idx="0"/>
+    <cs:fontRef idx="minor">
+      <a:schemeClr val="dk2">
+        <a:lumMod val="75000"/>
+      </a:schemeClr>
+    </cs:fontRef>
+    <cs:spPr>
+      <a:solidFill>
+        <a:schemeClr val="lt1"/>
+      </a:solidFill>
+      <a:ln>
+        <a:solidFill>
+          <a:schemeClr val="dk1">
+            <a:lumMod val="25000"/>
+            <a:lumOff val="75000"/>
+          </a:schemeClr>
+        </a:solidFill>
+      </a:ln>
+    </cs:spPr>
+    <cs:defRPr sz="1197" kern="1200"/>
+    <cs:bodyPr rot="0" spcFirstLastPara="1" vertOverflow="clip" horzOverflow="clip" vert="horz" wrap="square" lIns="36576" tIns="18288" rIns="36576" bIns="18288" anchor="ctr" anchorCtr="1">
+      <a:spAutoFit/>
+    </cs:bodyPr>
+  </cs:dataLabelCallout>
+  <cs:dataPoint>
+    <cs:lnRef idx="0"/>
+    <cs:fillRef idx="3">
+      <cs:styleClr val="auto"/>
+    </cs:fillRef>
+    <cs:effectRef idx="2"/>
+    <cs:fontRef idx="minor">
+      <a:schemeClr val="tx2"/>
+    </cs:fontRef>
+  </cs:dataPoint>
+  <cs:dataPoint3D>
+    <cs:lnRef idx="0"/>
+    <cs:fillRef idx="3">
+      <cs:styleClr val="auto"/>
+    </cs:fillRef>
+    <cs:effectRef idx="2"/>
+    <cs:fontRef idx="minor">
+      <a:schemeClr val="tx2"/>
+    </cs:fontRef>
+  </cs:dataPoint3D>
+  <cs:dataPointLine>
+    <cs:lnRef idx="0">
+      <cs:styleClr val="auto"/>
+    </cs:lnRef>
+    <cs:fillRef idx="3"/>
+    <cs:effectRef idx="2"/>
+    <cs:fontRef idx="minor">
+      <a:schemeClr val="tx2"/>
+    </cs:fontRef>
+    <cs:spPr>
+      <a:ln w="9525" cap="rnd">
+        <a:solidFill>
+          <a:schemeClr val="phClr"/>
+        </a:solidFill>
+        <a:round/>
+      </a:ln>
+    </cs:spPr>
+  </cs:dataPointLine>
+  <cs:dataPointMarker>
+    <cs:lnRef idx="0">
+      <cs:styleClr val="auto"/>
+    </cs:lnRef>
+    <cs:fillRef idx="3">
+      <cs:styleClr val="auto"/>
+    </cs:fillRef>
+    <cs:effectRef idx="2"/>
+    <cs:fontRef idx="minor">
+      <a:schemeClr val="tx2"/>
+    </cs:fontRef>
+    <cs:spPr>
+      <a:ln w="9525">
+        <a:solidFill>
+          <a:schemeClr val="phClr"/>
+        </a:solidFill>
+        <a:round/>
+      </a:ln>
+    </cs:spPr>
+  </cs:dataPointMarker>
+  <cs:dataPointMarkerLayout symbol="circle" size="5"/>
+  <cs:dataPointWireframe>
+    <cs:lnRef idx="0">
+      <cs:styleClr val="auto"/>
+    </cs:lnRef>
+    <cs:fillRef idx="3"/>
+    <cs:effectRef idx="2"/>
+    <cs:fontRef idx="minor">
+      <a:schemeClr val="tx2"/>
+    </cs:fontRef>
+    <cs:spPr>
+      <a:ln w="9525" cap="rnd">
+        <a:solidFill>
+          <a:schemeClr val="phClr"/>
+        </a:solidFill>
+        <a:round/>
+      </a:ln>
+    </cs:spPr>
+  </cs:dataPointWireframe>
+  <cs:dataTable>
+    <cs:lnRef idx="0"/>
+    <cs:fillRef idx="0"/>
+    <cs:effectRef idx="0"/>
+    <cs:fontRef idx="minor">
+      <a:schemeClr val="tx2"/>
+    </cs:fontRef>
+    <cs:spPr>
+      <a:ln w="9525">
+        <a:solidFill>
+          <a:schemeClr val="tx2">
+            <a:lumMod val="15000"/>
+            <a:lumOff val="85000"/>
+          </a:schemeClr>
+        </a:solidFill>
+      </a:ln>
+    </cs:spPr>
+    <cs:defRPr sz="1197" kern="1200"/>
+  </cs:dataTable>
+  <cs:downBar>
+    <cs:lnRef idx="0"/>
+    <cs:fillRef idx="0"/>
+    <cs:effectRef idx="0"/>
+    <cs:fontRef idx="minor">
+      <a:schemeClr val="dk1"/>
+    </cs:fontRef>
+    <cs:spPr>
+      <a:solidFill>
+        <a:schemeClr val="dk1">
+          <a:lumMod val="65000"/>
+          <a:lumOff val="35000"/>
+        </a:schemeClr>
+      </a:solidFill>
+      <a:ln w="9525">
+        <a:solidFill>
+          <a:schemeClr val="tx1">
+            <a:lumMod val="65000"/>
+            <a:lumOff val="35000"/>
+          </a:schemeClr>
+        </a:solidFill>
+      </a:ln>
+    </cs:spPr>
+  </cs:downBar>
+  <cs:dropLine>
+    <cs:lnRef idx="0"/>
+    <cs:fillRef idx="0"/>
+    <cs:effectRef idx="0"/>
+    <cs:fontRef idx="minor">
+      <a:schemeClr val="tx2"/>
+    </cs:fontRef>
+    <cs:spPr>
+      <a:ln w="9525">
+        <a:solidFill>
+          <a:schemeClr val="tx2">
+            <a:lumMod val="60000"/>
+            <a:lumOff val="40000"/>
+          </a:schemeClr>
+        </a:solidFill>
+        <a:prstDash val="dash"/>
+      </a:ln>
+    </cs:spPr>
+  </cs:dropLine>
+  <cs:errorBar>
+    <cs:lnRef idx="0"/>
+    <cs:fillRef idx="0"/>
+    <cs:effectRef idx="0"/>
+    <cs:fontRef idx="minor">
+      <a:schemeClr val="tx2"/>
+    </cs:fontRef>
+    <cs:spPr>
+      <a:ln w="9525">
+        <a:solidFill>
+          <a:schemeClr val="tx2">
+            <a:lumMod val="75000"/>
+          </a:schemeClr>
+        </a:solidFill>
+        <a:round/>
+      </a:ln>
+    </cs:spPr>
+  </cs:errorBar>
+  <cs:floor>
+    <cs:lnRef idx="0"/>
+    <cs:fillRef idx="0"/>
+    <cs:effectRef idx="0"/>
+    <cs:fontRef idx="minor">
+      <a:schemeClr val="tx2"/>
+    </cs:fontRef>
+  </cs:floor>
+  <cs:gridlineMajor>
+    <cs:lnRef idx="0"/>
+    <cs:fillRef idx="0"/>
+    <cs:effectRef idx="0"/>
+    <cs:fontRef idx="minor">
+      <a:schemeClr val="tx2"/>
+    </cs:fontRef>
+    <cs:spPr>
+      <a:ln w="9525" cap="flat" cmpd="sng" algn="ctr">
+        <a:solidFill>
+          <a:schemeClr val="tx2">
+            <a:lumMod val="15000"/>
+            <a:lumOff val="85000"/>
+          </a:schemeClr>
+        </a:solidFill>
+        <a:round/>
+      </a:ln>
+    </cs:spPr>
+  </cs:gridlineMajor>
+  <cs:gridlineMinor>
+    <cs:lnRef idx="0"/>
+    <cs:fillRef idx="0"/>
+    <cs:effectRef idx="0"/>
+    <cs:fontRef idx="minor">
+      <a:schemeClr val="tx2"/>
+    </cs:fontRef>
+    <cs:spPr>
+      <a:ln>
+        <a:solidFill>
+          <a:schemeClr val="tx2">
+            <a:lumMod val="5000"/>
+            <a:lumOff val="95000"/>
+          </a:schemeClr>
+        </a:solidFill>
+      </a:ln>
+    </cs:spPr>
+  </cs:gridlineMinor>
+  <cs:hiLoLine>
+    <cs:lnRef idx="0"/>
+    <cs:fillRef idx="0"/>
+    <cs:effectRef idx="0"/>
+    <cs:fontRef idx="minor">
+      <a:schemeClr val="tx2"/>
+    </cs:fontRef>
+    <cs:spPr>
+      <a:ln w="9525">
+        <a:solidFill>
+          <a:schemeClr val="tx2">
+            <a:lumMod val="60000"/>
+            <a:lumOff val="40000"/>
+          </a:schemeClr>
+        </a:solidFill>
+        <a:prstDash val="dash"/>
+      </a:ln>
+    </cs:spPr>
+  </cs:hiLoLine>
+  <cs:leaderLine>
+    <cs:lnRef idx="0"/>
+    <cs:fillRef idx="0"/>
+    <cs:effectRef idx="0"/>
+    <cs:fontRef idx="minor">
+      <a:schemeClr val="tx2"/>
+    </cs:fontRef>
+    <cs:spPr>
+      <a:ln w="9525">
+        <a:solidFill>
+          <a:schemeClr val="tx2">
+            <a:lumMod val="35000"/>
+            <a:lumOff val="65000"/>
+          </a:schemeClr>
+        </a:solidFill>
+      </a:ln>
+    </cs:spPr>
+  </cs:leaderLine>
+  <cs:legend>
+    <cs:lnRef idx="0"/>
+    <cs:fillRef idx="0"/>
+    <cs:effectRef idx="0"/>
+    <cs:fontRef idx="minor">
+      <a:schemeClr val="tx2"/>
+    </cs:fontRef>
+    <cs:defRPr sz="1197" kern="1200"/>
+  </cs:legend>
+  <cs:plotArea>
+    <cs:lnRef idx="0"/>
+    <cs:fillRef idx="0"/>
+    <cs:effectRef idx="0"/>
+    <cs:fontRef idx="minor">
+      <a:schemeClr val="tx2"/>
+    </cs:fontRef>
+  </cs:plotArea>
+  <cs:plotArea3D>
+    <cs:lnRef idx="0"/>
+    <cs:fillRef idx="0"/>
+    <cs:effectRef idx="0"/>
+    <cs:fontRef idx="minor">
+      <a:schemeClr val="tx2"/>
+    </cs:fontRef>
+  </cs:plotArea3D>
+  <cs:seriesAxis>
+    <cs:lnRef idx="0"/>
+    <cs:fillRef idx="0"/>
+    <cs:effectRef idx="0"/>
+    <cs:fontRef idx="minor">
+      <a:schemeClr val="tx2"/>
+    </cs:fontRef>
+    <cs:spPr>
+      <a:ln w="9525" cap="flat" cmpd="sng" algn="ctr">
+        <a:solidFill>
+          <a:schemeClr val="tx2">
+            <a:lumMod val="15000"/>
+            <a:lumOff val="85000"/>
+          </a:schemeClr>
+        </a:solidFill>
+        <a:round/>
+      </a:ln>
+    </cs:spPr>
+    <cs:defRPr sz="1197" kern="1200"/>
+  </cs:seriesAxis>
+  <cs:seriesLine>
+    <cs:lnRef idx="0"/>
+    <cs:fillRef idx="0"/>
+    <cs:effectRef idx="0"/>
+    <cs:fontRef idx="minor">
+      <a:schemeClr val="tx2"/>
+    </cs:fontRef>
+    <cs:spPr>
+      <a:ln w="9525">
+        <a:solidFill>
+          <a:schemeClr val="tx2">
+            <a:lumMod val="60000"/>
+            <a:lumOff val="40000"/>
+          </a:schemeClr>
+        </a:solidFill>
+        <a:prstDash val="dash"/>
+      </a:ln>
+    </cs:spPr>
+  </cs:seriesLine>
+  <cs:title>
+    <cs:lnRef idx="0"/>
+    <cs:fillRef idx="0"/>
+    <cs:effectRef idx="0"/>
+    <cs:fontRef idx="minor">
+      <a:schemeClr val="tx2"/>
+    </cs:fontRef>
+    <cs:defRPr sz="2128" b="1" kern="1200"/>
+  </cs:title>
+  <cs:trendline>
+    <cs:lnRef idx="0">
+      <cs:styleClr val="auto"/>
+    </cs:lnRef>
+    <cs:fillRef idx="0"/>
+    <cs:effectRef idx="0"/>
+    <cs:fontRef idx="minor">
+      <a:schemeClr val="tx2"/>
+    </cs:fontRef>
+    <cs:spPr>
+      <a:ln w="9525" cap="rnd">
+        <a:solidFill>
+          <a:schemeClr val="phClr"/>
+        </a:solidFill>
+      </a:ln>
+    </cs:spPr>
+  </cs:trendline>
+  <cs:trendlineLabel>
+    <cs:lnRef idx="0"/>
+    <cs:fillRef idx="0"/>
+    <cs:effectRef idx="0"/>
+    <cs:fontRef idx="minor">
+      <a:schemeClr val="tx2"/>
+    </cs:fontRef>
+    <cs:defRPr sz="1197" kern="1200"/>
+  </cs:trendlineLabel>
+  <cs:upBar>
+    <cs:lnRef idx="0"/>
+    <cs:fillRef idx="0"/>
+    <cs:effectRef idx="0"/>
+    <cs:fontRef idx="minor">
+      <a:schemeClr val="tx2"/>
+    </cs:fontRef>
+    <cs:spPr>
+      <a:solidFill>
+        <a:schemeClr val="lt1"/>
+      </a:solidFill>
+      <a:ln w="9525">
+        <a:solidFill>
+          <a:schemeClr val="tx1">
+            <a:lumMod val="15000"/>
+            <a:lumOff val="85000"/>
+          </a:schemeClr>
+        </a:solidFill>
+      </a:ln>
+    </cs:spPr>
+  </cs:upBar>
+  <cs:valueAxis>
+    <cs:lnRef idx="0"/>
+    <cs:fillRef idx="0"/>
+    <cs:effectRef idx="0"/>
+    <cs:fontRef idx="minor">
+      <a:schemeClr val="tx2"/>
+    </cs:fontRef>
+    <cs:spPr>
+      <a:ln>
+        <a:solidFill>
+          <a:schemeClr val="tx2">
+            <a:lumMod val="40000"/>
+            <a:lumOff val="60000"/>
+          </a:schemeClr>
+        </a:solidFill>
+      </a:ln>
+    </cs:spPr>
+    <cs:defRPr sz="1197" kern="1200"/>
+  </cs:valueAxis>
+  <cs:wall>
+    <cs:lnRef idx="0"/>
+    <cs:fillRef idx="0"/>
+    <cs:effectRef idx="0"/>
+    <cs:fontRef idx="minor">
+      <a:schemeClr val="tx2"/>
+    </cs:fontRef>
+  </cs:wall>
+</cs:chartStyle>
+</file>
+
 <file path=ppt/charts/style2.xml><?xml version="1.0" encoding="utf-8"?>
 <cs:chartStyle xmlns:cs="http://schemas.microsoft.com/office/drawing/2012/chartStyle" xmlns:a="http://schemas.openxmlformats.org/drawingml/2006/main" id="242">
   <cs:axisTitle>
@@ -9074,6 +10802,34 @@
 </file>
 
 <file path=ppt/comments/comment2.xml><?xml version="1.0" encoding="utf-8"?>
+<p:cmLst xmlns:a="http://schemas.openxmlformats.org/drawingml/2006/main" xmlns:r="http://schemas.openxmlformats.org/officeDocument/2006/relationships" xmlns:p="http://schemas.openxmlformats.org/presentationml/2006/main">
+  <p:cm authorId="1" dt="2024-09-07T08:16:20.114" idx="1">
+    <p:pos x="10" y="10"/>
+    <p:text/>
+    <p:extLst>
+      <p:ext uri="{C676402C-5697-4E1C-873F-D02D1690AC5C}">
+        <p15:threadingInfo xmlns:p15="http://schemas.microsoft.com/office/powerpoint/2012/main" timeZoneBias="-330"/>
+      </p:ext>
+    </p:extLst>
+  </p:cm>
+</p:cmLst>
+</file>
+
+<file path=ppt/comments/comment3.xml><?xml version="1.0" encoding="utf-8"?>
+<p:cmLst xmlns:a="http://schemas.openxmlformats.org/drawingml/2006/main" xmlns:r="http://schemas.openxmlformats.org/officeDocument/2006/relationships" xmlns:p="http://schemas.openxmlformats.org/presentationml/2006/main">
+  <p:cm authorId="1" dt="2024-09-07T08:16:20.114" idx="1">
+    <p:pos x="10" y="10"/>
+    <p:text/>
+    <p:extLst>
+      <p:ext uri="{C676402C-5697-4E1C-873F-D02D1690AC5C}">
+        <p15:threadingInfo xmlns:p15="http://schemas.microsoft.com/office/powerpoint/2012/main" timeZoneBias="-330"/>
+      </p:ext>
+    </p:extLst>
+  </p:cm>
+</p:cmLst>
+</file>
+
+<file path=ppt/comments/comment4.xml><?xml version="1.0" encoding="utf-8"?>
 <p:cmLst xmlns:a="http://schemas.openxmlformats.org/drawingml/2006/main" xmlns:r="http://schemas.openxmlformats.org/officeDocument/2006/relationships" xmlns:p="http://schemas.openxmlformats.org/presentationml/2006/main">
   <p:cm authorId="1" dt="2024-09-07T08:16:20.114" idx="1">
     <p:pos x="10" y="10"/>
@@ -9169,7 +10925,7 @@
           <a:p>
             <a:fld id="{632BE07B-4151-411A-A48D-7B840AF9CC49}" type="datetimeFigureOut">
               <a:rPr lang="en-IN" smtClean="0"/>
-              <a:t>06-09-2024</a:t>
+              <a:t>07-09-2024</a:t>
             </a:fld>
             <a:endParaRPr lang="en-IN"/>
           </a:p>
@@ -9586,7 +11342,7 @@
           <a:p>
             <a:fld id="{ABA92BD0-17E5-4CD3-8A8A-078C365EACCB}" type="datetimeFigureOut">
               <a:rPr lang="en-IN" smtClean="0"/>
-              <a:t>06-09-2024</a:t>
+              <a:t>07-09-2024</a:t>
             </a:fld>
             <a:endParaRPr lang="en-IN"/>
           </a:p>
@@ -9786,7 +11542,7 @@
           <a:p>
             <a:fld id="{ABA92BD0-17E5-4CD3-8A8A-078C365EACCB}" type="datetimeFigureOut">
               <a:rPr lang="en-IN" smtClean="0"/>
-              <a:t>06-09-2024</a:t>
+              <a:t>07-09-2024</a:t>
             </a:fld>
             <a:endParaRPr lang="en-IN"/>
           </a:p>
@@ -9996,7 +11752,7 @@
           <a:p>
             <a:fld id="{ABA92BD0-17E5-4CD3-8A8A-078C365EACCB}" type="datetimeFigureOut">
               <a:rPr lang="en-IN" smtClean="0"/>
-              <a:t>06-09-2024</a:t>
+              <a:t>07-09-2024</a:t>
             </a:fld>
             <a:endParaRPr lang="en-IN"/>
           </a:p>
@@ -10196,7 +11952,7 @@
           <a:p>
             <a:fld id="{ABA92BD0-17E5-4CD3-8A8A-078C365EACCB}" type="datetimeFigureOut">
               <a:rPr lang="en-IN" smtClean="0"/>
-              <a:t>06-09-2024</a:t>
+              <a:t>07-09-2024</a:t>
             </a:fld>
             <a:endParaRPr lang="en-IN"/>
           </a:p>
@@ -10472,7 +12228,7 @@
           <a:p>
             <a:fld id="{ABA92BD0-17E5-4CD3-8A8A-078C365EACCB}" type="datetimeFigureOut">
               <a:rPr lang="en-IN" smtClean="0"/>
-              <a:t>06-09-2024</a:t>
+              <a:t>07-09-2024</a:t>
             </a:fld>
             <a:endParaRPr lang="en-IN"/>
           </a:p>
@@ -10740,7 +12496,7 @@
           <a:p>
             <a:fld id="{ABA92BD0-17E5-4CD3-8A8A-078C365EACCB}" type="datetimeFigureOut">
               <a:rPr lang="en-IN" smtClean="0"/>
-              <a:t>06-09-2024</a:t>
+              <a:t>07-09-2024</a:t>
             </a:fld>
             <a:endParaRPr lang="en-IN"/>
           </a:p>
@@ -11155,7 +12911,7 @@
           <a:p>
             <a:fld id="{ABA92BD0-17E5-4CD3-8A8A-078C365EACCB}" type="datetimeFigureOut">
               <a:rPr lang="en-IN" smtClean="0"/>
-              <a:t>06-09-2024</a:t>
+              <a:t>07-09-2024</a:t>
             </a:fld>
             <a:endParaRPr lang="en-IN"/>
           </a:p>
@@ -11297,7 +13053,7 @@
           <a:p>
             <a:fld id="{ABA92BD0-17E5-4CD3-8A8A-078C365EACCB}" type="datetimeFigureOut">
               <a:rPr lang="en-IN" smtClean="0"/>
-              <a:t>06-09-2024</a:t>
+              <a:t>07-09-2024</a:t>
             </a:fld>
             <a:endParaRPr lang="en-IN"/>
           </a:p>
@@ -11410,7 +13166,7 @@
           <a:p>
             <a:fld id="{ABA92BD0-17E5-4CD3-8A8A-078C365EACCB}" type="datetimeFigureOut">
               <a:rPr lang="en-IN" smtClean="0"/>
-              <a:t>06-09-2024</a:t>
+              <a:t>07-09-2024</a:t>
             </a:fld>
             <a:endParaRPr lang="en-IN"/>
           </a:p>
@@ -11723,7 +13479,7 @@
           <a:p>
             <a:fld id="{ABA92BD0-17E5-4CD3-8A8A-078C365EACCB}" type="datetimeFigureOut">
               <a:rPr lang="en-IN" smtClean="0"/>
-              <a:t>06-09-2024</a:t>
+              <a:t>07-09-2024</a:t>
             </a:fld>
             <a:endParaRPr lang="en-IN"/>
           </a:p>
@@ -12012,7 +13768,7 @@
           <a:p>
             <a:fld id="{ABA92BD0-17E5-4CD3-8A8A-078C365EACCB}" type="datetimeFigureOut">
               <a:rPr lang="en-IN" smtClean="0"/>
-              <a:t>06-09-2024</a:t>
+              <a:t>07-09-2024</a:t>
             </a:fld>
             <a:endParaRPr lang="en-IN"/>
           </a:p>
@@ -12255,7 +14011,7 @@
           <a:p>
             <a:fld id="{ABA92BD0-17E5-4CD3-8A8A-078C365EACCB}" type="datetimeFigureOut">
               <a:rPr lang="en-IN" smtClean="0"/>
-              <a:t>06-09-2024</a:t>
+              <a:t>07-09-2024</a:t>
             </a:fld>
             <a:endParaRPr lang="en-IN"/>
           </a:p>
@@ -12749,40 +14505,160 @@
           <a:chExt cx="0" cy="0"/>
         </a:xfrm>
       </p:grpSpPr>
-      <p:sp>
-        <p:nvSpPr>
-          <p:cNvPr id="3" name="Footer Placeholder 2">
+      <p:graphicFrame>
+        <p:nvGraphicFramePr>
+          <p:cNvPr id="3" name="Chart 2">
             <a:extLst>
               <a:ext uri="{FF2B5EF4-FFF2-40B4-BE49-F238E27FC236}">
-                <a16:creationId xmlns:a16="http://schemas.microsoft.com/office/drawing/2014/main" id="{DAF5AB59-A2ED-4DA4-A7FA-C90BE9D52D60}"/>
+                <a16:creationId xmlns:a16="http://schemas.microsoft.com/office/drawing/2014/main" id="{FD7DA1E7-A215-48ED-828E-09F7F40F43C7}"/>
               </a:ext>
             </a:extLst>
           </p:cNvPr>
-          <p:cNvSpPr>
-            <a:spLocks noGrp="1"/>
-          </p:cNvSpPr>
+          <p:cNvGraphicFramePr/>
           <p:nvPr>
-            <p:ph type="ftr" sz="quarter" idx="11"/>
+            <p:extLst>
+              <p:ext uri="{D42A27DB-BD31-4B8C-83A1-F6EECF244321}">
+                <p14:modId xmlns:p14="http://schemas.microsoft.com/office/powerpoint/2010/main" val="1852730320"/>
+              </p:ext>
+            </p:extLst>
           </p:nvPr>
-        </p:nvSpPr>
-        <p:spPr/>
-        <p:txBody>
-          <a:bodyPr/>
-          <a:lstStyle/>
-          <a:p>
-            <a:r>
-              <a:rPr lang="en-IN" dirty="0"/>
-              <a:t>Machine Learning Clustering Algorithms</a:t>
-            </a:r>
-          </a:p>
-        </p:txBody>
-      </p:sp>
+        </p:nvGraphicFramePr>
+        <p:xfrm>
+          <a:off x="778416" y="1150033"/>
+          <a:ext cx="3133970" cy="2278967"/>
+        </p:xfrm>
+        <a:graphic>
+          <a:graphicData uri="http://schemas.openxmlformats.org/drawingml/2006/chart">
+            <c:chart xmlns:c="http://schemas.openxmlformats.org/drawingml/2006/chart" xmlns:r="http://schemas.openxmlformats.org/officeDocument/2006/relationships" r:id="rId2"/>
+          </a:graphicData>
+        </a:graphic>
+      </p:graphicFrame>
+      <p:pic>
+        <p:nvPicPr>
+          <p:cNvPr id="2" name="Picture 1">
+            <a:extLst>
+              <a:ext uri="{FF2B5EF4-FFF2-40B4-BE49-F238E27FC236}">
+                <a16:creationId xmlns:a16="http://schemas.microsoft.com/office/drawing/2014/main" id="{3E5F9E21-27A1-4E44-8415-509715B9E47B}"/>
+              </a:ext>
+            </a:extLst>
+          </p:cNvPr>
+          <p:cNvPicPr>
+            <a:picLocks noChangeAspect="1"/>
+          </p:cNvPicPr>
+          <p:nvPr/>
+        </p:nvPicPr>
+        <p:blipFill>
+          <a:blip r:embed="rId3"/>
+          <a:stretch>
+            <a:fillRect/>
+          </a:stretch>
+        </p:blipFill>
+        <p:spPr>
+          <a:xfrm>
+            <a:off x="4345378" y="1150033"/>
+            <a:ext cx="3248025" cy="2324100"/>
+          </a:xfrm>
+          <a:prstGeom prst="rect">
+            <a:avLst/>
+          </a:prstGeom>
+        </p:spPr>
+      </p:pic>
+      <p:pic>
+        <p:nvPicPr>
+          <p:cNvPr id="4" name="Picture 3">
+            <a:extLst>
+              <a:ext uri="{FF2B5EF4-FFF2-40B4-BE49-F238E27FC236}">
+                <a16:creationId xmlns:a16="http://schemas.microsoft.com/office/drawing/2014/main" id="{C7E376CB-B0A0-4FE2-B529-5AD3FCB27C38}"/>
+              </a:ext>
+            </a:extLst>
+          </p:cNvPr>
+          <p:cNvPicPr>
+            <a:picLocks noChangeAspect="1"/>
+          </p:cNvPicPr>
+          <p:nvPr/>
+        </p:nvPicPr>
+        <p:blipFill>
+          <a:blip r:embed="rId4"/>
+          <a:stretch>
+            <a:fillRect/>
+          </a:stretch>
+        </p:blipFill>
+        <p:spPr>
+          <a:xfrm>
+            <a:off x="8312441" y="1078668"/>
+            <a:ext cx="3209925" cy="2352675"/>
+          </a:xfrm>
+          <a:prstGeom prst="rect">
+            <a:avLst/>
+          </a:prstGeom>
+        </p:spPr>
+      </p:pic>
+      <p:pic>
+        <p:nvPicPr>
+          <p:cNvPr id="5" name="Picture 4">
+            <a:extLst>
+              <a:ext uri="{FF2B5EF4-FFF2-40B4-BE49-F238E27FC236}">
+                <a16:creationId xmlns:a16="http://schemas.microsoft.com/office/drawing/2014/main" id="{6F278576-48CB-488C-BCE8-6C80ECB0110C}"/>
+              </a:ext>
+            </a:extLst>
+          </p:cNvPr>
+          <p:cNvPicPr>
+            <a:picLocks noChangeAspect="1"/>
+          </p:cNvPicPr>
+          <p:nvPr/>
+        </p:nvPicPr>
+        <p:blipFill>
+          <a:blip r:embed="rId5"/>
+          <a:stretch>
+            <a:fillRect/>
+          </a:stretch>
+        </p:blipFill>
+        <p:spPr>
+          <a:xfrm>
+            <a:off x="692936" y="4198766"/>
+            <a:ext cx="3219450" cy="2343150"/>
+          </a:xfrm>
+          <a:prstGeom prst="rect">
+            <a:avLst/>
+          </a:prstGeom>
+        </p:spPr>
+      </p:pic>
+      <p:pic>
+        <p:nvPicPr>
+          <p:cNvPr id="7" name="Picture 6">
+            <a:extLst>
+              <a:ext uri="{FF2B5EF4-FFF2-40B4-BE49-F238E27FC236}">
+                <a16:creationId xmlns:a16="http://schemas.microsoft.com/office/drawing/2014/main" id="{A8F95AC7-7A01-4430-9AB6-E1E5B6CE7970}"/>
+              </a:ext>
+            </a:extLst>
+          </p:cNvPr>
+          <p:cNvPicPr>
+            <a:picLocks noChangeAspect="1"/>
+          </p:cNvPicPr>
+          <p:nvPr/>
+        </p:nvPicPr>
+        <p:blipFill>
+          <a:blip r:embed="rId6"/>
+          <a:stretch>
+            <a:fillRect/>
+          </a:stretch>
+        </p:blipFill>
+        <p:spPr>
+          <a:xfrm>
+            <a:off x="4364428" y="4093991"/>
+            <a:ext cx="3228975" cy="2447925"/>
+          </a:xfrm>
+          <a:prstGeom prst="rect">
+            <a:avLst/>
+          </a:prstGeom>
+        </p:spPr>
+      </p:pic>
       <p:sp>
         <p:nvSpPr>
-          <p:cNvPr id="2" name="TextBox 1">
+          <p:cNvPr id="9" name="TextBox 8">
             <a:extLst>
               <a:ext uri="{FF2B5EF4-FFF2-40B4-BE49-F238E27FC236}">
-                <a16:creationId xmlns:a16="http://schemas.microsoft.com/office/drawing/2014/main" id="{C5AD4A6B-2846-495A-BC28-7F753ECC3633}"/>
+                <a16:creationId xmlns:a16="http://schemas.microsoft.com/office/drawing/2014/main" id="{64082B2D-6687-41B6-8638-D1E40CBD1082}"/>
               </a:ext>
             </a:extLst>
           </p:cNvPr>
@@ -12791,8 +14667,80 @@
         </p:nvSpPr>
         <p:spPr>
           <a:xfrm>
-            <a:off x="1960686" y="1156946"/>
-            <a:ext cx="7426568" cy="1431161"/>
+            <a:off x="1275433" y="965367"/>
+            <a:ext cx="1739835" cy="369332"/>
+          </a:xfrm>
+          <a:prstGeom prst="rect">
+            <a:avLst/>
+          </a:prstGeom>
+          <a:noFill/>
+        </p:spPr>
+        <p:txBody>
+          <a:bodyPr wrap="none" rtlCol="0">
+            <a:spAutoFit/>
+          </a:bodyPr>
+          <a:lstStyle/>
+          <a:p>
+            <a:r>
+              <a:rPr lang="en-US" dirty="0"/>
+              <a:t>Original Data set</a:t>
+            </a:r>
+            <a:endParaRPr lang="en-IN" dirty="0"/>
+          </a:p>
+        </p:txBody>
+      </p:sp>
+      <p:sp>
+        <p:nvSpPr>
+          <p:cNvPr id="10" name="TextBox 9">
+            <a:extLst>
+              <a:ext uri="{FF2B5EF4-FFF2-40B4-BE49-F238E27FC236}">
+                <a16:creationId xmlns:a16="http://schemas.microsoft.com/office/drawing/2014/main" id="{29B90A28-7764-4E9F-92A0-E35992E082E8}"/>
+              </a:ext>
+            </a:extLst>
+          </p:cNvPr>
+          <p:cNvSpPr txBox="1"/>
+          <p:nvPr/>
+        </p:nvSpPr>
+        <p:spPr>
+          <a:xfrm>
+            <a:off x="5073650" y="1005838"/>
+            <a:ext cx="2333267" cy="369332"/>
+          </a:xfrm>
+          <a:prstGeom prst="rect">
+            <a:avLst/>
+          </a:prstGeom>
+          <a:noFill/>
+        </p:spPr>
+        <p:txBody>
+          <a:bodyPr wrap="none" rtlCol="0">
+            <a:spAutoFit/>
+          </a:bodyPr>
+          <a:lstStyle/>
+          <a:p>
+            <a:r>
+              <a:rPr lang="en-US" dirty="0"/>
+              <a:t>Assign a centroids. K=3</a:t>
+            </a:r>
+            <a:endParaRPr lang="en-IN" dirty="0"/>
+          </a:p>
+        </p:txBody>
+      </p:sp>
+      <p:sp>
+        <p:nvSpPr>
+          <p:cNvPr id="11" name="TextBox 10">
+            <a:extLst>
+              <a:ext uri="{FF2B5EF4-FFF2-40B4-BE49-F238E27FC236}">
+                <a16:creationId xmlns:a16="http://schemas.microsoft.com/office/drawing/2014/main" id="{8C662BAB-1327-486B-8088-B0E3748B058A}"/>
+              </a:ext>
+            </a:extLst>
+          </p:cNvPr>
+          <p:cNvSpPr txBox="1"/>
+          <p:nvPr/>
+        </p:nvSpPr>
+        <p:spPr>
+          <a:xfrm>
+            <a:off x="8754667" y="544173"/>
+            <a:ext cx="3378758" cy="646331"/>
           </a:xfrm>
           <a:prstGeom prst="rect">
             <a:avLst/>
@@ -12805,79 +14753,20 @@
           </a:bodyPr>
           <a:lstStyle/>
           <a:p>
-            <a:pPr>
-              <a:spcBef>
-                <a:spcPts val="600"/>
-              </a:spcBef>
-            </a:pPr>
-            <a:r>
-              <a:rPr lang="en-US" b="1" dirty="0">
-                <a:latin typeface="Cascadia Code" panose="020B0609020000020004" pitchFamily="49" charset="0"/>
-                <a:cs typeface="Cascadia Code" panose="020B0609020000020004" pitchFamily="49" charset="0"/>
-              </a:rPr>
-              <a:t>Advantages</a:t>
-            </a:r>
-            <a:endParaRPr lang="en-US" dirty="0">
-              <a:latin typeface="Cascadia Code" panose="020B0609020000020004" pitchFamily="49" charset="0"/>
-              <a:cs typeface="Cascadia Code" panose="020B0609020000020004" pitchFamily="49" charset="0"/>
-            </a:endParaRPr>
-          </a:p>
-          <a:p>
-            <a:pPr marL="742950" lvl="1" indent="-285750">
-              <a:spcBef>
-                <a:spcPts val="600"/>
-              </a:spcBef>
-              <a:buFont typeface="Courier New" panose="02070309020205020404" pitchFamily="49" charset="0"/>
-              <a:buChar char="o"/>
-            </a:pPr>
-            <a:r>
-              <a:rPr lang="en-US" dirty="0">
-                <a:latin typeface="Cascadia Code" panose="020B0609020000020004" pitchFamily="49" charset="0"/>
-                <a:cs typeface="Cascadia Code" panose="020B0609020000020004" pitchFamily="49" charset="0"/>
-              </a:rPr>
-              <a:t>Efficient and scalable</a:t>
-            </a:r>
-          </a:p>
-          <a:p>
-            <a:pPr marL="742950" lvl="1" indent="-285750">
-              <a:spcBef>
-                <a:spcPts val="600"/>
-              </a:spcBef>
-              <a:buFont typeface="Courier New" panose="02070309020205020404" pitchFamily="49" charset="0"/>
-              <a:buChar char="o"/>
-            </a:pPr>
-            <a:r>
-              <a:rPr lang="en-US" dirty="0">
-                <a:latin typeface="Cascadia Code" panose="020B0609020000020004" pitchFamily="49" charset="0"/>
-                <a:cs typeface="Cascadia Code" panose="020B0609020000020004" pitchFamily="49" charset="0"/>
-              </a:rPr>
-              <a:t>Easy to implement and interpret</a:t>
-            </a:r>
-          </a:p>
-          <a:p>
-            <a:pPr marL="742950" lvl="1" indent="-285750">
-              <a:spcBef>
-                <a:spcPts val="600"/>
-              </a:spcBef>
-              <a:buFont typeface="Courier New" panose="02070309020205020404" pitchFamily="49" charset="0"/>
-              <a:buChar char="o"/>
-            </a:pPr>
-            <a:r>
-              <a:rPr lang="en-US" dirty="0">
-                <a:latin typeface="Cascadia Code" panose="020B0609020000020004" pitchFamily="49" charset="0"/>
-                <a:cs typeface="Cascadia Code" panose="020B0609020000020004" pitchFamily="49" charset="0"/>
-              </a:rPr>
-              <a:t>Fast convergence</a:t>
-            </a:r>
+            <a:r>
+              <a:rPr lang="en-US" dirty="0"/>
+              <a:t>Add each datapoints to nearest centroid. It will create a 3 cluster. </a:t>
+            </a:r>
+            <a:endParaRPr lang="en-IN" dirty="0"/>
           </a:p>
         </p:txBody>
       </p:sp>
       <p:sp>
         <p:nvSpPr>
-          <p:cNvPr id="5" name="TextBox 4">
+          <p:cNvPr id="12" name="TextBox 11">
             <a:extLst>
               <a:ext uri="{FF2B5EF4-FFF2-40B4-BE49-F238E27FC236}">
-                <a16:creationId xmlns:a16="http://schemas.microsoft.com/office/drawing/2014/main" id="{0F1C7B19-9F0B-4B15-AC52-92FD338C2635}"/>
+                <a16:creationId xmlns:a16="http://schemas.microsoft.com/office/drawing/2014/main" id="{6C1D3753-311F-4034-87BA-50E38E46A932}"/>
               </a:ext>
             </a:extLst>
           </p:cNvPr>
@@ -12886,7 +14775,79 @@
         </p:nvSpPr>
         <p:spPr>
           <a:xfrm>
-            <a:off x="4218723" y="441034"/>
+            <a:off x="1267249" y="3909325"/>
+            <a:ext cx="2160591" cy="369332"/>
+          </a:xfrm>
+          <a:prstGeom prst="rect">
+            <a:avLst/>
+          </a:prstGeom>
+          <a:noFill/>
+        </p:spPr>
+        <p:txBody>
+          <a:bodyPr wrap="none" rtlCol="0">
+            <a:spAutoFit/>
+          </a:bodyPr>
+          <a:lstStyle/>
+          <a:p>
+            <a:r>
+              <a:rPr lang="en-US" dirty="0"/>
+              <a:t>Assign new centroids</a:t>
+            </a:r>
+            <a:endParaRPr lang="en-IN" dirty="0"/>
+          </a:p>
+        </p:txBody>
+      </p:sp>
+      <p:sp>
+        <p:nvSpPr>
+          <p:cNvPr id="14" name="TextBox 13">
+            <a:extLst>
+              <a:ext uri="{FF2B5EF4-FFF2-40B4-BE49-F238E27FC236}">
+                <a16:creationId xmlns:a16="http://schemas.microsoft.com/office/drawing/2014/main" id="{DFB2F15D-9768-4C65-ABD1-06C213F7E985}"/>
+              </a:ext>
+            </a:extLst>
+          </p:cNvPr>
+          <p:cNvSpPr txBox="1"/>
+          <p:nvPr/>
+        </p:nvSpPr>
+        <p:spPr>
+          <a:xfrm>
+            <a:off x="4848974" y="3586159"/>
+            <a:ext cx="3378758" cy="646331"/>
+          </a:xfrm>
+          <a:prstGeom prst="rect">
+            <a:avLst/>
+          </a:prstGeom>
+          <a:noFill/>
+        </p:spPr>
+        <p:txBody>
+          <a:bodyPr wrap="square" rtlCol="0">
+            <a:spAutoFit/>
+          </a:bodyPr>
+          <a:lstStyle/>
+          <a:p>
+            <a:r>
+              <a:rPr lang="en-US" dirty="0"/>
+              <a:t>Add each datapoints to nearest centroid. It will create a 3 cluster. </a:t>
+            </a:r>
+            <a:endParaRPr lang="en-IN" dirty="0"/>
+          </a:p>
+        </p:txBody>
+      </p:sp>
+      <p:sp>
+        <p:nvSpPr>
+          <p:cNvPr id="15" name="TextBox 14">
+            <a:extLst>
+              <a:ext uri="{FF2B5EF4-FFF2-40B4-BE49-F238E27FC236}">
+                <a16:creationId xmlns:a16="http://schemas.microsoft.com/office/drawing/2014/main" id="{74F6FF25-6008-40A4-9EF1-026582C29F12}"/>
+              </a:ext>
+            </a:extLst>
+          </p:cNvPr>
+          <p:cNvSpPr txBox="1"/>
+          <p:nvPr/>
+        </p:nvSpPr>
+        <p:spPr>
+          <a:xfrm>
+            <a:off x="4092113" y="228702"/>
             <a:ext cx="3754554" cy="523220"/>
           </a:xfrm>
           <a:prstGeom prst="rect">
@@ -12921,232 +14882,10 @@
           </a:p>
         </p:txBody>
       </p:sp>
-      <p:sp>
-        <p:nvSpPr>
-          <p:cNvPr id="7" name="TextBox 6">
-            <a:extLst>
-              <a:ext uri="{FF2B5EF4-FFF2-40B4-BE49-F238E27FC236}">
-                <a16:creationId xmlns:a16="http://schemas.microsoft.com/office/drawing/2014/main" id="{CF620D77-58A8-48A0-96D3-43A36584B010}"/>
-              </a:ext>
-            </a:extLst>
-          </p:cNvPr>
-          <p:cNvSpPr txBox="1"/>
-          <p:nvPr/>
-        </p:nvSpPr>
-        <p:spPr>
-          <a:xfrm>
-            <a:off x="1960686" y="2629995"/>
-            <a:ext cx="7426568" cy="1431161"/>
-          </a:xfrm>
-          <a:prstGeom prst="rect">
-            <a:avLst/>
-          </a:prstGeom>
-          <a:noFill/>
-        </p:spPr>
-        <p:txBody>
-          <a:bodyPr wrap="square" rtlCol="0">
-            <a:spAutoFit/>
-          </a:bodyPr>
-          <a:lstStyle/>
-          <a:p>
-            <a:pPr>
-              <a:spcBef>
-                <a:spcPts val="600"/>
-              </a:spcBef>
-            </a:pPr>
-            <a:r>
-              <a:rPr lang="en-US" b="1" dirty="0">
-                <a:latin typeface="Cascadia Code" panose="020B0609020000020004" pitchFamily="49" charset="0"/>
-                <a:cs typeface="Cascadia Code" panose="020B0609020000020004" pitchFamily="49" charset="0"/>
-              </a:rPr>
-              <a:t>Disadvantages</a:t>
-            </a:r>
-            <a:endParaRPr lang="en-US" dirty="0">
-              <a:latin typeface="Cascadia Code" panose="020B0609020000020004" pitchFamily="49" charset="0"/>
-              <a:cs typeface="Cascadia Code" panose="020B0609020000020004" pitchFamily="49" charset="0"/>
-            </a:endParaRPr>
-          </a:p>
-          <a:p>
-            <a:pPr marL="742950" lvl="1" indent="-285750">
-              <a:spcBef>
-                <a:spcPts val="600"/>
-              </a:spcBef>
-              <a:buFont typeface="Courier New" panose="02070309020205020404" pitchFamily="49" charset="0"/>
-              <a:buChar char="o"/>
-            </a:pPr>
-            <a:r>
-              <a:rPr lang="en-US" dirty="0">
-                <a:latin typeface="Cascadia Code" panose="020B0609020000020004" pitchFamily="49" charset="0"/>
-                <a:cs typeface="Cascadia Code" panose="020B0609020000020004" pitchFamily="49" charset="0"/>
-              </a:rPr>
-              <a:t>Sensitive to initial centroid placement</a:t>
-            </a:r>
-          </a:p>
-          <a:p>
-            <a:pPr marL="742950" lvl="1" indent="-285750">
-              <a:spcBef>
-                <a:spcPts val="600"/>
-              </a:spcBef>
-              <a:buFont typeface="Courier New" panose="02070309020205020404" pitchFamily="49" charset="0"/>
-              <a:buChar char="o"/>
-            </a:pPr>
-            <a:r>
-              <a:rPr lang="en-US" dirty="0">
-                <a:latin typeface="Cascadia Code" panose="020B0609020000020004" pitchFamily="49" charset="0"/>
-                <a:cs typeface="Cascadia Code" panose="020B0609020000020004" pitchFamily="49" charset="0"/>
-              </a:rPr>
-              <a:t>Sensitivity to outliers</a:t>
-            </a:r>
-          </a:p>
-          <a:p>
-            <a:pPr marL="742950" lvl="1" indent="-285750">
-              <a:spcBef>
-                <a:spcPts val="600"/>
-              </a:spcBef>
-              <a:buFont typeface="Courier New" panose="02070309020205020404" pitchFamily="49" charset="0"/>
-              <a:buChar char="o"/>
-            </a:pPr>
-            <a:r>
-              <a:rPr lang="en-US" dirty="0">
-                <a:latin typeface="Cascadia Code" panose="020B0609020000020004" pitchFamily="49" charset="0"/>
-                <a:cs typeface="Cascadia Code" panose="020B0609020000020004" pitchFamily="49" charset="0"/>
-              </a:rPr>
-              <a:t>Scalability issues</a:t>
-            </a:r>
-          </a:p>
-        </p:txBody>
-      </p:sp>
-      <p:sp>
-        <p:nvSpPr>
-          <p:cNvPr id="8" name="TextBox 7">
-            <a:extLst>
-              <a:ext uri="{FF2B5EF4-FFF2-40B4-BE49-F238E27FC236}">
-                <a16:creationId xmlns:a16="http://schemas.microsoft.com/office/drawing/2014/main" id="{62DA76A8-233C-41B3-8D2B-1FC49D5F6B12}"/>
-              </a:ext>
-            </a:extLst>
-          </p:cNvPr>
-          <p:cNvSpPr txBox="1"/>
-          <p:nvPr/>
-        </p:nvSpPr>
-        <p:spPr>
-          <a:xfrm>
-            <a:off x="1960686" y="4217303"/>
-            <a:ext cx="7426568" cy="2139047"/>
-          </a:xfrm>
-          <a:prstGeom prst="rect">
-            <a:avLst/>
-          </a:prstGeom>
-          <a:noFill/>
-        </p:spPr>
-        <p:txBody>
-          <a:bodyPr wrap="square" rtlCol="0">
-            <a:spAutoFit/>
-          </a:bodyPr>
-          <a:lstStyle/>
-          <a:p>
-            <a:pPr>
-              <a:spcBef>
-                <a:spcPts val="600"/>
-              </a:spcBef>
-            </a:pPr>
-            <a:r>
-              <a:rPr lang="en-US" b="1" dirty="0">
-                <a:latin typeface="Cascadia Code" panose="020B0609020000020004" pitchFamily="49" charset="0"/>
-                <a:cs typeface="Cascadia Code" panose="020B0609020000020004" pitchFamily="49" charset="0"/>
-              </a:rPr>
-              <a:t>Applications</a:t>
-            </a:r>
-            <a:endParaRPr lang="en-US" dirty="0">
-              <a:latin typeface="Cascadia Code" panose="020B0609020000020004" pitchFamily="49" charset="0"/>
-              <a:cs typeface="Cascadia Code" panose="020B0609020000020004" pitchFamily="49" charset="0"/>
-            </a:endParaRPr>
-          </a:p>
-          <a:p>
-            <a:pPr marL="742950" lvl="1" indent="-285750">
-              <a:spcBef>
-                <a:spcPts val="600"/>
-              </a:spcBef>
-              <a:buFont typeface="Courier New" panose="02070309020205020404" pitchFamily="49" charset="0"/>
-              <a:buChar char="o"/>
-            </a:pPr>
-            <a:r>
-              <a:rPr lang="en-US" dirty="0">
-                <a:latin typeface="Cascadia Code" panose="020B0609020000020004" pitchFamily="49" charset="0"/>
-                <a:cs typeface="Cascadia Code" panose="020B0609020000020004" pitchFamily="49" charset="0"/>
-              </a:rPr>
-              <a:t>Customer segmentation</a:t>
-            </a:r>
-          </a:p>
-          <a:p>
-            <a:pPr marL="742950" lvl="1" indent="-285750">
-              <a:spcBef>
-                <a:spcPts val="600"/>
-              </a:spcBef>
-              <a:buFont typeface="Courier New" panose="02070309020205020404" pitchFamily="49" charset="0"/>
-              <a:buChar char="o"/>
-            </a:pPr>
-            <a:r>
-              <a:rPr lang="en-US" dirty="0">
-                <a:latin typeface="Cascadia Code" panose="020B0609020000020004" pitchFamily="49" charset="0"/>
-                <a:cs typeface="Cascadia Code" panose="020B0609020000020004" pitchFamily="49" charset="0"/>
-              </a:rPr>
-              <a:t>Image compression</a:t>
-            </a:r>
-          </a:p>
-          <a:p>
-            <a:pPr marL="742950" lvl="1" indent="-285750">
-              <a:spcBef>
-                <a:spcPts val="600"/>
-              </a:spcBef>
-              <a:buFont typeface="Courier New" panose="02070309020205020404" pitchFamily="49" charset="0"/>
-              <a:buChar char="o"/>
-            </a:pPr>
-            <a:r>
-              <a:rPr lang="en-US" dirty="0">
-                <a:latin typeface="Cascadia Code" panose="020B0609020000020004" pitchFamily="49" charset="0"/>
-                <a:cs typeface="Cascadia Code" panose="020B0609020000020004" pitchFamily="49" charset="0"/>
-              </a:rPr>
-              <a:t>Gene expression analysis</a:t>
-            </a:r>
-          </a:p>
-          <a:p>
-            <a:pPr marL="742950" lvl="1" indent="-285750">
-              <a:spcBef>
-                <a:spcPts val="600"/>
-              </a:spcBef>
-              <a:buFont typeface="Courier New" panose="02070309020205020404" pitchFamily="49" charset="0"/>
-              <a:buChar char="o"/>
-            </a:pPr>
-            <a:r>
-              <a:rPr lang="en-US" dirty="0">
-                <a:latin typeface="Cascadia Code" panose="020B0609020000020004" pitchFamily="49" charset="0"/>
-                <a:cs typeface="Cascadia Code" panose="020B0609020000020004" pitchFamily="49" charset="0"/>
-              </a:rPr>
-              <a:t>Text clustering</a:t>
-            </a:r>
-          </a:p>
-          <a:p>
-            <a:pPr marL="742950" lvl="1" indent="-285750">
-              <a:spcBef>
-                <a:spcPts val="600"/>
-              </a:spcBef>
-              <a:buFont typeface="Courier New" panose="02070309020205020404" pitchFamily="49" charset="0"/>
-              <a:buChar char="o"/>
-            </a:pPr>
-            <a:r>
-              <a:rPr lang="en-US" dirty="0">
-                <a:latin typeface="Cascadia Code" panose="020B0609020000020004" pitchFamily="49" charset="0"/>
-                <a:cs typeface="Cascadia Code" panose="020B0609020000020004" pitchFamily="49" charset="0"/>
-              </a:rPr>
-              <a:t>Recommendation systems</a:t>
-            </a:r>
-          </a:p>
-        </p:txBody>
-      </p:sp>
     </p:spTree>
     <p:extLst>
       <p:ext uri="{BB962C8B-B14F-4D97-AF65-F5344CB8AC3E}">
-        <p14:creationId xmlns:p14="http://schemas.microsoft.com/office/powerpoint/2010/main" val="2515337717"/>
+        <p14:creationId xmlns:p14="http://schemas.microsoft.com/office/powerpoint/2010/main" val="3388153734"/>
       </p:ext>
     </p:extLst>
   </p:cSld>
@@ -13215,6 +14954,430 @@
         </p:nvSpPr>
         <p:spPr>
           <a:xfrm>
+            <a:off x="1960686" y="1156946"/>
+            <a:ext cx="7426568" cy="1431161"/>
+          </a:xfrm>
+          <a:prstGeom prst="rect">
+            <a:avLst/>
+          </a:prstGeom>
+          <a:noFill/>
+        </p:spPr>
+        <p:txBody>
+          <a:bodyPr wrap="square" rtlCol="0">
+            <a:spAutoFit/>
+          </a:bodyPr>
+          <a:lstStyle/>
+          <a:p>
+            <a:pPr>
+              <a:spcBef>
+                <a:spcPts val="600"/>
+              </a:spcBef>
+            </a:pPr>
+            <a:r>
+              <a:rPr lang="en-US" b="1" dirty="0">
+                <a:latin typeface="Cascadia Code" panose="020B0609020000020004" pitchFamily="49" charset="0"/>
+                <a:cs typeface="Cascadia Code" panose="020B0609020000020004" pitchFamily="49" charset="0"/>
+              </a:rPr>
+              <a:t>Advantages</a:t>
+            </a:r>
+            <a:endParaRPr lang="en-US" dirty="0">
+              <a:latin typeface="Cascadia Code" panose="020B0609020000020004" pitchFamily="49" charset="0"/>
+              <a:cs typeface="Cascadia Code" panose="020B0609020000020004" pitchFamily="49" charset="0"/>
+            </a:endParaRPr>
+          </a:p>
+          <a:p>
+            <a:pPr marL="742950" lvl="1" indent="-285750">
+              <a:spcBef>
+                <a:spcPts val="600"/>
+              </a:spcBef>
+              <a:buFont typeface="Courier New" panose="02070309020205020404" pitchFamily="49" charset="0"/>
+              <a:buChar char="o"/>
+            </a:pPr>
+            <a:r>
+              <a:rPr lang="en-US" dirty="0">
+                <a:latin typeface="Cascadia Code" panose="020B0609020000020004" pitchFamily="49" charset="0"/>
+                <a:cs typeface="Cascadia Code" panose="020B0609020000020004" pitchFamily="49" charset="0"/>
+              </a:rPr>
+              <a:t>Efficient and scalable</a:t>
+            </a:r>
+          </a:p>
+          <a:p>
+            <a:pPr marL="742950" lvl="1" indent="-285750">
+              <a:spcBef>
+                <a:spcPts val="600"/>
+              </a:spcBef>
+              <a:buFont typeface="Courier New" panose="02070309020205020404" pitchFamily="49" charset="0"/>
+              <a:buChar char="o"/>
+            </a:pPr>
+            <a:r>
+              <a:rPr lang="en-US" dirty="0">
+                <a:latin typeface="Cascadia Code" panose="020B0609020000020004" pitchFamily="49" charset="0"/>
+                <a:cs typeface="Cascadia Code" panose="020B0609020000020004" pitchFamily="49" charset="0"/>
+              </a:rPr>
+              <a:t>Easy to implement and interpret</a:t>
+            </a:r>
+          </a:p>
+          <a:p>
+            <a:pPr marL="742950" lvl="1" indent="-285750">
+              <a:spcBef>
+                <a:spcPts val="600"/>
+              </a:spcBef>
+              <a:buFont typeface="Courier New" panose="02070309020205020404" pitchFamily="49" charset="0"/>
+              <a:buChar char="o"/>
+            </a:pPr>
+            <a:r>
+              <a:rPr lang="en-US" dirty="0">
+                <a:latin typeface="Cascadia Code" panose="020B0609020000020004" pitchFamily="49" charset="0"/>
+                <a:cs typeface="Cascadia Code" panose="020B0609020000020004" pitchFamily="49" charset="0"/>
+              </a:rPr>
+              <a:t>Fast convergence</a:t>
+            </a:r>
+          </a:p>
+        </p:txBody>
+      </p:sp>
+      <p:sp>
+        <p:nvSpPr>
+          <p:cNvPr id="5" name="TextBox 4">
+            <a:extLst>
+              <a:ext uri="{FF2B5EF4-FFF2-40B4-BE49-F238E27FC236}">
+                <a16:creationId xmlns:a16="http://schemas.microsoft.com/office/drawing/2014/main" id="{0F1C7B19-9F0B-4B15-AC52-92FD338C2635}"/>
+              </a:ext>
+            </a:extLst>
+          </p:cNvPr>
+          <p:cNvSpPr txBox="1"/>
+          <p:nvPr/>
+        </p:nvSpPr>
+        <p:spPr>
+          <a:xfrm>
+            <a:off x="4218723" y="441034"/>
+            <a:ext cx="3754554" cy="523220"/>
+          </a:xfrm>
+          <a:prstGeom prst="rect">
+            <a:avLst/>
+          </a:prstGeom>
+          <a:noFill/>
+        </p:spPr>
+        <p:txBody>
+          <a:bodyPr wrap="none" rtlCol="0">
+            <a:spAutoFit/>
+          </a:bodyPr>
+          <a:lstStyle/>
+          <a:p>
+            <a:r>
+              <a:rPr lang="en-US" sz="2800" b="1" dirty="0" err="1">
+                <a:latin typeface="Cascadia Code" panose="020B0609020000020004" pitchFamily="49" charset="0"/>
+                <a:cs typeface="Cascadia Code" panose="020B0609020000020004" pitchFamily="49" charset="0"/>
+              </a:rPr>
+              <a:t>Kmeans</a:t>
+            </a:r>
+            <a:r>
+              <a:rPr lang="en-US" sz="2800" b="1" dirty="0">
+                <a:latin typeface="Cascadia Code" panose="020B0609020000020004" pitchFamily="49" charset="0"/>
+                <a:cs typeface="Cascadia Code" panose="020B0609020000020004" pitchFamily="49" charset="0"/>
+              </a:rPr>
+              <a:t> Clustering</a:t>
+            </a:r>
+            <a:endParaRPr lang="en-IN" sz="2800" b="1" dirty="0">
+              <a:latin typeface="Cascadia Code" panose="020B0609020000020004" pitchFamily="49" charset="0"/>
+              <a:cs typeface="Cascadia Code" panose="020B0609020000020004" pitchFamily="49" charset="0"/>
+            </a:endParaRPr>
+          </a:p>
+        </p:txBody>
+      </p:sp>
+      <p:sp>
+        <p:nvSpPr>
+          <p:cNvPr id="7" name="TextBox 6">
+            <a:extLst>
+              <a:ext uri="{FF2B5EF4-FFF2-40B4-BE49-F238E27FC236}">
+                <a16:creationId xmlns:a16="http://schemas.microsoft.com/office/drawing/2014/main" id="{CF620D77-58A8-48A0-96D3-43A36584B010}"/>
+              </a:ext>
+            </a:extLst>
+          </p:cNvPr>
+          <p:cNvSpPr txBox="1"/>
+          <p:nvPr/>
+        </p:nvSpPr>
+        <p:spPr>
+          <a:xfrm>
+            <a:off x="1960686" y="2629995"/>
+            <a:ext cx="7426568" cy="1431161"/>
+          </a:xfrm>
+          <a:prstGeom prst="rect">
+            <a:avLst/>
+          </a:prstGeom>
+          <a:noFill/>
+        </p:spPr>
+        <p:txBody>
+          <a:bodyPr wrap="square" rtlCol="0">
+            <a:spAutoFit/>
+          </a:bodyPr>
+          <a:lstStyle/>
+          <a:p>
+            <a:pPr>
+              <a:spcBef>
+                <a:spcPts val="600"/>
+              </a:spcBef>
+            </a:pPr>
+            <a:r>
+              <a:rPr lang="en-US" b="1" dirty="0">
+                <a:latin typeface="Cascadia Code" panose="020B0609020000020004" pitchFamily="49" charset="0"/>
+                <a:cs typeface="Cascadia Code" panose="020B0609020000020004" pitchFamily="49" charset="0"/>
+              </a:rPr>
+              <a:t>Disadvantages</a:t>
+            </a:r>
+            <a:endParaRPr lang="en-US" dirty="0">
+              <a:latin typeface="Cascadia Code" panose="020B0609020000020004" pitchFamily="49" charset="0"/>
+              <a:cs typeface="Cascadia Code" panose="020B0609020000020004" pitchFamily="49" charset="0"/>
+            </a:endParaRPr>
+          </a:p>
+          <a:p>
+            <a:pPr marL="742950" lvl="1" indent="-285750">
+              <a:spcBef>
+                <a:spcPts val="600"/>
+              </a:spcBef>
+              <a:buFont typeface="Courier New" panose="02070309020205020404" pitchFamily="49" charset="0"/>
+              <a:buChar char="o"/>
+            </a:pPr>
+            <a:r>
+              <a:rPr lang="en-US" dirty="0">
+                <a:latin typeface="Cascadia Code" panose="020B0609020000020004" pitchFamily="49" charset="0"/>
+                <a:cs typeface="Cascadia Code" panose="020B0609020000020004" pitchFamily="49" charset="0"/>
+              </a:rPr>
+              <a:t>Sensitive to initial centroid placement</a:t>
+            </a:r>
+          </a:p>
+          <a:p>
+            <a:pPr marL="742950" lvl="1" indent="-285750">
+              <a:spcBef>
+                <a:spcPts val="600"/>
+              </a:spcBef>
+              <a:buFont typeface="Courier New" panose="02070309020205020404" pitchFamily="49" charset="0"/>
+              <a:buChar char="o"/>
+            </a:pPr>
+            <a:r>
+              <a:rPr lang="en-US" dirty="0">
+                <a:latin typeface="Cascadia Code" panose="020B0609020000020004" pitchFamily="49" charset="0"/>
+                <a:cs typeface="Cascadia Code" panose="020B0609020000020004" pitchFamily="49" charset="0"/>
+              </a:rPr>
+              <a:t>Sensitivity to outliers</a:t>
+            </a:r>
+          </a:p>
+          <a:p>
+            <a:pPr marL="742950" lvl="1" indent="-285750">
+              <a:spcBef>
+                <a:spcPts val="600"/>
+              </a:spcBef>
+              <a:buFont typeface="Courier New" panose="02070309020205020404" pitchFamily="49" charset="0"/>
+              <a:buChar char="o"/>
+            </a:pPr>
+            <a:r>
+              <a:rPr lang="en-US" dirty="0">
+                <a:latin typeface="Cascadia Code" panose="020B0609020000020004" pitchFamily="49" charset="0"/>
+                <a:cs typeface="Cascadia Code" panose="020B0609020000020004" pitchFamily="49" charset="0"/>
+              </a:rPr>
+              <a:t>Scalability issues</a:t>
+            </a:r>
+          </a:p>
+        </p:txBody>
+      </p:sp>
+      <p:sp>
+        <p:nvSpPr>
+          <p:cNvPr id="8" name="TextBox 7">
+            <a:extLst>
+              <a:ext uri="{FF2B5EF4-FFF2-40B4-BE49-F238E27FC236}">
+                <a16:creationId xmlns:a16="http://schemas.microsoft.com/office/drawing/2014/main" id="{62DA76A8-233C-41B3-8D2B-1FC49D5F6B12}"/>
+              </a:ext>
+            </a:extLst>
+          </p:cNvPr>
+          <p:cNvSpPr txBox="1"/>
+          <p:nvPr/>
+        </p:nvSpPr>
+        <p:spPr>
+          <a:xfrm>
+            <a:off x="1960686" y="4217303"/>
+            <a:ext cx="7426568" cy="2139047"/>
+          </a:xfrm>
+          <a:prstGeom prst="rect">
+            <a:avLst/>
+          </a:prstGeom>
+          <a:noFill/>
+        </p:spPr>
+        <p:txBody>
+          <a:bodyPr wrap="square" rtlCol="0">
+            <a:spAutoFit/>
+          </a:bodyPr>
+          <a:lstStyle/>
+          <a:p>
+            <a:pPr>
+              <a:spcBef>
+                <a:spcPts val="600"/>
+              </a:spcBef>
+            </a:pPr>
+            <a:r>
+              <a:rPr lang="en-US" b="1" dirty="0">
+                <a:latin typeface="Cascadia Code" panose="020B0609020000020004" pitchFamily="49" charset="0"/>
+                <a:cs typeface="Cascadia Code" panose="020B0609020000020004" pitchFamily="49" charset="0"/>
+              </a:rPr>
+              <a:t>Applications</a:t>
+            </a:r>
+            <a:endParaRPr lang="en-US" dirty="0">
+              <a:latin typeface="Cascadia Code" panose="020B0609020000020004" pitchFamily="49" charset="0"/>
+              <a:cs typeface="Cascadia Code" panose="020B0609020000020004" pitchFamily="49" charset="0"/>
+            </a:endParaRPr>
+          </a:p>
+          <a:p>
+            <a:pPr marL="742950" lvl="1" indent="-285750">
+              <a:spcBef>
+                <a:spcPts val="600"/>
+              </a:spcBef>
+              <a:buFont typeface="Courier New" panose="02070309020205020404" pitchFamily="49" charset="0"/>
+              <a:buChar char="o"/>
+            </a:pPr>
+            <a:r>
+              <a:rPr lang="en-US" dirty="0">
+                <a:latin typeface="Cascadia Code" panose="020B0609020000020004" pitchFamily="49" charset="0"/>
+                <a:cs typeface="Cascadia Code" panose="020B0609020000020004" pitchFamily="49" charset="0"/>
+              </a:rPr>
+              <a:t>Customer segmentation</a:t>
+            </a:r>
+          </a:p>
+          <a:p>
+            <a:pPr marL="742950" lvl="1" indent="-285750">
+              <a:spcBef>
+                <a:spcPts val="600"/>
+              </a:spcBef>
+              <a:buFont typeface="Courier New" panose="02070309020205020404" pitchFamily="49" charset="0"/>
+              <a:buChar char="o"/>
+            </a:pPr>
+            <a:r>
+              <a:rPr lang="en-US" dirty="0">
+                <a:latin typeface="Cascadia Code" panose="020B0609020000020004" pitchFamily="49" charset="0"/>
+                <a:cs typeface="Cascadia Code" panose="020B0609020000020004" pitchFamily="49" charset="0"/>
+              </a:rPr>
+              <a:t>Image compression</a:t>
+            </a:r>
+          </a:p>
+          <a:p>
+            <a:pPr marL="742950" lvl="1" indent="-285750">
+              <a:spcBef>
+                <a:spcPts val="600"/>
+              </a:spcBef>
+              <a:buFont typeface="Courier New" panose="02070309020205020404" pitchFamily="49" charset="0"/>
+              <a:buChar char="o"/>
+            </a:pPr>
+            <a:r>
+              <a:rPr lang="en-US" dirty="0">
+                <a:latin typeface="Cascadia Code" panose="020B0609020000020004" pitchFamily="49" charset="0"/>
+                <a:cs typeface="Cascadia Code" panose="020B0609020000020004" pitchFamily="49" charset="0"/>
+              </a:rPr>
+              <a:t>Gene expression analysis</a:t>
+            </a:r>
+          </a:p>
+          <a:p>
+            <a:pPr marL="742950" lvl="1" indent="-285750">
+              <a:spcBef>
+                <a:spcPts val="600"/>
+              </a:spcBef>
+              <a:buFont typeface="Courier New" panose="02070309020205020404" pitchFamily="49" charset="0"/>
+              <a:buChar char="o"/>
+            </a:pPr>
+            <a:r>
+              <a:rPr lang="en-US" dirty="0">
+                <a:latin typeface="Cascadia Code" panose="020B0609020000020004" pitchFamily="49" charset="0"/>
+                <a:cs typeface="Cascadia Code" panose="020B0609020000020004" pitchFamily="49" charset="0"/>
+              </a:rPr>
+              <a:t>Text clustering</a:t>
+            </a:r>
+          </a:p>
+          <a:p>
+            <a:pPr marL="742950" lvl="1" indent="-285750">
+              <a:spcBef>
+                <a:spcPts val="600"/>
+              </a:spcBef>
+              <a:buFont typeface="Courier New" panose="02070309020205020404" pitchFamily="49" charset="0"/>
+              <a:buChar char="o"/>
+            </a:pPr>
+            <a:r>
+              <a:rPr lang="en-US" dirty="0">
+                <a:latin typeface="Cascadia Code" panose="020B0609020000020004" pitchFamily="49" charset="0"/>
+                <a:cs typeface="Cascadia Code" panose="020B0609020000020004" pitchFamily="49" charset="0"/>
+              </a:rPr>
+              <a:t>Recommendation systems</a:t>
+            </a:r>
+          </a:p>
+        </p:txBody>
+      </p:sp>
+    </p:spTree>
+    <p:extLst>
+      <p:ext uri="{BB962C8B-B14F-4D97-AF65-F5344CB8AC3E}">
+        <p14:creationId xmlns:p14="http://schemas.microsoft.com/office/powerpoint/2010/main" val="2515337717"/>
+      </p:ext>
+    </p:extLst>
+  </p:cSld>
+  <p:clrMapOvr>
+    <a:masterClrMapping/>
+  </p:clrMapOvr>
+</p:sld>
+</file>
+
+<file path=ppt/slides/slide12.xml><?xml version="1.0" encoding="utf-8"?>
+<p:sld xmlns:a="http://schemas.openxmlformats.org/drawingml/2006/main" xmlns:r="http://schemas.openxmlformats.org/officeDocument/2006/relationships" xmlns:p="http://schemas.openxmlformats.org/presentationml/2006/main">
+  <p:cSld>
+    <p:spTree>
+      <p:nvGrpSpPr>
+        <p:cNvPr id="1" name=""/>
+        <p:cNvGrpSpPr/>
+        <p:nvPr/>
+      </p:nvGrpSpPr>
+      <p:grpSpPr>
+        <a:xfrm>
+          <a:off x="0" y="0"/>
+          <a:ext cx="0" cy="0"/>
+          <a:chOff x="0" y="0"/>
+          <a:chExt cx="0" cy="0"/>
+        </a:xfrm>
+      </p:grpSpPr>
+      <p:sp>
+        <p:nvSpPr>
+          <p:cNvPr id="3" name="Footer Placeholder 2">
+            <a:extLst>
+              <a:ext uri="{FF2B5EF4-FFF2-40B4-BE49-F238E27FC236}">
+                <a16:creationId xmlns:a16="http://schemas.microsoft.com/office/drawing/2014/main" id="{DAF5AB59-A2ED-4DA4-A7FA-C90BE9D52D60}"/>
+              </a:ext>
+            </a:extLst>
+          </p:cNvPr>
+          <p:cNvSpPr>
+            <a:spLocks noGrp="1"/>
+          </p:cNvSpPr>
+          <p:nvPr>
+            <p:ph type="ftr" sz="quarter" idx="11"/>
+          </p:nvPr>
+        </p:nvSpPr>
+        <p:spPr/>
+        <p:txBody>
+          <a:bodyPr/>
+          <a:lstStyle/>
+          <a:p>
+            <a:r>
+              <a:rPr lang="en-IN" dirty="0"/>
+              <a:t>Machine Learning Clustering Algorithms</a:t>
+            </a:r>
+          </a:p>
+        </p:txBody>
+      </p:sp>
+      <p:sp>
+        <p:nvSpPr>
+          <p:cNvPr id="2" name="TextBox 1">
+            <a:extLst>
+              <a:ext uri="{FF2B5EF4-FFF2-40B4-BE49-F238E27FC236}">
+                <a16:creationId xmlns:a16="http://schemas.microsoft.com/office/drawing/2014/main" id="{C5AD4A6B-2846-495A-BC28-7F753ECC3633}"/>
+              </a:ext>
+            </a:extLst>
+          </p:cNvPr>
+          <p:cNvSpPr txBox="1"/>
+          <p:nvPr/>
+        </p:nvSpPr>
+        <p:spPr>
+          <a:xfrm>
             <a:off x="2101362" y="1391485"/>
             <a:ext cx="7426568" cy="1431161"/>
           </a:xfrm>
@@ -13525,7 +15688,7 @@
 </p:sld>
 </file>
 
-<file path=ppt/slides/slide12.xml><?xml version="1.0" encoding="utf-8"?>
+<file path=ppt/slides/slide13.xml><?xml version="1.0" encoding="utf-8"?>
 <p:sld xmlns:a="http://schemas.openxmlformats.org/drawingml/2006/main" xmlns:r="http://schemas.openxmlformats.org/officeDocument/2006/relationships" xmlns:p="http://schemas.openxmlformats.org/presentationml/2006/main">
   <p:cSld>
     <p:spTree>
@@ -14030,7 +16193,7 @@
 </p:sld>
 </file>
 
-<file path=ppt/slides/slide13.xml><?xml version="1.0" encoding="utf-8"?>
+<file path=ppt/slides/slide14.xml><?xml version="1.0" encoding="utf-8"?>
 <p:sld xmlns:a="http://schemas.openxmlformats.org/drawingml/2006/main" xmlns:r="http://schemas.openxmlformats.org/officeDocument/2006/relationships" xmlns:p="http://schemas.openxmlformats.org/presentationml/2006/main">
   <p:cSld>
     <p:spTree>
@@ -14436,6 +16599,1563 @@
     <p:extLst>
       <p:ext uri="{BB962C8B-B14F-4D97-AF65-F5344CB8AC3E}">
         <p14:creationId xmlns:p14="http://schemas.microsoft.com/office/powerpoint/2010/main" val="59673455"/>
+      </p:ext>
+    </p:extLst>
+  </p:cSld>
+  <p:clrMapOvr>
+    <a:masterClrMapping/>
+  </p:clrMapOvr>
+</p:sld>
+</file>
+
+<file path=ppt/slides/slide15.xml><?xml version="1.0" encoding="utf-8"?>
+<p:sld xmlns:a="http://schemas.openxmlformats.org/drawingml/2006/main" xmlns:r="http://schemas.openxmlformats.org/officeDocument/2006/relationships" xmlns:p="http://schemas.openxmlformats.org/presentationml/2006/main">
+  <p:cSld>
+    <p:spTree>
+      <p:nvGrpSpPr>
+        <p:cNvPr id="1" name=""/>
+        <p:cNvGrpSpPr/>
+        <p:nvPr/>
+      </p:nvGrpSpPr>
+      <p:grpSpPr>
+        <a:xfrm>
+          <a:off x="0" y="0"/>
+          <a:ext cx="0" cy="0"/>
+          <a:chOff x="0" y="0"/>
+          <a:chExt cx="0" cy="0"/>
+        </a:xfrm>
+      </p:grpSpPr>
+      <p:sp>
+        <p:nvSpPr>
+          <p:cNvPr id="3" name="Footer Placeholder 2">
+            <a:extLst>
+              <a:ext uri="{FF2B5EF4-FFF2-40B4-BE49-F238E27FC236}">
+                <a16:creationId xmlns:a16="http://schemas.microsoft.com/office/drawing/2014/main" id="{DAF5AB59-A2ED-4DA4-A7FA-C90BE9D52D60}"/>
+              </a:ext>
+            </a:extLst>
+          </p:cNvPr>
+          <p:cNvSpPr>
+            <a:spLocks noGrp="1"/>
+          </p:cNvSpPr>
+          <p:nvPr>
+            <p:ph type="ftr" sz="quarter" idx="11"/>
+          </p:nvPr>
+        </p:nvSpPr>
+        <p:spPr/>
+        <p:txBody>
+          <a:bodyPr/>
+          <a:lstStyle/>
+          <a:p>
+            <a:r>
+              <a:rPr lang="en-IN" dirty="0"/>
+              <a:t>Machine Learning Clustering Algorithms</a:t>
+            </a:r>
+          </a:p>
+        </p:txBody>
+      </p:sp>
+      <p:sp>
+        <p:nvSpPr>
+          <p:cNvPr id="2" name="TextBox 1">
+            <a:extLst>
+              <a:ext uri="{FF2B5EF4-FFF2-40B4-BE49-F238E27FC236}">
+                <a16:creationId xmlns:a16="http://schemas.microsoft.com/office/drawing/2014/main" id="{C5AD4A6B-2846-495A-BC28-7F753ECC3633}"/>
+              </a:ext>
+            </a:extLst>
+          </p:cNvPr>
+          <p:cNvSpPr txBox="1"/>
+          <p:nvPr/>
+        </p:nvSpPr>
+        <p:spPr>
+          <a:xfrm>
+            <a:off x="1848142" y="1318175"/>
+            <a:ext cx="7426568" cy="1431161"/>
+          </a:xfrm>
+          <a:prstGeom prst="rect">
+            <a:avLst/>
+          </a:prstGeom>
+          <a:noFill/>
+        </p:spPr>
+        <p:txBody>
+          <a:bodyPr wrap="square" rtlCol="0">
+            <a:spAutoFit/>
+          </a:bodyPr>
+          <a:lstStyle/>
+          <a:p>
+            <a:pPr>
+              <a:spcBef>
+                <a:spcPts val="600"/>
+              </a:spcBef>
+            </a:pPr>
+            <a:r>
+              <a:rPr lang="en-US" b="1" dirty="0">
+                <a:latin typeface="Cascadia Code" panose="020B0609020000020004" pitchFamily="49" charset="0"/>
+                <a:cs typeface="Cascadia Code" panose="020B0609020000020004" pitchFamily="49" charset="0"/>
+              </a:rPr>
+              <a:t>A sliding-window based clustering algorithm</a:t>
+            </a:r>
+            <a:r>
+              <a:rPr lang="en-US" dirty="0">
+                <a:latin typeface="Cascadia Code" panose="020B0609020000020004" pitchFamily="49" charset="0"/>
+                <a:cs typeface="Cascadia Code" panose="020B0609020000020004" pitchFamily="49" charset="0"/>
+              </a:rPr>
+              <a:t>    </a:t>
+            </a:r>
+          </a:p>
+          <a:p>
+            <a:pPr marL="742950" lvl="1" indent="-285750">
+              <a:spcBef>
+                <a:spcPts val="600"/>
+              </a:spcBef>
+              <a:buFont typeface="Courier New" panose="02070309020205020404" pitchFamily="49" charset="0"/>
+              <a:buChar char="o"/>
+            </a:pPr>
+            <a:r>
+              <a:rPr lang="en-US" dirty="0">
+                <a:latin typeface="Cascadia Code" panose="020B0609020000020004" pitchFamily="49" charset="0"/>
+                <a:cs typeface="Cascadia Code" panose="020B0609020000020004" pitchFamily="49" charset="0"/>
+              </a:rPr>
+              <a:t>Non-parametric, non-hierarchical clustering</a:t>
+            </a:r>
+          </a:p>
+          <a:p>
+            <a:pPr marL="742950" lvl="1" indent="-285750">
+              <a:spcBef>
+                <a:spcPts val="600"/>
+              </a:spcBef>
+              <a:buFont typeface="Courier New" panose="02070309020205020404" pitchFamily="49" charset="0"/>
+              <a:buChar char="o"/>
+            </a:pPr>
+            <a:r>
+              <a:rPr lang="en-US" dirty="0">
+                <a:latin typeface="Cascadia Code" panose="020B0609020000020004" pitchFamily="49" charset="0"/>
+                <a:cs typeface="Cascadia Code" panose="020B0609020000020004" pitchFamily="49" charset="0"/>
+              </a:rPr>
+              <a:t>No fixed number of clusters    </a:t>
+            </a:r>
+          </a:p>
+          <a:p>
+            <a:pPr marL="742950" lvl="1" indent="-285750">
+              <a:spcBef>
+                <a:spcPts val="600"/>
+              </a:spcBef>
+              <a:buFont typeface="Courier New" panose="02070309020205020404" pitchFamily="49" charset="0"/>
+              <a:buChar char="o"/>
+            </a:pPr>
+            <a:r>
+              <a:rPr lang="en-US" dirty="0">
+                <a:latin typeface="Cascadia Code" panose="020B0609020000020004" pitchFamily="49" charset="0"/>
+                <a:cs typeface="Cascadia Code" panose="020B0609020000020004" pitchFamily="49" charset="0"/>
+              </a:rPr>
+              <a:t>Robust to noise and outliers</a:t>
+            </a:r>
+          </a:p>
+        </p:txBody>
+      </p:sp>
+      <p:sp>
+        <p:nvSpPr>
+          <p:cNvPr id="5" name="TextBox 4">
+            <a:extLst>
+              <a:ext uri="{FF2B5EF4-FFF2-40B4-BE49-F238E27FC236}">
+                <a16:creationId xmlns:a16="http://schemas.microsoft.com/office/drawing/2014/main" id="{0F1C7B19-9F0B-4B15-AC52-92FD338C2635}"/>
+              </a:ext>
+            </a:extLst>
+          </p:cNvPr>
+          <p:cNvSpPr txBox="1"/>
+          <p:nvPr/>
+        </p:nvSpPr>
+        <p:spPr>
+          <a:xfrm>
+            <a:off x="3168756" y="572663"/>
+            <a:ext cx="4594528" cy="523220"/>
+          </a:xfrm>
+          <a:prstGeom prst="rect">
+            <a:avLst/>
+          </a:prstGeom>
+          <a:noFill/>
+        </p:spPr>
+        <p:txBody>
+          <a:bodyPr wrap="none" rtlCol="0">
+            <a:spAutoFit/>
+          </a:bodyPr>
+          <a:lstStyle/>
+          <a:p>
+            <a:r>
+              <a:rPr lang="en-US" sz="2800" b="1" dirty="0">
+                <a:latin typeface="Cascadia Code" panose="020B0609020000020004" pitchFamily="49" charset="0"/>
+                <a:cs typeface="Cascadia Code" panose="020B0609020000020004" pitchFamily="49" charset="0"/>
+              </a:rPr>
+              <a:t>Mean Shift Clustering</a:t>
+            </a:r>
+            <a:endParaRPr lang="en-IN" sz="2800" b="1" dirty="0">
+              <a:latin typeface="Cascadia Code" panose="020B0609020000020004" pitchFamily="49" charset="0"/>
+              <a:cs typeface="Cascadia Code" panose="020B0609020000020004" pitchFamily="49" charset="0"/>
+            </a:endParaRPr>
+          </a:p>
+        </p:txBody>
+      </p:sp>
+      <p:sp>
+        <p:nvSpPr>
+          <p:cNvPr id="6" name="TextBox 5">
+            <a:extLst>
+              <a:ext uri="{FF2B5EF4-FFF2-40B4-BE49-F238E27FC236}">
+                <a16:creationId xmlns:a16="http://schemas.microsoft.com/office/drawing/2014/main" id="{BC794A4B-16EF-43DE-A407-3155F73A107A}"/>
+              </a:ext>
+            </a:extLst>
+          </p:cNvPr>
+          <p:cNvSpPr txBox="1"/>
+          <p:nvPr/>
+        </p:nvSpPr>
+        <p:spPr>
+          <a:xfrm>
+            <a:off x="1848142" y="2822646"/>
+            <a:ext cx="9560757" cy="2492990"/>
+          </a:xfrm>
+          <a:prstGeom prst="rect">
+            <a:avLst/>
+          </a:prstGeom>
+          <a:noFill/>
+        </p:spPr>
+        <p:txBody>
+          <a:bodyPr wrap="square" rtlCol="0">
+            <a:spAutoFit/>
+          </a:bodyPr>
+          <a:lstStyle/>
+          <a:p>
+            <a:pPr>
+              <a:spcBef>
+                <a:spcPts val="600"/>
+              </a:spcBef>
+            </a:pPr>
+            <a:r>
+              <a:rPr lang="en-US" b="1" dirty="0">
+                <a:latin typeface="Cascadia Code" panose="020B0609020000020004" pitchFamily="49" charset="0"/>
+                <a:cs typeface="Cascadia Code" panose="020B0609020000020004" pitchFamily="49" charset="0"/>
+              </a:rPr>
+              <a:t>Algorithm Steps</a:t>
+            </a:r>
+            <a:endParaRPr lang="en-US" dirty="0">
+              <a:latin typeface="Cascadia Code" panose="020B0609020000020004" pitchFamily="49" charset="0"/>
+              <a:cs typeface="Cascadia Code" panose="020B0609020000020004" pitchFamily="49" charset="0"/>
+            </a:endParaRPr>
+          </a:p>
+          <a:p>
+            <a:pPr marL="800100" lvl="1" indent="-342900">
+              <a:spcBef>
+                <a:spcPts val="600"/>
+              </a:spcBef>
+              <a:buFont typeface="+mj-lt"/>
+              <a:buAutoNum type="arabicPeriod"/>
+            </a:pPr>
+            <a:r>
+              <a:rPr lang="en-US" dirty="0">
+                <a:latin typeface="Cascadia Code" panose="020B0609020000020004" pitchFamily="49" charset="0"/>
+                <a:cs typeface="Cascadia Code" panose="020B0609020000020004" pitchFamily="49" charset="0"/>
+              </a:rPr>
+              <a:t> Initialize kernel bandwidth (h)</a:t>
+            </a:r>
+          </a:p>
+          <a:p>
+            <a:pPr marL="800100" lvl="1" indent="-342900">
+              <a:spcBef>
+                <a:spcPts val="600"/>
+              </a:spcBef>
+              <a:buFont typeface="+mj-lt"/>
+              <a:buAutoNum type="arabicPeriod"/>
+            </a:pPr>
+            <a:r>
+              <a:rPr lang="en-US" dirty="0">
+                <a:latin typeface="Cascadia Code" panose="020B0609020000020004" pitchFamily="49" charset="0"/>
+                <a:cs typeface="Cascadia Code" panose="020B0609020000020004" pitchFamily="49" charset="0"/>
+              </a:rPr>
+              <a:t> For each data point:    </a:t>
+            </a:r>
+          </a:p>
+          <a:p>
+            <a:pPr marL="1257300" lvl="2" indent="-342900">
+              <a:spcBef>
+                <a:spcPts val="600"/>
+              </a:spcBef>
+              <a:buFont typeface="+mj-lt"/>
+              <a:buAutoNum type="arabicPeriod"/>
+            </a:pPr>
+            <a:r>
+              <a:rPr lang="en-US" dirty="0">
+                <a:latin typeface="Cascadia Code" panose="020B0609020000020004" pitchFamily="49" charset="0"/>
+                <a:cs typeface="Cascadia Code" panose="020B0609020000020004" pitchFamily="49" charset="0"/>
+              </a:rPr>
+              <a:t>Calculate mean shift vector (direction of maximum density)</a:t>
+            </a:r>
+          </a:p>
+          <a:p>
+            <a:pPr marL="1257300" lvl="2" indent="-342900">
+              <a:spcBef>
+                <a:spcPts val="600"/>
+              </a:spcBef>
+              <a:buFont typeface="+mj-lt"/>
+              <a:buAutoNum type="arabicPeriod"/>
+            </a:pPr>
+            <a:r>
+              <a:rPr lang="en-US" dirty="0">
+                <a:latin typeface="Cascadia Code" panose="020B0609020000020004" pitchFamily="49" charset="0"/>
+                <a:cs typeface="Cascadia Code" panose="020B0609020000020004" pitchFamily="49" charset="0"/>
+              </a:rPr>
+              <a:t>Update data point to new location (mean shift)</a:t>
+            </a:r>
+          </a:p>
+          <a:p>
+            <a:pPr marL="800100" lvl="1" indent="-342900">
+              <a:spcBef>
+                <a:spcPts val="600"/>
+              </a:spcBef>
+              <a:buFont typeface="+mj-lt"/>
+              <a:buAutoNum type="arabicPeriod"/>
+            </a:pPr>
+            <a:r>
+              <a:rPr lang="en-US" dirty="0">
+                <a:latin typeface="Cascadia Code" panose="020B0609020000020004" pitchFamily="49" charset="0"/>
+                <a:cs typeface="Cascadia Code" panose="020B0609020000020004" pitchFamily="49" charset="0"/>
+              </a:rPr>
+              <a:t> Repeat step 2 until convergence</a:t>
+            </a:r>
+          </a:p>
+          <a:p>
+            <a:pPr marL="800100" lvl="1" indent="-342900">
+              <a:spcBef>
+                <a:spcPts val="600"/>
+              </a:spcBef>
+              <a:buFont typeface="+mj-lt"/>
+              <a:buAutoNum type="arabicPeriod"/>
+            </a:pPr>
+            <a:r>
+              <a:rPr lang="en-US" dirty="0">
+                <a:latin typeface="Cascadia Code" panose="020B0609020000020004" pitchFamily="49" charset="0"/>
+                <a:cs typeface="Cascadia Code" panose="020B0609020000020004" pitchFamily="49" charset="0"/>
+              </a:rPr>
+              <a:t> Group points into clusters based on convergence points</a:t>
+            </a:r>
+          </a:p>
+        </p:txBody>
+      </p:sp>
+      <p:pic>
+        <p:nvPicPr>
+          <p:cNvPr id="4" name="Picture 3">
+            <a:extLst>
+              <a:ext uri="{FF2B5EF4-FFF2-40B4-BE49-F238E27FC236}">
+                <a16:creationId xmlns:a16="http://schemas.microsoft.com/office/drawing/2014/main" id="{34C6783D-84FA-4D64-A1DA-EEBED0E452F4}"/>
+              </a:ext>
+            </a:extLst>
+          </p:cNvPr>
+          <p:cNvPicPr>
+            <a:picLocks noChangeAspect="1"/>
+          </p:cNvPicPr>
+          <p:nvPr/>
+        </p:nvPicPr>
+        <p:blipFill>
+          <a:blip r:embed="rId2"/>
+          <a:stretch>
+            <a:fillRect/>
+          </a:stretch>
+        </p:blipFill>
+        <p:spPr>
+          <a:xfrm>
+            <a:off x="1974744" y="5388946"/>
+            <a:ext cx="3467100" cy="1066800"/>
+          </a:xfrm>
+          <a:prstGeom prst="rect">
+            <a:avLst/>
+          </a:prstGeom>
+        </p:spPr>
+      </p:pic>
+    </p:spTree>
+    <p:extLst>
+      <p:ext uri="{BB962C8B-B14F-4D97-AF65-F5344CB8AC3E}">
+        <p14:creationId xmlns:p14="http://schemas.microsoft.com/office/powerpoint/2010/main" val="1616219491"/>
+      </p:ext>
+    </p:extLst>
+  </p:cSld>
+  <p:clrMapOvr>
+    <a:masterClrMapping/>
+  </p:clrMapOvr>
+</p:sld>
+</file>
+
+<file path=ppt/slides/slide16.xml><?xml version="1.0" encoding="utf-8"?>
+<p:sld xmlns:a="http://schemas.openxmlformats.org/drawingml/2006/main" xmlns:r="http://schemas.openxmlformats.org/officeDocument/2006/relationships" xmlns:p="http://schemas.openxmlformats.org/presentationml/2006/main">
+  <p:cSld>
+    <p:spTree>
+      <p:nvGrpSpPr>
+        <p:cNvPr id="1" name=""/>
+        <p:cNvGrpSpPr/>
+        <p:nvPr/>
+      </p:nvGrpSpPr>
+      <p:grpSpPr>
+        <a:xfrm>
+          <a:off x="0" y="0"/>
+          <a:ext cx="0" cy="0"/>
+          <a:chOff x="0" y="0"/>
+          <a:chExt cx="0" cy="0"/>
+        </a:xfrm>
+      </p:grpSpPr>
+      <p:pic>
+        <p:nvPicPr>
+          <p:cNvPr id="5" name="Picture 4">
+            <a:extLst>
+              <a:ext uri="{FF2B5EF4-FFF2-40B4-BE49-F238E27FC236}">
+                <a16:creationId xmlns:a16="http://schemas.microsoft.com/office/drawing/2014/main" id="{C5A869AB-C977-4BBA-9A17-8A34409E50D2}"/>
+              </a:ext>
+            </a:extLst>
+          </p:cNvPr>
+          <p:cNvPicPr>
+            <a:picLocks noChangeAspect="1"/>
+          </p:cNvPicPr>
+          <p:nvPr/>
+        </p:nvPicPr>
+        <p:blipFill>
+          <a:blip r:embed="rId2"/>
+          <a:stretch>
+            <a:fillRect/>
+          </a:stretch>
+        </p:blipFill>
+        <p:spPr>
+          <a:xfrm>
+            <a:off x="4257675" y="1057877"/>
+            <a:ext cx="3439691" cy="1987641"/>
+          </a:xfrm>
+          <a:prstGeom prst="rect">
+            <a:avLst/>
+          </a:prstGeom>
+        </p:spPr>
+      </p:pic>
+      <p:pic>
+        <p:nvPicPr>
+          <p:cNvPr id="7" name="Picture 6">
+            <a:extLst>
+              <a:ext uri="{FF2B5EF4-FFF2-40B4-BE49-F238E27FC236}">
+                <a16:creationId xmlns:a16="http://schemas.microsoft.com/office/drawing/2014/main" id="{69A45F4A-F8CB-4F83-A291-E70BA22AD647}"/>
+              </a:ext>
+            </a:extLst>
+          </p:cNvPr>
+          <p:cNvPicPr>
+            <a:picLocks noChangeAspect="1"/>
+          </p:cNvPicPr>
+          <p:nvPr/>
+        </p:nvPicPr>
+        <p:blipFill>
+          <a:blip r:embed="rId3"/>
+          <a:stretch>
+            <a:fillRect/>
+          </a:stretch>
+        </p:blipFill>
+        <p:spPr>
+          <a:xfrm>
+            <a:off x="8025398" y="923621"/>
+            <a:ext cx="3720839" cy="2176462"/>
+          </a:xfrm>
+          <a:prstGeom prst="rect">
+            <a:avLst/>
+          </a:prstGeom>
+        </p:spPr>
+      </p:pic>
+      <p:pic>
+        <p:nvPicPr>
+          <p:cNvPr id="8" name="Picture 7">
+            <a:extLst>
+              <a:ext uri="{FF2B5EF4-FFF2-40B4-BE49-F238E27FC236}">
+                <a16:creationId xmlns:a16="http://schemas.microsoft.com/office/drawing/2014/main" id="{FAFA9CAE-20B1-43B5-A4CF-1D5A9EC8D882}"/>
+              </a:ext>
+            </a:extLst>
+          </p:cNvPr>
+          <p:cNvPicPr>
+            <a:picLocks noChangeAspect="1"/>
+          </p:cNvPicPr>
+          <p:nvPr/>
+        </p:nvPicPr>
+        <p:blipFill>
+          <a:blip r:embed="rId4"/>
+          <a:stretch>
+            <a:fillRect/>
+          </a:stretch>
+        </p:blipFill>
+        <p:spPr>
+          <a:xfrm>
+            <a:off x="495301" y="1089388"/>
+            <a:ext cx="3434342" cy="1987641"/>
+          </a:xfrm>
+          <a:prstGeom prst="rect">
+            <a:avLst/>
+          </a:prstGeom>
+        </p:spPr>
+      </p:pic>
+      <p:pic>
+        <p:nvPicPr>
+          <p:cNvPr id="10" name="Picture 9">
+            <a:extLst>
+              <a:ext uri="{FF2B5EF4-FFF2-40B4-BE49-F238E27FC236}">
+                <a16:creationId xmlns:a16="http://schemas.microsoft.com/office/drawing/2014/main" id="{23AE35C4-E812-400E-8512-0D3B8EE848E2}"/>
+              </a:ext>
+            </a:extLst>
+          </p:cNvPr>
+          <p:cNvPicPr>
+            <a:picLocks noChangeAspect="1"/>
+          </p:cNvPicPr>
+          <p:nvPr/>
+        </p:nvPicPr>
+        <p:blipFill>
+          <a:blip r:embed="rId5"/>
+          <a:stretch>
+            <a:fillRect/>
+          </a:stretch>
+        </p:blipFill>
+        <p:spPr>
+          <a:xfrm>
+            <a:off x="495301" y="3646715"/>
+            <a:ext cx="4087487" cy="2153408"/>
+          </a:xfrm>
+          <a:prstGeom prst="rect">
+            <a:avLst/>
+          </a:prstGeom>
+        </p:spPr>
+      </p:pic>
+      <p:pic>
+        <p:nvPicPr>
+          <p:cNvPr id="11" name="Picture 10">
+            <a:extLst>
+              <a:ext uri="{FF2B5EF4-FFF2-40B4-BE49-F238E27FC236}">
+                <a16:creationId xmlns:a16="http://schemas.microsoft.com/office/drawing/2014/main" id="{32726C4E-2335-473B-BE0D-8EB377E9AFFE}"/>
+              </a:ext>
+            </a:extLst>
+          </p:cNvPr>
+          <p:cNvPicPr>
+            <a:picLocks noChangeAspect="1"/>
+          </p:cNvPicPr>
+          <p:nvPr/>
+        </p:nvPicPr>
+        <p:blipFill>
+          <a:blip r:embed="rId6"/>
+          <a:stretch>
+            <a:fillRect/>
+          </a:stretch>
+        </p:blipFill>
+        <p:spPr>
+          <a:xfrm>
+            <a:off x="5977520" y="3646715"/>
+            <a:ext cx="3702811" cy="2153408"/>
+          </a:xfrm>
+          <a:prstGeom prst="rect">
+            <a:avLst/>
+          </a:prstGeom>
+        </p:spPr>
+      </p:pic>
+      <p:sp>
+        <p:nvSpPr>
+          <p:cNvPr id="12" name="TextBox 11">
+            <a:extLst>
+              <a:ext uri="{FF2B5EF4-FFF2-40B4-BE49-F238E27FC236}">
+                <a16:creationId xmlns:a16="http://schemas.microsoft.com/office/drawing/2014/main" id="{E7A51804-D8AD-4A0F-9C7F-17ECC81E4E2A}"/>
+              </a:ext>
+            </a:extLst>
+          </p:cNvPr>
+          <p:cNvSpPr txBox="1"/>
+          <p:nvPr/>
+        </p:nvSpPr>
+        <p:spPr>
+          <a:xfrm>
+            <a:off x="3680256" y="234059"/>
+            <a:ext cx="4594528" cy="523220"/>
+          </a:xfrm>
+          <a:prstGeom prst="rect">
+            <a:avLst/>
+          </a:prstGeom>
+          <a:noFill/>
+        </p:spPr>
+        <p:txBody>
+          <a:bodyPr wrap="none" rtlCol="0">
+            <a:spAutoFit/>
+          </a:bodyPr>
+          <a:lstStyle/>
+          <a:p>
+            <a:r>
+              <a:rPr lang="en-US" sz="2800" b="1" dirty="0">
+                <a:latin typeface="Cascadia Code" panose="020B0609020000020004" pitchFamily="49" charset="0"/>
+                <a:cs typeface="Cascadia Code" panose="020B0609020000020004" pitchFamily="49" charset="0"/>
+              </a:rPr>
+              <a:t>Mean Shift Clustering</a:t>
+            </a:r>
+            <a:endParaRPr lang="en-IN" sz="2800" b="1" dirty="0">
+              <a:latin typeface="Cascadia Code" panose="020B0609020000020004" pitchFamily="49" charset="0"/>
+              <a:cs typeface="Cascadia Code" panose="020B0609020000020004" pitchFamily="49" charset="0"/>
+            </a:endParaRPr>
+          </a:p>
+        </p:txBody>
+      </p:sp>
+    </p:spTree>
+    <p:extLst>
+      <p:ext uri="{BB962C8B-B14F-4D97-AF65-F5344CB8AC3E}">
+        <p14:creationId xmlns:p14="http://schemas.microsoft.com/office/powerpoint/2010/main" val="181151189"/>
+      </p:ext>
+    </p:extLst>
+  </p:cSld>
+  <p:clrMapOvr>
+    <a:masterClrMapping/>
+  </p:clrMapOvr>
+</p:sld>
+</file>
+
+<file path=ppt/slides/slide17.xml><?xml version="1.0" encoding="utf-8"?>
+<p:sld xmlns:a="http://schemas.openxmlformats.org/drawingml/2006/main" xmlns:r="http://schemas.openxmlformats.org/officeDocument/2006/relationships" xmlns:p="http://schemas.openxmlformats.org/presentationml/2006/main">
+  <p:cSld>
+    <p:spTree>
+      <p:nvGrpSpPr>
+        <p:cNvPr id="1" name=""/>
+        <p:cNvGrpSpPr/>
+        <p:nvPr/>
+      </p:nvGrpSpPr>
+      <p:grpSpPr>
+        <a:xfrm>
+          <a:off x="0" y="0"/>
+          <a:ext cx="0" cy="0"/>
+          <a:chOff x="0" y="0"/>
+          <a:chExt cx="0" cy="0"/>
+        </a:xfrm>
+      </p:grpSpPr>
+      <p:sp>
+        <p:nvSpPr>
+          <p:cNvPr id="3" name="Footer Placeholder 2">
+            <a:extLst>
+              <a:ext uri="{FF2B5EF4-FFF2-40B4-BE49-F238E27FC236}">
+                <a16:creationId xmlns:a16="http://schemas.microsoft.com/office/drawing/2014/main" id="{DAF5AB59-A2ED-4DA4-A7FA-C90BE9D52D60}"/>
+              </a:ext>
+            </a:extLst>
+          </p:cNvPr>
+          <p:cNvSpPr>
+            <a:spLocks noGrp="1"/>
+          </p:cNvSpPr>
+          <p:nvPr>
+            <p:ph type="ftr" sz="quarter" idx="11"/>
+          </p:nvPr>
+        </p:nvSpPr>
+        <p:spPr/>
+        <p:txBody>
+          <a:bodyPr/>
+          <a:lstStyle/>
+          <a:p>
+            <a:r>
+              <a:rPr lang="en-IN" dirty="0"/>
+              <a:t>Machine Learning Clustering Algorithms</a:t>
+            </a:r>
+          </a:p>
+        </p:txBody>
+      </p:sp>
+      <p:sp>
+        <p:nvSpPr>
+          <p:cNvPr id="2" name="TextBox 1">
+            <a:extLst>
+              <a:ext uri="{FF2B5EF4-FFF2-40B4-BE49-F238E27FC236}">
+                <a16:creationId xmlns:a16="http://schemas.microsoft.com/office/drawing/2014/main" id="{C5AD4A6B-2846-495A-BC28-7F753ECC3633}"/>
+              </a:ext>
+            </a:extLst>
+          </p:cNvPr>
+          <p:cNvSpPr txBox="1"/>
+          <p:nvPr/>
+        </p:nvSpPr>
+        <p:spPr>
+          <a:xfrm>
+            <a:off x="1960686" y="1156946"/>
+            <a:ext cx="7426568" cy="1431161"/>
+          </a:xfrm>
+          <a:prstGeom prst="rect">
+            <a:avLst/>
+          </a:prstGeom>
+          <a:noFill/>
+        </p:spPr>
+        <p:txBody>
+          <a:bodyPr wrap="square" rtlCol="0">
+            <a:spAutoFit/>
+          </a:bodyPr>
+          <a:lstStyle/>
+          <a:p>
+            <a:pPr>
+              <a:spcBef>
+                <a:spcPts val="600"/>
+              </a:spcBef>
+            </a:pPr>
+            <a:r>
+              <a:rPr lang="en-US" b="1" dirty="0">
+                <a:latin typeface="Cascadia Code" panose="020B0609020000020004" pitchFamily="49" charset="0"/>
+                <a:cs typeface="Cascadia Code" panose="020B0609020000020004" pitchFamily="49" charset="0"/>
+              </a:rPr>
+              <a:t>Advantages</a:t>
+            </a:r>
+            <a:endParaRPr lang="en-US" dirty="0">
+              <a:latin typeface="Cascadia Code" panose="020B0609020000020004" pitchFamily="49" charset="0"/>
+              <a:cs typeface="Cascadia Code" panose="020B0609020000020004" pitchFamily="49" charset="0"/>
+            </a:endParaRPr>
+          </a:p>
+          <a:p>
+            <a:pPr marL="742950" lvl="1" indent="-285750">
+              <a:spcBef>
+                <a:spcPts val="600"/>
+              </a:spcBef>
+              <a:buFont typeface="Courier New" panose="02070309020205020404" pitchFamily="49" charset="0"/>
+              <a:buChar char="o"/>
+            </a:pPr>
+            <a:r>
+              <a:rPr lang="en-US" dirty="0">
+                <a:latin typeface="Cascadia Code" panose="020B0609020000020004" pitchFamily="49" charset="0"/>
+                <a:cs typeface="Cascadia Code" panose="020B0609020000020004" pitchFamily="49" charset="0"/>
+              </a:rPr>
+              <a:t>No need to specify number of clusters</a:t>
+            </a:r>
+          </a:p>
+          <a:p>
+            <a:pPr marL="742950" lvl="1" indent="-285750">
+              <a:spcBef>
+                <a:spcPts val="600"/>
+              </a:spcBef>
+              <a:buFont typeface="Courier New" panose="02070309020205020404" pitchFamily="49" charset="0"/>
+              <a:buChar char="o"/>
+            </a:pPr>
+            <a:r>
+              <a:rPr lang="en-US" dirty="0">
+                <a:latin typeface="Cascadia Code" panose="020B0609020000020004" pitchFamily="49" charset="0"/>
+                <a:cs typeface="Cascadia Code" panose="020B0609020000020004" pitchFamily="49" charset="0"/>
+              </a:rPr>
+              <a:t>Robust to noise and outliers</a:t>
+            </a:r>
+          </a:p>
+          <a:p>
+            <a:pPr marL="742950" lvl="1" indent="-285750">
+              <a:spcBef>
+                <a:spcPts val="600"/>
+              </a:spcBef>
+              <a:buFont typeface="Courier New" panose="02070309020205020404" pitchFamily="49" charset="0"/>
+              <a:buChar char="o"/>
+            </a:pPr>
+            <a:r>
+              <a:rPr lang="en-US" dirty="0">
+                <a:latin typeface="Cascadia Code" panose="020B0609020000020004" pitchFamily="49" charset="0"/>
+                <a:cs typeface="Cascadia Code" panose="020B0609020000020004" pitchFamily="49" charset="0"/>
+              </a:rPr>
+              <a:t>Handles varying densities</a:t>
+            </a:r>
+          </a:p>
+        </p:txBody>
+      </p:sp>
+      <p:sp>
+        <p:nvSpPr>
+          <p:cNvPr id="7" name="TextBox 6">
+            <a:extLst>
+              <a:ext uri="{FF2B5EF4-FFF2-40B4-BE49-F238E27FC236}">
+                <a16:creationId xmlns:a16="http://schemas.microsoft.com/office/drawing/2014/main" id="{CF620D77-58A8-48A0-96D3-43A36584B010}"/>
+              </a:ext>
+            </a:extLst>
+          </p:cNvPr>
+          <p:cNvSpPr txBox="1"/>
+          <p:nvPr/>
+        </p:nvSpPr>
+        <p:spPr>
+          <a:xfrm>
+            <a:off x="1960686" y="2629995"/>
+            <a:ext cx="7426568" cy="1431161"/>
+          </a:xfrm>
+          <a:prstGeom prst="rect">
+            <a:avLst/>
+          </a:prstGeom>
+          <a:noFill/>
+        </p:spPr>
+        <p:txBody>
+          <a:bodyPr wrap="square" rtlCol="0">
+            <a:spAutoFit/>
+          </a:bodyPr>
+          <a:lstStyle/>
+          <a:p>
+            <a:pPr>
+              <a:spcBef>
+                <a:spcPts val="600"/>
+              </a:spcBef>
+            </a:pPr>
+            <a:r>
+              <a:rPr lang="en-US" b="1" dirty="0">
+                <a:latin typeface="Cascadia Code" panose="020B0609020000020004" pitchFamily="49" charset="0"/>
+                <a:cs typeface="Cascadia Code" panose="020B0609020000020004" pitchFamily="49" charset="0"/>
+              </a:rPr>
+              <a:t>Disadvantages</a:t>
+            </a:r>
+            <a:endParaRPr lang="en-US" dirty="0">
+              <a:latin typeface="Cascadia Code" panose="020B0609020000020004" pitchFamily="49" charset="0"/>
+              <a:cs typeface="Cascadia Code" panose="020B0609020000020004" pitchFamily="49" charset="0"/>
+            </a:endParaRPr>
+          </a:p>
+          <a:p>
+            <a:pPr marL="742950" lvl="1" indent="-285750">
+              <a:spcBef>
+                <a:spcPts val="600"/>
+              </a:spcBef>
+              <a:buFont typeface="Courier New" panose="02070309020205020404" pitchFamily="49" charset="0"/>
+              <a:buChar char="o"/>
+            </a:pPr>
+            <a:r>
+              <a:rPr lang="en-US" dirty="0">
+                <a:latin typeface="Cascadia Code" panose="020B0609020000020004" pitchFamily="49" charset="0"/>
+                <a:cs typeface="Cascadia Code" panose="020B0609020000020004" pitchFamily="49" charset="0"/>
+              </a:rPr>
+              <a:t>Computationally expensive (O(n^2) complexity)</a:t>
+            </a:r>
+          </a:p>
+          <a:p>
+            <a:pPr marL="742950" lvl="1" indent="-285750">
+              <a:spcBef>
+                <a:spcPts val="600"/>
+              </a:spcBef>
+              <a:buFont typeface="Courier New" panose="02070309020205020404" pitchFamily="49" charset="0"/>
+              <a:buChar char="o"/>
+            </a:pPr>
+            <a:r>
+              <a:rPr lang="en-US" dirty="0">
+                <a:latin typeface="Cascadia Code" panose="020B0609020000020004" pitchFamily="49" charset="0"/>
+                <a:cs typeface="Cascadia Code" panose="020B0609020000020004" pitchFamily="49" charset="0"/>
+              </a:rPr>
+              <a:t>Sensitive to bandwidth parameter</a:t>
+            </a:r>
+          </a:p>
+          <a:p>
+            <a:pPr marL="742950" lvl="1" indent="-285750">
+              <a:spcBef>
+                <a:spcPts val="600"/>
+              </a:spcBef>
+              <a:buFont typeface="Courier New" panose="02070309020205020404" pitchFamily="49" charset="0"/>
+              <a:buChar char="o"/>
+            </a:pPr>
+            <a:r>
+              <a:rPr lang="en-US" dirty="0">
+                <a:latin typeface="Cascadia Code" panose="020B0609020000020004" pitchFamily="49" charset="0"/>
+                <a:cs typeface="Cascadia Code" panose="020B0609020000020004" pitchFamily="49" charset="0"/>
+              </a:rPr>
+              <a:t>Can be slow for large datasets</a:t>
+            </a:r>
+          </a:p>
+        </p:txBody>
+      </p:sp>
+      <p:sp>
+        <p:nvSpPr>
+          <p:cNvPr id="8" name="TextBox 7">
+            <a:extLst>
+              <a:ext uri="{FF2B5EF4-FFF2-40B4-BE49-F238E27FC236}">
+                <a16:creationId xmlns:a16="http://schemas.microsoft.com/office/drawing/2014/main" id="{62DA76A8-233C-41B3-8D2B-1FC49D5F6B12}"/>
+              </a:ext>
+            </a:extLst>
+          </p:cNvPr>
+          <p:cNvSpPr txBox="1"/>
+          <p:nvPr/>
+        </p:nvSpPr>
+        <p:spPr>
+          <a:xfrm>
+            <a:off x="1960686" y="4217303"/>
+            <a:ext cx="7426568" cy="2139047"/>
+          </a:xfrm>
+          <a:prstGeom prst="rect">
+            <a:avLst/>
+          </a:prstGeom>
+          <a:noFill/>
+        </p:spPr>
+        <p:txBody>
+          <a:bodyPr wrap="square" rtlCol="0">
+            <a:spAutoFit/>
+          </a:bodyPr>
+          <a:lstStyle/>
+          <a:p>
+            <a:pPr>
+              <a:spcBef>
+                <a:spcPts val="600"/>
+              </a:spcBef>
+            </a:pPr>
+            <a:r>
+              <a:rPr lang="en-US" b="1" dirty="0">
+                <a:latin typeface="Cascadia Code" panose="020B0609020000020004" pitchFamily="49" charset="0"/>
+                <a:cs typeface="Cascadia Code" panose="020B0609020000020004" pitchFamily="49" charset="0"/>
+              </a:rPr>
+              <a:t>Applications</a:t>
+            </a:r>
+            <a:endParaRPr lang="en-US" dirty="0">
+              <a:latin typeface="Cascadia Code" panose="020B0609020000020004" pitchFamily="49" charset="0"/>
+              <a:cs typeface="Cascadia Code" panose="020B0609020000020004" pitchFamily="49" charset="0"/>
+            </a:endParaRPr>
+          </a:p>
+          <a:p>
+            <a:pPr marL="742950" lvl="1" indent="-285750">
+              <a:spcBef>
+                <a:spcPts val="600"/>
+              </a:spcBef>
+              <a:buFont typeface="Courier New" panose="02070309020205020404" pitchFamily="49" charset="0"/>
+              <a:buChar char="o"/>
+            </a:pPr>
+            <a:r>
+              <a:rPr lang="en-US" dirty="0">
+                <a:latin typeface="Cascadia Code" panose="020B0609020000020004" pitchFamily="49" charset="0"/>
+                <a:cs typeface="Cascadia Code" panose="020B0609020000020004" pitchFamily="49" charset="0"/>
+              </a:rPr>
+              <a:t>Image segmentation</a:t>
+            </a:r>
+          </a:p>
+          <a:p>
+            <a:pPr marL="742950" lvl="1" indent="-285750">
+              <a:spcBef>
+                <a:spcPts val="600"/>
+              </a:spcBef>
+              <a:buFont typeface="Courier New" panose="02070309020205020404" pitchFamily="49" charset="0"/>
+              <a:buChar char="o"/>
+            </a:pPr>
+            <a:r>
+              <a:rPr lang="en-US" dirty="0">
+                <a:latin typeface="Cascadia Code" panose="020B0609020000020004" pitchFamily="49" charset="0"/>
+                <a:cs typeface="Cascadia Code" panose="020B0609020000020004" pitchFamily="49" charset="0"/>
+              </a:rPr>
+              <a:t>Object tracking</a:t>
+            </a:r>
+          </a:p>
+          <a:p>
+            <a:pPr marL="742950" lvl="1" indent="-285750">
+              <a:spcBef>
+                <a:spcPts val="600"/>
+              </a:spcBef>
+              <a:buFont typeface="Courier New" panose="02070309020205020404" pitchFamily="49" charset="0"/>
+              <a:buChar char="o"/>
+            </a:pPr>
+            <a:r>
+              <a:rPr lang="en-US" dirty="0">
+                <a:latin typeface="Cascadia Code" panose="020B0609020000020004" pitchFamily="49" charset="0"/>
+                <a:cs typeface="Cascadia Code" panose="020B0609020000020004" pitchFamily="49" charset="0"/>
+              </a:rPr>
+              <a:t>Customer segmentation</a:t>
+            </a:r>
+          </a:p>
+          <a:p>
+            <a:pPr marL="742950" lvl="1" indent="-285750">
+              <a:spcBef>
+                <a:spcPts val="600"/>
+              </a:spcBef>
+              <a:buFont typeface="Courier New" panose="02070309020205020404" pitchFamily="49" charset="0"/>
+              <a:buChar char="o"/>
+            </a:pPr>
+            <a:r>
+              <a:rPr lang="en-US" dirty="0">
+                <a:latin typeface="Cascadia Code" panose="020B0609020000020004" pitchFamily="49" charset="0"/>
+                <a:cs typeface="Cascadia Code" panose="020B0609020000020004" pitchFamily="49" charset="0"/>
+              </a:rPr>
+              <a:t>Gene expression analysis</a:t>
+            </a:r>
+          </a:p>
+          <a:p>
+            <a:pPr marL="742950" lvl="1" indent="-285750">
+              <a:spcBef>
+                <a:spcPts val="600"/>
+              </a:spcBef>
+              <a:buFont typeface="Courier New" panose="02070309020205020404" pitchFamily="49" charset="0"/>
+              <a:buChar char="o"/>
+            </a:pPr>
+            <a:r>
+              <a:rPr lang="en-US" dirty="0">
+                <a:latin typeface="Cascadia Code" panose="020B0609020000020004" pitchFamily="49" charset="0"/>
+                <a:cs typeface="Cascadia Code" panose="020B0609020000020004" pitchFamily="49" charset="0"/>
+              </a:rPr>
+              <a:t>Text clustering</a:t>
+            </a:r>
+          </a:p>
+        </p:txBody>
+      </p:sp>
+      <p:sp>
+        <p:nvSpPr>
+          <p:cNvPr id="9" name="TextBox 8">
+            <a:extLst>
+              <a:ext uri="{FF2B5EF4-FFF2-40B4-BE49-F238E27FC236}">
+                <a16:creationId xmlns:a16="http://schemas.microsoft.com/office/drawing/2014/main" id="{F550929B-2CFD-40C6-87EE-6934EAD8C527}"/>
+              </a:ext>
+            </a:extLst>
+          </p:cNvPr>
+          <p:cNvSpPr txBox="1"/>
+          <p:nvPr/>
+        </p:nvSpPr>
+        <p:spPr>
+          <a:xfrm>
+            <a:off x="3680256" y="234059"/>
+            <a:ext cx="4594528" cy="523220"/>
+          </a:xfrm>
+          <a:prstGeom prst="rect">
+            <a:avLst/>
+          </a:prstGeom>
+          <a:noFill/>
+        </p:spPr>
+        <p:txBody>
+          <a:bodyPr wrap="none" rtlCol="0">
+            <a:spAutoFit/>
+          </a:bodyPr>
+          <a:lstStyle/>
+          <a:p>
+            <a:r>
+              <a:rPr lang="en-US" sz="2800" b="1" dirty="0">
+                <a:latin typeface="Cascadia Code" panose="020B0609020000020004" pitchFamily="49" charset="0"/>
+                <a:cs typeface="Cascadia Code" panose="020B0609020000020004" pitchFamily="49" charset="0"/>
+              </a:rPr>
+              <a:t>Mean Shift Clustering</a:t>
+            </a:r>
+            <a:endParaRPr lang="en-IN" sz="2800" b="1" dirty="0">
+              <a:latin typeface="Cascadia Code" panose="020B0609020000020004" pitchFamily="49" charset="0"/>
+              <a:cs typeface="Cascadia Code" panose="020B0609020000020004" pitchFamily="49" charset="0"/>
+            </a:endParaRPr>
+          </a:p>
+        </p:txBody>
+      </p:sp>
+    </p:spTree>
+    <p:extLst>
+      <p:ext uri="{BB962C8B-B14F-4D97-AF65-F5344CB8AC3E}">
+        <p14:creationId xmlns:p14="http://schemas.microsoft.com/office/powerpoint/2010/main" val="2118629608"/>
+      </p:ext>
+    </p:extLst>
+  </p:cSld>
+  <p:clrMapOvr>
+    <a:masterClrMapping/>
+  </p:clrMapOvr>
+</p:sld>
+</file>
+
+<file path=ppt/slides/slide18.xml><?xml version="1.0" encoding="utf-8"?>
+<p:sld xmlns:a="http://schemas.openxmlformats.org/drawingml/2006/main" xmlns:r="http://schemas.openxmlformats.org/officeDocument/2006/relationships" xmlns:p="http://schemas.openxmlformats.org/presentationml/2006/main">
+  <p:cSld>
+    <p:spTree>
+      <p:nvGrpSpPr>
+        <p:cNvPr id="1" name=""/>
+        <p:cNvGrpSpPr/>
+        <p:nvPr/>
+      </p:nvGrpSpPr>
+      <p:grpSpPr>
+        <a:xfrm>
+          <a:off x="0" y="0"/>
+          <a:ext cx="0" cy="0"/>
+          <a:chOff x="0" y="0"/>
+          <a:chExt cx="0" cy="0"/>
+        </a:xfrm>
+      </p:grpSpPr>
+      <p:sp>
+        <p:nvSpPr>
+          <p:cNvPr id="3" name="Footer Placeholder 2">
+            <a:extLst>
+              <a:ext uri="{FF2B5EF4-FFF2-40B4-BE49-F238E27FC236}">
+                <a16:creationId xmlns:a16="http://schemas.microsoft.com/office/drawing/2014/main" id="{DAF5AB59-A2ED-4DA4-A7FA-C90BE9D52D60}"/>
+              </a:ext>
+            </a:extLst>
+          </p:cNvPr>
+          <p:cNvSpPr>
+            <a:spLocks noGrp="1"/>
+          </p:cNvSpPr>
+          <p:nvPr>
+            <p:ph type="ftr" sz="quarter" idx="11"/>
+          </p:nvPr>
+        </p:nvSpPr>
+        <p:spPr/>
+        <p:txBody>
+          <a:bodyPr/>
+          <a:lstStyle/>
+          <a:p>
+            <a:r>
+              <a:rPr lang="en-IN" dirty="0"/>
+              <a:t>Machine Learning Clustering Algorithms</a:t>
+            </a:r>
+          </a:p>
+        </p:txBody>
+      </p:sp>
+      <p:sp>
+        <p:nvSpPr>
+          <p:cNvPr id="2" name="TextBox 1">
+            <a:extLst>
+              <a:ext uri="{FF2B5EF4-FFF2-40B4-BE49-F238E27FC236}">
+                <a16:creationId xmlns:a16="http://schemas.microsoft.com/office/drawing/2014/main" id="{C5AD4A6B-2846-495A-BC28-7F753ECC3633}"/>
+              </a:ext>
+            </a:extLst>
+          </p:cNvPr>
+          <p:cNvSpPr txBox="1"/>
+          <p:nvPr/>
+        </p:nvSpPr>
+        <p:spPr>
+          <a:xfrm>
+            <a:off x="1974744" y="1318175"/>
+            <a:ext cx="7426568" cy="1431161"/>
+          </a:xfrm>
+          <a:prstGeom prst="rect">
+            <a:avLst/>
+          </a:prstGeom>
+          <a:noFill/>
+        </p:spPr>
+        <p:txBody>
+          <a:bodyPr wrap="square" rtlCol="0">
+            <a:spAutoFit/>
+          </a:bodyPr>
+          <a:lstStyle/>
+          <a:p>
+            <a:pPr>
+              <a:spcBef>
+                <a:spcPts val="600"/>
+              </a:spcBef>
+            </a:pPr>
+            <a:r>
+              <a:rPr lang="en-US" b="1" dirty="0">
+                <a:latin typeface="Cascadia Code" panose="020B0609020000020004" pitchFamily="49" charset="0"/>
+                <a:cs typeface="Cascadia Code" panose="020B0609020000020004" pitchFamily="49" charset="0"/>
+              </a:rPr>
+              <a:t>A bottom-up hierarchical clustering approach</a:t>
+            </a:r>
+            <a:r>
+              <a:rPr lang="en-US" dirty="0">
+                <a:latin typeface="Cascadia Code" panose="020B0609020000020004" pitchFamily="49" charset="0"/>
+                <a:cs typeface="Cascadia Code" panose="020B0609020000020004" pitchFamily="49" charset="0"/>
+              </a:rPr>
+              <a:t>    </a:t>
+            </a:r>
+          </a:p>
+          <a:p>
+            <a:pPr marL="742950" lvl="1" indent="-285750">
+              <a:spcBef>
+                <a:spcPts val="600"/>
+              </a:spcBef>
+              <a:buFont typeface="Courier New" panose="02070309020205020404" pitchFamily="49" charset="0"/>
+              <a:buChar char="o"/>
+            </a:pPr>
+            <a:r>
+              <a:rPr lang="en-US" dirty="0">
+                <a:latin typeface="Cascadia Code" panose="020B0609020000020004" pitchFamily="49" charset="0"/>
+                <a:cs typeface="Cascadia Code" panose="020B0609020000020004" pitchFamily="49" charset="0"/>
+              </a:rPr>
+              <a:t>Starts with individual data points as clusters</a:t>
+            </a:r>
+          </a:p>
+          <a:p>
+            <a:pPr marL="742950" lvl="1" indent="-285750">
+              <a:spcBef>
+                <a:spcPts val="600"/>
+              </a:spcBef>
+              <a:buFont typeface="Courier New" panose="02070309020205020404" pitchFamily="49" charset="0"/>
+              <a:buChar char="o"/>
+            </a:pPr>
+            <a:r>
+              <a:rPr lang="en-US" dirty="0">
+                <a:latin typeface="Cascadia Code" panose="020B0609020000020004" pitchFamily="49" charset="0"/>
+                <a:cs typeface="Cascadia Code" panose="020B0609020000020004" pitchFamily="49" charset="0"/>
+              </a:rPr>
+              <a:t>Merges closest clusters iteratively    </a:t>
+            </a:r>
+          </a:p>
+          <a:p>
+            <a:pPr marL="742950" lvl="1" indent="-285750">
+              <a:spcBef>
+                <a:spcPts val="600"/>
+              </a:spcBef>
+              <a:buFont typeface="Courier New" panose="02070309020205020404" pitchFamily="49" charset="0"/>
+              <a:buChar char="o"/>
+            </a:pPr>
+            <a:r>
+              <a:rPr lang="en-US" dirty="0">
+                <a:latin typeface="Cascadia Code" panose="020B0609020000020004" pitchFamily="49" charset="0"/>
+                <a:cs typeface="Cascadia Code" panose="020B0609020000020004" pitchFamily="49" charset="0"/>
+              </a:rPr>
+              <a:t>Forms a tree-like structure (dendrogram)</a:t>
+            </a:r>
+          </a:p>
+        </p:txBody>
+      </p:sp>
+      <p:sp>
+        <p:nvSpPr>
+          <p:cNvPr id="5" name="TextBox 4">
+            <a:extLst>
+              <a:ext uri="{FF2B5EF4-FFF2-40B4-BE49-F238E27FC236}">
+                <a16:creationId xmlns:a16="http://schemas.microsoft.com/office/drawing/2014/main" id="{0F1C7B19-9F0B-4B15-AC52-92FD338C2635}"/>
+              </a:ext>
+            </a:extLst>
+          </p:cNvPr>
+          <p:cNvSpPr txBox="1"/>
+          <p:nvPr/>
+        </p:nvSpPr>
+        <p:spPr>
+          <a:xfrm>
+            <a:off x="3168756" y="572663"/>
+            <a:ext cx="5224507" cy="523220"/>
+          </a:xfrm>
+          <a:prstGeom prst="rect">
+            <a:avLst/>
+          </a:prstGeom>
+          <a:noFill/>
+        </p:spPr>
+        <p:txBody>
+          <a:bodyPr wrap="none" rtlCol="0">
+            <a:spAutoFit/>
+          </a:bodyPr>
+          <a:lstStyle/>
+          <a:p>
+            <a:r>
+              <a:rPr lang="en-US" sz="2800" b="1" dirty="0">
+                <a:latin typeface="Cascadia Code" panose="020B0609020000020004" pitchFamily="49" charset="0"/>
+                <a:cs typeface="Cascadia Code" panose="020B0609020000020004" pitchFamily="49" charset="0"/>
+              </a:rPr>
+              <a:t>Agglomerative Clustering</a:t>
+            </a:r>
+            <a:endParaRPr lang="en-IN" sz="2800" b="1" dirty="0">
+              <a:latin typeface="Cascadia Code" panose="020B0609020000020004" pitchFamily="49" charset="0"/>
+              <a:cs typeface="Cascadia Code" panose="020B0609020000020004" pitchFamily="49" charset="0"/>
+            </a:endParaRPr>
+          </a:p>
+        </p:txBody>
+      </p:sp>
+      <p:sp>
+        <p:nvSpPr>
+          <p:cNvPr id="6" name="TextBox 5">
+            <a:extLst>
+              <a:ext uri="{FF2B5EF4-FFF2-40B4-BE49-F238E27FC236}">
+                <a16:creationId xmlns:a16="http://schemas.microsoft.com/office/drawing/2014/main" id="{BC794A4B-16EF-43DE-A407-3155F73A107A}"/>
+              </a:ext>
+            </a:extLst>
+          </p:cNvPr>
+          <p:cNvSpPr txBox="1"/>
+          <p:nvPr/>
+        </p:nvSpPr>
+        <p:spPr>
+          <a:xfrm>
+            <a:off x="1848142" y="2822646"/>
+            <a:ext cx="9560757" cy="2139047"/>
+          </a:xfrm>
+          <a:prstGeom prst="rect">
+            <a:avLst/>
+          </a:prstGeom>
+          <a:noFill/>
+        </p:spPr>
+        <p:txBody>
+          <a:bodyPr wrap="square" rtlCol="0">
+            <a:spAutoFit/>
+          </a:bodyPr>
+          <a:lstStyle/>
+          <a:p>
+            <a:pPr>
+              <a:spcBef>
+                <a:spcPts val="600"/>
+              </a:spcBef>
+            </a:pPr>
+            <a:r>
+              <a:rPr lang="en-US" b="1" dirty="0">
+                <a:latin typeface="Cascadia Code" panose="020B0609020000020004" pitchFamily="49" charset="0"/>
+                <a:cs typeface="Cascadia Code" panose="020B0609020000020004" pitchFamily="49" charset="0"/>
+              </a:rPr>
+              <a:t>Algorithm Steps</a:t>
+            </a:r>
+            <a:endParaRPr lang="en-US" dirty="0">
+              <a:latin typeface="Cascadia Code" panose="020B0609020000020004" pitchFamily="49" charset="0"/>
+              <a:cs typeface="Cascadia Code" panose="020B0609020000020004" pitchFamily="49" charset="0"/>
+            </a:endParaRPr>
+          </a:p>
+          <a:p>
+            <a:pPr marL="800100" lvl="1" indent="-342900">
+              <a:spcBef>
+                <a:spcPts val="600"/>
+              </a:spcBef>
+              <a:buFont typeface="+mj-lt"/>
+              <a:buAutoNum type="arabicPeriod"/>
+            </a:pPr>
+            <a:r>
+              <a:rPr lang="en-US" dirty="0">
+                <a:latin typeface="Cascadia Code" panose="020B0609020000020004" pitchFamily="49" charset="0"/>
+                <a:cs typeface="Cascadia Code" panose="020B0609020000020004" pitchFamily="49" charset="0"/>
+              </a:rPr>
+              <a:t>Initialize each data point as a separate cluster</a:t>
+            </a:r>
+          </a:p>
+          <a:p>
+            <a:pPr marL="800100" lvl="1" indent="-342900">
+              <a:spcBef>
+                <a:spcPts val="600"/>
+              </a:spcBef>
+              <a:buFont typeface="+mj-lt"/>
+              <a:buAutoNum type="arabicPeriod"/>
+            </a:pPr>
+            <a:r>
+              <a:rPr lang="en-US" dirty="0">
+                <a:latin typeface="Cascadia Code" panose="020B0609020000020004" pitchFamily="49" charset="0"/>
+                <a:cs typeface="Cascadia Code" panose="020B0609020000020004" pitchFamily="49" charset="0"/>
+              </a:rPr>
+              <a:t>Calculate pairwise distances between clusters</a:t>
+            </a:r>
+          </a:p>
+          <a:p>
+            <a:pPr marL="800100" lvl="1" indent="-342900">
+              <a:spcBef>
+                <a:spcPts val="600"/>
+              </a:spcBef>
+              <a:buFont typeface="+mj-lt"/>
+              <a:buAutoNum type="arabicPeriod"/>
+            </a:pPr>
+            <a:r>
+              <a:rPr lang="en-US" dirty="0">
+                <a:latin typeface="Cascadia Code" panose="020B0609020000020004" pitchFamily="49" charset="0"/>
+                <a:cs typeface="Cascadia Code" panose="020B0609020000020004" pitchFamily="49" charset="0"/>
+              </a:rPr>
+              <a:t>Merge the closest two clusters</a:t>
+            </a:r>
+          </a:p>
+          <a:p>
+            <a:pPr marL="800100" lvl="1" indent="-342900">
+              <a:spcBef>
+                <a:spcPts val="600"/>
+              </a:spcBef>
+              <a:buFont typeface="+mj-lt"/>
+              <a:buAutoNum type="arabicPeriod"/>
+            </a:pPr>
+            <a:r>
+              <a:rPr lang="en-US" dirty="0">
+                <a:latin typeface="Cascadia Code" panose="020B0609020000020004" pitchFamily="49" charset="0"/>
+                <a:cs typeface="Cascadia Code" panose="020B0609020000020004" pitchFamily="49" charset="0"/>
+              </a:rPr>
+              <a:t>Update distances between merged cluster and other clusters</a:t>
+            </a:r>
+          </a:p>
+          <a:p>
+            <a:pPr marL="800100" lvl="1" indent="-342900">
+              <a:spcBef>
+                <a:spcPts val="600"/>
+              </a:spcBef>
+              <a:buFont typeface="+mj-lt"/>
+              <a:buAutoNum type="arabicPeriod"/>
+            </a:pPr>
+            <a:r>
+              <a:rPr lang="en-US" dirty="0">
+                <a:latin typeface="Cascadia Code" panose="020B0609020000020004" pitchFamily="49" charset="0"/>
+                <a:cs typeface="Cascadia Code" panose="020B0609020000020004" pitchFamily="49" charset="0"/>
+              </a:rPr>
+              <a:t>Repeat steps 3-4 until desired number of clusters is reached</a:t>
+            </a:r>
+          </a:p>
+        </p:txBody>
+      </p:sp>
+      <p:pic>
+        <p:nvPicPr>
+          <p:cNvPr id="7" name="Picture 6">
+            <a:extLst>
+              <a:ext uri="{FF2B5EF4-FFF2-40B4-BE49-F238E27FC236}">
+                <a16:creationId xmlns:a16="http://schemas.microsoft.com/office/drawing/2014/main" id="{9847A96C-5F5B-4F39-88AC-717771A1772F}"/>
+              </a:ext>
+            </a:extLst>
+          </p:cNvPr>
+          <p:cNvPicPr>
+            <a:picLocks noChangeAspect="1"/>
+          </p:cNvPicPr>
+          <p:nvPr/>
+        </p:nvPicPr>
+        <p:blipFill>
+          <a:blip r:embed="rId2"/>
+          <a:stretch>
+            <a:fillRect/>
+          </a:stretch>
+        </p:blipFill>
+        <p:spPr>
+          <a:xfrm>
+            <a:off x="1728787" y="5282784"/>
+            <a:ext cx="4619625" cy="752475"/>
+          </a:xfrm>
+          <a:prstGeom prst="rect">
+            <a:avLst/>
+          </a:prstGeom>
+        </p:spPr>
+      </p:pic>
+    </p:spTree>
+    <p:extLst>
+      <p:ext uri="{BB962C8B-B14F-4D97-AF65-F5344CB8AC3E}">
+        <p14:creationId xmlns:p14="http://schemas.microsoft.com/office/powerpoint/2010/main" val="2192957540"/>
+      </p:ext>
+    </p:extLst>
+  </p:cSld>
+  <p:clrMapOvr>
+    <a:masterClrMapping/>
+  </p:clrMapOvr>
+</p:sld>
+</file>
+
+<file path=ppt/slides/slide19.xml><?xml version="1.0" encoding="utf-8"?>
+<p:sld xmlns:a="http://schemas.openxmlformats.org/drawingml/2006/main" xmlns:r="http://schemas.openxmlformats.org/officeDocument/2006/relationships" xmlns:p="http://schemas.openxmlformats.org/presentationml/2006/main">
+  <p:cSld>
+    <p:spTree>
+      <p:nvGrpSpPr>
+        <p:cNvPr id="1" name=""/>
+        <p:cNvGrpSpPr/>
+        <p:nvPr/>
+      </p:nvGrpSpPr>
+      <p:grpSpPr>
+        <a:xfrm>
+          <a:off x="0" y="0"/>
+          <a:ext cx="0" cy="0"/>
+          <a:chOff x="0" y="0"/>
+          <a:chExt cx="0" cy="0"/>
+        </a:xfrm>
+      </p:grpSpPr>
+      <p:pic>
+        <p:nvPicPr>
+          <p:cNvPr id="3" name="Picture 2">
+            <a:extLst>
+              <a:ext uri="{FF2B5EF4-FFF2-40B4-BE49-F238E27FC236}">
+                <a16:creationId xmlns:a16="http://schemas.microsoft.com/office/drawing/2014/main" id="{CA42887E-13F6-411A-B58A-763A4F50931C}"/>
+              </a:ext>
+            </a:extLst>
+          </p:cNvPr>
+          <p:cNvPicPr>
+            <a:picLocks noChangeAspect="1"/>
+          </p:cNvPicPr>
+          <p:nvPr/>
+        </p:nvPicPr>
+        <p:blipFill>
+          <a:blip r:embed="rId2"/>
+          <a:stretch>
+            <a:fillRect/>
+          </a:stretch>
+        </p:blipFill>
+        <p:spPr>
+          <a:xfrm>
+            <a:off x="428624" y="1258358"/>
+            <a:ext cx="3371851" cy="2334359"/>
+          </a:xfrm>
+          <a:prstGeom prst="rect">
+            <a:avLst/>
+          </a:prstGeom>
+        </p:spPr>
+      </p:pic>
+      <p:pic>
+        <p:nvPicPr>
+          <p:cNvPr id="4" name="Picture 3">
+            <a:extLst>
+              <a:ext uri="{FF2B5EF4-FFF2-40B4-BE49-F238E27FC236}">
+                <a16:creationId xmlns:a16="http://schemas.microsoft.com/office/drawing/2014/main" id="{6D121D54-922B-4695-8056-401BF0884C7F}"/>
+              </a:ext>
+            </a:extLst>
+          </p:cNvPr>
+          <p:cNvPicPr>
+            <a:picLocks noChangeAspect="1"/>
+          </p:cNvPicPr>
+          <p:nvPr/>
+        </p:nvPicPr>
+        <p:blipFill>
+          <a:blip r:embed="rId3"/>
+          <a:stretch>
+            <a:fillRect/>
+          </a:stretch>
+        </p:blipFill>
+        <p:spPr>
+          <a:xfrm>
+            <a:off x="5381625" y="1463145"/>
+            <a:ext cx="5829300" cy="1933575"/>
+          </a:xfrm>
+          <a:prstGeom prst="rect">
+            <a:avLst/>
+          </a:prstGeom>
+        </p:spPr>
+      </p:pic>
+      <p:pic>
+        <p:nvPicPr>
+          <p:cNvPr id="5" name="Picture 4">
+            <a:extLst>
+              <a:ext uri="{FF2B5EF4-FFF2-40B4-BE49-F238E27FC236}">
+                <a16:creationId xmlns:a16="http://schemas.microsoft.com/office/drawing/2014/main" id="{B5AEA3C0-8D4C-442C-A204-15E028B8360D}"/>
+              </a:ext>
+            </a:extLst>
+          </p:cNvPr>
+          <p:cNvPicPr>
+            <a:picLocks noChangeAspect="1"/>
+          </p:cNvPicPr>
+          <p:nvPr/>
+        </p:nvPicPr>
+        <p:blipFill>
+          <a:blip r:embed="rId4"/>
+          <a:stretch>
+            <a:fillRect/>
+          </a:stretch>
+        </p:blipFill>
+        <p:spPr>
+          <a:xfrm>
+            <a:off x="428624" y="3987271"/>
+            <a:ext cx="3133726" cy="2298066"/>
+          </a:xfrm>
+          <a:prstGeom prst="rect">
+            <a:avLst/>
+          </a:prstGeom>
+        </p:spPr>
+      </p:pic>
+      <p:pic>
+        <p:nvPicPr>
+          <p:cNvPr id="7" name="Picture 6">
+            <a:extLst>
+              <a:ext uri="{FF2B5EF4-FFF2-40B4-BE49-F238E27FC236}">
+                <a16:creationId xmlns:a16="http://schemas.microsoft.com/office/drawing/2014/main" id="{64C86C17-8C30-4715-8F39-52705AB37CFC}"/>
+              </a:ext>
+            </a:extLst>
+          </p:cNvPr>
+          <p:cNvPicPr>
+            <a:picLocks noChangeAspect="1"/>
+          </p:cNvPicPr>
+          <p:nvPr/>
+        </p:nvPicPr>
+        <p:blipFill>
+          <a:blip r:embed="rId5"/>
+          <a:stretch>
+            <a:fillRect/>
+          </a:stretch>
+        </p:blipFill>
+        <p:spPr>
+          <a:xfrm>
+            <a:off x="4986338" y="4130146"/>
+            <a:ext cx="6362700" cy="1714500"/>
+          </a:xfrm>
+          <a:prstGeom prst="rect">
+            <a:avLst/>
+          </a:prstGeom>
+        </p:spPr>
+      </p:pic>
+      <p:sp>
+        <p:nvSpPr>
+          <p:cNvPr id="22" name="TextBox 21">
+            <a:extLst>
+              <a:ext uri="{FF2B5EF4-FFF2-40B4-BE49-F238E27FC236}">
+                <a16:creationId xmlns:a16="http://schemas.microsoft.com/office/drawing/2014/main" id="{96B1628D-2AE3-49B8-963D-6DBE82AE7AD6}"/>
+              </a:ext>
+            </a:extLst>
+          </p:cNvPr>
+          <p:cNvSpPr txBox="1"/>
+          <p:nvPr/>
+        </p:nvSpPr>
+        <p:spPr>
+          <a:xfrm>
+            <a:off x="3483746" y="368425"/>
+            <a:ext cx="5224507" cy="523220"/>
+          </a:xfrm>
+          <a:prstGeom prst="rect">
+            <a:avLst/>
+          </a:prstGeom>
+          <a:noFill/>
+        </p:spPr>
+        <p:txBody>
+          <a:bodyPr wrap="none" rtlCol="0">
+            <a:spAutoFit/>
+          </a:bodyPr>
+          <a:lstStyle/>
+          <a:p>
+            <a:r>
+              <a:rPr lang="en-US" sz="2800" b="1" dirty="0">
+                <a:latin typeface="Cascadia Code" panose="020B0609020000020004" pitchFamily="49" charset="0"/>
+                <a:cs typeface="Cascadia Code" panose="020B0609020000020004" pitchFamily="49" charset="0"/>
+              </a:rPr>
+              <a:t>Agglomerative Clustering</a:t>
+            </a:r>
+            <a:endParaRPr lang="en-IN" sz="2800" b="1" dirty="0">
+              <a:latin typeface="Cascadia Code" panose="020B0609020000020004" pitchFamily="49" charset="0"/>
+              <a:cs typeface="Cascadia Code" panose="020B0609020000020004" pitchFamily="49" charset="0"/>
+            </a:endParaRPr>
+          </a:p>
+        </p:txBody>
+      </p:sp>
+    </p:spTree>
+    <p:extLst>
+      <p:ext uri="{BB962C8B-B14F-4D97-AF65-F5344CB8AC3E}">
+        <p14:creationId xmlns:p14="http://schemas.microsoft.com/office/powerpoint/2010/main" val="3475165314"/>
       </p:ext>
     </p:extLst>
   </p:cSld>
@@ -14643,6 +18363,2914 @@
 </p:sld>
 </file>
 
+<file path=ppt/slides/slide20.xml><?xml version="1.0" encoding="utf-8"?>
+<p:sld xmlns:a="http://schemas.openxmlformats.org/drawingml/2006/main" xmlns:r="http://schemas.openxmlformats.org/officeDocument/2006/relationships" xmlns:p="http://schemas.openxmlformats.org/presentationml/2006/main">
+  <p:cSld>
+    <p:spTree>
+      <p:nvGrpSpPr>
+        <p:cNvPr id="1" name=""/>
+        <p:cNvGrpSpPr/>
+        <p:nvPr/>
+      </p:nvGrpSpPr>
+      <p:grpSpPr>
+        <a:xfrm>
+          <a:off x="0" y="0"/>
+          <a:ext cx="0" cy="0"/>
+          <a:chOff x="0" y="0"/>
+          <a:chExt cx="0" cy="0"/>
+        </a:xfrm>
+      </p:grpSpPr>
+      <p:pic>
+        <p:nvPicPr>
+          <p:cNvPr id="2" name="Picture 1">
+            <a:extLst>
+              <a:ext uri="{FF2B5EF4-FFF2-40B4-BE49-F238E27FC236}">
+                <a16:creationId xmlns:a16="http://schemas.microsoft.com/office/drawing/2014/main" id="{061192E3-7AAA-42DF-8554-87DF25678129}"/>
+              </a:ext>
+            </a:extLst>
+          </p:cNvPr>
+          <p:cNvPicPr>
+            <a:picLocks noChangeAspect="1"/>
+          </p:cNvPicPr>
+          <p:nvPr/>
+        </p:nvPicPr>
+        <p:blipFill>
+          <a:blip r:embed="rId2"/>
+          <a:stretch>
+            <a:fillRect/>
+          </a:stretch>
+        </p:blipFill>
+        <p:spPr>
+          <a:xfrm>
+            <a:off x="406551" y="747712"/>
+            <a:ext cx="3705225" cy="2731933"/>
+          </a:xfrm>
+          <a:prstGeom prst="rect">
+            <a:avLst/>
+          </a:prstGeom>
+        </p:spPr>
+      </p:pic>
+      <p:pic>
+        <p:nvPicPr>
+          <p:cNvPr id="6" name="Picture 5">
+            <a:extLst>
+              <a:ext uri="{FF2B5EF4-FFF2-40B4-BE49-F238E27FC236}">
+                <a16:creationId xmlns:a16="http://schemas.microsoft.com/office/drawing/2014/main" id="{EAC52296-4C17-4328-9BC6-B8B549571DBC}"/>
+              </a:ext>
+            </a:extLst>
+          </p:cNvPr>
+          <p:cNvPicPr>
+            <a:picLocks noChangeAspect="1"/>
+          </p:cNvPicPr>
+          <p:nvPr/>
+        </p:nvPicPr>
+        <p:blipFill>
+          <a:blip r:embed="rId3"/>
+          <a:stretch>
+            <a:fillRect/>
+          </a:stretch>
+        </p:blipFill>
+        <p:spPr>
+          <a:xfrm>
+            <a:off x="5330975" y="1238249"/>
+            <a:ext cx="6419850" cy="1438275"/>
+          </a:xfrm>
+          <a:prstGeom prst="rect">
+            <a:avLst/>
+          </a:prstGeom>
+        </p:spPr>
+      </p:pic>
+      <p:pic>
+        <p:nvPicPr>
+          <p:cNvPr id="8" name="Picture 7">
+            <a:extLst>
+              <a:ext uri="{FF2B5EF4-FFF2-40B4-BE49-F238E27FC236}">
+                <a16:creationId xmlns:a16="http://schemas.microsoft.com/office/drawing/2014/main" id="{A6DE0353-D67E-4C6A-920E-8D724EA5D326}"/>
+              </a:ext>
+            </a:extLst>
+          </p:cNvPr>
+          <p:cNvPicPr>
+            <a:picLocks noChangeAspect="1"/>
+          </p:cNvPicPr>
+          <p:nvPr/>
+        </p:nvPicPr>
+        <p:blipFill>
+          <a:blip r:embed="rId4"/>
+          <a:stretch>
+            <a:fillRect/>
+          </a:stretch>
+        </p:blipFill>
+        <p:spPr>
+          <a:xfrm>
+            <a:off x="406550" y="3686175"/>
+            <a:ext cx="3705225" cy="2757659"/>
+          </a:xfrm>
+          <a:prstGeom prst="rect">
+            <a:avLst/>
+          </a:prstGeom>
+        </p:spPr>
+      </p:pic>
+      <p:pic>
+        <p:nvPicPr>
+          <p:cNvPr id="9" name="Picture 8">
+            <a:extLst>
+              <a:ext uri="{FF2B5EF4-FFF2-40B4-BE49-F238E27FC236}">
+                <a16:creationId xmlns:a16="http://schemas.microsoft.com/office/drawing/2014/main" id="{8F846DE1-BBB0-4981-9BB1-737D40A771B8}"/>
+              </a:ext>
+            </a:extLst>
+          </p:cNvPr>
+          <p:cNvPicPr>
+            <a:picLocks noChangeAspect="1"/>
+          </p:cNvPicPr>
+          <p:nvPr/>
+        </p:nvPicPr>
+        <p:blipFill>
+          <a:blip r:embed="rId5"/>
+          <a:stretch>
+            <a:fillRect/>
+          </a:stretch>
+        </p:blipFill>
+        <p:spPr>
+          <a:xfrm>
+            <a:off x="5845324" y="2653512"/>
+            <a:ext cx="5095877" cy="3790322"/>
+          </a:xfrm>
+          <a:prstGeom prst="rect">
+            <a:avLst/>
+          </a:prstGeom>
+        </p:spPr>
+      </p:pic>
+      <p:sp>
+        <p:nvSpPr>
+          <p:cNvPr id="10" name="TextBox 9">
+            <a:extLst>
+              <a:ext uri="{FF2B5EF4-FFF2-40B4-BE49-F238E27FC236}">
+                <a16:creationId xmlns:a16="http://schemas.microsoft.com/office/drawing/2014/main" id="{3608D88E-490E-4D5D-999C-0ADE6951231C}"/>
+              </a:ext>
+            </a:extLst>
+          </p:cNvPr>
+          <p:cNvSpPr txBox="1"/>
+          <p:nvPr/>
+        </p:nvSpPr>
+        <p:spPr>
+          <a:xfrm>
+            <a:off x="3233070" y="382837"/>
+            <a:ext cx="5224507" cy="523220"/>
+          </a:xfrm>
+          <a:prstGeom prst="rect">
+            <a:avLst/>
+          </a:prstGeom>
+          <a:noFill/>
+        </p:spPr>
+        <p:txBody>
+          <a:bodyPr wrap="none" rtlCol="0">
+            <a:spAutoFit/>
+          </a:bodyPr>
+          <a:lstStyle/>
+          <a:p>
+            <a:r>
+              <a:rPr lang="en-US" sz="2800" b="1" dirty="0">
+                <a:latin typeface="Cascadia Code" panose="020B0609020000020004" pitchFamily="49" charset="0"/>
+                <a:cs typeface="Cascadia Code" panose="020B0609020000020004" pitchFamily="49" charset="0"/>
+              </a:rPr>
+              <a:t>Agglomerative Clustering</a:t>
+            </a:r>
+            <a:endParaRPr lang="en-IN" sz="2800" b="1" dirty="0">
+              <a:latin typeface="Cascadia Code" panose="020B0609020000020004" pitchFamily="49" charset="0"/>
+              <a:cs typeface="Cascadia Code" panose="020B0609020000020004" pitchFamily="49" charset="0"/>
+            </a:endParaRPr>
+          </a:p>
+        </p:txBody>
+      </p:sp>
+    </p:spTree>
+    <p:extLst>
+      <p:ext uri="{BB962C8B-B14F-4D97-AF65-F5344CB8AC3E}">
+        <p14:creationId xmlns:p14="http://schemas.microsoft.com/office/powerpoint/2010/main" val="1350961601"/>
+      </p:ext>
+    </p:extLst>
+  </p:cSld>
+  <p:clrMapOvr>
+    <a:masterClrMapping/>
+  </p:clrMapOvr>
+</p:sld>
+</file>
+
+<file path=ppt/slides/slide21.xml><?xml version="1.0" encoding="utf-8"?>
+<p:sld xmlns:a="http://schemas.openxmlformats.org/drawingml/2006/main" xmlns:r="http://schemas.openxmlformats.org/officeDocument/2006/relationships" xmlns:p="http://schemas.openxmlformats.org/presentationml/2006/main">
+  <p:cSld>
+    <p:spTree>
+      <p:nvGrpSpPr>
+        <p:cNvPr id="1" name=""/>
+        <p:cNvGrpSpPr/>
+        <p:nvPr/>
+      </p:nvGrpSpPr>
+      <p:grpSpPr>
+        <a:xfrm>
+          <a:off x="0" y="0"/>
+          <a:ext cx="0" cy="0"/>
+          <a:chOff x="0" y="0"/>
+          <a:chExt cx="0" cy="0"/>
+        </a:xfrm>
+      </p:grpSpPr>
+      <p:sp>
+        <p:nvSpPr>
+          <p:cNvPr id="3" name="Footer Placeholder 2">
+            <a:extLst>
+              <a:ext uri="{FF2B5EF4-FFF2-40B4-BE49-F238E27FC236}">
+                <a16:creationId xmlns:a16="http://schemas.microsoft.com/office/drawing/2014/main" id="{DAF5AB59-A2ED-4DA4-A7FA-C90BE9D52D60}"/>
+              </a:ext>
+            </a:extLst>
+          </p:cNvPr>
+          <p:cNvSpPr>
+            <a:spLocks noGrp="1"/>
+          </p:cNvSpPr>
+          <p:nvPr>
+            <p:ph type="ftr" sz="quarter" idx="11"/>
+          </p:nvPr>
+        </p:nvSpPr>
+        <p:spPr/>
+        <p:txBody>
+          <a:bodyPr/>
+          <a:lstStyle/>
+          <a:p>
+            <a:r>
+              <a:rPr lang="en-IN" dirty="0"/>
+              <a:t>Machine Learning Clustering Algorithms</a:t>
+            </a:r>
+          </a:p>
+        </p:txBody>
+      </p:sp>
+      <p:sp>
+        <p:nvSpPr>
+          <p:cNvPr id="2" name="TextBox 1">
+            <a:extLst>
+              <a:ext uri="{FF2B5EF4-FFF2-40B4-BE49-F238E27FC236}">
+                <a16:creationId xmlns:a16="http://schemas.microsoft.com/office/drawing/2014/main" id="{C5AD4A6B-2846-495A-BC28-7F753ECC3633}"/>
+              </a:ext>
+            </a:extLst>
+          </p:cNvPr>
+          <p:cNvSpPr txBox="1"/>
+          <p:nvPr/>
+        </p:nvSpPr>
+        <p:spPr>
+          <a:xfrm>
+            <a:off x="1960686" y="1156946"/>
+            <a:ext cx="7426568" cy="1431161"/>
+          </a:xfrm>
+          <a:prstGeom prst="rect">
+            <a:avLst/>
+          </a:prstGeom>
+          <a:noFill/>
+        </p:spPr>
+        <p:txBody>
+          <a:bodyPr wrap="square" rtlCol="0">
+            <a:spAutoFit/>
+          </a:bodyPr>
+          <a:lstStyle/>
+          <a:p>
+            <a:pPr>
+              <a:spcBef>
+                <a:spcPts val="600"/>
+              </a:spcBef>
+            </a:pPr>
+            <a:r>
+              <a:rPr lang="en-US" b="1" dirty="0">
+                <a:latin typeface="Cascadia Code" panose="020B0609020000020004" pitchFamily="49" charset="0"/>
+                <a:cs typeface="Cascadia Code" panose="020B0609020000020004" pitchFamily="49" charset="0"/>
+              </a:rPr>
+              <a:t>Advantages</a:t>
+            </a:r>
+            <a:endParaRPr lang="en-US" dirty="0">
+              <a:latin typeface="Cascadia Code" panose="020B0609020000020004" pitchFamily="49" charset="0"/>
+              <a:cs typeface="Cascadia Code" panose="020B0609020000020004" pitchFamily="49" charset="0"/>
+            </a:endParaRPr>
+          </a:p>
+          <a:p>
+            <a:pPr marL="742950" lvl="1" indent="-285750">
+              <a:spcBef>
+                <a:spcPts val="600"/>
+              </a:spcBef>
+              <a:buFont typeface="Courier New" panose="02070309020205020404" pitchFamily="49" charset="0"/>
+              <a:buChar char="o"/>
+            </a:pPr>
+            <a:r>
+              <a:rPr lang="en-US" dirty="0">
+                <a:latin typeface="Cascadia Code" panose="020B0609020000020004" pitchFamily="49" charset="0"/>
+                <a:cs typeface="Cascadia Code" panose="020B0609020000020004" pitchFamily="49" charset="0"/>
+              </a:rPr>
+              <a:t>Handles varying densities and outliers</a:t>
+            </a:r>
+          </a:p>
+          <a:p>
+            <a:pPr marL="742950" lvl="1" indent="-285750">
+              <a:spcBef>
+                <a:spcPts val="600"/>
+              </a:spcBef>
+              <a:buFont typeface="Courier New" panose="02070309020205020404" pitchFamily="49" charset="0"/>
+              <a:buChar char="o"/>
+            </a:pPr>
+            <a:r>
+              <a:rPr lang="en-US" dirty="0">
+                <a:latin typeface="Cascadia Code" panose="020B0609020000020004" pitchFamily="49" charset="0"/>
+                <a:cs typeface="Cascadia Code" panose="020B0609020000020004" pitchFamily="49" charset="0"/>
+              </a:rPr>
+              <a:t>Provides a hierarchical structure (dendrogram)</a:t>
+            </a:r>
+          </a:p>
+          <a:p>
+            <a:pPr marL="742950" lvl="1" indent="-285750">
+              <a:spcBef>
+                <a:spcPts val="600"/>
+              </a:spcBef>
+              <a:buFont typeface="Courier New" panose="02070309020205020404" pitchFamily="49" charset="0"/>
+              <a:buChar char="o"/>
+            </a:pPr>
+            <a:r>
+              <a:rPr lang="en-US" dirty="0">
+                <a:latin typeface="Cascadia Code" panose="020B0609020000020004" pitchFamily="49" charset="0"/>
+                <a:cs typeface="Cascadia Code" panose="020B0609020000020004" pitchFamily="49" charset="0"/>
+              </a:rPr>
+              <a:t>Easy to visualize and interpret</a:t>
+            </a:r>
+          </a:p>
+        </p:txBody>
+      </p:sp>
+      <p:sp>
+        <p:nvSpPr>
+          <p:cNvPr id="7" name="TextBox 6">
+            <a:extLst>
+              <a:ext uri="{FF2B5EF4-FFF2-40B4-BE49-F238E27FC236}">
+                <a16:creationId xmlns:a16="http://schemas.microsoft.com/office/drawing/2014/main" id="{CF620D77-58A8-48A0-96D3-43A36584B010}"/>
+              </a:ext>
+            </a:extLst>
+          </p:cNvPr>
+          <p:cNvSpPr txBox="1"/>
+          <p:nvPr/>
+        </p:nvSpPr>
+        <p:spPr>
+          <a:xfrm>
+            <a:off x="1960686" y="2629995"/>
+            <a:ext cx="7426568" cy="1354217"/>
+          </a:xfrm>
+          <a:prstGeom prst="rect">
+            <a:avLst/>
+          </a:prstGeom>
+          <a:noFill/>
+        </p:spPr>
+        <p:txBody>
+          <a:bodyPr wrap="square" rtlCol="0">
+            <a:spAutoFit/>
+          </a:bodyPr>
+          <a:lstStyle/>
+          <a:p>
+            <a:pPr>
+              <a:spcBef>
+                <a:spcPts val="600"/>
+              </a:spcBef>
+            </a:pPr>
+            <a:r>
+              <a:rPr lang="en-US" b="1" dirty="0">
+                <a:latin typeface="Cascadia Code" panose="020B0609020000020004" pitchFamily="49" charset="0"/>
+                <a:cs typeface="Cascadia Code" panose="020B0609020000020004" pitchFamily="49" charset="0"/>
+              </a:rPr>
+              <a:t>Disadvantages</a:t>
+            </a:r>
+            <a:endParaRPr lang="en-US" dirty="0">
+              <a:latin typeface="Cascadia Code" panose="020B0609020000020004" pitchFamily="49" charset="0"/>
+              <a:cs typeface="Cascadia Code" panose="020B0609020000020004" pitchFamily="49" charset="0"/>
+            </a:endParaRPr>
+          </a:p>
+          <a:p>
+            <a:pPr marL="742950" lvl="1" indent="-285750">
+              <a:spcBef>
+                <a:spcPts val="600"/>
+              </a:spcBef>
+              <a:buFont typeface="Courier New" panose="02070309020205020404" pitchFamily="49" charset="0"/>
+              <a:buChar char="o"/>
+            </a:pPr>
+            <a:r>
+              <a:rPr lang="en-US" dirty="0">
+                <a:latin typeface="Cascadia Code" panose="020B0609020000020004" pitchFamily="49" charset="0"/>
+                <a:cs typeface="Cascadia Code" panose="020B0609020000020004" pitchFamily="49" charset="0"/>
+              </a:rPr>
+              <a:t>Computationally expensive (O(n^2) complexity)</a:t>
+            </a:r>
+          </a:p>
+          <a:p>
+            <a:pPr marL="742950" lvl="1" indent="-285750">
+              <a:spcBef>
+                <a:spcPts val="600"/>
+              </a:spcBef>
+              <a:buFont typeface="Courier New" panose="02070309020205020404" pitchFamily="49" charset="0"/>
+              <a:buChar char="o"/>
+            </a:pPr>
+            <a:r>
+              <a:rPr lang="en-US" dirty="0">
+                <a:latin typeface="Cascadia Code" panose="020B0609020000020004" pitchFamily="49" charset="0"/>
+                <a:cs typeface="Cascadia Code" panose="020B0609020000020004" pitchFamily="49" charset="0"/>
+              </a:rPr>
+              <a:t>Difficult to choose optimal number of clusters- Sensitive to noise and outliers</a:t>
+            </a:r>
+          </a:p>
+        </p:txBody>
+      </p:sp>
+      <p:sp>
+        <p:nvSpPr>
+          <p:cNvPr id="8" name="TextBox 7">
+            <a:extLst>
+              <a:ext uri="{FF2B5EF4-FFF2-40B4-BE49-F238E27FC236}">
+                <a16:creationId xmlns:a16="http://schemas.microsoft.com/office/drawing/2014/main" id="{62DA76A8-233C-41B3-8D2B-1FC49D5F6B12}"/>
+              </a:ext>
+            </a:extLst>
+          </p:cNvPr>
+          <p:cNvSpPr txBox="1"/>
+          <p:nvPr/>
+        </p:nvSpPr>
+        <p:spPr>
+          <a:xfrm>
+            <a:off x="1960686" y="4217303"/>
+            <a:ext cx="7426568" cy="2139047"/>
+          </a:xfrm>
+          <a:prstGeom prst="rect">
+            <a:avLst/>
+          </a:prstGeom>
+          <a:noFill/>
+        </p:spPr>
+        <p:txBody>
+          <a:bodyPr wrap="square" rtlCol="0">
+            <a:spAutoFit/>
+          </a:bodyPr>
+          <a:lstStyle/>
+          <a:p>
+            <a:pPr>
+              <a:spcBef>
+                <a:spcPts val="600"/>
+              </a:spcBef>
+            </a:pPr>
+            <a:r>
+              <a:rPr lang="en-US" b="1" dirty="0">
+                <a:latin typeface="Cascadia Code" panose="020B0609020000020004" pitchFamily="49" charset="0"/>
+                <a:cs typeface="Cascadia Code" panose="020B0609020000020004" pitchFamily="49" charset="0"/>
+              </a:rPr>
+              <a:t>Applications</a:t>
+            </a:r>
+            <a:endParaRPr lang="en-US" dirty="0">
+              <a:latin typeface="Cascadia Code" panose="020B0609020000020004" pitchFamily="49" charset="0"/>
+              <a:cs typeface="Cascadia Code" panose="020B0609020000020004" pitchFamily="49" charset="0"/>
+            </a:endParaRPr>
+          </a:p>
+          <a:p>
+            <a:pPr marL="742950" lvl="1" indent="-285750">
+              <a:spcBef>
+                <a:spcPts val="600"/>
+              </a:spcBef>
+              <a:buFont typeface="Courier New" panose="02070309020205020404" pitchFamily="49" charset="0"/>
+              <a:buChar char="o"/>
+            </a:pPr>
+            <a:r>
+              <a:rPr lang="en-US" dirty="0">
+                <a:latin typeface="Cascadia Code" panose="020B0609020000020004" pitchFamily="49" charset="0"/>
+                <a:cs typeface="Cascadia Code" panose="020B0609020000020004" pitchFamily="49" charset="0"/>
+              </a:rPr>
+              <a:t>Customer segmentation</a:t>
+            </a:r>
+          </a:p>
+          <a:p>
+            <a:pPr marL="742950" lvl="1" indent="-285750">
+              <a:spcBef>
+                <a:spcPts val="600"/>
+              </a:spcBef>
+              <a:buFont typeface="Courier New" panose="02070309020205020404" pitchFamily="49" charset="0"/>
+              <a:buChar char="o"/>
+            </a:pPr>
+            <a:r>
+              <a:rPr lang="en-US" dirty="0">
+                <a:latin typeface="Cascadia Code" panose="020B0609020000020004" pitchFamily="49" charset="0"/>
+                <a:cs typeface="Cascadia Code" panose="020B0609020000020004" pitchFamily="49" charset="0"/>
+              </a:rPr>
+              <a:t>Gene expression analysis</a:t>
+            </a:r>
+          </a:p>
+          <a:p>
+            <a:pPr marL="742950" lvl="1" indent="-285750">
+              <a:spcBef>
+                <a:spcPts val="600"/>
+              </a:spcBef>
+              <a:buFont typeface="Courier New" panose="02070309020205020404" pitchFamily="49" charset="0"/>
+              <a:buChar char="o"/>
+            </a:pPr>
+            <a:r>
+              <a:rPr lang="en-US" dirty="0">
+                <a:latin typeface="Cascadia Code" panose="020B0609020000020004" pitchFamily="49" charset="0"/>
+                <a:cs typeface="Cascadia Code" panose="020B0609020000020004" pitchFamily="49" charset="0"/>
+              </a:rPr>
+              <a:t>Image segmentation</a:t>
+            </a:r>
+          </a:p>
+          <a:p>
+            <a:pPr marL="742950" lvl="1" indent="-285750">
+              <a:spcBef>
+                <a:spcPts val="600"/>
+              </a:spcBef>
+              <a:buFont typeface="Courier New" panose="02070309020205020404" pitchFamily="49" charset="0"/>
+              <a:buChar char="o"/>
+            </a:pPr>
+            <a:r>
+              <a:rPr lang="en-US" dirty="0">
+                <a:latin typeface="Cascadia Code" panose="020B0609020000020004" pitchFamily="49" charset="0"/>
+                <a:cs typeface="Cascadia Code" panose="020B0609020000020004" pitchFamily="49" charset="0"/>
+              </a:rPr>
+              <a:t>Text clustering</a:t>
+            </a:r>
+          </a:p>
+          <a:p>
+            <a:pPr marL="742950" lvl="1" indent="-285750">
+              <a:spcBef>
+                <a:spcPts val="600"/>
+              </a:spcBef>
+              <a:buFont typeface="Courier New" panose="02070309020205020404" pitchFamily="49" charset="0"/>
+              <a:buChar char="o"/>
+            </a:pPr>
+            <a:r>
+              <a:rPr lang="en-US" dirty="0">
+                <a:latin typeface="Cascadia Code" panose="020B0609020000020004" pitchFamily="49" charset="0"/>
+                <a:cs typeface="Cascadia Code" panose="020B0609020000020004" pitchFamily="49" charset="0"/>
+              </a:rPr>
+              <a:t>Social network analysis</a:t>
+            </a:r>
+          </a:p>
+        </p:txBody>
+      </p:sp>
+      <p:sp>
+        <p:nvSpPr>
+          <p:cNvPr id="10" name="TextBox 9">
+            <a:extLst>
+              <a:ext uri="{FF2B5EF4-FFF2-40B4-BE49-F238E27FC236}">
+                <a16:creationId xmlns:a16="http://schemas.microsoft.com/office/drawing/2014/main" id="{DD02B663-3D7D-48F7-B7A4-CE9085A62683}"/>
+              </a:ext>
+            </a:extLst>
+          </p:cNvPr>
+          <p:cNvSpPr txBox="1"/>
+          <p:nvPr/>
+        </p:nvSpPr>
+        <p:spPr>
+          <a:xfrm>
+            <a:off x="3233070" y="382837"/>
+            <a:ext cx="5224507" cy="523220"/>
+          </a:xfrm>
+          <a:prstGeom prst="rect">
+            <a:avLst/>
+          </a:prstGeom>
+          <a:noFill/>
+        </p:spPr>
+        <p:txBody>
+          <a:bodyPr wrap="none" rtlCol="0">
+            <a:spAutoFit/>
+          </a:bodyPr>
+          <a:lstStyle/>
+          <a:p>
+            <a:r>
+              <a:rPr lang="en-US" sz="2800" b="1" dirty="0">
+                <a:latin typeface="Cascadia Code" panose="020B0609020000020004" pitchFamily="49" charset="0"/>
+                <a:cs typeface="Cascadia Code" panose="020B0609020000020004" pitchFamily="49" charset="0"/>
+              </a:rPr>
+              <a:t>Agglomerative Clustering</a:t>
+            </a:r>
+            <a:endParaRPr lang="en-IN" sz="2800" b="1" dirty="0">
+              <a:latin typeface="Cascadia Code" panose="020B0609020000020004" pitchFamily="49" charset="0"/>
+              <a:cs typeface="Cascadia Code" panose="020B0609020000020004" pitchFamily="49" charset="0"/>
+            </a:endParaRPr>
+          </a:p>
+        </p:txBody>
+      </p:sp>
+    </p:spTree>
+    <p:extLst>
+      <p:ext uri="{BB962C8B-B14F-4D97-AF65-F5344CB8AC3E}">
+        <p14:creationId xmlns:p14="http://schemas.microsoft.com/office/powerpoint/2010/main" val="1513174373"/>
+      </p:ext>
+    </p:extLst>
+  </p:cSld>
+  <p:clrMapOvr>
+    <a:masterClrMapping/>
+  </p:clrMapOvr>
+</p:sld>
+</file>
+
+<file path=ppt/slides/slide22.xml><?xml version="1.0" encoding="utf-8"?>
+<p:sld xmlns:a="http://schemas.openxmlformats.org/drawingml/2006/main" xmlns:r="http://schemas.openxmlformats.org/officeDocument/2006/relationships" xmlns:p="http://schemas.openxmlformats.org/presentationml/2006/main">
+  <p:cSld>
+    <p:spTree>
+      <p:nvGrpSpPr>
+        <p:cNvPr id="1" name=""/>
+        <p:cNvGrpSpPr/>
+        <p:nvPr/>
+      </p:nvGrpSpPr>
+      <p:grpSpPr>
+        <a:xfrm>
+          <a:off x="0" y="0"/>
+          <a:ext cx="0" cy="0"/>
+          <a:chOff x="0" y="0"/>
+          <a:chExt cx="0" cy="0"/>
+        </a:xfrm>
+      </p:grpSpPr>
+      <p:sp>
+        <p:nvSpPr>
+          <p:cNvPr id="3" name="Footer Placeholder 2">
+            <a:extLst>
+              <a:ext uri="{FF2B5EF4-FFF2-40B4-BE49-F238E27FC236}">
+                <a16:creationId xmlns:a16="http://schemas.microsoft.com/office/drawing/2014/main" id="{DAF5AB59-A2ED-4DA4-A7FA-C90BE9D52D60}"/>
+              </a:ext>
+            </a:extLst>
+          </p:cNvPr>
+          <p:cNvSpPr>
+            <a:spLocks noGrp="1"/>
+          </p:cNvSpPr>
+          <p:nvPr>
+            <p:ph type="ftr" sz="quarter" idx="11"/>
+          </p:nvPr>
+        </p:nvSpPr>
+        <p:spPr/>
+        <p:txBody>
+          <a:bodyPr/>
+          <a:lstStyle/>
+          <a:p>
+            <a:r>
+              <a:rPr lang="en-IN" dirty="0"/>
+              <a:t>Machine Learning Clustering Algorithms</a:t>
+            </a:r>
+          </a:p>
+        </p:txBody>
+      </p:sp>
+      <p:sp>
+        <p:nvSpPr>
+          <p:cNvPr id="2" name="TextBox 1">
+            <a:extLst>
+              <a:ext uri="{FF2B5EF4-FFF2-40B4-BE49-F238E27FC236}">
+                <a16:creationId xmlns:a16="http://schemas.microsoft.com/office/drawing/2014/main" id="{C5AD4A6B-2846-495A-BC28-7F753ECC3633}"/>
+              </a:ext>
+            </a:extLst>
+          </p:cNvPr>
+          <p:cNvSpPr txBox="1"/>
+          <p:nvPr/>
+        </p:nvSpPr>
+        <p:spPr>
+          <a:xfrm>
+            <a:off x="1974743" y="1318175"/>
+            <a:ext cx="9712432" cy="1785104"/>
+          </a:xfrm>
+          <a:prstGeom prst="rect">
+            <a:avLst/>
+          </a:prstGeom>
+          <a:noFill/>
+        </p:spPr>
+        <p:txBody>
+          <a:bodyPr wrap="square" rtlCol="0">
+            <a:spAutoFit/>
+          </a:bodyPr>
+          <a:lstStyle/>
+          <a:p>
+            <a:pPr>
+              <a:spcBef>
+                <a:spcPts val="600"/>
+              </a:spcBef>
+            </a:pPr>
+            <a:r>
+              <a:rPr lang="en-US" b="1" dirty="0">
+                <a:latin typeface="Cascadia Code" panose="020B0609020000020004" pitchFamily="49" charset="0"/>
+                <a:cs typeface="Cascadia Code" panose="020B0609020000020004" pitchFamily="49" charset="0"/>
+              </a:rPr>
+              <a:t>A hierarchical clustering algorithm for large datasets</a:t>
+            </a:r>
+            <a:r>
+              <a:rPr lang="en-US" dirty="0">
+                <a:latin typeface="Cascadia Code" panose="020B0609020000020004" pitchFamily="49" charset="0"/>
+                <a:cs typeface="Cascadia Code" panose="020B0609020000020004" pitchFamily="49" charset="0"/>
+              </a:rPr>
+              <a:t>    </a:t>
+            </a:r>
+          </a:p>
+          <a:p>
+            <a:pPr marL="742950" lvl="1" indent="-285750">
+              <a:spcBef>
+                <a:spcPts val="600"/>
+              </a:spcBef>
+              <a:buFont typeface="Courier New" panose="02070309020205020404" pitchFamily="49" charset="0"/>
+              <a:buChar char="o"/>
+            </a:pPr>
+            <a:r>
+              <a:rPr lang="en-US" dirty="0">
+                <a:latin typeface="Cascadia Code" panose="020B0609020000020004" pitchFamily="49" charset="0"/>
+                <a:cs typeface="Cascadia Code" panose="020B0609020000020004" pitchFamily="49" charset="0"/>
+              </a:rPr>
+              <a:t>Balanced Iterative Reducing and Clustering using Hierarchies</a:t>
+            </a:r>
+          </a:p>
+          <a:p>
+            <a:pPr marL="742950" lvl="1" indent="-285750">
+              <a:spcBef>
+                <a:spcPts val="600"/>
+              </a:spcBef>
+              <a:buFont typeface="Courier New" panose="02070309020205020404" pitchFamily="49" charset="0"/>
+              <a:buChar char="o"/>
+            </a:pPr>
+            <a:r>
+              <a:rPr lang="en-US" dirty="0">
+                <a:latin typeface="Cascadia Code" panose="020B0609020000020004" pitchFamily="49" charset="0"/>
+                <a:cs typeface="Cascadia Code" panose="020B0609020000020004" pitchFamily="49" charset="0"/>
+              </a:rPr>
+              <a:t>Balances computational efficiency and clustering quality </a:t>
+            </a:r>
+          </a:p>
+          <a:p>
+            <a:pPr marL="742950" lvl="1" indent="-285750">
+              <a:spcBef>
+                <a:spcPts val="600"/>
+              </a:spcBef>
+              <a:buFont typeface="Courier New" panose="02070309020205020404" pitchFamily="49" charset="0"/>
+              <a:buChar char="o"/>
+            </a:pPr>
+            <a:r>
+              <a:rPr lang="en-US" dirty="0">
+                <a:latin typeface="Cascadia Code" panose="020B0609020000020004" pitchFamily="49" charset="0"/>
+                <a:cs typeface="Cascadia Code" panose="020B0609020000020004" pitchFamily="49" charset="0"/>
+              </a:rPr>
+              <a:t>Uses a tree-like data structure (Clustering Feature (CF)-Tree)    </a:t>
+            </a:r>
+          </a:p>
+          <a:p>
+            <a:pPr marL="742950" lvl="1" indent="-285750">
+              <a:spcBef>
+                <a:spcPts val="600"/>
+              </a:spcBef>
+              <a:buFont typeface="Courier New" panose="02070309020205020404" pitchFamily="49" charset="0"/>
+              <a:buChar char="o"/>
+            </a:pPr>
+            <a:r>
+              <a:rPr lang="en-US" dirty="0">
+                <a:latin typeface="Cascadia Code" panose="020B0609020000020004" pitchFamily="49" charset="0"/>
+                <a:cs typeface="Cascadia Code" panose="020B0609020000020004" pitchFamily="49" charset="0"/>
+              </a:rPr>
+              <a:t>Handles large datasets and noise</a:t>
+            </a:r>
+          </a:p>
+        </p:txBody>
+      </p:sp>
+      <p:sp>
+        <p:nvSpPr>
+          <p:cNvPr id="5" name="TextBox 4">
+            <a:extLst>
+              <a:ext uri="{FF2B5EF4-FFF2-40B4-BE49-F238E27FC236}">
+                <a16:creationId xmlns:a16="http://schemas.microsoft.com/office/drawing/2014/main" id="{0F1C7B19-9F0B-4B15-AC52-92FD338C2635}"/>
+              </a:ext>
+            </a:extLst>
+          </p:cNvPr>
+          <p:cNvSpPr txBox="1"/>
+          <p:nvPr/>
+        </p:nvSpPr>
+        <p:spPr>
+          <a:xfrm>
+            <a:off x="4323720" y="514814"/>
+            <a:ext cx="3544560" cy="523220"/>
+          </a:xfrm>
+          <a:prstGeom prst="rect">
+            <a:avLst/>
+          </a:prstGeom>
+          <a:noFill/>
+        </p:spPr>
+        <p:txBody>
+          <a:bodyPr wrap="none" rtlCol="0">
+            <a:spAutoFit/>
+          </a:bodyPr>
+          <a:lstStyle/>
+          <a:p>
+            <a:r>
+              <a:rPr lang="en-US" sz="2800" b="1" dirty="0">
+                <a:latin typeface="Cascadia Code" panose="020B0609020000020004" pitchFamily="49" charset="0"/>
+                <a:cs typeface="Cascadia Code" panose="020B0609020000020004" pitchFamily="49" charset="0"/>
+              </a:rPr>
+              <a:t>BIRCH Clustering</a:t>
+            </a:r>
+            <a:endParaRPr lang="en-IN" sz="2800" b="1" dirty="0">
+              <a:latin typeface="Cascadia Code" panose="020B0609020000020004" pitchFamily="49" charset="0"/>
+              <a:cs typeface="Cascadia Code" panose="020B0609020000020004" pitchFamily="49" charset="0"/>
+            </a:endParaRPr>
+          </a:p>
+        </p:txBody>
+      </p:sp>
+      <p:sp>
+        <p:nvSpPr>
+          <p:cNvPr id="6" name="TextBox 5">
+            <a:extLst>
+              <a:ext uri="{FF2B5EF4-FFF2-40B4-BE49-F238E27FC236}">
+                <a16:creationId xmlns:a16="http://schemas.microsoft.com/office/drawing/2014/main" id="{BC794A4B-16EF-43DE-A407-3155F73A107A}"/>
+              </a:ext>
+            </a:extLst>
+          </p:cNvPr>
+          <p:cNvSpPr txBox="1"/>
+          <p:nvPr/>
+        </p:nvSpPr>
+        <p:spPr>
+          <a:xfrm>
+            <a:off x="1862709" y="3046835"/>
+            <a:ext cx="10044113" cy="2492990"/>
+          </a:xfrm>
+          <a:prstGeom prst="rect">
+            <a:avLst/>
+          </a:prstGeom>
+          <a:noFill/>
+        </p:spPr>
+        <p:txBody>
+          <a:bodyPr wrap="square" rtlCol="0">
+            <a:spAutoFit/>
+          </a:bodyPr>
+          <a:lstStyle/>
+          <a:p>
+            <a:pPr>
+              <a:spcBef>
+                <a:spcPts val="600"/>
+              </a:spcBef>
+            </a:pPr>
+            <a:r>
+              <a:rPr lang="en-US" b="1" dirty="0">
+                <a:latin typeface="Cascadia Code" panose="020B0609020000020004" pitchFamily="49" charset="0"/>
+                <a:cs typeface="Cascadia Code" panose="020B0609020000020004" pitchFamily="49" charset="0"/>
+              </a:rPr>
+              <a:t>Algorithm Steps</a:t>
+            </a:r>
+            <a:endParaRPr lang="en-US" dirty="0">
+              <a:latin typeface="Cascadia Code" panose="020B0609020000020004" pitchFamily="49" charset="0"/>
+              <a:cs typeface="Cascadia Code" panose="020B0609020000020004" pitchFamily="49" charset="0"/>
+            </a:endParaRPr>
+          </a:p>
+          <a:p>
+            <a:pPr marL="800100" lvl="1" indent="-342900">
+              <a:spcBef>
+                <a:spcPts val="600"/>
+              </a:spcBef>
+              <a:buFont typeface="+mj-lt"/>
+              <a:buAutoNum type="arabicPeriod"/>
+            </a:pPr>
+            <a:r>
+              <a:rPr lang="en-US" dirty="0">
+                <a:latin typeface="Cascadia Code" panose="020B0609020000020004" pitchFamily="49" charset="0"/>
+                <a:cs typeface="Cascadia Code" panose="020B0609020000020004" pitchFamily="49" charset="0"/>
+              </a:rPr>
+              <a:t>Initialize CF-Tree with a single leaf node</a:t>
+            </a:r>
+          </a:p>
+          <a:p>
+            <a:pPr marL="800100" lvl="1" indent="-342900">
+              <a:spcBef>
+                <a:spcPts val="600"/>
+              </a:spcBef>
+              <a:buFont typeface="+mj-lt"/>
+              <a:buAutoNum type="arabicPeriod"/>
+            </a:pPr>
+            <a:r>
+              <a:rPr lang="en-US" dirty="0">
+                <a:latin typeface="Cascadia Code" panose="020B0609020000020004" pitchFamily="49" charset="0"/>
+                <a:cs typeface="Cascadia Code" panose="020B0609020000020004" pitchFamily="49" charset="0"/>
+              </a:rPr>
+              <a:t>Scan data points and insert into CF-Tree</a:t>
+            </a:r>
+          </a:p>
+          <a:p>
+            <a:pPr marL="800100" lvl="1" indent="-342900">
+              <a:spcBef>
+                <a:spcPts val="600"/>
+              </a:spcBef>
+              <a:buFont typeface="+mj-lt"/>
+              <a:buAutoNum type="arabicPeriod"/>
+            </a:pPr>
+            <a:r>
+              <a:rPr lang="en-US" dirty="0">
+                <a:latin typeface="Cascadia Code" panose="020B0609020000020004" pitchFamily="49" charset="0"/>
+                <a:cs typeface="Cascadia Code" panose="020B0609020000020004" pitchFamily="49" charset="0"/>
+              </a:rPr>
+              <a:t>If leaf node is full, split and create new leaf nodes</a:t>
+            </a:r>
+          </a:p>
+          <a:p>
+            <a:pPr marL="800100" lvl="1" indent="-342900">
+              <a:spcBef>
+                <a:spcPts val="600"/>
+              </a:spcBef>
+              <a:buFont typeface="+mj-lt"/>
+              <a:buAutoNum type="arabicPeriod"/>
+            </a:pPr>
+            <a:r>
+              <a:rPr lang="en-US" dirty="0">
+                <a:latin typeface="Cascadia Code" panose="020B0609020000020004" pitchFamily="49" charset="0"/>
+                <a:cs typeface="Cascadia Code" panose="020B0609020000020004" pitchFamily="49" charset="0"/>
+              </a:rPr>
+              <a:t>If tree height exceeds threshold, merge nodes</a:t>
+            </a:r>
+          </a:p>
+          <a:p>
+            <a:pPr marL="800100" lvl="1" indent="-342900">
+              <a:spcBef>
+                <a:spcPts val="600"/>
+              </a:spcBef>
+              <a:buFont typeface="+mj-lt"/>
+              <a:buAutoNum type="arabicPeriod"/>
+            </a:pPr>
+            <a:r>
+              <a:rPr lang="en-US" dirty="0">
+                <a:latin typeface="Cascadia Code" panose="020B0609020000020004" pitchFamily="49" charset="0"/>
+                <a:cs typeface="Cascadia Code" panose="020B0609020000020004" pitchFamily="49" charset="0"/>
+              </a:rPr>
+              <a:t>Repeat steps 2-4 until all data points are inserted</a:t>
+            </a:r>
+          </a:p>
+          <a:p>
+            <a:pPr marL="800100" lvl="1" indent="-342900">
+              <a:spcBef>
+                <a:spcPts val="600"/>
+              </a:spcBef>
+              <a:buFont typeface="+mj-lt"/>
+              <a:buAutoNum type="arabicPeriod"/>
+            </a:pPr>
+            <a:r>
+              <a:rPr lang="en-US" dirty="0">
+                <a:latin typeface="Cascadia Code" panose="020B0609020000020004" pitchFamily="49" charset="0"/>
+                <a:cs typeface="Cascadia Code" panose="020B0609020000020004" pitchFamily="49" charset="0"/>
+              </a:rPr>
+              <a:t>Perform clustering on leaf nodes</a:t>
+            </a:r>
+          </a:p>
+        </p:txBody>
+      </p:sp>
+      <p:pic>
+        <p:nvPicPr>
+          <p:cNvPr id="4" name="Picture 3">
+            <a:extLst>
+              <a:ext uri="{FF2B5EF4-FFF2-40B4-BE49-F238E27FC236}">
+                <a16:creationId xmlns:a16="http://schemas.microsoft.com/office/drawing/2014/main" id="{CD796AB6-8029-4C67-B6B2-97417AD7413E}"/>
+              </a:ext>
+            </a:extLst>
+          </p:cNvPr>
+          <p:cNvPicPr>
+            <a:picLocks noChangeAspect="1"/>
+          </p:cNvPicPr>
+          <p:nvPr/>
+        </p:nvPicPr>
+        <p:blipFill>
+          <a:blip r:embed="rId2"/>
+          <a:stretch>
+            <a:fillRect/>
+          </a:stretch>
+        </p:blipFill>
+        <p:spPr>
+          <a:xfrm>
+            <a:off x="1974743" y="5576887"/>
+            <a:ext cx="3152775" cy="962025"/>
+          </a:xfrm>
+          <a:prstGeom prst="rect">
+            <a:avLst/>
+          </a:prstGeom>
+        </p:spPr>
+      </p:pic>
+    </p:spTree>
+    <p:extLst>
+      <p:ext uri="{BB962C8B-B14F-4D97-AF65-F5344CB8AC3E}">
+        <p14:creationId xmlns:p14="http://schemas.microsoft.com/office/powerpoint/2010/main" val="2531468208"/>
+      </p:ext>
+    </p:extLst>
+  </p:cSld>
+  <p:clrMapOvr>
+    <a:masterClrMapping/>
+  </p:clrMapOvr>
+</p:sld>
+</file>
+
+<file path=ppt/slides/slide23.xml><?xml version="1.0" encoding="utf-8"?>
+<p:sld xmlns:a="http://schemas.openxmlformats.org/drawingml/2006/main" xmlns:r="http://schemas.openxmlformats.org/officeDocument/2006/relationships" xmlns:p="http://schemas.openxmlformats.org/presentationml/2006/main">
+  <p:cSld>
+    <p:spTree>
+      <p:nvGrpSpPr>
+        <p:cNvPr id="1" name=""/>
+        <p:cNvGrpSpPr/>
+        <p:nvPr/>
+      </p:nvGrpSpPr>
+      <p:grpSpPr>
+        <a:xfrm>
+          <a:off x="0" y="0"/>
+          <a:ext cx="0" cy="0"/>
+          <a:chOff x="0" y="0"/>
+          <a:chExt cx="0" cy="0"/>
+        </a:xfrm>
+      </p:grpSpPr>
+      <p:graphicFrame>
+        <p:nvGraphicFramePr>
+          <p:cNvPr id="6" name="Chart 5">
+            <a:extLst>
+              <a:ext uri="{FF2B5EF4-FFF2-40B4-BE49-F238E27FC236}">
+                <a16:creationId xmlns:a16="http://schemas.microsoft.com/office/drawing/2014/main" id="{F2AB69F2-174E-4BC7-91D9-212DC5350EB1}"/>
+              </a:ext>
+            </a:extLst>
+          </p:cNvPr>
+          <p:cNvGraphicFramePr/>
+          <p:nvPr>
+            <p:extLst>
+              <p:ext uri="{D42A27DB-BD31-4B8C-83A1-F6EECF244321}">
+                <p14:modId xmlns:p14="http://schemas.microsoft.com/office/powerpoint/2010/main" val="780761416"/>
+              </p:ext>
+            </p:extLst>
+          </p:nvPr>
+        </p:nvGraphicFramePr>
+        <p:xfrm>
+          <a:off x="8175623" y="3043237"/>
+          <a:ext cx="3711577" cy="2552172"/>
+        </p:xfrm>
+        <a:graphic>
+          <a:graphicData uri="http://schemas.openxmlformats.org/drawingml/2006/chart">
+            <c:chart xmlns:c="http://schemas.openxmlformats.org/drawingml/2006/chart" xmlns:r="http://schemas.openxmlformats.org/officeDocument/2006/relationships" r:id="rId2"/>
+          </a:graphicData>
+        </a:graphic>
+      </p:graphicFrame>
+      <p:pic>
+        <p:nvPicPr>
+          <p:cNvPr id="2" name="Picture 1">
+            <a:extLst>
+              <a:ext uri="{FF2B5EF4-FFF2-40B4-BE49-F238E27FC236}">
+                <a16:creationId xmlns:a16="http://schemas.microsoft.com/office/drawing/2014/main" id="{4F9A2D33-DFED-4BAF-B823-DEB2A73845E6}"/>
+              </a:ext>
+            </a:extLst>
+          </p:cNvPr>
+          <p:cNvPicPr>
+            <a:picLocks noChangeAspect="1"/>
+          </p:cNvPicPr>
+          <p:nvPr/>
+        </p:nvPicPr>
+        <p:blipFill>
+          <a:blip r:embed="rId3"/>
+          <a:stretch>
+            <a:fillRect/>
+          </a:stretch>
+        </p:blipFill>
+        <p:spPr>
+          <a:xfrm>
+            <a:off x="1624012" y="1262591"/>
+            <a:ext cx="5533359" cy="1626130"/>
+          </a:xfrm>
+          <a:prstGeom prst="rect">
+            <a:avLst/>
+          </a:prstGeom>
+        </p:spPr>
+      </p:pic>
+      <p:pic>
+        <p:nvPicPr>
+          <p:cNvPr id="3" name="Picture 2">
+            <a:extLst>
+              <a:ext uri="{FF2B5EF4-FFF2-40B4-BE49-F238E27FC236}">
+                <a16:creationId xmlns:a16="http://schemas.microsoft.com/office/drawing/2014/main" id="{2AC1B059-4A87-40E9-B222-24708E06D08B}"/>
+              </a:ext>
+            </a:extLst>
+          </p:cNvPr>
+          <p:cNvPicPr>
+            <a:picLocks noChangeAspect="1"/>
+          </p:cNvPicPr>
+          <p:nvPr/>
+        </p:nvPicPr>
+        <p:blipFill>
+          <a:blip r:embed="rId4"/>
+          <a:stretch>
+            <a:fillRect/>
+          </a:stretch>
+        </p:blipFill>
+        <p:spPr>
+          <a:xfrm>
+            <a:off x="1624012" y="3290623"/>
+            <a:ext cx="6434194" cy="2304786"/>
+          </a:xfrm>
+          <a:prstGeom prst="rect">
+            <a:avLst/>
+          </a:prstGeom>
+        </p:spPr>
+      </p:pic>
+      <p:sp>
+        <p:nvSpPr>
+          <p:cNvPr id="5" name="TextBox 4">
+            <a:extLst>
+              <a:ext uri="{FF2B5EF4-FFF2-40B4-BE49-F238E27FC236}">
+                <a16:creationId xmlns:a16="http://schemas.microsoft.com/office/drawing/2014/main" id="{9C036F2A-AFE4-4E8A-AC65-7117F3BB6179}"/>
+              </a:ext>
+            </a:extLst>
+          </p:cNvPr>
+          <p:cNvSpPr txBox="1"/>
+          <p:nvPr/>
+        </p:nvSpPr>
+        <p:spPr>
+          <a:xfrm>
+            <a:off x="4323720" y="514814"/>
+            <a:ext cx="3544560" cy="523220"/>
+          </a:xfrm>
+          <a:prstGeom prst="rect">
+            <a:avLst/>
+          </a:prstGeom>
+          <a:noFill/>
+        </p:spPr>
+        <p:txBody>
+          <a:bodyPr wrap="none" rtlCol="0">
+            <a:spAutoFit/>
+          </a:bodyPr>
+          <a:lstStyle/>
+          <a:p>
+            <a:r>
+              <a:rPr lang="en-US" sz="2800" b="1" dirty="0">
+                <a:latin typeface="Cascadia Code" panose="020B0609020000020004" pitchFamily="49" charset="0"/>
+                <a:cs typeface="Cascadia Code" panose="020B0609020000020004" pitchFamily="49" charset="0"/>
+              </a:rPr>
+              <a:t>BIRCH Clustering</a:t>
+            </a:r>
+            <a:endParaRPr lang="en-IN" sz="2800" b="1" dirty="0">
+              <a:latin typeface="Cascadia Code" panose="020B0609020000020004" pitchFamily="49" charset="0"/>
+              <a:cs typeface="Cascadia Code" panose="020B0609020000020004" pitchFamily="49" charset="0"/>
+            </a:endParaRPr>
+          </a:p>
+        </p:txBody>
+      </p:sp>
+    </p:spTree>
+    <p:extLst>
+      <p:ext uri="{BB962C8B-B14F-4D97-AF65-F5344CB8AC3E}">
+        <p14:creationId xmlns:p14="http://schemas.microsoft.com/office/powerpoint/2010/main" val="102671730"/>
+      </p:ext>
+    </p:extLst>
+  </p:cSld>
+  <p:clrMapOvr>
+    <a:masterClrMapping/>
+  </p:clrMapOvr>
+</p:sld>
+</file>
+
+<file path=ppt/slides/slide24.xml><?xml version="1.0" encoding="utf-8"?>
+<p:sld xmlns:a="http://schemas.openxmlformats.org/drawingml/2006/main" xmlns:r="http://schemas.openxmlformats.org/officeDocument/2006/relationships" xmlns:p="http://schemas.openxmlformats.org/presentationml/2006/main">
+  <p:cSld>
+    <p:spTree>
+      <p:nvGrpSpPr>
+        <p:cNvPr id="1" name=""/>
+        <p:cNvGrpSpPr/>
+        <p:nvPr/>
+      </p:nvGrpSpPr>
+      <p:grpSpPr>
+        <a:xfrm>
+          <a:off x="0" y="0"/>
+          <a:ext cx="0" cy="0"/>
+          <a:chOff x="0" y="0"/>
+          <a:chExt cx="0" cy="0"/>
+        </a:xfrm>
+      </p:grpSpPr>
+      <p:pic>
+        <p:nvPicPr>
+          <p:cNvPr id="4" name="Picture 3">
+            <a:extLst>
+              <a:ext uri="{FF2B5EF4-FFF2-40B4-BE49-F238E27FC236}">
+                <a16:creationId xmlns:a16="http://schemas.microsoft.com/office/drawing/2014/main" id="{CA252631-88BF-43E8-87E5-CA765E7C6ECA}"/>
+              </a:ext>
+            </a:extLst>
+          </p:cNvPr>
+          <p:cNvPicPr>
+            <a:picLocks noChangeAspect="1"/>
+          </p:cNvPicPr>
+          <p:nvPr/>
+        </p:nvPicPr>
+        <p:blipFill>
+          <a:blip r:embed="rId2"/>
+          <a:stretch>
+            <a:fillRect/>
+          </a:stretch>
+        </p:blipFill>
+        <p:spPr>
+          <a:xfrm>
+            <a:off x="816103" y="1142699"/>
+            <a:ext cx="4279771" cy="1081088"/>
+          </a:xfrm>
+          <a:prstGeom prst="rect">
+            <a:avLst/>
+          </a:prstGeom>
+        </p:spPr>
+      </p:pic>
+      <p:pic>
+        <p:nvPicPr>
+          <p:cNvPr id="5" name="Picture 4">
+            <a:extLst>
+              <a:ext uri="{FF2B5EF4-FFF2-40B4-BE49-F238E27FC236}">
+                <a16:creationId xmlns:a16="http://schemas.microsoft.com/office/drawing/2014/main" id="{ACBA5D19-D1CB-4919-B4C0-EADB677588F5}"/>
+              </a:ext>
+            </a:extLst>
+          </p:cNvPr>
+          <p:cNvPicPr>
+            <a:picLocks noChangeAspect="1"/>
+          </p:cNvPicPr>
+          <p:nvPr/>
+        </p:nvPicPr>
+        <p:blipFill>
+          <a:blip r:embed="rId3"/>
+          <a:stretch>
+            <a:fillRect/>
+          </a:stretch>
+        </p:blipFill>
+        <p:spPr>
+          <a:xfrm>
+            <a:off x="816103" y="2849758"/>
+            <a:ext cx="5553075" cy="2562225"/>
+          </a:xfrm>
+          <a:prstGeom prst="rect">
+            <a:avLst/>
+          </a:prstGeom>
+        </p:spPr>
+      </p:pic>
+      <p:sp>
+        <p:nvSpPr>
+          <p:cNvPr id="12" name="Rectangle 11">
+            <a:extLst>
+              <a:ext uri="{FF2B5EF4-FFF2-40B4-BE49-F238E27FC236}">
+                <a16:creationId xmlns:a16="http://schemas.microsoft.com/office/drawing/2014/main" id="{B3C2A9DF-6BDB-48DA-8196-AD7524BFC6C3}"/>
+              </a:ext>
+            </a:extLst>
+          </p:cNvPr>
+          <p:cNvSpPr/>
+          <p:nvPr/>
+        </p:nvSpPr>
+        <p:spPr>
+          <a:xfrm>
+            <a:off x="9158289" y="2053226"/>
+            <a:ext cx="2075371" cy="498872"/>
+          </a:xfrm>
+          <a:prstGeom prst="rect">
+            <a:avLst/>
+          </a:prstGeom>
+        </p:spPr>
+        <p:style>
+          <a:lnRef idx="2">
+            <a:schemeClr val="accent1">
+              <a:shade val="50000"/>
+            </a:schemeClr>
+          </a:lnRef>
+          <a:fillRef idx="1">
+            <a:schemeClr val="accent1"/>
+          </a:fillRef>
+          <a:effectRef idx="0">
+            <a:schemeClr val="accent1"/>
+          </a:effectRef>
+          <a:fontRef idx="minor">
+            <a:schemeClr val="lt1"/>
+          </a:fontRef>
+        </p:style>
+        <p:txBody>
+          <a:bodyPr rtlCol="0" anchor="ctr"/>
+          <a:lstStyle/>
+          <a:p>
+            <a:pPr algn="ctr"/>
+            <a:r>
+              <a:rPr lang="en-US" sz="1200" b="1" dirty="0"/>
+              <a:t>CF1: (2,3)</a:t>
+            </a:r>
+          </a:p>
+          <a:p>
+            <a:pPr algn="ctr"/>
+            <a:r>
+              <a:rPr lang="en-US" sz="1200" dirty="0"/>
+              <a:t>N=1, LS=(2,3), SS=(4,9)</a:t>
+            </a:r>
+            <a:endParaRPr lang="en-IN" sz="1200" dirty="0"/>
+          </a:p>
+        </p:txBody>
+      </p:sp>
+      <p:sp>
+        <p:nvSpPr>
+          <p:cNvPr id="13" name="Rectangle 12">
+            <a:extLst>
+              <a:ext uri="{FF2B5EF4-FFF2-40B4-BE49-F238E27FC236}">
+                <a16:creationId xmlns:a16="http://schemas.microsoft.com/office/drawing/2014/main" id="{724D975F-C35A-4743-B818-753B4F0BEE41}"/>
+              </a:ext>
+            </a:extLst>
+          </p:cNvPr>
+          <p:cNvSpPr/>
+          <p:nvPr/>
+        </p:nvSpPr>
+        <p:spPr>
+          <a:xfrm>
+            <a:off x="9180038" y="5238160"/>
+            <a:ext cx="2077146" cy="395289"/>
+          </a:xfrm>
+          <a:prstGeom prst="rect">
+            <a:avLst/>
+          </a:prstGeom>
+        </p:spPr>
+        <p:style>
+          <a:lnRef idx="2">
+            <a:schemeClr val="accent1">
+              <a:shade val="50000"/>
+            </a:schemeClr>
+          </a:lnRef>
+          <a:fillRef idx="1">
+            <a:schemeClr val="accent1"/>
+          </a:fillRef>
+          <a:effectRef idx="0">
+            <a:schemeClr val="accent1"/>
+          </a:effectRef>
+          <a:fontRef idx="minor">
+            <a:schemeClr val="lt1"/>
+          </a:fontRef>
+        </p:style>
+        <p:txBody>
+          <a:bodyPr rtlCol="0" anchor="ctr"/>
+          <a:lstStyle/>
+          <a:p>
+            <a:pPr algn="ctr"/>
+            <a:r>
+              <a:rPr lang="en-US" sz="1200" b="1" dirty="0"/>
+              <a:t>CF1: (2,3) , (3,3)</a:t>
+            </a:r>
+          </a:p>
+          <a:p>
+            <a:pPr algn="ctr"/>
+            <a:r>
+              <a:rPr lang="en-US" sz="1200" dirty="0"/>
+              <a:t>N=2, LS=(5,6), SS=(13,18)</a:t>
+            </a:r>
+            <a:endParaRPr lang="en-IN" sz="1200" dirty="0"/>
+          </a:p>
+        </p:txBody>
+      </p:sp>
+      <p:sp>
+        <p:nvSpPr>
+          <p:cNvPr id="14" name="Rectangle 13">
+            <a:extLst>
+              <a:ext uri="{FF2B5EF4-FFF2-40B4-BE49-F238E27FC236}">
+                <a16:creationId xmlns:a16="http://schemas.microsoft.com/office/drawing/2014/main" id="{3399E38C-074B-4A47-8DE5-BF7CC50C92BF}"/>
+              </a:ext>
+            </a:extLst>
+          </p:cNvPr>
+          <p:cNvSpPr/>
+          <p:nvPr/>
+        </p:nvSpPr>
+        <p:spPr>
+          <a:xfrm>
+            <a:off x="9156515" y="1142699"/>
+            <a:ext cx="2077145" cy="498872"/>
+          </a:xfrm>
+          <a:prstGeom prst="rect">
+            <a:avLst/>
+          </a:prstGeom>
+        </p:spPr>
+        <p:style>
+          <a:lnRef idx="2">
+            <a:schemeClr val="accent1">
+              <a:shade val="50000"/>
+            </a:schemeClr>
+          </a:lnRef>
+          <a:fillRef idx="1">
+            <a:schemeClr val="accent1"/>
+          </a:fillRef>
+          <a:effectRef idx="0">
+            <a:schemeClr val="accent1"/>
+          </a:effectRef>
+          <a:fontRef idx="minor">
+            <a:schemeClr val="lt1"/>
+          </a:fontRef>
+        </p:style>
+        <p:txBody>
+          <a:bodyPr rtlCol="0" anchor="ctr"/>
+          <a:lstStyle/>
+          <a:p>
+            <a:pPr algn="ctr"/>
+            <a:r>
+              <a:rPr lang="en-US" b="1" dirty="0"/>
+              <a:t>Root</a:t>
+            </a:r>
+            <a:endParaRPr lang="en-IN" dirty="0"/>
+          </a:p>
+        </p:txBody>
+      </p:sp>
+      <p:cxnSp>
+        <p:nvCxnSpPr>
+          <p:cNvPr id="16" name="Straight Arrow Connector 15">
+            <a:extLst>
+              <a:ext uri="{FF2B5EF4-FFF2-40B4-BE49-F238E27FC236}">
+                <a16:creationId xmlns:a16="http://schemas.microsoft.com/office/drawing/2014/main" id="{FBB3AEC9-BDB0-4680-A1E1-5BBD9FDFD8D8}"/>
+              </a:ext>
+            </a:extLst>
+          </p:cNvPr>
+          <p:cNvCxnSpPr>
+            <a:cxnSpLocks/>
+            <a:stCxn id="14" idx="2"/>
+            <a:endCxn id="12" idx="0"/>
+          </p:cNvCxnSpPr>
+          <p:nvPr/>
+        </p:nvCxnSpPr>
+        <p:spPr>
+          <a:xfrm>
+            <a:off x="10195088" y="1641571"/>
+            <a:ext cx="887" cy="411655"/>
+          </a:xfrm>
+          <a:prstGeom prst="straightConnector1">
+            <a:avLst/>
+          </a:prstGeom>
+          <a:ln>
+            <a:tailEnd type="triangle"/>
+          </a:ln>
+        </p:spPr>
+        <p:style>
+          <a:lnRef idx="1">
+            <a:schemeClr val="accent1"/>
+          </a:lnRef>
+          <a:fillRef idx="0">
+            <a:schemeClr val="accent1"/>
+          </a:fillRef>
+          <a:effectRef idx="0">
+            <a:schemeClr val="accent1"/>
+          </a:effectRef>
+          <a:fontRef idx="minor">
+            <a:schemeClr val="tx1"/>
+          </a:fontRef>
+        </p:style>
+      </p:cxnSp>
+      <p:sp>
+        <p:nvSpPr>
+          <p:cNvPr id="17" name="Rectangle 16">
+            <a:extLst>
+              <a:ext uri="{FF2B5EF4-FFF2-40B4-BE49-F238E27FC236}">
+                <a16:creationId xmlns:a16="http://schemas.microsoft.com/office/drawing/2014/main" id="{370C346B-DE0A-466C-8AC7-F12BCD9DBB98}"/>
+              </a:ext>
+            </a:extLst>
+          </p:cNvPr>
+          <p:cNvSpPr/>
+          <p:nvPr/>
+        </p:nvSpPr>
+        <p:spPr>
+          <a:xfrm>
+            <a:off x="9156514" y="4293398"/>
+            <a:ext cx="2077145" cy="498872"/>
+          </a:xfrm>
+          <a:prstGeom prst="rect">
+            <a:avLst/>
+          </a:prstGeom>
+        </p:spPr>
+        <p:style>
+          <a:lnRef idx="2">
+            <a:schemeClr val="accent1">
+              <a:shade val="50000"/>
+            </a:schemeClr>
+          </a:lnRef>
+          <a:fillRef idx="1">
+            <a:schemeClr val="accent1"/>
+          </a:fillRef>
+          <a:effectRef idx="0">
+            <a:schemeClr val="accent1"/>
+          </a:effectRef>
+          <a:fontRef idx="minor">
+            <a:schemeClr val="lt1"/>
+          </a:fontRef>
+        </p:style>
+        <p:txBody>
+          <a:bodyPr rtlCol="0" anchor="ctr"/>
+          <a:lstStyle/>
+          <a:p>
+            <a:pPr algn="ctr"/>
+            <a:r>
+              <a:rPr lang="en-US" b="1" dirty="0"/>
+              <a:t>Root</a:t>
+            </a:r>
+            <a:endParaRPr lang="en-IN" dirty="0"/>
+          </a:p>
+        </p:txBody>
+      </p:sp>
+      <p:cxnSp>
+        <p:nvCxnSpPr>
+          <p:cNvPr id="19" name="Straight Arrow Connector 18">
+            <a:extLst>
+              <a:ext uri="{FF2B5EF4-FFF2-40B4-BE49-F238E27FC236}">
+                <a16:creationId xmlns:a16="http://schemas.microsoft.com/office/drawing/2014/main" id="{E6222FF7-B3F3-487E-80FC-F78A103519FE}"/>
+              </a:ext>
+            </a:extLst>
+          </p:cNvPr>
+          <p:cNvCxnSpPr>
+            <a:cxnSpLocks/>
+            <a:stCxn id="17" idx="2"/>
+            <a:endCxn id="13" idx="0"/>
+          </p:cNvCxnSpPr>
+          <p:nvPr/>
+        </p:nvCxnSpPr>
+        <p:spPr>
+          <a:xfrm>
+            <a:off x="10195087" y="4792270"/>
+            <a:ext cx="23524" cy="445890"/>
+          </a:xfrm>
+          <a:prstGeom prst="straightConnector1">
+            <a:avLst/>
+          </a:prstGeom>
+          <a:ln>
+            <a:tailEnd type="triangle"/>
+          </a:ln>
+        </p:spPr>
+        <p:style>
+          <a:lnRef idx="1">
+            <a:schemeClr val="accent1"/>
+          </a:lnRef>
+          <a:fillRef idx="0">
+            <a:schemeClr val="accent1"/>
+          </a:fillRef>
+          <a:effectRef idx="0">
+            <a:schemeClr val="accent1"/>
+          </a:effectRef>
+          <a:fontRef idx="minor">
+            <a:schemeClr val="tx1"/>
+          </a:fontRef>
+        </p:style>
+      </p:cxnSp>
+      <p:pic>
+        <p:nvPicPr>
+          <p:cNvPr id="26" name="Picture 25">
+            <a:extLst>
+              <a:ext uri="{FF2B5EF4-FFF2-40B4-BE49-F238E27FC236}">
+                <a16:creationId xmlns:a16="http://schemas.microsoft.com/office/drawing/2014/main" id="{2E72C238-EC50-4A6C-92F2-B6CBE14B87EE}"/>
+              </a:ext>
+            </a:extLst>
+          </p:cNvPr>
+          <p:cNvPicPr>
+            <a:picLocks noChangeAspect="1"/>
+          </p:cNvPicPr>
+          <p:nvPr/>
+        </p:nvPicPr>
+        <p:blipFill>
+          <a:blip r:embed="rId4"/>
+          <a:stretch>
+            <a:fillRect/>
+          </a:stretch>
+        </p:blipFill>
+        <p:spPr>
+          <a:xfrm>
+            <a:off x="5286313" y="966486"/>
+            <a:ext cx="2761540" cy="1921071"/>
+          </a:xfrm>
+          <a:prstGeom prst="rect">
+            <a:avLst/>
+          </a:prstGeom>
+        </p:spPr>
+      </p:pic>
+      <p:pic>
+        <p:nvPicPr>
+          <p:cNvPr id="27" name="Picture 26">
+            <a:extLst>
+              <a:ext uri="{FF2B5EF4-FFF2-40B4-BE49-F238E27FC236}">
+                <a16:creationId xmlns:a16="http://schemas.microsoft.com/office/drawing/2014/main" id="{358A4993-A4D3-4680-AD82-D6E8E197D36E}"/>
+              </a:ext>
+            </a:extLst>
+          </p:cNvPr>
+          <p:cNvPicPr>
+            <a:picLocks noChangeAspect="1"/>
+          </p:cNvPicPr>
+          <p:nvPr/>
+        </p:nvPicPr>
+        <p:blipFill>
+          <a:blip r:embed="rId5"/>
+          <a:stretch>
+            <a:fillRect/>
+          </a:stretch>
+        </p:blipFill>
+        <p:spPr>
+          <a:xfrm>
+            <a:off x="5286313" y="4395057"/>
+            <a:ext cx="3012315" cy="1994417"/>
+          </a:xfrm>
+          <a:prstGeom prst="rect">
+            <a:avLst/>
+          </a:prstGeom>
+        </p:spPr>
+      </p:pic>
+      <p:sp>
+        <p:nvSpPr>
+          <p:cNvPr id="28" name="TextBox 27">
+            <a:extLst>
+              <a:ext uri="{FF2B5EF4-FFF2-40B4-BE49-F238E27FC236}">
+                <a16:creationId xmlns:a16="http://schemas.microsoft.com/office/drawing/2014/main" id="{D7DE1189-B692-45F9-943D-271722151695}"/>
+              </a:ext>
+            </a:extLst>
+          </p:cNvPr>
+          <p:cNvSpPr txBox="1"/>
+          <p:nvPr/>
+        </p:nvSpPr>
+        <p:spPr>
+          <a:xfrm>
+            <a:off x="4323720" y="440226"/>
+            <a:ext cx="3544560" cy="523220"/>
+          </a:xfrm>
+          <a:prstGeom prst="rect">
+            <a:avLst/>
+          </a:prstGeom>
+          <a:noFill/>
+        </p:spPr>
+        <p:txBody>
+          <a:bodyPr wrap="none" rtlCol="0">
+            <a:spAutoFit/>
+          </a:bodyPr>
+          <a:lstStyle/>
+          <a:p>
+            <a:r>
+              <a:rPr lang="en-US" sz="2800" b="1" dirty="0">
+                <a:latin typeface="Cascadia Code" panose="020B0609020000020004" pitchFamily="49" charset="0"/>
+                <a:cs typeface="Cascadia Code" panose="020B0609020000020004" pitchFamily="49" charset="0"/>
+              </a:rPr>
+              <a:t>BIRCH Clustering</a:t>
+            </a:r>
+            <a:endParaRPr lang="en-IN" sz="2800" b="1" dirty="0">
+              <a:latin typeface="Cascadia Code" panose="020B0609020000020004" pitchFamily="49" charset="0"/>
+              <a:cs typeface="Cascadia Code" panose="020B0609020000020004" pitchFamily="49" charset="0"/>
+            </a:endParaRPr>
+          </a:p>
+        </p:txBody>
+      </p:sp>
+    </p:spTree>
+    <p:extLst>
+      <p:ext uri="{BB962C8B-B14F-4D97-AF65-F5344CB8AC3E}">
+        <p14:creationId xmlns:p14="http://schemas.microsoft.com/office/powerpoint/2010/main" val="3498859080"/>
+      </p:ext>
+    </p:extLst>
+  </p:cSld>
+  <p:clrMapOvr>
+    <a:masterClrMapping/>
+  </p:clrMapOvr>
+</p:sld>
+</file>
+
+<file path=ppt/slides/slide25.xml><?xml version="1.0" encoding="utf-8"?>
+<p:sld xmlns:a="http://schemas.openxmlformats.org/drawingml/2006/main" xmlns:r="http://schemas.openxmlformats.org/officeDocument/2006/relationships" xmlns:p="http://schemas.openxmlformats.org/presentationml/2006/main">
+  <p:cSld>
+    <p:spTree>
+      <p:nvGrpSpPr>
+        <p:cNvPr id="1" name=""/>
+        <p:cNvGrpSpPr/>
+        <p:nvPr/>
+      </p:nvGrpSpPr>
+      <p:grpSpPr>
+        <a:xfrm>
+          <a:off x="0" y="0"/>
+          <a:ext cx="0" cy="0"/>
+          <a:chOff x="0" y="0"/>
+          <a:chExt cx="0" cy="0"/>
+        </a:xfrm>
+      </p:grpSpPr>
+      <p:pic>
+        <p:nvPicPr>
+          <p:cNvPr id="7" name="Picture 6">
+            <a:extLst>
+              <a:ext uri="{FF2B5EF4-FFF2-40B4-BE49-F238E27FC236}">
+                <a16:creationId xmlns:a16="http://schemas.microsoft.com/office/drawing/2014/main" id="{71D76D48-AE49-4AE0-82C3-FB0BC52FBB89}"/>
+              </a:ext>
+            </a:extLst>
+          </p:cNvPr>
+          <p:cNvPicPr>
+            <a:picLocks noChangeAspect="1"/>
+          </p:cNvPicPr>
+          <p:nvPr/>
+        </p:nvPicPr>
+        <p:blipFill>
+          <a:blip r:embed="rId2"/>
+          <a:stretch>
+            <a:fillRect/>
+          </a:stretch>
+        </p:blipFill>
+        <p:spPr>
+          <a:xfrm>
+            <a:off x="2682303" y="903514"/>
+            <a:ext cx="6065393" cy="2525486"/>
+          </a:xfrm>
+          <a:prstGeom prst="rect">
+            <a:avLst/>
+          </a:prstGeom>
+        </p:spPr>
+      </p:pic>
+      <p:sp>
+        <p:nvSpPr>
+          <p:cNvPr id="6" name="Rectangle 5">
+            <a:extLst>
+              <a:ext uri="{FF2B5EF4-FFF2-40B4-BE49-F238E27FC236}">
+                <a16:creationId xmlns:a16="http://schemas.microsoft.com/office/drawing/2014/main" id="{A34B396A-9A0D-4FEB-A393-E8E55E742876}"/>
+              </a:ext>
+            </a:extLst>
+          </p:cNvPr>
+          <p:cNvSpPr/>
+          <p:nvPr/>
+        </p:nvSpPr>
+        <p:spPr>
+          <a:xfrm>
+            <a:off x="7082185" y="4878394"/>
+            <a:ext cx="2085977" cy="493514"/>
+          </a:xfrm>
+          <a:prstGeom prst="rect">
+            <a:avLst/>
+          </a:prstGeom>
+        </p:spPr>
+        <p:style>
+          <a:lnRef idx="2">
+            <a:schemeClr val="accent1">
+              <a:shade val="50000"/>
+            </a:schemeClr>
+          </a:lnRef>
+          <a:fillRef idx="1">
+            <a:schemeClr val="accent1"/>
+          </a:fillRef>
+          <a:effectRef idx="0">
+            <a:schemeClr val="accent1"/>
+          </a:effectRef>
+          <a:fontRef idx="minor">
+            <a:schemeClr val="lt1"/>
+          </a:fontRef>
+        </p:style>
+        <p:txBody>
+          <a:bodyPr rtlCol="0" anchor="ctr"/>
+          <a:lstStyle/>
+          <a:p>
+            <a:pPr algn="ctr"/>
+            <a:r>
+              <a:rPr lang="en-US" sz="1200" b="1" dirty="0"/>
+              <a:t>CF1: (2,3) , (3,3)</a:t>
+            </a:r>
+          </a:p>
+          <a:p>
+            <a:pPr algn="ctr"/>
+            <a:r>
+              <a:rPr lang="en-US" sz="1200" dirty="0"/>
+              <a:t>N=2, LS=(5,6), SS=(13,18)</a:t>
+            </a:r>
+            <a:endParaRPr lang="en-IN" sz="1200" dirty="0"/>
+          </a:p>
+        </p:txBody>
+      </p:sp>
+      <p:sp>
+        <p:nvSpPr>
+          <p:cNvPr id="9" name="Rectangle 8">
+            <a:extLst>
+              <a:ext uri="{FF2B5EF4-FFF2-40B4-BE49-F238E27FC236}">
+                <a16:creationId xmlns:a16="http://schemas.microsoft.com/office/drawing/2014/main" id="{F20BB4BA-612E-42C2-B52C-B1E48281FA99}"/>
+              </a:ext>
+            </a:extLst>
+          </p:cNvPr>
+          <p:cNvSpPr/>
+          <p:nvPr/>
+        </p:nvSpPr>
+        <p:spPr>
+          <a:xfrm>
+            <a:off x="8434562" y="4037480"/>
+            <a:ext cx="1467200" cy="295276"/>
+          </a:xfrm>
+          <a:prstGeom prst="rect">
+            <a:avLst/>
+          </a:prstGeom>
+        </p:spPr>
+        <p:style>
+          <a:lnRef idx="2">
+            <a:schemeClr val="accent1">
+              <a:shade val="50000"/>
+            </a:schemeClr>
+          </a:lnRef>
+          <a:fillRef idx="1">
+            <a:schemeClr val="accent1"/>
+          </a:fillRef>
+          <a:effectRef idx="0">
+            <a:schemeClr val="accent1"/>
+          </a:effectRef>
+          <a:fontRef idx="minor">
+            <a:schemeClr val="lt1"/>
+          </a:fontRef>
+        </p:style>
+        <p:txBody>
+          <a:bodyPr rtlCol="0" anchor="ctr"/>
+          <a:lstStyle/>
+          <a:p>
+            <a:pPr algn="ctr"/>
+            <a:r>
+              <a:rPr lang="en-US" b="1" dirty="0"/>
+              <a:t>Root</a:t>
+            </a:r>
+            <a:endParaRPr lang="en-IN" dirty="0"/>
+          </a:p>
+        </p:txBody>
+      </p:sp>
+      <p:sp>
+        <p:nvSpPr>
+          <p:cNvPr id="10" name="Rectangle 9">
+            <a:extLst>
+              <a:ext uri="{FF2B5EF4-FFF2-40B4-BE49-F238E27FC236}">
+                <a16:creationId xmlns:a16="http://schemas.microsoft.com/office/drawing/2014/main" id="{880E43C8-61B0-4CB9-8D88-8A82B1426494}"/>
+              </a:ext>
+            </a:extLst>
+          </p:cNvPr>
+          <p:cNvSpPr/>
+          <p:nvPr/>
+        </p:nvSpPr>
+        <p:spPr>
+          <a:xfrm>
+            <a:off x="9367665" y="4878394"/>
+            <a:ext cx="2085977" cy="493514"/>
+          </a:xfrm>
+          <a:prstGeom prst="rect">
+            <a:avLst/>
+          </a:prstGeom>
+        </p:spPr>
+        <p:style>
+          <a:lnRef idx="2">
+            <a:schemeClr val="accent1">
+              <a:shade val="50000"/>
+            </a:schemeClr>
+          </a:lnRef>
+          <a:fillRef idx="1">
+            <a:schemeClr val="accent1"/>
+          </a:fillRef>
+          <a:effectRef idx="0">
+            <a:schemeClr val="accent1"/>
+          </a:effectRef>
+          <a:fontRef idx="minor">
+            <a:schemeClr val="lt1"/>
+          </a:fontRef>
+        </p:style>
+        <p:txBody>
+          <a:bodyPr rtlCol="0" anchor="ctr"/>
+          <a:lstStyle/>
+          <a:p>
+            <a:pPr algn="ctr"/>
+            <a:r>
+              <a:rPr lang="en-US" sz="1200" b="1" dirty="0"/>
+              <a:t>CF2: (6,5)</a:t>
+            </a:r>
+          </a:p>
+          <a:p>
+            <a:pPr algn="ctr"/>
+            <a:r>
+              <a:rPr lang="en-US" sz="1200" dirty="0"/>
+              <a:t>N=1, LS=(6,5), SS=(36,25)</a:t>
+            </a:r>
+            <a:endParaRPr lang="en-IN" sz="1200" dirty="0"/>
+          </a:p>
+        </p:txBody>
+      </p:sp>
+      <p:cxnSp>
+        <p:nvCxnSpPr>
+          <p:cNvPr id="3" name="Straight Arrow Connector 2">
+            <a:extLst>
+              <a:ext uri="{FF2B5EF4-FFF2-40B4-BE49-F238E27FC236}">
+                <a16:creationId xmlns:a16="http://schemas.microsoft.com/office/drawing/2014/main" id="{5A26AAFA-0FDD-42FF-B506-9E22C77BE453}"/>
+              </a:ext>
+            </a:extLst>
+          </p:cNvPr>
+          <p:cNvCxnSpPr>
+            <a:stCxn id="9" idx="2"/>
+            <a:endCxn id="6" idx="0"/>
+          </p:cNvCxnSpPr>
+          <p:nvPr/>
+        </p:nvCxnSpPr>
+        <p:spPr>
+          <a:xfrm flipH="1">
+            <a:off x="8125174" y="4332756"/>
+            <a:ext cx="1042988" cy="545638"/>
+          </a:xfrm>
+          <a:prstGeom prst="straightConnector1">
+            <a:avLst/>
+          </a:prstGeom>
+          <a:ln>
+            <a:tailEnd type="triangle"/>
+          </a:ln>
+        </p:spPr>
+        <p:style>
+          <a:lnRef idx="1">
+            <a:schemeClr val="accent1"/>
+          </a:lnRef>
+          <a:fillRef idx="0">
+            <a:schemeClr val="accent1"/>
+          </a:fillRef>
+          <a:effectRef idx="0">
+            <a:schemeClr val="accent1"/>
+          </a:effectRef>
+          <a:fontRef idx="minor">
+            <a:schemeClr val="tx1"/>
+          </a:fontRef>
+        </p:style>
+      </p:cxnSp>
+      <p:cxnSp>
+        <p:nvCxnSpPr>
+          <p:cNvPr id="12" name="Straight Arrow Connector 11">
+            <a:extLst>
+              <a:ext uri="{FF2B5EF4-FFF2-40B4-BE49-F238E27FC236}">
+                <a16:creationId xmlns:a16="http://schemas.microsoft.com/office/drawing/2014/main" id="{E5B16FC3-F3DA-4CFF-950F-BD4213AB3469}"/>
+              </a:ext>
+            </a:extLst>
+          </p:cNvPr>
+          <p:cNvCxnSpPr>
+            <a:stCxn id="9" idx="2"/>
+            <a:endCxn id="10" idx="0"/>
+          </p:cNvCxnSpPr>
+          <p:nvPr/>
+        </p:nvCxnSpPr>
+        <p:spPr>
+          <a:xfrm>
+            <a:off x="9168162" y="4332756"/>
+            <a:ext cx="1242492" cy="545638"/>
+          </a:xfrm>
+          <a:prstGeom prst="straightConnector1">
+            <a:avLst/>
+          </a:prstGeom>
+          <a:ln>
+            <a:tailEnd type="triangle"/>
+          </a:ln>
+        </p:spPr>
+        <p:style>
+          <a:lnRef idx="1">
+            <a:schemeClr val="accent1"/>
+          </a:lnRef>
+          <a:fillRef idx="0">
+            <a:schemeClr val="accent1"/>
+          </a:fillRef>
+          <a:effectRef idx="0">
+            <a:schemeClr val="accent1"/>
+          </a:effectRef>
+          <a:fontRef idx="minor">
+            <a:schemeClr val="tx1"/>
+          </a:fontRef>
+        </p:style>
+      </p:cxnSp>
+      <p:pic>
+        <p:nvPicPr>
+          <p:cNvPr id="28" name="Picture 27">
+            <a:extLst>
+              <a:ext uri="{FF2B5EF4-FFF2-40B4-BE49-F238E27FC236}">
+                <a16:creationId xmlns:a16="http://schemas.microsoft.com/office/drawing/2014/main" id="{ECAB9674-552C-45E5-ADFF-9CAFBF32439A}"/>
+              </a:ext>
+            </a:extLst>
+          </p:cNvPr>
+          <p:cNvPicPr>
+            <a:picLocks noChangeAspect="1"/>
+          </p:cNvPicPr>
+          <p:nvPr/>
+        </p:nvPicPr>
+        <p:blipFill>
+          <a:blip r:embed="rId3"/>
+          <a:stretch>
+            <a:fillRect/>
+          </a:stretch>
+        </p:blipFill>
+        <p:spPr>
+          <a:xfrm>
+            <a:off x="2047875" y="3734921"/>
+            <a:ext cx="3667125" cy="2428875"/>
+          </a:xfrm>
+          <a:prstGeom prst="rect">
+            <a:avLst/>
+          </a:prstGeom>
+        </p:spPr>
+      </p:pic>
+      <p:sp>
+        <p:nvSpPr>
+          <p:cNvPr id="29" name="TextBox 28">
+            <a:extLst>
+              <a:ext uri="{FF2B5EF4-FFF2-40B4-BE49-F238E27FC236}">
+                <a16:creationId xmlns:a16="http://schemas.microsoft.com/office/drawing/2014/main" id="{6F550641-AC54-4053-9169-94898E3355FF}"/>
+              </a:ext>
+            </a:extLst>
+          </p:cNvPr>
+          <p:cNvSpPr txBox="1"/>
+          <p:nvPr/>
+        </p:nvSpPr>
+        <p:spPr>
+          <a:xfrm>
+            <a:off x="4323720" y="392333"/>
+            <a:ext cx="3544560" cy="523220"/>
+          </a:xfrm>
+          <a:prstGeom prst="rect">
+            <a:avLst/>
+          </a:prstGeom>
+          <a:noFill/>
+        </p:spPr>
+        <p:txBody>
+          <a:bodyPr wrap="none" rtlCol="0">
+            <a:spAutoFit/>
+          </a:bodyPr>
+          <a:lstStyle/>
+          <a:p>
+            <a:r>
+              <a:rPr lang="en-US" sz="2800" b="1" dirty="0">
+                <a:latin typeface="Cascadia Code" panose="020B0609020000020004" pitchFamily="49" charset="0"/>
+                <a:cs typeface="Cascadia Code" panose="020B0609020000020004" pitchFamily="49" charset="0"/>
+              </a:rPr>
+              <a:t>BIRCH Clustering</a:t>
+            </a:r>
+            <a:endParaRPr lang="en-IN" sz="2800" b="1" dirty="0">
+              <a:latin typeface="Cascadia Code" panose="020B0609020000020004" pitchFamily="49" charset="0"/>
+              <a:cs typeface="Cascadia Code" panose="020B0609020000020004" pitchFamily="49" charset="0"/>
+            </a:endParaRPr>
+          </a:p>
+        </p:txBody>
+      </p:sp>
+    </p:spTree>
+    <p:extLst>
+      <p:ext uri="{BB962C8B-B14F-4D97-AF65-F5344CB8AC3E}">
+        <p14:creationId xmlns:p14="http://schemas.microsoft.com/office/powerpoint/2010/main" val="1141257417"/>
+      </p:ext>
+    </p:extLst>
+  </p:cSld>
+  <p:clrMapOvr>
+    <a:masterClrMapping/>
+  </p:clrMapOvr>
+</p:sld>
+</file>
+
+<file path=ppt/slides/slide26.xml><?xml version="1.0" encoding="utf-8"?>
+<p:sld xmlns:a="http://schemas.openxmlformats.org/drawingml/2006/main" xmlns:r="http://schemas.openxmlformats.org/officeDocument/2006/relationships" xmlns:p="http://schemas.openxmlformats.org/presentationml/2006/main">
+  <p:cSld>
+    <p:spTree>
+      <p:nvGrpSpPr>
+        <p:cNvPr id="1" name=""/>
+        <p:cNvGrpSpPr/>
+        <p:nvPr/>
+      </p:nvGrpSpPr>
+      <p:grpSpPr>
+        <a:xfrm>
+          <a:off x="0" y="0"/>
+          <a:ext cx="0" cy="0"/>
+          <a:chOff x="0" y="0"/>
+          <a:chExt cx="0" cy="0"/>
+        </a:xfrm>
+      </p:grpSpPr>
+      <p:pic>
+        <p:nvPicPr>
+          <p:cNvPr id="8" name="Picture 7">
+            <a:extLst>
+              <a:ext uri="{FF2B5EF4-FFF2-40B4-BE49-F238E27FC236}">
+                <a16:creationId xmlns:a16="http://schemas.microsoft.com/office/drawing/2014/main" id="{F6DB02A4-1FD7-45AF-8EE3-466EE8D27D5F}"/>
+              </a:ext>
+            </a:extLst>
+          </p:cNvPr>
+          <p:cNvPicPr>
+            <a:picLocks noChangeAspect="1"/>
+          </p:cNvPicPr>
+          <p:nvPr/>
+        </p:nvPicPr>
+        <p:blipFill>
+          <a:blip r:embed="rId2"/>
+          <a:stretch>
+            <a:fillRect/>
+          </a:stretch>
+        </p:blipFill>
+        <p:spPr>
+          <a:xfrm>
+            <a:off x="995363" y="1357312"/>
+            <a:ext cx="5629275" cy="1962150"/>
+          </a:xfrm>
+          <a:prstGeom prst="rect">
+            <a:avLst/>
+          </a:prstGeom>
+        </p:spPr>
+      </p:pic>
+      <p:sp>
+        <p:nvSpPr>
+          <p:cNvPr id="16" name="Rectangle 15">
+            <a:extLst>
+              <a:ext uri="{FF2B5EF4-FFF2-40B4-BE49-F238E27FC236}">
+                <a16:creationId xmlns:a16="http://schemas.microsoft.com/office/drawing/2014/main" id="{32F09C19-7204-4A70-9BEB-B82C510369AB}"/>
+              </a:ext>
+            </a:extLst>
+          </p:cNvPr>
+          <p:cNvSpPr/>
+          <p:nvPr/>
+        </p:nvSpPr>
+        <p:spPr>
+          <a:xfrm>
+            <a:off x="6391186" y="4822592"/>
+            <a:ext cx="1782046" cy="493514"/>
+          </a:xfrm>
+          <a:prstGeom prst="rect">
+            <a:avLst/>
+          </a:prstGeom>
+        </p:spPr>
+        <p:style>
+          <a:lnRef idx="2">
+            <a:schemeClr val="accent1">
+              <a:shade val="50000"/>
+            </a:schemeClr>
+          </a:lnRef>
+          <a:fillRef idx="1">
+            <a:schemeClr val="accent1"/>
+          </a:fillRef>
+          <a:effectRef idx="0">
+            <a:schemeClr val="accent1"/>
+          </a:effectRef>
+          <a:fontRef idx="minor">
+            <a:schemeClr val="lt1"/>
+          </a:fontRef>
+        </p:style>
+        <p:txBody>
+          <a:bodyPr rtlCol="0" anchor="ctr"/>
+          <a:lstStyle/>
+          <a:p>
+            <a:pPr algn="ctr"/>
+            <a:r>
+              <a:rPr lang="en-US" sz="1200" b="1" dirty="0"/>
+              <a:t>CF1: (2,3) , (3,3)</a:t>
+            </a:r>
+          </a:p>
+          <a:p>
+            <a:pPr algn="ctr"/>
+            <a:r>
+              <a:rPr lang="en-US" sz="1200" dirty="0"/>
+              <a:t>N=2, LS=(5,6), SS=(13,18)</a:t>
+            </a:r>
+            <a:endParaRPr lang="en-IN" sz="1200" dirty="0"/>
+          </a:p>
+        </p:txBody>
+      </p:sp>
+      <p:sp>
+        <p:nvSpPr>
+          <p:cNvPr id="17" name="Rectangle 16">
+            <a:extLst>
+              <a:ext uri="{FF2B5EF4-FFF2-40B4-BE49-F238E27FC236}">
+                <a16:creationId xmlns:a16="http://schemas.microsoft.com/office/drawing/2014/main" id="{94BD7D8B-B936-4748-A0A9-BDB697603266}"/>
+              </a:ext>
+            </a:extLst>
+          </p:cNvPr>
+          <p:cNvSpPr/>
+          <p:nvPr/>
+        </p:nvSpPr>
+        <p:spPr>
+          <a:xfrm>
+            <a:off x="8568084" y="3783440"/>
+            <a:ext cx="1253426" cy="295276"/>
+          </a:xfrm>
+          <a:prstGeom prst="rect">
+            <a:avLst/>
+          </a:prstGeom>
+        </p:spPr>
+        <p:style>
+          <a:lnRef idx="2">
+            <a:schemeClr val="accent1">
+              <a:shade val="50000"/>
+            </a:schemeClr>
+          </a:lnRef>
+          <a:fillRef idx="1">
+            <a:schemeClr val="accent1"/>
+          </a:fillRef>
+          <a:effectRef idx="0">
+            <a:schemeClr val="accent1"/>
+          </a:effectRef>
+          <a:fontRef idx="minor">
+            <a:schemeClr val="lt1"/>
+          </a:fontRef>
+        </p:style>
+        <p:txBody>
+          <a:bodyPr rtlCol="0" anchor="ctr"/>
+          <a:lstStyle/>
+          <a:p>
+            <a:pPr algn="ctr"/>
+            <a:r>
+              <a:rPr lang="en-US" b="1" dirty="0"/>
+              <a:t>Root</a:t>
+            </a:r>
+            <a:endParaRPr lang="en-IN" dirty="0"/>
+          </a:p>
+        </p:txBody>
+      </p:sp>
+      <p:sp>
+        <p:nvSpPr>
+          <p:cNvPr id="18" name="Rectangle 17">
+            <a:extLst>
+              <a:ext uri="{FF2B5EF4-FFF2-40B4-BE49-F238E27FC236}">
+                <a16:creationId xmlns:a16="http://schemas.microsoft.com/office/drawing/2014/main" id="{79184ADA-0972-4A51-BAB5-A04B42B13D10}"/>
+              </a:ext>
+            </a:extLst>
+          </p:cNvPr>
+          <p:cNvSpPr/>
+          <p:nvPr/>
+        </p:nvSpPr>
+        <p:spPr>
+          <a:xfrm>
+            <a:off x="8293986" y="4822592"/>
+            <a:ext cx="1782046" cy="493514"/>
+          </a:xfrm>
+          <a:prstGeom prst="rect">
+            <a:avLst/>
+          </a:prstGeom>
+        </p:spPr>
+        <p:style>
+          <a:lnRef idx="2">
+            <a:schemeClr val="accent1">
+              <a:shade val="50000"/>
+            </a:schemeClr>
+          </a:lnRef>
+          <a:fillRef idx="1">
+            <a:schemeClr val="accent1"/>
+          </a:fillRef>
+          <a:effectRef idx="0">
+            <a:schemeClr val="accent1"/>
+          </a:effectRef>
+          <a:fontRef idx="minor">
+            <a:schemeClr val="lt1"/>
+          </a:fontRef>
+        </p:style>
+        <p:txBody>
+          <a:bodyPr rtlCol="0" anchor="ctr"/>
+          <a:lstStyle/>
+          <a:p>
+            <a:pPr algn="ctr"/>
+            <a:r>
+              <a:rPr lang="en-US" sz="1200" b="1" dirty="0"/>
+              <a:t>CF2: (6,5)</a:t>
+            </a:r>
+          </a:p>
+          <a:p>
+            <a:pPr algn="ctr"/>
+            <a:r>
+              <a:rPr lang="en-US" sz="1200" dirty="0"/>
+              <a:t>N=1, LS=(6,5), SS=(36,25)</a:t>
+            </a:r>
+            <a:endParaRPr lang="en-IN" sz="1200" dirty="0"/>
+          </a:p>
+        </p:txBody>
+      </p:sp>
+      <p:cxnSp>
+        <p:nvCxnSpPr>
+          <p:cNvPr id="19" name="Straight Arrow Connector 18">
+            <a:extLst>
+              <a:ext uri="{FF2B5EF4-FFF2-40B4-BE49-F238E27FC236}">
+                <a16:creationId xmlns:a16="http://schemas.microsoft.com/office/drawing/2014/main" id="{C05BFC55-E4FE-4348-8067-03F55A3CAF16}"/>
+              </a:ext>
+            </a:extLst>
+          </p:cNvPr>
+          <p:cNvCxnSpPr>
+            <a:stCxn id="17" idx="2"/>
+            <a:endCxn id="16" idx="0"/>
+          </p:cNvCxnSpPr>
+          <p:nvPr/>
+        </p:nvCxnSpPr>
+        <p:spPr>
+          <a:xfrm flipH="1">
+            <a:off x="7282209" y="4078716"/>
+            <a:ext cx="1912588" cy="743876"/>
+          </a:xfrm>
+          <a:prstGeom prst="straightConnector1">
+            <a:avLst/>
+          </a:prstGeom>
+          <a:ln>
+            <a:tailEnd type="triangle"/>
+          </a:ln>
+        </p:spPr>
+        <p:style>
+          <a:lnRef idx="1">
+            <a:schemeClr val="accent1"/>
+          </a:lnRef>
+          <a:fillRef idx="0">
+            <a:schemeClr val="accent1"/>
+          </a:fillRef>
+          <a:effectRef idx="0">
+            <a:schemeClr val="accent1"/>
+          </a:effectRef>
+          <a:fontRef idx="minor">
+            <a:schemeClr val="tx1"/>
+          </a:fontRef>
+        </p:style>
+      </p:cxnSp>
+      <p:cxnSp>
+        <p:nvCxnSpPr>
+          <p:cNvPr id="20" name="Straight Arrow Connector 19">
+            <a:extLst>
+              <a:ext uri="{FF2B5EF4-FFF2-40B4-BE49-F238E27FC236}">
+                <a16:creationId xmlns:a16="http://schemas.microsoft.com/office/drawing/2014/main" id="{5708A3BC-907C-4DBE-B966-03B3722FE2D1}"/>
+              </a:ext>
+            </a:extLst>
+          </p:cNvPr>
+          <p:cNvCxnSpPr>
+            <a:stCxn id="17" idx="2"/>
+            <a:endCxn id="18" idx="0"/>
+          </p:cNvCxnSpPr>
+          <p:nvPr/>
+        </p:nvCxnSpPr>
+        <p:spPr>
+          <a:xfrm flipH="1">
+            <a:off x="9185009" y="4078716"/>
+            <a:ext cx="9788" cy="743876"/>
+          </a:xfrm>
+          <a:prstGeom prst="straightConnector1">
+            <a:avLst/>
+          </a:prstGeom>
+          <a:ln>
+            <a:tailEnd type="triangle"/>
+          </a:ln>
+        </p:spPr>
+        <p:style>
+          <a:lnRef idx="1">
+            <a:schemeClr val="accent1"/>
+          </a:lnRef>
+          <a:fillRef idx="0">
+            <a:schemeClr val="accent1"/>
+          </a:fillRef>
+          <a:effectRef idx="0">
+            <a:schemeClr val="accent1"/>
+          </a:effectRef>
+          <a:fontRef idx="minor">
+            <a:schemeClr val="tx1"/>
+          </a:fontRef>
+        </p:style>
+      </p:cxnSp>
+      <p:sp>
+        <p:nvSpPr>
+          <p:cNvPr id="22" name="Rectangle 21">
+            <a:extLst>
+              <a:ext uri="{FF2B5EF4-FFF2-40B4-BE49-F238E27FC236}">
+                <a16:creationId xmlns:a16="http://schemas.microsoft.com/office/drawing/2014/main" id="{8A091D8C-D4E4-46D9-8D61-5C2D8F71CB3A}"/>
+              </a:ext>
+            </a:extLst>
+          </p:cNvPr>
+          <p:cNvSpPr/>
+          <p:nvPr/>
+        </p:nvSpPr>
+        <p:spPr>
+          <a:xfrm>
+            <a:off x="10238415" y="4823748"/>
+            <a:ext cx="1782046" cy="493514"/>
+          </a:xfrm>
+          <a:prstGeom prst="rect">
+            <a:avLst/>
+          </a:prstGeom>
+        </p:spPr>
+        <p:style>
+          <a:lnRef idx="2">
+            <a:schemeClr val="accent1">
+              <a:shade val="50000"/>
+            </a:schemeClr>
+          </a:lnRef>
+          <a:fillRef idx="1">
+            <a:schemeClr val="accent1"/>
+          </a:fillRef>
+          <a:effectRef idx="0">
+            <a:schemeClr val="accent1"/>
+          </a:effectRef>
+          <a:fontRef idx="minor">
+            <a:schemeClr val="lt1"/>
+          </a:fontRef>
+        </p:style>
+        <p:txBody>
+          <a:bodyPr rtlCol="0" anchor="ctr"/>
+          <a:lstStyle/>
+          <a:p>
+            <a:pPr algn="ctr"/>
+            <a:r>
+              <a:rPr lang="en-US" sz="1200" b="1" dirty="0"/>
+              <a:t>CF3: (8,8)</a:t>
+            </a:r>
+          </a:p>
+          <a:p>
+            <a:pPr algn="ctr"/>
+            <a:r>
+              <a:rPr lang="en-US" sz="1200" dirty="0"/>
+              <a:t>N=1, LS=(8,8), SS=(64,64)</a:t>
+            </a:r>
+            <a:endParaRPr lang="en-IN" sz="1200" dirty="0"/>
+          </a:p>
+        </p:txBody>
+      </p:sp>
+      <p:cxnSp>
+        <p:nvCxnSpPr>
+          <p:cNvPr id="27" name="Straight Arrow Connector 26">
+            <a:extLst>
+              <a:ext uri="{FF2B5EF4-FFF2-40B4-BE49-F238E27FC236}">
+                <a16:creationId xmlns:a16="http://schemas.microsoft.com/office/drawing/2014/main" id="{D3FE2448-2E0A-4A63-B504-CA867E0CCBE1}"/>
+              </a:ext>
+            </a:extLst>
+          </p:cNvPr>
+          <p:cNvCxnSpPr>
+            <a:stCxn id="17" idx="2"/>
+            <a:endCxn id="22" idx="0"/>
+          </p:cNvCxnSpPr>
+          <p:nvPr/>
+        </p:nvCxnSpPr>
+        <p:spPr>
+          <a:xfrm>
+            <a:off x="9194797" y="4078716"/>
+            <a:ext cx="1934641" cy="745032"/>
+          </a:xfrm>
+          <a:prstGeom prst="straightConnector1">
+            <a:avLst/>
+          </a:prstGeom>
+          <a:ln>
+            <a:tailEnd type="triangle"/>
+          </a:ln>
+        </p:spPr>
+        <p:style>
+          <a:lnRef idx="1">
+            <a:schemeClr val="accent1"/>
+          </a:lnRef>
+          <a:fillRef idx="0">
+            <a:schemeClr val="accent1"/>
+          </a:fillRef>
+          <a:effectRef idx="0">
+            <a:schemeClr val="accent1"/>
+          </a:effectRef>
+          <a:fontRef idx="minor">
+            <a:schemeClr val="tx1"/>
+          </a:fontRef>
+        </p:style>
+      </p:cxnSp>
+      <p:pic>
+        <p:nvPicPr>
+          <p:cNvPr id="2" name="Picture 1">
+            <a:extLst>
+              <a:ext uri="{FF2B5EF4-FFF2-40B4-BE49-F238E27FC236}">
+                <a16:creationId xmlns:a16="http://schemas.microsoft.com/office/drawing/2014/main" id="{4196D7AB-211D-452A-AF88-089E95D1149D}"/>
+              </a:ext>
+            </a:extLst>
+          </p:cNvPr>
+          <p:cNvPicPr>
+            <a:picLocks noChangeAspect="1"/>
+          </p:cNvPicPr>
+          <p:nvPr/>
+        </p:nvPicPr>
+        <p:blipFill>
+          <a:blip r:embed="rId3"/>
+          <a:stretch>
+            <a:fillRect/>
+          </a:stretch>
+        </p:blipFill>
+        <p:spPr>
+          <a:xfrm>
+            <a:off x="1284680" y="3571141"/>
+            <a:ext cx="3771980" cy="2717104"/>
+          </a:xfrm>
+          <a:prstGeom prst="rect">
+            <a:avLst/>
+          </a:prstGeom>
+        </p:spPr>
+      </p:pic>
+      <p:sp>
+        <p:nvSpPr>
+          <p:cNvPr id="21" name="TextBox 20">
+            <a:extLst>
+              <a:ext uri="{FF2B5EF4-FFF2-40B4-BE49-F238E27FC236}">
+                <a16:creationId xmlns:a16="http://schemas.microsoft.com/office/drawing/2014/main" id="{D1D4EE05-DC37-461D-A27B-F8BA0213ECAA}"/>
+              </a:ext>
+            </a:extLst>
+          </p:cNvPr>
+          <p:cNvSpPr txBox="1"/>
+          <p:nvPr/>
+        </p:nvSpPr>
+        <p:spPr>
+          <a:xfrm>
+            <a:off x="4323720" y="514814"/>
+            <a:ext cx="3544560" cy="523220"/>
+          </a:xfrm>
+          <a:prstGeom prst="rect">
+            <a:avLst/>
+          </a:prstGeom>
+          <a:noFill/>
+        </p:spPr>
+        <p:txBody>
+          <a:bodyPr wrap="none" rtlCol="0">
+            <a:spAutoFit/>
+          </a:bodyPr>
+          <a:lstStyle/>
+          <a:p>
+            <a:r>
+              <a:rPr lang="en-US" sz="2800" b="1" dirty="0">
+                <a:latin typeface="Cascadia Code" panose="020B0609020000020004" pitchFamily="49" charset="0"/>
+                <a:cs typeface="Cascadia Code" panose="020B0609020000020004" pitchFamily="49" charset="0"/>
+              </a:rPr>
+              <a:t>BIRCH Clustering</a:t>
+            </a:r>
+            <a:endParaRPr lang="en-IN" sz="2800" b="1" dirty="0">
+              <a:latin typeface="Cascadia Code" panose="020B0609020000020004" pitchFamily="49" charset="0"/>
+              <a:cs typeface="Cascadia Code" panose="020B0609020000020004" pitchFamily="49" charset="0"/>
+            </a:endParaRPr>
+          </a:p>
+        </p:txBody>
+      </p:sp>
+    </p:spTree>
+    <p:extLst>
+      <p:ext uri="{BB962C8B-B14F-4D97-AF65-F5344CB8AC3E}">
+        <p14:creationId xmlns:p14="http://schemas.microsoft.com/office/powerpoint/2010/main" val="756666089"/>
+      </p:ext>
+    </p:extLst>
+  </p:cSld>
+  <p:clrMapOvr>
+    <a:masterClrMapping/>
+  </p:clrMapOvr>
+</p:sld>
+</file>
+
+<file path=ppt/slides/slide27.xml><?xml version="1.0" encoding="utf-8"?>
+<p:sld xmlns:a="http://schemas.openxmlformats.org/drawingml/2006/main" xmlns:r="http://schemas.openxmlformats.org/officeDocument/2006/relationships" xmlns:p="http://schemas.openxmlformats.org/presentationml/2006/main">
+  <p:cSld>
+    <p:spTree>
+      <p:nvGrpSpPr>
+        <p:cNvPr id="1" name=""/>
+        <p:cNvGrpSpPr/>
+        <p:nvPr/>
+      </p:nvGrpSpPr>
+      <p:grpSpPr>
+        <a:xfrm>
+          <a:off x="0" y="0"/>
+          <a:ext cx="0" cy="0"/>
+          <a:chOff x="0" y="0"/>
+          <a:chExt cx="0" cy="0"/>
+        </a:xfrm>
+      </p:grpSpPr>
+      <p:sp>
+        <p:nvSpPr>
+          <p:cNvPr id="3" name="Footer Placeholder 2">
+            <a:extLst>
+              <a:ext uri="{FF2B5EF4-FFF2-40B4-BE49-F238E27FC236}">
+                <a16:creationId xmlns:a16="http://schemas.microsoft.com/office/drawing/2014/main" id="{DAF5AB59-A2ED-4DA4-A7FA-C90BE9D52D60}"/>
+              </a:ext>
+            </a:extLst>
+          </p:cNvPr>
+          <p:cNvSpPr>
+            <a:spLocks noGrp="1"/>
+          </p:cNvSpPr>
+          <p:nvPr>
+            <p:ph type="ftr" sz="quarter" idx="11"/>
+          </p:nvPr>
+        </p:nvSpPr>
+        <p:spPr/>
+        <p:txBody>
+          <a:bodyPr/>
+          <a:lstStyle/>
+          <a:p>
+            <a:r>
+              <a:rPr lang="en-IN" dirty="0"/>
+              <a:t>Machine Learning Clustering Algorithms</a:t>
+            </a:r>
+          </a:p>
+        </p:txBody>
+      </p:sp>
+      <p:sp>
+        <p:nvSpPr>
+          <p:cNvPr id="2" name="TextBox 1">
+            <a:extLst>
+              <a:ext uri="{FF2B5EF4-FFF2-40B4-BE49-F238E27FC236}">
+                <a16:creationId xmlns:a16="http://schemas.microsoft.com/office/drawing/2014/main" id="{C5AD4A6B-2846-495A-BC28-7F753ECC3633}"/>
+              </a:ext>
+            </a:extLst>
+          </p:cNvPr>
+          <p:cNvSpPr txBox="1"/>
+          <p:nvPr/>
+        </p:nvSpPr>
+        <p:spPr>
+          <a:xfrm>
+            <a:off x="1960686" y="1156946"/>
+            <a:ext cx="7426568" cy="1431161"/>
+          </a:xfrm>
+          <a:prstGeom prst="rect">
+            <a:avLst/>
+          </a:prstGeom>
+          <a:noFill/>
+        </p:spPr>
+        <p:txBody>
+          <a:bodyPr wrap="square" rtlCol="0">
+            <a:spAutoFit/>
+          </a:bodyPr>
+          <a:lstStyle/>
+          <a:p>
+            <a:pPr>
+              <a:spcBef>
+                <a:spcPts val="600"/>
+              </a:spcBef>
+            </a:pPr>
+            <a:r>
+              <a:rPr lang="en-US" b="1" dirty="0">
+                <a:latin typeface="Cascadia Code" panose="020B0609020000020004" pitchFamily="49" charset="0"/>
+                <a:cs typeface="Cascadia Code" panose="020B0609020000020004" pitchFamily="49" charset="0"/>
+              </a:rPr>
+              <a:t>Advantages</a:t>
+            </a:r>
+            <a:endParaRPr lang="en-US" dirty="0">
+              <a:latin typeface="Cascadia Code" panose="020B0609020000020004" pitchFamily="49" charset="0"/>
+              <a:cs typeface="Cascadia Code" panose="020B0609020000020004" pitchFamily="49" charset="0"/>
+            </a:endParaRPr>
+          </a:p>
+          <a:p>
+            <a:pPr marL="742950" lvl="1" indent="-285750">
+              <a:spcBef>
+                <a:spcPts val="600"/>
+              </a:spcBef>
+              <a:buFont typeface="Courier New" panose="02070309020205020404" pitchFamily="49" charset="0"/>
+              <a:buChar char="o"/>
+            </a:pPr>
+            <a:r>
+              <a:rPr lang="en-US" dirty="0">
+                <a:latin typeface="Cascadia Code" panose="020B0609020000020004" pitchFamily="49" charset="0"/>
+                <a:cs typeface="Cascadia Code" panose="020B0609020000020004" pitchFamily="49" charset="0"/>
+              </a:rPr>
+              <a:t>Efficient for large datasets (O(n) complexity)</a:t>
+            </a:r>
+          </a:p>
+          <a:p>
+            <a:pPr marL="742950" lvl="1" indent="-285750">
+              <a:spcBef>
+                <a:spcPts val="600"/>
+              </a:spcBef>
+              <a:buFont typeface="Courier New" panose="02070309020205020404" pitchFamily="49" charset="0"/>
+              <a:buChar char="o"/>
+            </a:pPr>
+            <a:r>
+              <a:rPr lang="en-US" dirty="0">
+                <a:latin typeface="Cascadia Code" panose="020B0609020000020004" pitchFamily="49" charset="0"/>
+                <a:cs typeface="Cascadia Code" panose="020B0609020000020004" pitchFamily="49" charset="0"/>
+              </a:rPr>
+              <a:t>Handles noise and outliers</a:t>
+            </a:r>
+          </a:p>
+          <a:p>
+            <a:pPr marL="742950" lvl="1" indent="-285750">
+              <a:spcBef>
+                <a:spcPts val="600"/>
+              </a:spcBef>
+              <a:buFont typeface="Courier New" panose="02070309020205020404" pitchFamily="49" charset="0"/>
+              <a:buChar char="o"/>
+            </a:pPr>
+            <a:r>
+              <a:rPr lang="en-US" dirty="0">
+                <a:latin typeface="Cascadia Code" panose="020B0609020000020004" pitchFamily="49" charset="0"/>
+                <a:cs typeface="Cascadia Code" panose="020B0609020000020004" pitchFamily="49" charset="0"/>
+              </a:rPr>
+              <a:t>Robust to varying densities</a:t>
+            </a:r>
+          </a:p>
+        </p:txBody>
+      </p:sp>
+      <p:sp>
+        <p:nvSpPr>
+          <p:cNvPr id="7" name="TextBox 6">
+            <a:extLst>
+              <a:ext uri="{FF2B5EF4-FFF2-40B4-BE49-F238E27FC236}">
+                <a16:creationId xmlns:a16="http://schemas.microsoft.com/office/drawing/2014/main" id="{CF620D77-58A8-48A0-96D3-43A36584B010}"/>
+              </a:ext>
+            </a:extLst>
+          </p:cNvPr>
+          <p:cNvSpPr txBox="1"/>
+          <p:nvPr/>
+        </p:nvSpPr>
+        <p:spPr>
+          <a:xfrm>
+            <a:off x="1960686" y="2629995"/>
+            <a:ext cx="7426568" cy="1431161"/>
+          </a:xfrm>
+          <a:prstGeom prst="rect">
+            <a:avLst/>
+          </a:prstGeom>
+          <a:noFill/>
+        </p:spPr>
+        <p:txBody>
+          <a:bodyPr wrap="square" rtlCol="0">
+            <a:spAutoFit/>
+          </a:bodyPr>
+          <a:lstStyle/>
+          <a:p>
+            <a:pPr>
+              <a:spcBef>
+                <a:spcPts val="600"/>
+              </a:spcBef>
+            </a:pPr>
+            <a:r>
+              <a:rPr lang="en-US" b="1" dirty="0">
+                <a:latin typeface="Cascadia Code" panose="020B0609020000020004" pitchFamily="49" charset="0"/>
+                <a:cs typeface="Cascadia Code" panose="020B0609020000020004" pitchFamily="49" charset="0"/>
+              </a:rPr>
+              <a:t>Disadvantages</a:t>
+            </a:r>
+            <a:endParaRPr lang="en-US" dirty="0">
+              <a:latin typeface="Cascadia Code" panose="020B0609020000020004" pitchFamily="49" charset="0"/>
+              <a:cs typeface="Cascadia Code" panose="020B0609020000020004" pitchFamily="49" charset="0"/>
+            </a:endParaRPr>
+          </a:p>
+          <a:p>
+            <a:pPr marL="742950" lvl="1" indent="-285750">
+              <a:spcBef>
+                <a:spcPts val="600"/>
+              </a:spcBef>
+              <a:buFont typeface="Courier New" panose="02070309020205020404" pitchFamily="49" charset="0"/>
+              <a:buChar char="o"/>
+            </a:pPr>
+            <a:r>
+              <a:rPr lang="en-US" dirty="0">
+                <a:latin typeface="Cascadia Code" panose="020B0609020000020004" pitchFamily="49" charset="0"/>
+                <a:cs typeface="Cascadia Code" panose="020B0609020000020004" pitchFamily="49" charset="0"/>
+              </a:rPr>
+              <a:t>May not always find optimal clusters</a:t>
+            </a:r>
+          </a:p>
+          <a:p>
+            <a:pPr marL="742950" lvl="1" indent="-285750">
+              <a:spcBef>
+                <a:spcPts val="600"/>
+              </a:spcBef>
+              <a:buFont typeface="Courier New" panose="02070309020205020404" pitchFamily="49" charset="0"/>
+              <a:buChar char="o"/>
+            </a:pPr>
+            <a:r>
+              <a:rPr lang="en-US" dirty="0">
+                <a:latin typeface="Cascadia Code" panose="020B0609020000020004" pitchFamily="49" charset="0"/>
+                <a:cs typeface="Cascadia Code" panose="020B0609020000020004" pitchFamily="49" charset="0"/>
+              </a:rPr>
+              <a:t>Sensitive to threshold parameters</a:t>
+            </a:r>
+          </a:p>
+          <a:p>
+            <a:pPr marL="742950" lvl="1" indent="-285750">
+              <a:spcBef>
+                <a:spcPts val="600"/>
+              </a:spcBef>
+              <a:buFont typeface="Courier New" panose="02070309020205020404" pitchFamily="49" charset="0"/>
+              <a:buChar char="o"/>
+            </a:pPr>
+            <a:r>
+              <a:rPr lang="en-US" dirty="0">
+                <a:latin typeface="Cascadia Code" panose="020B0609020000020004" pitchFamily="49" charset="0"/>
+                <a:cs typeface="Cascadia Code" panose="020B0609020000020004" pitchFamily="49" charset="0"/>
+              </a:rPr>
+              <a:t>Can be slow for very high-dimensional data</a:t>
+            </a:r>
+          </a:p>
+        </p:txBody>
+      </p:sp>
+      <p:sp>
+        <p:nvSpPr>
+          <p:cNvPr id="8" name="TextBox 7">
+            <a:extLst>
+              <a:ext uri="{FF2B5EF4-FFF2-40B4-BE49-F238E27FC236}">
+                <a16:creationId xmlns:a16="http://schemas.microsoft.com/office/drawing/2014/main" id="{62DA76A8-233C-41B3-8D2B-1FC49D5F6B12}"/>
+              </a:ext>
+            </a:extLst>
+          </p:cNvPr>
+          <p:cNvSpPr txBox="1"/>
+          <p:nvPr/>
+        </p:nvSpPr>
+        <p:spPr>
+          <a:xfrm>
+            <a:off x="1960686" y="4217303"/>
+            <a:ext cx="7426568" cy="2139047"/>
+          </a:xfrm>
+          <a:prstGeom prst="rect">
+            <a:avLst/>
+          </a:prstGeom>
+          <a:noFill/>
+        </p:spPr>
+        <p:txBody>
+          <a:bodyPr wrap="square" rtlCol="0">
+            <a:spAutoFit/>
+          </a:bodyPr>
+          <a:lstStyle/>
+          <a:p>
+            <a:pPr>
+              <a:spcBef>
+                <a:spcPts val="600"/>
+              </a:spcBef>
+            </a:pPr>
+            <a:r>
+              <a:rPr lang="en-US" b="1" dirty="0">
+                <a:latin typeface="Cascadia Code" panose="020B0609020000020004" pitchFamily="49" charset="0"/>
+                <a:cs typeface="Cascadia Code" panose="020B0609020000020004" pitchFamily="49" charset="0"/>
+              </a:rPr>
+              <a:t>Applications</a:t>
+            </a:r>
+            <a:endParaRPr lang="en-US" dirty="0">
+              <a:latin typeface="Cascadia Code" panose="020B0609020000020004" pitchFamily="49" charset="0"/>
+              <a:cs typeface="Cascadia Code" panose="020B0609020000020004" pitchFamily="49" charset="0"/>
+            </a:endParaRPr>
+          </a:p>
+          <a:p>
+            <a:pPr marL="742950" lvl="1" indent="-285750">
+              <a:spcBef>
+                <a:spcPts val="600"/>
+              </a:spcBef>
+              <a:buFont typeface="Courier New" panose="02070309020205020404" pitchFamily="49" charset="0"/>
+              <a:buChar char="o"/>
+            </a:pPr>
+            <a:r>
+              <a:rPr lang="en-US" dirty="0">
+                <a:latin typeface="Cascadia Code" panose="020B0609020000020004" pitchFamily="49" charset="0"/>
+                <a:cs typeface="Cascadia Code" panose="020B0609020000020004" pitchFamily="49" charset="0"/>
+              </a:rPr>
+              <a:t>Data mining</a:t>
+            </a:r>
+          </a:p>
+          <a:p>
+            <a:pPr marL="742950" lvl="1" indent="-285750">
+              <a:spcBef>
+                <a:spcPts val="600"/>
+              </a:spcBef>
+              <a:buFont typeface="Courier New" panose="02070309020205020404" pitchFamily="49" charset="0"/>
+              <a:buChar char="o"/>
+            </a:pPr>
+            <a:r>
+              <a:rPr lang="en-US" dirty="0">
+                <a:latin typeface="Cascadia Code" panose="020B0609020000020004" pitchFamily="49" charset="0"/>
+                <a:cs typeface="Cascadia Code" panose="020B0609020000020004" pitchFamily="49" charset="0"/>
+              </a:rPr>
+              <a:t>Customer segmentation</a:t>
+            </a:r>
+          </a:p>
+          <a:p>
+            <a:pPr marL="742950" lvl="1" indent="-285750">
+              <a:spcBef>
+                <a:spcPts val="600"/>
+              </a:spcBef>
+              <a:buFont typeface="Courier New" panose="02070309020205020404" pitchFamily="49" charset="0"/>
+              <a:buChar char="o"/>
+            </a:pPr>
+            <a:r>
+              <a:rPr lang="en-US" dirty="0">
+                <a:latin typeface="Cascadia Code" panose="020B0609020000020004" pitchFamily="49" charset="0"/>
+                <a:cs typeface="Cascadia Code" panose="020B0609020000020004" pitchFamily="49" charset="0"/>
+              </a:rPr>
+              <a:t>Image segmentation</a:t>
+            </a:r>
+          </a:p>
+          <a:p>
+            <a:pPr marL="742950" lvl="1" indent="-285750">
+              <a:spcBef>
+                <a:spcPts val="600"/>
+              </a:spcBef>
+              <a:buFont typeface="Courier New" panose="02070309020205020404" pitchFamily="49" charset="0"/>
+              <a:buChar char="o"/>
+            </a:pPr>
+            <a:r>
+              <a:rPr lang="en-US" dirty="0">
+                <a:latin typeface="Cascadia Code" panose="020B0609020000020004" pitchFamily="49" charset="0"/>
+                <a:cs typeface="Cascadia Code" panose="020B0609020000020004" pitchFamily="49" charset="0"/>
+              </a:rPr>
+              <a:t>Text clustering</a:t>
+            </a:r>
+          </a:p>
+          <a:p>
+            <a:pPr marL="742950" lvl="1" indent="-285750">
+              <a:spcBef>
+                <a:spcPts val="600"/>
+              </a:spcBef>
+              <a:buFont typeface="Courier New" panose="02070309020205020404" pitchFamily="49" charset="0"/>
+              <a:buChar char="o"/>
+            </a:pPr>
+            <a:r>
+              <a:rPr lang="en-US" dirty="0">
+                <a:latin typeface="Cascadia Code" panose="020B0609020000020004" pitchFamily="49" charset="0"/>
+                <a:cs typeface="Cascadia Code" panose="020B0609020000020004" pitchFamily="49" charset="0"/>
+              </a:rPr>
+              <a:t>Network analysis</a:t>
+            </a:r>
+          </a:p>
+        </p:txBody>
+      </p:sp>
+      <p:sp>
+        <p:nvSpPr>
+          <p:cNvPr id="9" name="TextBox 8">
+            <a:extLst>
+              <a:ext uri="{FF2B5EF4-FFF2-40B4-BE49-F238E27FC236}">
+                <a16:creationId xmlns:a16="http://schemas.microsoft.com/office/drawing/2014/main" id="{8BFC46E0-DA23-431B-B97F-288FC313E425}"/>
+              </a:ext>
+            </a:extLst>
+          </p:cNvPr>
+          <p:cNvSpPr txBox="1"/>
+          <p:nvPr/>
+        </p:nvSpPr>
+        <p:spPr>
+          <a:xfrm>
+            <a:off x="4323720" y="514814"/>
+            <a:ext cx="3544560" cy="523220"/>
+          </a:xfrm>
+          <a:prstGeom prst="rect">
+            <a:avLst/>
+          </a:prstGeom>
+          <a:noFill/>
+        </p:spPr>
+        <p:txBody>
+          <a:bodyPr wrap="none" rtlCol="0">
+            <a:spAutoFit/>
+          </a:bodyPr>
+          <a:lstStyle/>
+          <a:p>
+            <a:r>
+              <a:rPr lang="en-US" sz="2800" b="1" dirty="0">
+                <a:latin typeface="Cascadia Code" panose="020B0609020000020004" pitchFamily="49" charset="0"/>
+                <a:cs typeface="Cascadia Code" panose="020B0609020000020004" pitchFamily="49" charset="0"/>
+              </a:rPr>
+              <a:t>BIRCH Clustering</a:t>
+            </a:r>
+            <a:endParaRPr lang="en-IN" sz="2800" b="1" dirty="0">
+              <a:latin typeface="Cascadia Code" panose="020B0609020000020004" pitchFamily="49" charset="0"/>
+              <a:cs typeface="Cascadia Code" panose="020B0609020000020004" pitchFamily="49" charset="0"/>
+            </a:endParaRPr>
+          </a:p>
+        </p:txBody>
+      </p:sp>
+    </p:spTree>
+    <p:extLst>
+      <p:ext uri="{BB962C8B-B14F-4D97-AF65-F5344CB8AC3E}">
+        <p14:creationId xmlns:p14="http://schemas.microsoft.com/office/powerpoint/2010/main" val="3498932165"/>
+      </p:ext>
+    </p:extLst>
+  </p:cSld>
+  <p:clrMapOvr>
+    <a:masterClrMapping/>
+  </p:clrMapOvr>
+</p:sld>
+</file>
+
 <file path=ppt/slides/slide3.xml><?xml version="1.0" encoding="utf-8"?>
 <p:sld xmlns:a="http://schemas.openxmlformats.org/drawingml/2006/main" xmlns:r="http://schemas.openxmlformats.org/officeDocument/2006/relationships" xmlns:p="http://schemas.openxmlformats.org/presentationml/2006/main">
   <p:cSld>
@@ -14729,6 +21357,64 @@
           </p:cNvPr>
           <p:cNvGraphicFramePr/>
           <p:nvPr>
+            <p:extLst>
+              <p:ext uri="{D42A27DB-BD31-4B8C-83A1-F6EECF244321}">
+                <p14:modId xmlns:p14="http://schemas.microsoft.com/office/powerpoint/2010/main" val="1346403600"/>
+              </p:ext>
+            </p:extLst>
+          </p:nvPr>
+        </p:nvGraphicFramePr>
+        <p:xfrm>
+          <a:off x="2031998" y="719666"/>
+          <a:ext cx="4954589" cy="3623734"/>
+        </p:xfrm>
+        <a:graphic>
+          <a:graphicData uri="http://schemas.openxmlformats.org/drawingml/2006/chart">
+            <c:chart xmlns:c="http://schemas.openxmlformats.org/drawingml/2006/chart" xmlns:r="http://schemas.openxmlformats.org/officeDocument/2006/relationships" r:id="rId2"/>
+          </a:graphicData>
+        </a:graphic>
+      </p:graphicFrame>
+    </p:spTree>
+    <p:extLst>
+      <p:ext uri="{BB962C8B-B14F-4D97-AF65-F5344CB8AC3E}">
+        <p14:creationId xmlns:p14="http://schemas.microsoft.com/office/powerpoint/2010/main" val="1941786827"/>
+      </p:ext>
+    </p:extLst>
+  </p:cSld>
+  <p:clrMapOvr>
+    <a:masterClrMapping/>
+  </p:clrMapOvr>
+</p:sld>
+</file>
+
+<file path=ppt/slides/slide5.xml><?xml version="1.0" encoding="utf-8"?>
+<p:sld xmlns:a="http://schemas.openxmlformats.org/drawingml/2006/main" xmlns:r="http://schemas.openxmlformats.org/officeDocument/2006/relationships" xmlns:p="http://schemas.openxmlformats.org/presentationml/2006/main">
+  <p:cSld>
+    <p:spTree>
+      <p:nvGrpSpPr>
+        <p:cNvPr id="1" name=""/>
+        <p:cNvGrpSpPr/>
+        <p:nvPr/>
+      </p:nvGrpSpPr>
+      <p:grpSpPr>
+        <a:xfrm>
+          <a:off x="0" y="0"/>
+          <a:ext cx="0" cy="0"/>
+          <a:chOff x="0" y="0"/>
+          <a:chExt cx="0" cy="0"/>
+        </a:xfrm>
+      </p:grpSpPr>
+      <p:graphicFrame>
+        <p:nvGraphicFramePr>
+          <p:cNvPr id="6" name="Chart 5">
+            <a:extLst>
+              <a:ext uri="{FF2B5EF4-FFF2-40B4-BE49-F238E27FC236}">
+                <a16:creationId xmlns:a16="http://schemas.microsoft.com/office/drawing/2014/main" id="{F2AB69F2-174E-4BC7-91D9-212DC5350EB1}"/>
+              </a:ext>
+            </a:extLst>
+          </p:cNvPr>
+          <p:cNvGraphicFramePr/>
+          <p:nvPr>
             <p:extLst/>
           </p:nvPr>
         </p:nvGraphicFramePr>
@@ -14755,7 +21441,7 @@
 </p:sld>
 </file>
 
-<file path=ppt/slides/slide5.xml><?xml version="1.0" encoding="utf-8"?>
+<file path=ppt/slides/slide6.xml><?xml version="1.0" encoding="utf-8"?>
 <p:sld xmlns:a="http://schemas.openxmlformats.org/drawingml/2006/main" xmlns:r="http://schemas.openxmlformats.org/officeDocument/2006/relationships" xmlns:p="http://schemas.openxmlformats.org/presentationml/2006/main">
   <p:cSld>
     <p:spTree>
@@ -14855,7 +21541,7 @@
 </p:sld>
 </file>
 
-<file path=ppt/slides/slide6.xml><?xml version="1.0" encoding="utf-8"?>
+<file path=ppt/slides/slide7.xml><?xml version="1.0" encoding="utf-8"?>
 <p:sld xmlns:a="http://schemas.openxmlformats.org/drawingml/2006/main" xmlns:r="http://schemas.openxmlformats.org/officeDocument/2006/relationships" xmlns:p="http://schemas.openxmlformats.org/presentationml/2006/main">
   <p:cSld>
     <p:spTree>
@@ -15177,338 +21863,6 @@
 </p:sld>
 </file>
 
-<file path=ppt/slides/slide7.xml><?xml version="1.0" encoding="utf-8"?>
-<p:sld xmlns:a="http://schemas.openxmlformats.org/drawingml/2006/main" xmlns:r="http://schemas.openxmlformats.org/officeDocument/2006/relationships" xmlns:p="http://schemas.openxmlformats.org/presentationml/2006/main">
-  <p:cSld>
-    <p:spTree>
-      <p:nvGrpSpPr>
-        <p:cNvPr id="1" name=""/>
-        <p:cNvGrpSpPr/>
-        <p:nvPr/>
-      </p:nvGrpSpPr>
-      <p:grpSpPr>
-        <a:xfrm>
-          <a:off x="0" y="0"/>
-          <a:ext cx="0" cy="0"/>
-          <a:chOff x="0" y="0"/>
-          <a:chExt cx="0" cy="0"/>
-        </a:xfrm>
-      </p:grpSpPr>
-      <p:sp>
-        <p:nvSpPr>
-          <p:cNvPr id="3" name="Footer Placeholder 2">
-            <a:extLst>
-              <a:ext uri="{FF2B5EF4-FFF2-40B4-BE49-F238E27FC236}">
-                <a16:creationId xmlns:a16="http://schemas.microsoft.com/office/drawing/2014/main" id="{DAF5AB59-A2ED-4DA4-A7FA-C90BE9D52D60}"/>
-              </a:ext>
-            </a:extLst>
-          </p:cNvPr>
-          <p:cNvSpPr>
-            <a:spLocks noGrp="1"/>
-          </p:cNvSpPr>
-          <p:nvPr>
-            <p:ph type="ftr" sz="quarter" idx="11"/>
-          </p:nvPr>
-        </p:nvSpPr>
-        <p:spPr/>
-        <p:txBody>
-          <a:bodyPr/>
-          <a:lstStyle/>
-          <a:p>
-            <a:r>
-              <a:rPr lang="en-IN" dirty="0"/>
-              <a:t>Machine Learning Clustering Algorithms</a:t>
-            </a:r>
-          </a:p>
-        </p:txBody>
-      </p:sp>
-      <p:sp>
-        <p:nvSpPr>
-          <p:cNvPr id="2" name="TextBox 1">
-            <a:extLst>
-              <a:ext uri="{FF2B5EF4-FFF2-40B4-BE49-F238E27FC236}">
-                <a16:creationId xmlns:a16="http://schemas.microsoft.com/office/drawing/2014/main" id="{C5AD4A6B-2846-495A-BC28-7F753ECC3633}"/>
-              </a:ext>
-            </a:extLst>
-          </p:cNvPr>
-          <p:cNvSpPr txBox="1"/>
-          <p:nvPr/>
-        </p:nvSpPr>
-        <p:spPr>
-          <a:xfrm>
-            <a:off x="3846486" y="2143960"/>
-            <a:ext cx="4720740" cy="3554819"/>
-          </a:xfrm>
-          <a:prstGeom prst="rect">
-            <a:avLst/>
-          </a:prstGeom>
-          <a:noFill/>
-        </p:spPr>
-        <p:txBody>
-          <a:bodyPr wrap="square" rtlCol="0">
-            <a:spAutoFit/>
-          </a:bodyPr>
-          <a:lstStyle/>
-          <a:p>
-            <a:pPr marL="342900" indent="-342900">
-              <a:spcBef>
-                <a:spcPts val="600"/>
-              </a:spcBef>
-              <a:buFont typeface="+mj-lt"/>
-              <a:buAutoNum type="arabicPeriod"/>
-            </a:pPr>
-            <a:r>
-              <a:rPr lang="en-US" dirty="0" err="1">
-                <a:latin typeface="Cascadia Code" panose="020B0609020000020004" pitchFamily="49" charset="0"/>
-                <a:cs typeface="Cascadia Code" panose="020B0609020000020004" pitchFamily="49" charset="0"/>
-              </a:rPr>
-              <a:t>BisectingKMeansClustering</a:t>
-            </a:r>
-            <a:endParaRPr lang="en-US" dirty="0">
-              <a:latin typeface="Cascadia Code" panose="020B0609020000020004" pitchFamily="49" charset="0"/>
-              <a:cs typeface="Cascadia Code" panose="020B0609020000020004" pitchFamily="49" charset="0"/>
-            </a:endParaRPr>
-          </a:p>
-          <a:p>
-            <a:pPr marL="342900" indent="-342900">
-              <a:spcBef>
-                <a:spcPts val="600"/>
-              </a:spcBef>
-              <a:buFont typeface="+mj-lt"/>
-              <a:buAutoNum type="arabicPeriod"/>
-            </a:pPr>
-            <a:r>
-              <a:rPr lang="en-US" dirty="0" err="1">
-                <a:latin typeface="Cascadia Code" panose="020B0609020000020004" pitchFamily="49" charset="0"/>
-                <a:cs typeface="Cascadia Code" panose="020B0609020000020004" pitchFamily="49" charset="0"/>
-              </a:rPr>
-              <a:t>AgglomerativeClustering</a:t>
-            </a:r>
-            <a:endParaRPr lang="en-US" dirty="0">
-              <a:latin typeface="Cascadia Code" panose="020B0609020000020004" pitchFamily="49" charset="0"/>
-              <a:cs typeface="Cascadia Code" panose="020B0609020000020004" pitchFamily="49" charset="0"/>
-            </a:endParaRPr>
-          </a:p>
-          <a:p>
-            <a:pPr marL="342900" indent="-342900">
-              <a:spcBef>
-                <a:spcPts val="600"/>
-              </a:spcBef>
-              <a:buFont typeface="+mj-lt"/>
-              <a:buAutoNum type="arabicPeriod"/>
-            </a:pPr>
-            <a:r>
-              <a:rPr lang="en-US" dirty="0" err="1">
-                <a:latin typeface="Cascadia Code" panose="020B0609020000020004" pitchFamily="49" charset="0"/>
-                <a:cs typeface="Cascadia Code" panose="020B0609020000020004" pitchFamily="49" charset="0"/>
-              </a:rPr>
-              <a:t>BirchClustering</a:t>
-            </a:r>
-            <a:r>
-              <a:rPr lang="en-US" dirty="0">
-                <a:latin typeface="Cascadia Code" panose="020B0609020000020004" pitchFamily="49" charset="0"/>
-                <a:cs typeface="Cascadia Code" panose="020B0609020000020004" pitchFamily="49" charset="0"/>
-              </a:rPr>
-              <a:t> </a:t>
-            </a:r>
-          </a:p>
-          <a:p>
-            <a:pPr marL="342900" indent="-342900">
-              <a:spcBef>
-                <a:spcPts val="600"/>
-              </a:spcBef>
-              <a:buFont typeface="+mj-lt"/>
-              <a:buAutoNum type="arabicPeriod"/>
-            </a:pPr>
-            <a:r>
-              <a:rPr lang="en-US" dirty="0" err="1">
-                <a:latin typeface="Cascadia Code" panose="020B0609020000020004" pitchFamily="49" charset="0"/>
-                <a:cs typeface="Cascadia Code" panose="020B0609020000020004" pitchFamily="49" charset="0"/>
-              </a:rPr>
-              <a:t>MeanShiftClustering</a:t>
-            </a:r>
-            <a:endParaRPr lang="en-US" dirty="0">
-              <a:latin typeface="Cascadia Code" panose="020B0609020000020004" pitchFamily="49" charset="0"/>
-              <a:cs typeface="Cascadia Code" panose="020B0609020000020004" pitchFamily="49" charset="0"/>
-            </a:endParaRPr>
-          </a:p>
-          <a:p>
-            <a:pPr marL="342900" indent="-342900">
-              <a:spcBef>
-                <a:spcPts val="600"/>
-              </a:spcBef>
-              <a:buFont typeface="+mj-lt"/>
-              <a:buAutoNum type="arabicPeriod"/>
-            </a:pPr>
-            <a:r>
-              <a:rPr lang="en-US" dirty="0" err="1">
-                <a:latin typeface="Cascadia Code" panose="020B0609020000020004" pitchFamily="49" charset="0"/>
-                <a:cs typeface="Cascadia Code" panose="020B0609020000020004" pitchFamily="49" charset="0"/>
-              </a:rPr>
-              <a:t>AffinityPropagationClustering</a:t>
-            </a:r>
-            <a:endParaRPr lang="en-US" dirty="0">
-              <a:latin typeface="Cascadia Code" panose="020B0609020000020004" pitchFamily="49" charset="0"/>
-              <a:cs typeface="Cascadia Code" panose="020B0609020000020004" pitchFamily="49" charset="0"/>
-            </a:endParaRPr>
-          </a:p>
-          <a:p>
-            <a:pPr marL="342900" indent="-342900">
-              <a:spcBef>
-                <a:spcPts val="600"/>
-              </a:spcBef>
-              <a:buFont typeface="+mj-lt"/>
-              <a:buAutoNum type="arabicPeriod"/>
-            </a:pPr>
-            <a:r>
-              <a:rPr lang="en-US" dirty="0" err="1">
-                <a:latin typeface="Cascadia Code" panose="020B0609020000020004" pitchFamily="49" charset="0"/>
-                <a:cs typeface="Cascadia Code" panose="020B0609020000020004" pitchFamily="49" charset="0"/>
-              </a:rPr>
-              <a:t>DBScanClustering</a:t>
-            </a:r>
-            <a:endParaRPr lang="en-US" dirty="0">
-              <a:latin typeface="Cascadia Code" panose="020B0609020000020004" pitchFamily="49" charset="0"/>
-              <a:cs typeface="Cascadia Code" panose="020B0609020000020004" pitchFamily="49" charset="0"/>
-            </a:endParaRPr>
-          </a:p>
-          <a:p>
-            <a:pPr marL="342900" indent="-342900">
-              <a:spcBef>
-                <a:spcPts val="600"/>
-              </a:spcBef>
-              <a:buFont typeface="+mj-lt"/>
-              <a:buAutoNum type="arabicPeriod"/>
-            </a:pPr>
-            <a:r>
-              <a:rPr lang="en-US" dirty="0" err="1">
-                <a:latin typeface="Cascadia Code" panose="020B0609020000020004" pitchFamily="49" charset="0"/>
-                <a:cs typeface="Cascadia Code" panose="020B0609020000020004" pitchFamily="49" charset="0"/>
-              </a:rPr>
-              <a:t>KMeansClustering</a:t>
-            </a:r>
-            <a:endParaRPr lang="en-US" dirty="0">
-              <a:latin typeface="Cascadia Code" panose="020B0609020000020004" pitchFamily="49" charset="0"/>
-              <a:cs typeface="Cascadia Code" panose="020B0609020000020004" pitchFamily="49" charset="0"/>
-            </a:endParaRPr>
-          </a:p>
-          <a:p>
-            <a:pPr marL="342900" indent="-342900">
-              <a:spcBef>
-                <a:spcPts val="600"/>
-              </a:spcBef>
-              <a:buFont typeface="+mj-lt"/>
-              <a:buAutoNum type="arabicPeriod"/>
-            </a:pPr>
-            <a:r>
-              <a:rPr lang="en-US" dirty="0" err="1">
-                <a:latin typeface="Cascadia Code" panose="020B0609020000020004" pitchFamily="49" charset="0"/>
-                <a:cs typeface="Cascadia Code" panose="020B0609020000020004" pitchFamily="49" charset="0"/>
-              </a:rPr>
-              <a:t>HDBScanClustering</a:t>
-            </a:r>
-            <a:endParaRPr lang="en-US" dirty="0">
-              <a:latin typeface="Cascadia Code" panose="020B0609020000020004" pitchFamily="49" charset="0"/>
-              <a:cs typeface="Cascadia Code" panose="020B0609020000020004" pitchFamily="49" charset="0"/>
-            </a:endParaRPr>
-          </a:p>
-          <a:p>
-            <a:pPr marL="342900" indent="-342900">
-              <a:spcBef>
-                <a:spcPts val="600"/>
-              </a:spcBef>
-              <a:buFont typeface="+mj-lt"/>
-              <a:buAutoNum type="arabicPeriod"/>
-            </a:pPr>
-            <a:r>
-              <a:rPr lang="en-US" dirty="0" err="1">
-                <a:latin typeface="Cascadia Code" panose="020B0609020000020004" pitchFamily="49" charset="0"/>
-                <a:cs typeface="Cascadia Code" panose="020B0609020000020004" pitchFamily="49" charset="0"/>
-              </a:rPr>
-              <a:t>OpticsClustering</a:t>
-            </a:r>
-            <a:endParaRPr lang="en-US" dirty="0">
-              <a:latin typeface="Cascadia Code" panose="020B0609020000020004" pitchFamily="49" charset="0"/>
-              <a:cs typeface="Cascadia Code" panose="020B0609020000020004" pitchFamily="49" charset="0"/>
-            </a:endParaRPr>
-          </a:p>
-          <a:p>
-            <a:pPr marL="342900" indent="-342900">
-              <a:spcBef>
-                <a:spcPts val="600"/>
-              </a:spcBef>
-              <a:buFont typeface="+mj-lt"/>
-              <a:buAutoNum type="arabicPeriod"/>
-            </a:pPr>
-            <a:r>
-              <a:rPr lang="en-US" dirty="0" err="1">
-                <a:latin typeface="Cascadia Code" panose="020B0609020000020004" pitchFamily="49" charset="0"/>
-                <a:cs typeface="Cascadia Code" panose="020B0609020000020004" pitchFamily="49" charset="0"/>
-              </a:rPr>
-              <a:t>SpectralClustering</a:t>
-            </a:r>
-            <a:endParaRPr lang="en-US" dirty="0">
-              <a:latin typeface="Cascadia Code" panose="020B0609020000020004" pitchFamily="49" charset="0"/>
-              <a:cs typeface="Cascadia Code" panose="020B0609020000020004" pitchFamily="49" charset="0"/>
-            </a:endParaRPr>
-          </a:p>
-        </p:txBody>
-      </p:sp>
-      <p:sp>
-        <p:nvSpPr>
-          <p:cNvPr id="5" name="TextBox 4">
-            <a:extLst>
-              <a:ext uri="{FF2B5EF4-FFF2-40B4-BE49-F238E27FC236}">
-                <a16:creationId xmlns:a16="http://schemas.microsoft.com/office/drawing/2014/main" id="{0F1C7B19-9F0B-4B15-AC52-92FD338C2635}"/>
-              </a:ext>
-            </a:extLst>
-          </p:cNvPr>
-          <p:cNvSpPr txBox="1"/>
-          <p:nvPr/>
-        </p:nvSpPr>
-        <p:spPr>
-          <a:xfrm>
-            <a:off x="2958762" y="633047"/>
-            <a:ext cx="6274475" cy="523220"/>
-          </a:xfrm>
-          <a:prstGeom prst="rect">
-            <a:avLst/>
-          </a:prstGeom>
-          <a:noFill/>
-        </p:spPr>
-        <p:txBody>
-          <a:bodyPr wrap="none" rtlCol="0">
-            <a:spAutoFit/>
-          </a:bodyPr>
-          <a:lstStyle/>
-          <a:p>
-            <a:r>
-              <a:rPr lang="en-US" sz="2800" b="1" dirty="0">
-                <a:latin typeface="Cascadia Code" panose="020B0609020000020004" pitchFamily="49" charset="0"/>
-                <a:cs typeface="Cascadia Code" panose="020B0609020000020004" pitchFamily="49" charset="0"/>
-              </a:rPr>
-              <a:t>Different Types of Clustering</a:t>
-            </a:r>
-            <a:endParaRPr lang="en-IN" sz="2800" b="1" dirty="0">
-              <a:latin typeface="Cascadia Code" panose="020B0609020000020004" pitchFamily="49" charset="0"/>
-              <a:cs typeface="Cascadia Code" panose="020B0609020000020004" pitchFamily="49" charset="0"/>
-            </a:endParaRPr>
-          </a:p>
-        </p:txBody>
-      </p:sp>
-    </p:spTree>
-    <p:extLst>
-      <p:ext uri="{BB962C8B-B14F-4D97-AF65-F5344CB8AC3E}">
-        <p14:creationId xmlns:p14="http://schemas.microsoft.com/office/powerpoint/2010/main" val="3107248426"/>
-      </p:ext>
-    </p:extLst>
-  </p:cSld>
-  <p:clrMapOvr>
-    <a:masterClrMapping/>
-  </p:clrMapOvr>
-</p:sld>
-</file>
-
 <file path=ppt/slides/slide8.xml><?xml version="1.0" encoding="utf-8"?>
 <p:sld xmlns:a="http://schemas.openxmlformats.org/drawingml/2006/main" xmlns:r="http://schemas.openxmlformats.org/officeDocument/2006/relationships" xmlns:p="http://schemas.openxmlformats.org/presentationml/2006/main">
   <p:cSld>
@@ -15568,6 +21922,338 @@
         </p:nvSpPr>
         <p:spPr>
           <a:xfrm>
+            <a:off x="3846486" y="2143960"/>
+            <a:ext cx="4720740" cy="3554819"/>
+          </a:xfrm>
+          <a:prstGeom prst="rect">
+            <a:avLst/>
+          </a:prstGeom>
+          <a:noFill/>
+        </p:spPr>
+        <p:txBody>
+          <a:bodyPr wrap="square" rtlCol="0">
+            <a:spAutoFit/>
+          </a:bodyPr>
+          <a:lstStyle/>
+          <a:p>
+            <a:pPr marL="342900" indent="-342900">
+              <a:spcBef>
+                <a:spcPts val="600"/>
+              </a:spcBef>
+              <a:buFont typeface="+mj-lt"/>
+              <a:buAutoNum type="arabicPeriod"/>
+            </a:pPr>
+            <a:r>
+              <a:rPr lang="en-US" dirty="0" err="1">
+                <a:latin typeface="Cascadia Code" panose="020B0609020000020004" pitchFamily="49" charset="0"/>
+                <a:cs typeface="Cascadia Code" panose="020B0609020000020004" pitchFamily="49" charset="0"/>
+              </a:rPr>
+              <a:t>BisectingKMeansClustering</a:t>
+            </a:r>
+            <a:endParaRPr lang="en-US" dirty="0">
+              <a:latin typeface="Cascadia Code" panose="020B0609020000020004" pitchFamily="49" charset="0"/>
+              <a:cs typeface="Cascadia Code" panose="020B0609020000020004" pitchFamily="49" charset="0"/>
+            </a:endParaRPr>
+          </a:p>
+          <a:p>
+            <a:pPr marL="342900" indent="-342900">
+              <a:spcBef>
+                <a:spcPts val="600"/>
+              </a:spcBef>
+              <a:buFont typeface="+mj-lt"/>
+              <a:buAutoNum type="arabicPeriod"/>
+            </a:pPr>
+            <a:r>
+              <a:rPr lang="en-US" dirty="0" err="1">
+                <a:latin typeface="Cascadia Code" panose="020B0609020000020004" pitchFamily="49" charset="0"/>
+                <a:cs typeface="Cascadia Code" panose="020B0609020000020004" pitchFamily="49" charset="0"/>
+              </a:rPr>
+              <a:t>AgglomerativeClustering</a:t>
+            </a:r>
+            <a:endParaRPr lang="en-US" dirty="0">
+              <a:latin typeface="Cascadia Code" panose="020B0609020000020004" pitchFamily="49" charset="0"/>
+              <a:cs typeface="Cascadia Code" panose="020B0609020000020004" pitchFamily="49" charset="0"/>
+            </a:endParaRPr>
+          </a:p>
+          <a:p>
+            <a:pPr marL="342900" indent="-342900">
+              <a:spcBef>
+                <a:spcPts val="600"/>
+              </a:spcBef>
+              <a:buFont typeface="+mj-lt"/>
+              <a:buAutoNum type="arabicPeriod"/>
+            </a:pPr>
+            <a:r>
+              <a:rPr lang="en-US" dirty="0" err="1">
+                <a:latin typeface="Cascadia Code" panose="020B0609020000020004" pitchFamily="49" charset="0"/>
+                <a:cs typeface="Cascadia Code" panose="020B0609020000020004" pitchFamily="49" charset="0"/>
+              </a:rPr>
+              <a:t>BirchClustering</a:t>
+            </a:r>
+            <a:r>
+              <a:rPr lang="en-US" dirty="0">
+                <a:latin typeface="Cascadia Code" panose="020B0609020000020004" pitchFamily="49" charset="0"/>
+                <a:cs typeface="Cascadia Code" panose="020B0609020000020004" pitchFamily="49" charset="0"/>
+              </a:rPr>
+              <a:t> </a:t>
+            </a:r>
+          </a:p>
+          <a:p>
+            <a:pPr marL="342900" indent="-342900">
+              <a:spcBef>
+                <a:spcPts val="600"/>
+              </a:spcBef>
+              <a:buFont typeface="+mj-lt"/>
+              <a:buAutoNum type="arabicPeriod"/>
+            </a:pPr>
+            <a:r>
+              <a:rPr lang="en-US" dirty="0" err="1">
+                <a:latin typeface="Cascadia Code" panose="020B0609020000020004" pitchFamily="49" charset="0"/>
+                <a:cs typeface="Cascadia Code" panose="020B0609020000020004" pitchFamily="49" charset="0"/>
+              </a:rPr>
+              <a:t>MeanShiftClustering</a:t>
+            </a:r>
+            <a:endParaRPr lang="en-US" dirty="0">
+              <a:latin typeface="Cascadia Code" panose="020B0609020000020004" pitchFamily="49" charset="0"/>
+              <a:cs typeface="Cascadia Code" panose="020B0609020000020004" pitchFamily="49" charset="0"/>
+            </a:endParaRPr>
+          </a:p>
+          <a:p>
+            <a:pPr marL="342900" indent="-342900">
+              <a:spcBef>
+                <a:spcPts val="600"/>
+              </a:spcBef>
+              <a:buFont typeface="+mj-lt"/>
+              <a:buAutoNum type="arabicPeriod"/>
+            </a:pPr>
+            <a:r>
+              <a:rPr lang="en-US" dirty="0" err="1">
+                <a:latin typeface="Cascadia Code" panose="020B0609020000020004" pitchFamily="49" charset="0"/>
+                <a:cs typeface="Cascadia Code" panose="020B0609020000020004" pitchFamily="49" charset="0"/>
+              </a:rPr>
+              <a:t>AffinityPropagationClustering</a:t>
+            </a:r>
+            <a:endParaRPr lang="en-US" dirty="0">
+              <a:latin typeface="Cascadia Code" panose="020B0609020000020004" pitchFamily="49" charset="0"/>
+              <a:cs typeface="Cascadia Code" panose="020B0609020000020004" pitchFamily="49" charset="0"/>
+            </a:endParaRPr>
+          </a:p>
+          <a:p>
+            <a:pPr marL="342900" indent="-342900">
+              <a:spcBef>
+                <a:spcPts val="600"/>
+              </a:spcBef>
+              <a:buFont typeface="+mj-lt"/>
+              <a:buAutoNum type="arabicPeriod"/>
+            </a:pPr>
+            <a:r>
+              <a:rPr lang="en-US" dirty="0" err="1">
+                <a:latin typeface="Cascadia Code" panose="020B0609020000020004" pitchFamily="49" charset="0"/>
+                <a:cs typeface="Cascadia Code" panose="020B0609020000020004" pitchFamily="49" charset="0"/>
+              </a:rPr>
+              <a:t>DBScanClustering</a:t>
+            </a:r>
+            <a:endParaRPr lang="en-US" dirty="0">
+              <a:latin typeface="Cascadia Code" panose="020B0609020000020004" pitchFamily="49" charset="0"/>
+              <a:cs typeface="Cascadia Code" panose="020B0609020000020004" pitchFamily="49" charset="0"/>
+            </a:endParaRPr>
+          </a:p>
+          <a:p>
+            <a:pPr marL="342900" indent="-342900">
+              <a:spcBef>
+                <a:spcPts val="600"/>
+              </a:spcBef>
+              <a:buFont typeface="+mj-lt"/>
+              <a:buAutoNum type="arabicPeriod"/>
+            </a:pPr>
+            <a:r>
+              <a:rPr lang="en-US" dirty="0" err="1">
+                <a:latin typeface="Cascadia Code" panose="020B0609020000020004" pitchFamily="49" charset="0"/>
+                <a:cs typeface="Cascadia Code" panose="020B0609020000020004" pitchFamily="49" charset="0"/>
+              </a:rPr>
+              <a:t>KMeansClustering</a:t>
+            </a:r>
+            <a:endParaRPr lang="en-US" dirty="0">
+              <a:latin typeface="Cascadia Code" panose="020B0609020000020004" pitchFamily="49" charset="0"/>
+              <a:cs typeface="Cascadia Code" panose="020B0609020000020004" pitchFamily="49" charset="0"/>
+            </a:endParaRPr>
+          </a:p>
+          <a:p>
+            <a:pPr marL="342900" indent="-342900">
+              <a:spcBef>
+                <a:spcPts val="600"/>
+              </a:spcBef>
+              <a:buFont typeface="+mj-lt"/>
+              <a:buAutoNum type="arabicPeriod"/>
+            </a:pPr>
+            <a:r>
+              <a:rPr lang="en-US" dirty="0" err="1">
+                <a:latin typeface="Cascadia Code" panose="020B0609020000020004" pitchFamily="49" charset="0"/>
+                <a:cs typeface="Cascadia Code" panose="020B0609020000020004" pitchFamily="49" charset="0"/>
+              </a:rPr>
+              <a:t>HDBScanClustering</a:t>
+            </a:r>
+            <a:endParaRPr lang="en-US" dirty="0">
+              <a:latin typeface="Cascadia Code" panose="020B0609020000020004" pitchFamily="49" charset="0"/>
+              <a:cs typeface="Cascadia Code" panose="020B0609020000020004" pitchFamily="49" charset="0"/>
+            </a:endParaRPr>
+          </a:p>
+          <a:p>
+            <a:pPr marL="342900" indent="-342900">
+              <a:spcBef>
+                <a:spcPts val="600"/>
+              </a:spcBef>
+              <a:buFont typeface="+mj-lt"/>
+              <a:buAutoNum type="arabicPeriod"/>
+            </a:pPr>
+            <a:r>
+              <a:rPr lang="en-US" dirty="0" err="1">
+                <a:latin typeface="Cascadia Code" panose="020B0609020000020004" pitchFamily="49" charset="0"/>
+                <a:cs typeface="Cascadia Code" panose="020B0609020000020004" pitchFamily="49" charset="0"/>
+              </a:rPr>
+              <a:t>OpticsClustering</a:t>
+            </a:r>
+            <a:endParaRPr lang="en-US" dirty="0">
+              <a:latin typeface="Cascadia Code" panose="020B0609020000020004" pitchFamily="49" charset="0"/>
+              <a:cs typeface="Cascadia Code" panose="020B0609020000020004" pitchFamily="49" charset="0"/>
+            </a:endParaRPr>
+          </a:p>
+          <a:p>
+            <a:pPr marL="342900" indent="-342900">
+              <a:spcBef>
+                <a:spcPts val="600"/>
+              </a:spcBef>
+              <a:buFont typeface="+mj-lt"/>
+              <a:buAutoNum type="arabicPeriod"/>
+            </a:pPr>
+            <a:r>
+              <a:rPr lang="en-US" dirty="0" err="1">
+                <a:latin typeface="Cascadia Code" panose="020B0609020000020004" pitchFamily="49" charset="0"/>
+                <a:cs typeface="Cascadia Code" panose="020B0609020000020004" pitchFamily="49" charset="0"/>
+              </a:rPr>
+              <a:t>SpectralClustering</a:t>
+            </a:r>
+            <a:endParaRPr lang="en-US" dirty="0">
+              <a:latin typeface="Cascadia Code" panose="020B0609020000020004" pitchFamily="49" charset="0"/>
+              <a:cs typeface="Cascadia Code" panose="020B0609020000020004" pitchFamily="49" charset="0"/>
+            </a:endParaRPr>
+          </a:p>
+        </p:txBody>
+      </p:sp>
+      <p:sp>
+        <p:nvSpPr>
+          <p:cNvPr id="5" name="TextBox 4">
+            <a:extLst>
+              <a:ext uri="{FF2B5EF4-FFF2-40B4-BE49-F238E27FC236}">
+                <a16:creationId xmlns:a16="http://schemas.microsoft.com/office/drawing/2014/main" id="{0F1C7B19-9F0B-4B15-AC52-92FD338C2635}"/>
+              </a:ext>
+            </a:extLst>
+          </p:cNvPr>
+          <p:cNvSpPr txBox="1"/>
+          <p:nvPr/>
+        </p:nvSpPr>
+        <p:spPr>
+          <a:xfrm>
+            <a:off x="2958762" y="633047"/>
+            <a:ext cx="6274475" cy="523220"/>
+          </a:xfrm>
+          <a:prstGeom prst="rect">
+            <a:avLst/>
+          </a:prstGeom>
+          <a:noFill/>
+        </p:spPr>
+        <p:txBody>
+          <a:bodyPr wrap="none" rtlCol="0">
+            <a:spAutoFit/>
+          </a:bodyPr>
+          <a:lstStyle/>
+          <a:p>
+            <a:r>
+              <a:rPr lang="en-US" sz="2800" b="1" dirty="0">
+                <a:latin typeface="Cascadia Code" panose="020B0609020000020004" pitchFamily="49" charset="0"/>
+                <a:cs typeface="Cascadia Code" panose="020B0609020000020004" pitchFamily="49" charset="0"/>
+              </a:rPr>
+              <a:t>Different Types of Clustering</a:t>
+            </a:r>
+            <a:endParaRPr lang="en-IN" sz="2800" b="1" dirty="0">
+              <a:latin typeface="Cascadia Code" panose="020B0609020000020004" pitchFamily="49" charset="0"/>
+              <a:cs typeface="Cascadia Code" panose="020B0609020000020004" pitchFamily="49" charset="0"/>
+            </a:endParaRPr>
+          </a:p>
+        </p:txBody>
+      </p:sp>
+    </p:spTree>
+    <p:extLst>
+      <p:ext uri="{BB962C8B-B14F-4D97-AF65-F5344CB8AC3E}">
+        <p14:creationId xmlns:p14="http://schemas.microsoft.com/office/powerpoint/2010/main" val="3107248426"/>
+      </p:ext>
+    </p:extLst>
+  </p:cSld>
+  <p:clrMapOvr>
+    <a:masterClrMapping/>
+  </p:clrMapOvr>
+</p:sld>
+</file>
+
+<file path=ppt/slides/slide9.xml><?xml version="1.0" encoding="utf-8"?>
+<p:sld xmlns:a="http://schemas.openxmlformats.org/drawingml/2006/main" xmlns:r="http://schemas.openxmlformats.org/officeDocument/2006/relationships" xmlns:p="http://schemas.openxmlformats.org/presentationml/2006/main">
+  <p:cSld>
+    <p:spTree>
+      <p:nvGrpSpPr>
+        <p:cNvPr id="1" name=""/>
+        <p:cNvGrpSpPr/>
+        <p:nvPr/>
+      </p:nvGrpSpPr>
+      <p:grpSpPr>
+        <a:xfrm>
+          <a:off x="0" y="0"/>
+          <a:ext cx="0" cy="0"/>
+          <a:chOff x="0" y="0"/>
+          <a:chExt cx="0" cy="0"/>
+        </a:xfrm>
+      </p:grpSpPr>
+      <p:sp>
+        <p:nvSpPr>
+          <p:cNvPr id="3" name="Footer Placeholder 2">
+            <a:extLst>
+              <a:ext uri="{FF2B5EF4-FFF2-40B4-BE49-F238E27FC236}">
+                <a16:creationId xmlns:a16="http://schemas.microsoft.com/office/drawing/2014/main" id="{DAF5AB59-A2ED-4DA4-A7FA-C90BE9D52D60}"/>
+              </a:ext>
+            </a:extLst>
+          </p:cNvPr>
+          <p:cNvSpPr>
+            <a:spLocks noGrp="1"/>
+          </p:cNvSpPr>
+          <p:nvPr>
+            <p:ph type="ftr" sz="quarter" idx="11"/>
+          </p:nvPr>
+        </p:nvSpPr>
+        <p:spPr/>
+        <p:txBody>
+          <a:bodyPr/>
+          <a:lstStyle/>
+          <a:p>
+            <a:r>
+              <a:rPr lang="en-IN" dirty="0"/>
+              <a:t>Machine Learning Clustering Algorithms</a:t>
+            </a:r>
+          </a:p>
+        </p:txBody>
+      </p:sp>
+      <p:sp>
+        <p:nvSpPr>
+          <p:cNvPr id="2" name="TextBox 1">
+            <a:extLst>
+              <a:ext uri="{FF2B5EF4-FFF2-40B4-BE49-F238E27FC236}">
+                <a16:creationId xmlns:a16="http://schemas.microsoft.com/office/drawing/2014/main" id="{C5AD4A6B-2846-495A-BC28-7F753ECC3633}"/>
+              </a:ext>
+            </a:extLst>
+          </p:cNvPr>
+          <p:cNvSpPr txBox="1"/>
+          <p:nvPr/>
+        </p:nvSpPr>
+        <p:spPr>
+          <a:xfrm>
             <a:off x="2101362" y="1391485"/>
             <a:ext cx="7426568" cy="1431161"/>
           </a:xfrm>
@@ -15851,413 +22537,6 @@
     <p:extLst>
       <p:ext uri="{BB962C8B-B14F-4D97-AF65-F5344CB8AC3E}">
         <p14:creationId xmlns:p14="http://schemas.microsoft.com/office/powerpoint/2010/main" val="4235698664"/>
-      </p:ext>
-    </p:extLst>
-  </p:cSld>
-  <p:clrMapOvr>
-    <a:masterClrMapping/>
-  </p:clrMapOvr>
-</p:sld>
-</file>
-
-<file path=ppt/slides/slide9.xml><?xml version="1.0" encoding="utf-8"?>
-<p:sld xmlns:a="http://schemas.openxmlformats.org/drawingml/2006/main" xmlns:r="http://schemas.openxmlformats.org/officeDocument/2006/relationships" xmlns:p="http://schemas.openxmlformats.org/presentationml/2006/main">
-  <p:cSld>
-    <p:spTree>
-      <p:nvGrpSpPr>
-        <p:cNvPr id="1" name=""/>
-        <p:cNvGrpSpPr/>
-        <p:nvPr/>
-      </p:nvGrpSpPr>
-      <p:grpSpPr>
-        <a:xfrm>
-          <a:off x="0" y="0"/>
-          <a:ext cx="0" cy="0"/>
-          <a:chOff x="0" y="0"/>
-          <a:chExt cx="0" cy="0"/>
-        </a:xfrm>
-      </p:grpSpPr>
-      <p:graphicFrame>
-        <p:nvGraphicFramePr>
-          <p:cNvPr id="3" name="Chart 2">
-            <a:extLst>
-              <a:ext uri="{FF2B5EF4-FFF2-40B4-BE49-F238E27FC236}">
-                <a16:creationId xmlns:a16="http://schemas.microsoft.com/office/drawing/2014/main" id="{FD7DA1E7-A215-48ED-828E-09F7F40F43C7}"/>
-              </a:ext>
-            </a:extLst>
-          </p:cNvPr>
-          <p:cNvGraphicFramePr/>
-          <p:nvPr>
-            <p:extLst>
-              <p:ext uri="{D42A27DB-BD31-4B8C-83A1-F6EECF244321}">
-                <p14:modId xmlns:p14="http://schemas.microsoft.com/office/powerpoint/2010/main" val="1852730320"/>
-              </p:ext>
-            </p:extLst>
-          </p:nvPr>
-        </p:nvGraphicFramePr>
-        <p:xfrm>
-          <a:off x="778416" y="1150033"/>
-          <a:ext cx="3133970" cy="2278967"/>
-        </p:xfrm>
-        <a:graphic>
-          <a:graphicData uri="http://schemas.openxmlformats.org/drawingml/2006/chart">
-            <c:chart xmlns:c="http://schemas.openxmlformats.org/drawingml/2006/chart" xmlns:r="http://schemas.openxmlformats.org/officeDocument/2006/relationships" r:id="rId2"/>
-          </a:graphicData>
-        </a:graphic>
-      </p:graphicFrame>
-      <p:pic>
-        <p:nvPicPr>
-          <p:cNvPr id="2" name="Picture 1">
-            <a:extLst>
-              <a:ext uri="{FF2B5EF4-FFF2-40B4-BE49-F238E27FC236}">
-                <a16:creationId xmlns:a16="http://schemas.microsoft.com/office/drawing/2014/main" id="{3E5F9E21-27A1-4E44-8415-509715B9E47B}"/>
-              </a:ext>
-            </a:extLst>
-          </p:cNvPr>
-          <p:cNvPicPr>
-            <a:picLocks noChangeAspect="1"/>
-          </p:cNvPicPr>
-          <p:nvPr/>
-        </p:nvPicPr>
-        <p:blipFill>
-          <a:blip r:embed="rId3"/>
-          <a:stretch>
-            <a:fillRect/>
-          </a:stretch>
-        </p:blipFill>
-        <p:spPr>
-          <a:xfrm>
-            <a:off x="4345378" y="1150033"/>
-            <a:ext cx="3248025" cy="2324100"/>
-          </a:xfrm>
-          <a:prstGeom prst="rect">
-            <a:avLst/>
-          </a:prstGeom>
-        </p:spPr>
-      </p:pic>
-      <p:pic>
-        <p:nvPicPr>
-          <p:cNvPr id="4" name="Picture 3">
-            <a:extLst>
-              <a:ext uri="{FF2B5EF4-FFF2-40B4-BE49-F238E27FC236}">
-                <a16:creationId xmlns:a16="http://schemas.microsoft.com/office/drawing/2014/main" id="{C7E376CB-B0A0-4FE2-B529-5AD3FCB27C38}"/>
-              </a:ext>
-            </a:extLst>
-          </p:cNvPr>
-          <p:cNvPicPr>
-            <a:picLocks noChangeAspect="1"/>
-          </p:cNvPicPr>
-          <p:nvPr/>
-        </p:nvPicPr>
-        <p:blipFill>
-          <a:blip r:embed="rId4"/>
-          <a:stretch>
-            <a:fillRect/>
-          </a:stretch>
-        </p:blipFill>
-        <p:spPr>
-          <a:xfrm>
-            <a:off x="8312441" y="1078668"/>
-            <a:ext cx="3209925" cy="2352675"/>
-          </a:xfrm>
-          <a:prstGeom prst="rect">
-            <a:avLst/>
-          </a:prstGeom>
-        </p:spPr>
-      </p:pic>
-      <p:pic>
-        <p:nvPicPr>
-          <p:cNvPr id="5" name="Picture 4">
-            <a:extLst>
-              <a:ext uri="{FF2B5EF4-FFF2-40B4-BE49-F238E27FC236}">
-                <a16:creationId xmlns:a16="http://schemas.microsoft.com/office/drawing/2014/main" id="{6F278576-48CB-488C-BCE8-6C80ECB0110C}"/>
-              </a:ext>
-            </a:extLst>
-          </p:cNvPr>
-          <p:cNvPicPr>
-            <a:picLocks noChangeAspect="1"/>
-          </p:cNvPicPr>
-          <p:nvPr/>
-        </p:nvPicPr>
-        <p:blipFill>
-          <a:blip r:embed="rId5"/>
-          <a:stretch>
-            <a:fillRect/>
-          </a:stretch>
-        </p:blipFill>
-        <p:spPr>
-          <a:xfrm>
-            <a:off x="692936" y="4198766"/>
-            <a:ext cx="3219450" cy="2343150"/>
-          </a:xfrm>
-          <a:prstGeom prst="rect">
-            <a:avLst/>
-          </a:prstGeom>
-        </p:spPr>
-      </p:pic>
-      <p:pic>
-        <p:nvPicPr>
-          <p:cNvPr id="7" name="Picture 6">
-            <a:extLst>
-              <a:ext uri="{FF2B5EF4-FFF2-40B4-BE49-F238E27FC236}">
-                <a16:creationId xmlns:a16="http://schemas.microsoft.com/office/drawing/2014/main" id="{A8F95AC7-7A01-4430-9AB6-E1E5B6CE7970}"/>
-              </a:ext>
-            </a:extLst>
-          </p:cNvPr>
-          <p:cNvPicPr>
-            <a:picLocks noChangeAspect="1"/>
-          </p:cNvPicPr>
-          <p:nvPr/>
-        </p:nvPicPr>
-        <p:blipFill>
-          <a:blip r:embed="rId6"/>
-          <a:stretch>
-            <a:fillRect/>
-          </a:stretch>
-        </p:blipFill>
-        <p:spPr>
-          <a:xfrm>
-            <a:off x="4364428" y="4093991"/>
-            <a:ext cx="3228975" cy="2447925"/>
-          </a:xfrm>
-          <a:prstGeom prst="rect">
-            <a:avLst/>
-          </a:prstGeom>
-        </p:spPr>
-      </p:pic>
-      <p:sp>
-        <p:nvSpPr>
-          <p:cNvPr id="9" name="TextBox 8">
-            <a:extLst>
-              <a:ext uri="{FF2B5EF4-FFF2-40B4-BE49-F238E27FC236}">
-                <a16:creationId xmlns:a16="http://schemas.microsoft.com/office/drawing/2014/main" id="{64082B2D-6687-41B6-8638-D1E40CBD1082}"/>
-              </a:ext>
-            </a:extLst>
-          </p:cNvPr>
-          <p:cNvSpPr txBox="1"/>
-          <p:nvPr/>
-        </p:nvSpPr>
-        <p:spPr>
-          <a:xfrm>
-            <a:off x="1275433" y="965367"/>
-            <a:ext cx="1739835" cy="369332"/>
-          </a:xfrm>
-          <a:prstGeom prst="rect">
-            <a:avLst/>
-          </a:prstGeom>
-          <a:noFill/>
-        </p:spPr>
-        <p:txBody>
-          <a:bodyPr wrap="none" rtlCol="0">
-            <a:spAutoFit/>
-          </a:bodyPr>
-          <a:lstStyle/>
-          <a:p>
-            <a:r>
-              <a:rPr lang="en-US" dirty="0"/>
-              <a:t>Original Data set</a:t>
-            </a:r>
-            <a:endParaRPr lang="en-IN" dirty="0"/>
-          </a:p>
-        </p:txBody>
-      </p:sp>
-      <p:sp>
-        <p:nvSpPr>
-          <p:cNvPr id="10" name="TextBox 9">
-            <a:extLst>
-              <a:ext uri="{FF2B5EF4-FFF2-40B4-BE49-F238E27FC236}">
-                <a16:creationId xmlns:a16="http://schemas.microsoft.com/office/drawing/2014/main" id="{29B90A28-7764-4E9F-92A0-E35992E082E8}"/>
-              </a:ext>
-            </a:extLst>
-          </p:cNvPr>
-          <p:cNvSpPr txBox="1"/>
-          <p:nvPr/>
-        </p:nvSpPr>
-        <p:spPr>
-          <a:xfrm>
-            <a:off x="5073650" y="1005838"/>
-            <a:ext cx="2333267" cy="369332"/>
-          </a:xfrm>
-          <a:prstGeom prst="rect">
-            <a:avLst/>
-          </a:prstGeom>
-          <a:noFill/>
-        </p:spPr>
-        <p:txBody>
-          <a:bodyPr wrap="none" rtlCol="0">
-            <a:spAutoFit/>
-          </a:bodyPr>
-          <a:lstStyle/>
-          <a:p>
-            <a:r>
-              <a:rPr lang="en-US" dirty="0"/>
-              <a:t>Assign a centroids. K=3</a:t>
-            </a:r>
-            <a:endParaRPr lang="en-IN" dirty="0"/>
-          </a:p>
-        </p:txBody>
-      </p:sp>
-      <p:sp>
-        <p:nvSpPr>
-          <p:cNvPr id="11" name="TextBox 10">
-            <a:extLst>
-              <a:ext uri="{FF2B5EF4-FFF2-40B4-BE49-F238E27FC236}">
-                <a16:creationId xmlns:a16="http://schemas.microsoft.com/office/drawing/2014/main" id="{8C662BAB-1327-486B-8088-B0E3748B058A}"/>
-              </a:ext>
-            </a:extLst>
-          </p:cNvPr>
-          <p:cNvSpPr txBox="1"/>
-          <p:nvPr/>
-        </p:nvSpPr>
-        <p:spPr>
-          <a:xfrm>
-            <a:off x="8754667" y="544173"/>
-            <a:ext cx="3378758" cy="646331"/>
-          </a:xfrm>
-          <a:prstGeom prst="rect">
-            <a:avLst/>
-          </a:prstGeom>
-          <a:noFill/>
-        </p:spPr>
-        <p:txBody>
-          <a:bodyPr wrap="square" rtlCol="0">
-            <a:spAutoFit/>
-          </a:bodyPr>
-          <a:lstStyle/>
-          <a:p>
-            <a:r>
-              <a:rPr lang="en-US" dirty="0"/>
-              <a:t>Add each datapoints to nearest centroid. It will create a 3 cluster. </a:t>
-            </a:r>
-            <a:endParaRPr lang="en-IN" dirty="0"/>
-          </a:p>
-        </p:txBody>
-      </p:sp>
-      <p:sp>
-        <p:nvSpPr>
-          <p:cNvPr id="12" name="TextBox 11">
-            <a:extLst>
-              <a:ext uri="{FF2B5EF4-FFF2-40B4-BE49-F238E27FC236}">
-                <a16:creationId xmlns:a16="http://schemas.microsoft.com/office/drawing/2014/main" id="{6C1D3753-311F-4034-87BA-50E38E46A932}"/>
-              </a:ext>
-            </a:extLst>
-          </p:cNvPr>
-          <p:cNvSpPr txBox="1"/>
-          <p:nvPr/>
-        </p:nvSpPr>
-        <p:spPr>
-          <a:xfrm>
-            <a:off x="1267249" y="3909325"/>
-            <a:ext cx="2160591" cy="369332"/>
-          </a:xfrm>
-          <a:prstGeom prst="rect">
-            <a:avLst/>
-          </a:prstGeom>
-          <a:noFill/>
-        </p:spPr>
-        <p:txBody>
-          <a:bodyPr wrap="none" rtlCol="0">
-            <a:spAutoFit/>
-          </a:bodyPr>
-          <a:lstStyle/>
-          <a:p>
-            <a:r>
-              <a:rPr lang="en-US" dirty="0"/>
-              <a:t>Assign new centroids</a:t>
-            </a:r>
-            <a:endParaRPr lang="en-IN" dirty="0"/>
-          </a:p>
-        </p:txBody>
-      </p:sp>
-      <p:sp>
-        <p:nvSpPr>
-          <p:cNvPr id="14" name="TextBox 13">
-            <a:extLst>
-              <a:ext uri="{FF2B5EF4-FFF2-40B4-BE49-F238E27FC236}">
-                <a16:creationId xmlns:a16="http://schemas.microsoft.com/office/drawing/2014/main" id="{DFB2F15D-9768-4C65-ABD1-06C213F7E985}"/>
-              </a:ext>
-            </a:extLst>
-          </p:cNvPr>
-          <p:cNvSpPr txBox="1"/>
-          <p:nvPr/>
-        </p:nvSpPr>
-        <p:spPr>
-          <a:xfrm>
-            <a:off x="4848974" y="3586159"/>
-            <a:ext cx="3378758" cy="646331"/>
-          </a:xfrm>
-          <a:prstGeom prst="rect">
-            <a:avLst/>
-          </a:prstGeom>
-          <a:noFill/>
-        </p:spPr>
-        <p:txBody>
-          <a:bodyPr wrap="square" rtlCol="0">
-            <a:spAutoFit/>
-          </a:bodyPr>
-          <a:lstStyle/>
-          <a:p>
-            <a:r>
-              <a:rPr lang="en-US" dirty="0"/>
-              <a:t>Add each datapoints to nearest centroid. It will create a 3 cluster. </a:t>
-            </a:r>
-            <a:endParaRPr lang="en-IN" dirty="0"/>
-          </a:p>
-        </p:txBody>
-      </p:sp>
-      <p:sp>
-        <p:nvSpPr>
-          <p:cNvPr id="15" name="TextBox 14">
-            <a:extLst>
-              <a:ext uri="{FF2B5EF4-FFF2-40B4-BE49-F238E27FC236}">
-                <a16:creationId xmlns:a16="http://schemas.microsoft.com/office/drawing/2014/main" id="{74F6FF25-6008-40A4-9EF1-026582C29F12}"/>
-              </a:ext>
-            </a:extLst>
-          </p:cNvPr>
-          <p:cNvSpPr txBox="1"/>
-          <p:nvPr/>
-        </p:nvSpPr>
-        <p:spPr>
-          <a:xfrm>
-            <a:off x="4092113" y="228702"/>
-            <a:ext cx="3754554" cy="523220"/>
-          </a:xfrm>
-          <a:prstGeom prst="rect">
-            <a:avLst/>
-          </a:prstGeom>
-          <a:noFill/>
-        </p:spPr>
-        <p:txBody>
-          <a:bodyPr wrap="none" rtlCol="0">
-            <a:spAutoFit/>
-          </a:bodyPr>
-          <a:lstStyle/>
-          <a:p>
-            <a:r>
-              <a:rPr lang="en-US" sz="2800" b="1" dirty="0" err="1">
-                <a:latin typeface="Cascadia Code" panose="020B0609020000020004" pitchFamily="49" charset="0"/>
-                <a:cs typeface="Cascadia Code" panose="020B0609020000020004" pitchFamily="49" charset="0"/>
-              </a:rPr>
-              <a:t>Kmeans</a:t>
-            </a:r>
-            <a:r>
-              <a:rPr lang="en-US" sz="2800" b="1" dirty="0">
-                <a:latin typeface="Cascadia Code" panose="020B0609020000020004" pitchFamily="49" charset="0"/>
-                <a:cs typeface="Cascadia Code" panose="020B0609020000020004" pitchFamily="49" charset="0"/>
-              </a:rPr>
-              <a:t> Clustering</a:t>
-            </a:r>
-            <a:endParaRPr lang="en-IN" sz="2800" b="1" dirty="0">
-              <a:latin typeface="Cascadia Code" panose="020B0609020000020004" pitchFamily="49" charset="0"/>
-              <a:cs typeface="Cascadia Code" panose="020B0609020000020004" pitchFamily="49" charset="0"/>
-            </a:endParaRPr>
-          </a:p>
-        </p:txBody>
-      </p:sp>
-    </p:spTree>
-    <p:extLst>
-      <p:ext uri="{BB962C8B-B14F-4D97-AF65-F5344CB8AC3E}">
-        <p14:creationId xmlns:p14="http://schemas.microsoft.com/office/powerpoint/2010/main" val="3388153734"/>
       </p:ext>
     </p:extLst>
   </p:cSld>

--- a/MLClusteringAlgorithms.pptx
+++ b/MLClusteringAlgorithms.pptx
@@ -5,36 +5,41 @@
     <p:sldMasterId id="2147483648" r:id="rId1"/>
   </p:sldMasterIdLst>
   <p:notesMasterIdLst>
-    <p:notesMasterId r:id="rId29"/>
+    <p:notesMasterId r:id="rId34"/>
   </p:notesMasterIdLst>
   <p:sldIdLst>
     <p:sldId id="256" r:id="rId2"/>
     <p:sldId id="264" r:id="rId3"/>
     <p:sldId id="257" r:id="rId4"/>
     <p:sldId id="279" r:id="rId5"/>
-    <p:sldId id="265" r:id="rId6"/>
-    <p:sldId id="258" r:id="rId7"/>
-    <p:sldId id="259" r:id="rId8"/>
-    <p:sldId id="260" r:id="rId9"/>
-    <p:sldId id="262" r:id="rId10"/>
-    <p:sldId id="266" r:id="rId11"/>
-    <p:sldId id="267" r:id="rId12"/>
-    <p:sldId id="268" r:id="rId13"/>
-    <p:sldId id="269" r:id="rId14"/>
-    <p:sldId id="270" r:id="rId15"/>
-    <p:sldId id="271" r:id="rId16"/>
-    <p:sldId id="272" r:id="rId17"/>
-    <p:sldId id="277" r:id="rId18"/>
-    <p:sldId id="278" r:id="rId19"/>
-    <p:sldId id="280" r:id="rId20"/>
-    <p:sldId id="281" r:id="rId21"/>
-    <p:sldId id="282" r:id="rId22"/>
-    <p:sldId id="283" r:id="rId23"/>
-    <p:sldId id="284" r:id="rId24"/>
-    <p:sldId id="285" r:id="rId25"/>
-    <p:sldId id="286" r:id="rId26"/>
-    <p:sldId id="287" r:id="rId27"/>
-    <p:sldId id="288" r:id="rId28"/>
+    <p:sldId id="290" r:id="rId6"/>
+    <p:sldId id="265" r:id="rId7"/>
+    <p:sldId id="258" r:id="rId8"/>
+    <p:sldId id="259" r:id="rId9"/>
+    <p:sldId id="260" r:id="rId10"/>
+    <p:sldId id="262" r:id="rId11"/>
+    <p:sldId id="266" r:id="rId12"/>
+    <p:sldId id="267" r:id="rId13"/>
+    <p:sldId id="268" r:id="rId14"/>
+    <p:sldId id="269" r:id="rId15"/>
+    <p:sldId id="270" r:id="rId16"/>
+    <p:sldId id="271" r:id="rId17"/>
+    <p:sldId id="272" r:id="rId18"/>
+    <p:sldId id="277" r:id="rId19"/>
+    <p:sldId id="278" r:id="rId20"/>
+    <p:sldId id="280" r:id="rId21"/>
+    <p:sldId id="281" r:id="rId22"/>
+    <p:sldId id="282" r:id="rId23"/>
+    <p:sldId id="283" r:id="rId24"/>
+    <p:sldId id="284" r:id="rId25"/>
+    <p:sldId id="285" r:id="rId26"/>
+    <p:sldId id="286" r:id="rId27"/>
+    <p:sldId id="287" r:id="rId28"/>
+    <p:sldId id="288" r:id="rId29"/>
+    <p:sldId id="289" r:id="rId30"/>
+    <p:sldId id="291" r:id="rId31"/>
+    <p:sldId id="292" r:id="rId32"/>
+    <p:sldId id="293" r:id="rId33"/>
   </p:sldIdLst>
   <p:sldSz cx="12192000" cy="6858000"/>
   <p:notesSz cx="6858000" cy="9144000"/>
@@ -554,6 +559,376 @@
           <c:layoutTarget val="inner"/>
           <c:xMode val="edge"/>
           <c:yMode val="edge"/>
+          <c:x val="5.4271038385826774E-2"/>
+          <c:y val="3.5238371355907273E-2"/>
+          <c:w val="0.93161564960629917"/>
+          <c:h val="0.82951139090112014"/>
+        </c:manualLayout>
+      </c:layout>
+      <c:scatterChart>
+        <c:scatterStyle val="lineMarker"/>
+        <c:varyColors val="0"/>
+        <c:ser>
+          <c:idx val="0"/>
+          <c:order val="0"/>
+          <c:tx>
+            <c:strRef>
+              <c:f>Sheet1!$B$1</c:f>
+              <c:strCache>
+                <c:ptCount val="1"/>
+                <c:pt idx="0">
+                  <c:v>Y-Values</c:v>
+                </c:pt>
+              </c:strCache>
+            </c:strRef>
+          </c:tx>
+          <c:spPr>
+            <a:ln w="25400" cap="rnd">
+              <a:noFill/>
+              <a:round/>
+            </a:ln>
+            <a:effectLst/>
+          </c:spPr>
+          <c:marker>
+            <c:symbol val="circle"/>
+            <c:size val="5"/>
+            <c:spPr>
+              <a:gradFill rotWithShape="1">
+                <a:gsLst>
+                  <a:gs pos="0">
+                    <a:schemeClr val="accent1">
+                      <a:satMod val="103000"/>
+                      <a:lumMod val="102000"/>
+                      <a:tint val="94000"/>
+                    </a:schemeClr>
+                  </a:gs>
+                  <a:gs pos="50000">
+                    <a:schemeClr val="accent1">
+                      <a:satMod val="110000"/>
+                      <a:lumMod val="100000"/>
+                      <a:shade val="100000"/>
+                    </a:schemeClr>
+                  </a:gs>
+                  <a:gs pos="100000">
+                    <a:schemeClr val="accent1">
+                      <a:lumMod val="99000"/>
+                      <a:satMod val="120000"/>
+                      <a:shade val="78000"/>
+                    </a:schemeClr>
+                  </a:gs>
+                </a:gsLst>
+                <a:lin ang="5400000" scaled="0"/>
+              </a:gradFill>
+              <a:ln w="9525">
+                <a:solidFill>
+                  <a:schemeClr val="accent1"/>
+                </a:solidFill>
+                <a:round/>
+              </a:ln>
+              <a:effectLst/>
+            </c:spPr>
+          </c:marker>
+          <c:xVal>
+            <c:numRef>
+              <c:f>Sheet1!$A$2:$A$20</c:f>
+              <c:numCache>
+                <c:formatCode>General</c:formatCode>
+                <c:ptCount val="19"/>
+                <c:pt idx="0">
+                  <c:v>2</c:v>
+                </c:pt>
+                <c:pt idx="1">
+                  <c:v>2</c:v>
+                </c:pt>
+                <c:pt idx="2">
+                  <c:v>8</c:v>
+                </c:pt>
+                <c:pt idx="3">
+                  <c:v>5</c:v>
+                </c:pt>
+                <c:pt idx="4">
+                  <c:v>7</c:v>
+                </c:pt>
+                <c:pt idx="5">
+                  <c:v>6</c:v>
+                </c:pt>
+                <c:pt idx="6">
+                  <c:v>1</c:v>
+                </c:pt>
+                <c:pt idx="7">
+                  <c:v>4</c:v>
+                </c:pt>
+                <c:pt idx="8">
+                  <c:v>6</c:v>
+                </c:pt>
+                <c:pt idx="9">
+                  <c:v>4</c:v>
+                </c:pt>
+                <c:pt idx="10">
+                  <c:v>4</c:v>
+                </c:pt>
+                <c:pt idx="11">
+                  <c:v>4</c:v>
+                </c:pt>
+                <c:pt idx="12">
+                  <c:v>3</c:v>
+                </c:pt>
+                <c:pt idx="13">
+                  <c:v>3</c:v>
+                </c:pt>
+                <c:pt idx="14">
+                  <c:v>5</c:v>
+                </c:pt>
+                <c:pt idx="15">
+                  <c:v>4</c:v>
+                </c:pt>
+                <c:pt idx="16">
+                  <c:v>7</c:v>
+                </c:pt>
+                <c:pt idx="17">
+                  <c:v>7</c:v>
+                </c:pt>
+                <c:pt idx="18">
+                  <c:v>8</c:v>
+                </c:pt>
+              </c:numCache>
+            </c:numRef>
+          </c:xVal>
+          <c:yVal>
+            <c:numRef>
+              <c:f>Sheet1!$B$2:$B$20</c:f>
+              <c:numCache>
+                <c:formatCode>General</c:formatCode>
+                <c:ptCount val="19"/>
+                <c:pt idx="0">
+                  <c:v>10</c:v>
+                </c:pt>
+                <c:pt idx="1">
+                  <c:v>5</c:v>
+                </c:pt>
+                <c:pt idx="2">
+                  <c:v>4</c:v>
+                </c:pt>
+                <c:pt idx="3">
+                  <c:v>8</c:v>
+                </c:pt>
+                <c:pt idx="4">
+                  <c:v>5</c:v>
+                </c:pt>
+                <c:pt idx="5">
+                  <c:v>4</c:v>
+                </c:pt>
+                <c:pt idx="6">
+                  <c:v>2</c:v>
+                </c:pt>
+                <c:pt idx="7">
+                  <c:v>9</c:v>
+                </c:pt>
+                <c:pt idx="8">
+                  <c:v>10</c:v>
+                </c:pt>
+                <c:pt idx="9">
+                  <c:v>2</c:v>
+                </c:pt>
+                <c:pt idx="10">
+                  <c:v>5</c:v>
+                </c:pt>
+                <c:pt idx="11">
+                  <c:v>3</c:v>
+                </c:pt>
+                <c:pt idx="12">
+                  <c:v>3</c:v>
+                </c:pt>
+                <c:pt idx="13">
+                  <c:v>4</c:v>
+                </c:pt>
+                <c:pt idx="14">
+                  <c:v>10</c:v>
+                </c:pt>
+                <c:pt idx="15">
+                  <c:v>10</c:v>
+                </c:pt>
+                <c:pt idx="16">
+                  <c:v>2</c:v>
+                </c:pt>
+                <c:pt idx="17">
+                  <c:v>4</c:v>
+                </c:pt>
+                <c:pt idx="18">
+                  <c:v>4</c:v>
+                </c:pt>
+              </c:numCache>
+            </c:numRef>
+          </c:yVal>
+          <c:smooth val="0"/>
+          <c:extLst>
+            <c:ext xmlns:c16="http://schemas.microsoft.com/office/drawing/2014/chart" uri="{C3380CC4-5D6E-409C-BE32-E72D297353CC}">
+              <c16:uniqueId val="{00000000-E4FA-43B0-872F-BB02B4381D96}"/>
+            </c:ext>
+          </c:extLst>
+        </c:ser>
+        <c:dLbls>
+          <c:showLegendKey val="0"/>
+          <c:showVal val="0"/>
+          <c:showCatName val="0"/>
+          <c:showSerName val="0"/>
+          <c:showPercent val="0"/>
+          <c:showBubbleSize val="0"/>
+        </c:dLbls>
+        <c:axId val="371758256"/>
+        <c:axId val="371758912"/>
+      </c:scatterChart>
+      <c:valAx>
+        <c:axId val="371758256"/>
+        <c:scaling>
+          <c:orientation val="minMax"/>
+        </c:scaling>
+        <c:delete val="0"/>
+        <c:axPos val="b"/>
+        <c:numFmt formatCode="General" sourceLinked="1"/>
+        <c:majorTickMark val="none"/>
+        <c:minorTickMark val="none"/>
+        <c:tickLblPos val="nextTo"/>
+        <c:spPr>
+          <a:noFill/>
+          <a:ln>
+            <a:solidFill>
+              <a:schemeClr val="tx2">
+                <a:lumMod val="40000"/>
+                <a:lumOff val="60000"/>
+              </a:schemeClr>
+            </a:solidFill>
+          </a:ln>
+          <a:effectLst/>
+        </c:spPr>
+        <c:txPr>
+          <a:bodyPr rot="-60000000" spcFirstLastPara="1" vertOverflow="ellipsis" vert="horz" wrap="square" anchor="ctr" anchorCtr="1"/>
+          <a:lstStyle/>
+          <a:p>
+            <a:pPr>
+              <a:defRPr sz="1197" b="0" i="0" u="none" strike="noStrike" kern="1200" baseline="0">
+                <a:solidFill>
+                  <a:schemeClr val="tx2"/>
+                </a:solidFill>
+                <a:latin typeface="+mn-lt"/>
+                <a:ea typeface="+mn-ea"/>
+                <a:cs typeface="+mn-cs"/>
+              </a:defRPr>
+            </a:pPr>
+            <a:endParaRPr lang="en-US"/>
+          </a:p>
+        </c:txPr>
+        <c:crossAx val="371758912"/>
+        <c:crosses val="autoZero"/>
+        <c:crossBetween val="midCat"/>
+      </c:valAx>
+      <c:valAx>
+        <c:axId val="371758912"/>
+        <c:scaling>
+          <c:orientation val="minMax"/>
+        </c:scaling>
+        <c:delete val="0"/>
+        <c:axPos val="l"/>
+        <c:numFmt formatCode="General" sourceLinked="1"/>
+        <c:majorTickMark val="none"/>
+        <c:minorTickMark val="none"/>
+        <c:tickLblPos val="nextTo"/>
+        <c:spPr>
+          <a:noFill/>
+          <a:ln>
+            <a:solidFill>
+              <a:schemeClr val="tx2">
+                <a:lumMod val="40000"/>
+                <a:lumOff val="60000"/>
+              </a:schemeClr>
+            </a:solidFill>
+          </a:ln>
+          <a:effectLst/>
+        </c:spPr>
+        <c:txPr>
+          <a:bodyPr rot="-60000000" spcFirstLastPara="1" vertOverflow="ellipsis" vert="horz" wrap="square" anchor="ctr" anchorCtr="1"/>
+          <a:lstStyle/>
+          <a:p>
+            <a:pPr>
+              <a:defRPr sz="1197" b="0" i="0" u="none" strike="noStrike" kern="1200" baseline="0">
+                <a:solidFill>
+                  <a:schemeClr val="tx2"/>
+                </a:solidFill>
+                <a:latin typeface="+mn-lt"/>
+                <a:ea typeface="+mn-ea"/>
+                <a:cs typeface="+mn-cs"/>
+              </a:defRPr>
+            </a:pPr>
+            <a:endParaRPr lang="en-US"/>
+          </a:p>
+        </c:txPr>
+        <c:crossAx val="371758256"/>
+        <c:crosses val="autoZero"/>
+        <c:crossBetween val="midCat"/>
+      </c:valAx>
+      <c:spPr>
+        <a:noFill/>
+        <a:ln>
+          <a:noFill/>
+        </a:ln>
+        <a:effectLst/>
+      </c:spPr>
+    </c:plotArea>
+    <c:plotVisOnly val="1"/>
+    <c:dispBlanksAs val="gap"/>
+    <c:extLst>
+      <c:ext xmlns:c16r3="http://schemas.microsoft.com/office/drawing/2017/03/chart" uri="{56B9EC1D-385E-4148-901F-78D8002777C0}">
+        <c16r3:dataDisplayOptions16>
+          <c16r3:dispNaAsBlank val="1"/>
+        </c16r3:dataDisplayOptions16>
+      </c:ext>
+    </c:extLst>
+    <c:showDLblsOverMax val="0"/>
+  </c:chart>
+  <c:spPr>
+    <a:noFill/>
+    <a:ln>
+      <a:noFill/>
+    </a:ln>
+    <a:effectLst/>
+  </c:spPr>
+  <c:txPr>
+    <a:bodyPr/>
+    <a:lstStyle/>
+    <a:p>
+      <a:pPr>
+        <a:defRPr/>
+      </a:pPr>
+      <a:endParaRPr lang="en-US"/>
+    </a:p>
+  </c:txPr>
+  <c:externalData r:id="rId3">
+    <c:autoUpdate val="0"/>
+  </c:externalData>
+</c:chartSpace>
+</file>
+
+<file path=ppt/charts/chart11.xml><?xml version="1.0" encoding="utf-8"?>
+<c:chartSpace xmlns:c="http://schemas.openxmlformats.org/drawingml/2006/chart" xmlns:a="http://schemas.openxmlformats.org/drawingml/2006/main" xmlns:r="http://schemas.openxmlformats.org/officeDocument/2006/relationships" xmlns:c16r2="http://schemas.microsoft.com/office/drawing/2015/06/chart">
+  <c:date1904 val="0"/>
+  <c:lang val="en-US"/>
+  <c:roundedCorners val="0"/>
+  <mc:AlternateContent xmlns:mc="http://schemas.openxmlformats.org/markup-compatibility/2006">
+    <mc:Choice xmlns:c14="http://schemas.microsoft.com/office/drawing/2007/8/2/chart" Requires="c14">
+      <c14:style val="102"/>
+    </mc:Choice>
+    <mc:Fallback>
+      <c:style val="2"/>
+    </mc:Fallback>
+  </mc:AlternateContent>
+  <c:chart>
+    <c:autoTitleDeleted val="1"/>
+    <c:plotArea>
+      <c:layout>
+        <c:manualLayout>
+          <c:layoutTarget val="inner"/>
+          <c:xMode val="edge"/>
+          <c:yMode val="edge"/>
           <c:x val="0.10022910238451549"/>
           <c:y val="4.0708794818003068E-2"/>
           <c:w val="0.93161564960629917"/>
@@ -913,7 +1288,7 @@
 </c:chartSpace>
 </file>
 
-<file path=ppt/charts/chart11.xml><?xml version="1.0" encoding="utf-8"?>
+<file path=ppt/charts/chart12.xml><?xml version="1.0" encoding="utf-8"?>
 <c:chartSpace xmlns:c="http://schemas.openxmlformats.org/drawingml/2006/chart" xmlns:a="http://schemas.openxmlformats.org/drawingml/2006/main" xmlns:r="http://schemas.openxmlformats.org/officeDocument/2006/relationships" xmlns:c16r2="http://schemas.microsoft.com/office/drawing/2015/06/chart">
   <c:date1904 val="0"/>
   <c:lang val="en-US"/>
@@ -1293,7 +1668,7 @@
 </c:chartSpace>
 </file>
 
-<file path=ppt/charts/chart12.xml><?xml version="1.0" encoding="utf-8"?>
+<file path=ppt/charts/chart13.xml><?xml version="1.0" encoding="utf-8"?>
 <c:chartSpace xmlns:c="http://schemas.openxmlformats.org/drawingml/2006/chart" xmlns:a="http://schemas.openxmlformats.org/drawingml/2006/main" xmlns:r="http://schemas.openxmlformats.org/officeDocument/2006/relationships" xmlns:c16r2="http://schemas.microsoft.com/office/drawing/2015/06/chart">
   <c:date1904 val="0"/>
   <c:lang val="en-US"/>
@@ -4279,6 +4654,64 @@
               <a:effectLst/>
             </c:spPr>
           </c:marker>
+          <c:dLbls>
+            <c:spPr>
+              <a:solidFill>
+                <a:prstClr val="white"/>
+              </a:solidFill>
+              <a:ln>
+                <a:solidFill>
+                  <a:prstClr val="black">
+                    <a:lumMod val="25000"/>
+                    <a:lumOff val="75000"/>
+                  </a:prstClr>
+                </a:solidFill>
+              </a:ln>
+              <a:effectLst/>
+            </c:spPr>
+            <c:txPr>
+              <a:bodyPr rot="0" spcFirstLastPara="1" vertOverflow="clip" horzOverflow="clip" vert="horz" wrap="square" lIns="38100" tIns="19050" rIns="38100" bIns="19050" anchor="ctr" anchorCtr="1">
+                <a:spAutoFit/>
+              </a:bodyPr>
+              <a:lstStyle/>
+              <a:p>
+                <a:pPr>
+                  <a:defRPr sz="1197" b="0" i="0" u="none" strike="noStrike" kern="1200" baseline="0">
+                    <a:solidFill>
+                      <a:schemeClr val="dk2">
+                        <a:lumMod val="75000"/>
+                      </a:schemeClr>
+                    </a:solidFill>
+                    <a:latin typeface="+mn-lt"/>
+                    <a:ea typeface="+mn-ea"/>
+                    <a:cs typeface="+mn-cs"/>
+                  </a:defRPr>
+                </a:pPr>
+                <a:endParaRPr lang="en-US"/>
+              </a:p>
+            </c:txPr>
+            <c:showLegendKey val="0"/>
+            <c:showVal val="1"/>
+            <c:showCatName val="1"/>
+            <c:showSerName val="0"/>
+            <c:showPercent val="0"/>
+            <c:showBubbleSize val="0"/>
+            <c:showLeaderLines val="0"/>
+            <c:extLst>
+              <c:ext xmlns:c15="http://schemas.microsoft.com/office/drawing/2012/chart" uri="{CE6537A1-D6FC-4f65-9D91-7224C49458BB}">
+                <c15:spPr xmlns:c15="http://schemas.microsoft.com/office/drawing/2012/chart">
+                  <a:prstGeom prst="wedgeRectCallout">
+                    <a:avLst/>
+                  </a:prstGeom>
+                  <a:noFill/>
+                  <a:ln>
+                    <a:noFill/>
+                  </a:ln>
+                </c15:spPr>
+                <c15:showLeaderLines val="0"/>
+              </c:ext>
+            </c:extLst>
+          </c:dLbls>
           <c:xVal>
             <c:numRef>
               <c:f>Sheet1!$A$2:$A$20</c:f>
@@ -4289,57 +4722,12 @@
                   <c:v>2</c:v>
                 </c:pt>
                 <c:pt idx="1">
-                  <c:v>2</c:v>
+                  <c:v>3</c:v>
                 </c:pt>
                 <c:pt idx="2">
-                  <c:v>8</c:v>
+                  <c:v>5</c:v>
                 </c:pt>
                 <c:pt idx="3">
-                  <c:v>5</c:v>
-                </c:pt>
-                <c:pt idx="4">
-                  <c:v>7</c:v>
-                </c:pt>
-                <c:pt idx="5">
-                  <c:v>6</c:v>
-                </c:pt>
-                <c:pt idx="6">
-                  <c:v>1</c:v>
-                </c:pt>
-                <c:pt idx="7">
-                  <c:v>4</c:v>
-                </c:pt>
-                <c:pt idx="8">
-                  <c:v>6</c:v>
-                </c:pt>
-                <c:pt idx="9">
-                  <c:v>4</c:v>
-                </c:pt>
-                <c:pt idx="10">
-                  <c:v>4</c:v>
-                </c:pt>
-                <c:pt idx="11">
-                  <c:v>4</c:v>
-                </c:pt>
-                <c:pt idx="12">
-                  <c:v>3</c:v>
-                </c:pt>
-                <c:pt idx="13">
-                  <c:v>3</c:v>
-                </c:pt>
-                <c:pt idx="14">
-                  <c:v>5</c:v>
-                </c:pt>
-                <c:pt idx="15">
-                  <c:v>4</c:v>
-                </c:pt>
-                <c:pt idx="16">
-                  <c:v>7</c:v>
-                </c:pt>
-                <c:pt idx="17">
-                  <c:v>7</c:v>
-                </c:pt>
-                <c:pt idx="18">
                   <c:v>8</c:v>
                 </c:pt>
               </c:numCache>
@@ -4352,61 +4740,16 @@
                 <c:formatCode>General</c:formatCode>
                 <c:ptCount val="19"/>
                 <c:pt idx="0">
-                  <c:v>10</c:v>
+                  <c:v>3</c:v>
                 </c:pt>
                 <c:pt idx="1">
+                  <c:v>4</c:v>
+                </c:pt>
+                <c:pt idx="2">
                   <c:v>5</c:v>
                 </c:pt>
-                <c:pt idx="2">
-                  <c:v>4</c:v>
-                </c:pt>
                 <c:pt idx="3">
-                  <c:v>8</c:v>
-                </c:pt>
-                <c:pt idx="4">
-                  <c:v>5</c:v>
-                </c:pt>
-                <c:pt idx="5">
-                  <c:v>4</c:v>
-                </c:pt>
-                <c:pt idx="6">
-                  <c:v>2</c:v>
-                </c:pt>
-                <c:pt idx="7">
-                  <c:v>9</c:v>
-                </c:pt>
-                <c:pt idx="8">
-                  <c:v>10</c:v>
-                </c:pt>
-                <c:pt idx="9">
-                  <c:v>2</c:v>
-                </c:pt>
-                <c:pt idx="10">
-                  <c:v>5</c:v>
-                </c:pt>
-                <c:pt idx="11">
-                  <c:v>3</c:v>
-                </c:pt>
-                <c:pt idx="12">
-                  <c:v>3</c:v>
-                </c:pt>
-                <c:pt idx="13">
-                  <c:v>4</c:v>
-                </c:pt>
-                <c:pt idx="14">
-                  <c:v>10</c:v>
-                </c:pt>
-                <c:pt idx="15">
-                  <c:v>10</c:v>
-                </c:pt>
-                <c:pt idx="16">
-                  <c:v>2</c:v>
-                </c:pt>
-                <c:pt idx="17">
-                  <c:v>4</c:v>
-                </c:pt>
-                <c:pt idx="18">
-                  <c:v>4</c:v>
+                  <c:v>7</c:v>
                 </c:pt>
               </c:numCache>
             </c:numRef>
@@ -4680,6 +5023,46 @@
 </file>
 
 <file path=ppt/charts/colors12.xml><?xml version="1.0" encoding="utf-8"?>
+<cs:colorStyle xmlns:cs="http://schemas.microsoft.com/office/drawing/2012/chartStyle" xmlns:a="http://schemas.openxmlformats.org/drawingml/2006/main" meth="cycle" id="10">
+  <a:schemeClr val="accent1"/>
+  <a:schemeClr val="accent2"/>
+  <a:schemeClr val="accent3"/>
+  <a:schemeClr val="accent4"/>
+  <a:schemeClr val="accent5"/>
+  <a:schemeClr val="accent6"/>
+  <cs:variation/>
+  <cs:variation>
+    <a:lumMod val="60000"/>
+  </cs:variation>
+  <cs:variation>
+    <a:lumMod val="80000"/>
+    <a:lumOff val="20000"/>
+  </cs:variation>
+  <cs:variation>
+    <a:lumMod val="80000"/>
+  </cs:variation>
+  <cs:variation>
+    <a:lumMod val="60000"/>
+    <a:lumOff val="40000"/>
+  </cs:variation>
+  <cs:variation>
+    <a:lumMod val="50000"/>
+  </cs:variation>
+  <cs:variation>
+    <a:lumMod val="70000"/>
+    <a:lumOff val="30000"/>
+  </cs:variation>
+  <cs:variation>
+    <a:lumMod val="70000"/>
+  </cs:variation>
+  <cs:variation>
+    <a:lumMod val="50000"/>
+    <a:lumOff val="50000"/>
+  </cs:variation>
+</cs:colorStyle>
+</file>
+
+<file path=ppt/charts/colors13.xml><?xml version="1.0" encoding="utf-8"?>
 <cs:colorStyle xmlns:cs="http://schemas.microsoft.com/office/drawing/2012/chartStyle" xmlns:a="http://schemas.openxmlformats.org/drawingml/2006/main" meth="cycle" id="10">
   <a:schemeClr val="accent1"/>
   <a:schemeClr val="accent2"/>
@@ -6955,6 +7338,485 @@
 </cs:chartStyle>
 </file>
 
+<file path=ppt/charts/style13.xml><?xml version="1.0" encoding="utf-8"?>
+<cs:chartStyle xmlns:cs="http://schemas.microsoft.com/office/drawing/2012/chartStyle" xmlns:a="http://schemas.openxmlformats.org/drawingml/2006/main" id="242">
+  <cs:axisTitle>
+    <cs:lnRef idx="0"/>
+    <cs:fillRef idx="0"/>
+    <cs:effectRef idx="0"/>
+    <cs:fontRef idx="minor">
+      <a:schemeClr val="tx2"/>
+    </cs:fontRef>
+    <cs:defRPr sz="1197" b="1" kern="1200"/>
+  </cs:axisTitle>
+  <cs:categoryAxis>
+    <cs:lnRef idx="0"/>
+    <cs:fillRef idx="0"/>
+    <cs:effectRef idx="0"/>
+    <cs:fontRef idx="minor">
+      <a:schemeClr val="tx2"/>
+    </cs:fontRef>
+    <cs:spPr>
+      <a:ln w="9525" cap="flat" cmpd="sng" algn="ctr">
+        <a:solidFill>
+          <a:schemeClr val="tx2">
+            <a:lumMod val="15000"/>
+            <a:lumOff val="85000"/>
+          </a:schemeClr>
+        </a:solidFill>
+        <a:round/>
+      </a:ln>
+    </cs:spPr>
+    <cs:defRPr sz="1197" kern="1200"/>
+  </cs:categoryAxis>
+  <cs:chartArea mods="allowNoFillOverride allowNoLineOverride">
+    <cs:lnRef idx="0"/>
+    <cs:fillRef idx="0"/>
+    <cs:effectRef idx="0"/>
+    <cs:fontRef idx="minor">
+      <a:schemeClr val="tx2"/>
+    </cs:fontRef>
+    <cs:spPr>
+      <a:solidFill>
+        <a:schemeClr val="bg1"/>
+      </a:solidFill>
+      <a:ln w="9525" cap="flat" cmpd="sng" algn="ctr">
+        <a:solidFill>
+          <a:schemeClr val="tx2">
+            <a:lumMod val="15000"/>
+            <a:lumOff val="85000"/>
+          </a:schemeClr>
+        </a:solidFill>
+        <a:round/>
+      </a:ln>
+    </cs:spPr>
+    <cs:defRPr sz="1197" kern="1200"/>
+  </cs:chartArea>
+  <cs:dataLabel>
+    <cs:lnRef idx="0"/>
+    <cs:fillRef idx="0"/>
+    <cs:effectRef idx="0"/>
+    <cs:fontRef idx="minor">
+      <a:schemeClr val="tx2"/>
+    </cs:fontRef>
+    <cs:defRPr sz="1197" kern="1200"/>
+  </cs:dataLabel>
+  <cs:dataLabelCallout>
+    <cs:lnRef idx="0"/>
+    <cs:fillRef idx="0"/>
+    <cs:effectRef idx="0"/>
+    <cs:fontRef idx="minor">
+      <a:schemeClr val="dk2">
+        <a:lumMod val="75000"/>
+      </a:schemeClr>
+    </cs:fontRef>
+    <cs:spPr>
+      <a:solidFill>
+        <a:schemeClr val="lt1"/>
+      </a:solidFill>
+      <a:ln>
+        <a:solidFill>
+          <a:schemeClr val="dk1">
+            <a:lumMod val="25000"/>
+            <a:lumOff val="75000"/>
+          </a:schemeClr>
+        </a:solidFill>
+      </a:ln>
+    </cs:spPr>
+    <cs:defRPr sz="1197" kern="1200"/>
+    <cs:bodyPr rot="0" spcFirstLastPara="1" vertOverflow="clip" horzOverflow="clip" vert="horz" wrap="square" lIns="36576" tIns="18288" rIns="36576" bIns="18288" anchor="ctr" anchorCtr="1">
+      <a:spAutoFit/>
+    </cs:bodyPr>
+  </cs:dataLabelCallout>
+  <cs:dataPoint>
+    <cs:lnRef idx="0"/>
+    <cs:fillRef idx="3">
+      <cs:styleClr val="auto"/>
+    </cs:fillRef>
+    <cs:effectRef idx="2"/>
+    <cs:fontRef idx="minor">
+      <a:schemeClr val="tx2"/>
+    </cs:fontRef>
+  </cs:dataPoint>
+  <cs:dataPoint3D>
+    <cs:lnRef idx="0"/>
+    <cs:fillRef idx="3">
+      <cs:styleClr val="auto"/>
+    </cs:fillRef>
+    <cs:effectRef idx="2"/>
+    <cs:fontRef idx="minor">
+      <a:schemeClr val="tx2"/>
+    </cs:fontRef>
+  </cs:dataPoint3D>
+  <cs:dataPointLine>
+    <cs:lnRef idx="0">
+      <cs:styleClr val="auto"/>
+    </cs:lnRef>
+    <cs:fillRef idx="3"/>
+    <cs:effectRef idx="2"/>
+    <cs:fontRef idx="minor">
+      <a:schemeClr val="tx2"/>
+    </cs:fontRef>
+    <cs:spPr>
+      <a:ln w="9525" cap="rnd">
+        <a:solidFill>
+          <a:schemeClr val="phClr"/>
+        </a:solidFill>
+        <a:round/>
+      </a:ln>
+    </cs:spPr>
+  </cs:dataPointLine>
+  <cs:dataPointMarker>
+    <cs:lnRef idx="0">
+      <cs:styleClr val="auto"/>
+    </cs:lnRef>
+    <cs:fillRef idx="3">
+      <cs:styleClr val="auto"/>
+    </cs:fillRef>
+    <cs:effectRef idx="2"/>
+    <cs:fontRef idx="minor">
+      <a:schemeClr val="tx2"/>
+    </cs:fontRef>
+    <cs:spPr>
+      <a:ln w="9525">
+        <a:solidFill>
+          <a:schemeClr val="phClr"/>
+        </a:solidFill>
+        <a:round/>
+      </a:ln>
+    </cs:spPr>
+  </cs:dataPointMarker>
+  <cs:dataPointMarkerLayout symbol="circle" size="5"/>
+  <cs:dataPointWireframe>
+    <cs:lnRef idx="0">
+      <cs:styleClr val="auto"/>
+    </cs:lnRef>
+    <cs:fillRef idx="3"/>
+    <cs:effectRef idx="2"/>
+    <cs:fontRef idx="minor">
+      <a:schemeClr val="tx2"/>
+    </cs:fontRef>
+    <cs:spPr>
+      <a:ln w="9525" cap="rnd">
+        <a:solidFill>
+          <a:schemeClr val="phClr"/>
+        </a:solidFill>
+        <a:round/>
+      </a:ln>
+    </cs:spPr>
+  </cs:dataPointWireframe>
+  <cs:dataTable>
+    <cs:lnRef idx="0"/>
+    <cs:fillRef idx="0"/>
+    <cs:effectRef idx="0"/>
+    <cs:fontRef idx="minor">
+      <a:schemeClr val="tx2"/>
+    </cs:fontRef>
+    <cs:spPr>
+      <a:ln w="9525">
+        <a:solidFill>
+          <a:schemeClr val="tx2">
+            <a:lumMod val="15000"/>
+            <a:lumOff val="85000"/>
+          </a:schemeClr>
+        </a:solidFill>
+      </a:ln>
+    </cs:spPr>
+    <cs:defRPr sz="1197" kern="1200"/>
+  </cs:dataTable>
+  <cs:downBar>
+    <cs:lnRef idx="0"/>
+    <cs:fillRef idx="0"/>
+    <cs:effectRef idx="0"/>
+    <cs:fontRef idx="minor">
+      <a:schemeClr val="dk1"/>
+    </cs:fontRef>
+    <cs:spPr>
+      <a:solidFill>
+        <a:schemeClr val="dk1">
+          <a:lumMod val="65000"/>
+          <a:lumOff val="35000"/>
+        </a:schemeClr>
+      </a:solidFill>
+      <a:ln w="9525">
+        <a:solidFill>
+          <a:schemeClr val="tx1">
+            <a:lumMod val="65000"/>
+            <a:lumOff val="35000"/>
+          </a:schemeClr>
+        </a:solidFill>
+      </a:ln>
+    </cs:spPr>
+  </cs:downBar>
+  <cs:dropLine>
+    <cs:lnRef idx="0"/>
+    <cs:fillRef idx="0"/>
+    <cs:effectRef idx="0"/>
+    <cs:fontRef idx="minor">
+      <a:schemeClr val="tx2"/>
+    </cs:fontRef>
+    <cs:spPr>
+      <a:ln w="9525">
+        <a:solidFill>
+          <a:schemeClr val="tx2">
+            <a:lumMod val="60000"/>
+            <a:lumOff val="40000"/>
+          </a:schemeClr>
+        </a:solidFill>
+        <a:prstDash val="dash"/>
+      </a:ln>
+    </cs:spPr>
+  </cs:dropLine>
+  <cs:errorBar>
+    <cs:lnRef idx="0"/>
+    <cs:fillRef idx="0"/>
+    <cs:effectRef idx="0"/>
+    <cs:fontRef idx="minor">
+      <a:schemeClr val="tx2"/>
+    </cs:fontRef>
+    <cs:spPr>
+      <a:ln w="9525">
+        <a:solidFill>
+          <a:schemeClr val="tx2">
+            <a:lumMod val="75000"/>
+          </a:schemeClr>
+        </a:solidFill>
+        <a:round/>
+      </a:ln>
+    </cs:spPr>
+  </cs:errorBar>
+  <cs:floor>
+    <cs:lnRef idx="0"/>
+    <cs:fillRef idx="0"/>
+    <cs:effectRef idx="0"/>
+    <cs:fontRef idx="minor">
+      <a:schemeClr val="tx2"/>
+    </cs:fontRef>
+  </cs:floor>
+  <cs:gridlineMajor>
+    <cs:lnRef idx="0"/>
+    <cs:fillRef idx="0"/>
+    <cs:effectRef idx="0"/>
+    <cs:fontRef idx="minor">
+      <a:schemeClr val="tx2"/>
+    </cs:fontRef>
+    <cs:spPr>
+      <a:ln w="9525" cap="flat" cmpd="sng" algn="ctr">
+        <a:solidFill>
+          <a:schemeClr val="tx2">
+            <a:lumMod val="15000"/>
+            <a:lumOff val="85000"/>
+          </a:schemeClr>
+        </a:solidFill>
+        <a:round/>
+      </a:ln>
+    </cs:spPr>
+  </cs:gridlineMajor>
+  <cs:gridlineMinor>
+    <cs:lnRef idx="0"/>
+    <cs:fillRef idx="0"/>
+    <cs:effectRef idx="0"/>
+    <cs:fontRef idx="minor">
+      <a:schemeClr val="tx2"/>
+    </cs:fontRef>
+    <cs:spPr>
+      <a:ln>
+        <a:solidFill>
+          <a:schemeClr val="tx2">
+            <a:lumMod val="5000"/>
+            <a:lumOff val="95000"/>
+          </a:schemeClr>
+        </a:solidFill>
+      </a:ln>
+    </cs:spPr>
+  </cs:gridlineMinor>
+  <cs:hiLoLine>
+    <cs:lnRef idx="0"/>
+    <cs:fillRef idx="0"/>
+    <cs:effectRef idx="0"/>
+    <cs:fontRef idx="minor">
+      <a:schemeClr val="tx2"/>
+    </cs:fontRef>
+    <cs:spPr>
+      <a:ln w="9525">
+        <a:solidFill>
+          <a:schemeClr val="tx2">
+            <a:lumMod val="60000"/>
+            <a:lumOff val="40000"/>
+          </a:schemeClr>
+        </a:solidFill>
+        <a:prstDash val="dash"/>
+      </a:ln>
+    </cs:spPr>
+  </cs:hiLoLine>
+  <cs:leaderLine>
+    <cs:lnRef idx="0"/>
+    <cs:fillRef idx="0"/>
+    <cs:effectRef idx="0"/>
+    <cs:fontRef idx="minor">
+      <a:schemeClr val="tx2"/>
+    </cs:fontRef>
+    <cs:spPr>
+      <a:ln w="9525">
+        <a:solidFill>
+          <a:schemeClr val="tx2">
+            <a:lumMod val="35000"/>
+            <a:lumOff val="65000"/>
+          </a:schemeClr>
+        </a:solidFill>
+      </a:ln>
+    </cs:spPr>
+  </cs:leaderLine>
+  <cs:legend>
+    <cs:lnRef idx="0"/>
+    <cs:fillRef idx="0"/>
+    <cs:effectRef idx="0"/>
+    <cs:fontRef idx="minor">
+      <a:schemeClr val="tx2"/>
+    </cs:fontRef>
+    <cs:defRPr sz="1197" kern="1200"/>
+  </cs:legend>
+  <cs:plotArea>
+    <cs:lnRef idx="0"/>
+    <cs:fillRef idx="0"/>
+    <cs:effectRef idx="0"/>
+    <cs:fontRef idx="minor">
+      <a:schemeClr val="tx2"/>
+    </cs:fontRef>
+  </cs:plotArea>
+  <cs:plotArea3D>
+    <cs:lnRef idx="0"/>
+    <cs:fillRef idx="0"/>
+    <cs:effectRef idx="0"/>
+    <cs:fontRef idx="minor">
+      <a:schemeClr val="tx2"/>
+    </cs:fontRef>
+  </cs:plotArea3D>
+  <cs:seriesAxis>
+    <cs:lnRef idx="0"/>
+    <cs:fillRef idx="0"/>
+    <cs:effectRef idx="0"/>
+    <cs:fontRef idx="minor">
+      <a:schemeClr val="tx2"/>
+    </cs:fontRef>
+    <cs:spPr>
+      <a:ln w="9525" cap="flat" cmpd="sng" algn="ctr">
+        <a:solidFill>
+          <a:schemeClr val="tx2">
+            <a:lumMod val="15000"/>
+            <a:lumOff val="85000"/>
+          </a:schemeClr>
+        </a:solidFill>
+        <a:round/>
+      </a:ln>
+    </cs:spPr>
+    <cs:defRPr sz="1197" kern="1200"/>
+  </cs:seriesAxis>
+  <cs:seriesLine>
+    <cs:lnRef idx="0"/>
+    <cs:fillRef idx="0"/>
+    <cs:effectRef idx="0"/>
+    <cs:fontRef idx="minor">
+      <a:schemeClr val="tx2"/>
+    </cs:fontRef>
+    <cs:spPr>
+      <a:ln w="9525">
+        <a:solidFill>
+          <a:schemeClr val="tx2">
+            <a:lumMod val="60000"/>
+            <a:lumOff val="40000"/>
+          </a:schemeClr>
+        </a:solidFill>
+        <a:prstDash val="dash"/>
+      </a:ln>
+    </cs:spPr>
+  </cs:seriesLine>
+  <cs:title>
+    <cs:lnRef idx="0"/>
+    <cs:fillRef idx="0"/>
+    <cs:effectRef idx="0"/>
+    <cs:fontRef idx="minor">
+      <a:schemeClr val="tx2"/>
+    </cs:fontRef>
+    <cs:defRPr sz="2128" b="1" kern="1200"/>
+  </cs:title>
+  <cs:trendline>
+    <cs:lnRef idx="0">
+      <cs:styleClr val="auto"/>
+    </cs:lnRef>
+    <cs:fillRef idx="0"/>
+    <cs:effectRef idx="0"/>
+    <cs:fontRef idx="minor">
+      <a:schemeClr val="tx2"/>
+    </cs:fontRef>
+    <cs:spPr>
+      <a:ln w="9525" cap="rnd">
+        <a:solidFill>
+          <a:schemeClr val="phClr"/>
+        </a:solidFill>
+      </a:ln>
+    </cs:spPr>
+  </cs:trendline>
+  <cs:trendlineLabel>
+    <cs:lnRef idx="0"/>
+    <cs:fillRef idx="0"/>
+    <cs:effectRef idx="0"/>
+    <cs:fontRef idx="minor">
+      <a:schemeClr val="tx2"/>
+    </cs:fontRef>
+    <cs:defRPr sz="1197" kern="1200"/>
+  </cs:trendlineLabel>
+  <cs:upBar>
+    <cs:lnRef idx="0"/>
+    <cs:fillRef idx="0"/>
+    <cs:effectRef idx="0"/>
+    <cs:fontRef idx="minor">
+      <a:schemeClr val="tx2"/>
+    </cs:fontRef>
+    <cs:spPr>
+      <a:solidFill>
+        <a:schemeClr val="lt1"/>
+      </a:solidFill>
+      <a:ln w="9525">
+        <a:solidFill>
+          <a:schemeClr val="tx1">
+            <a:lumMod val="15000"/>
+            <a:lumOff val="85000"/>
+          </a:schemeClr>
+        </a:solidFill>
+      </a:ln>
+    </cs:spPr>
+  </cs:upBar>
+  <cs:valueAxis>
+    <cs:lnRef idx="0"/>
+    <cs:fillRef idx="0"/>
+    <cs:effectRef idx="0"/>
+    <cs:fontRef idx="minor">
+      <a:schemeClr val="tx2"/>
+    </cs:fontRef>
+    <cs:spPr>
+      <a:ln>
+        <a:solidFill>
+          <a:schemeClr val="tx2">
+            <a:lumMod val="40000"/>
+            <a:lumOff val="60000"/>
+          </a:schemeClr>
+        </a:solidFill>
+      </a:ln>
+    </cs:spPr>
+    <cs:defRPr sz="1197" kern="1200"/>
+  </cs:valueAxis>
+  <cs:wall>
+    <cs:lnRef idx="0"/>
+    <cs:fillRef idx="0"/>
+    <cs:effectRef idx="0"/>
+    <cs:fontRef idx="minor">
+      <a:schemeClr val="tx2"/>
+    </cs:fontRef>
+  </cs:wall>
+</cs:chartStyle>
+</file>
+
 <file path=ppt/charts/style2.xml><?xml version="1.0" encoding="utf-8"?>
 <cs:chartStyle xmlns:cs="http://schemas.microsoft.com/office/drawing/2012/chartStyle" xmlns:a="http://schemas.openxmlformats.org/drawingml/2006/main" id="242">
   <cs:axisTitle>
@@ -10925,7 +11787,7 @@
           <a:p>
             <a:fld id="{632BE07B-4151-411A-A48D-7B840AF9CC49}" type="datetimeFigureOut">
               <a:rPr lang="en-IN" smtClean="0"/>
-              <a:t>07-09-2024</a:t>
+              <a:t>12-09-2024</a:t>
             </a:fld>
             <a:endParaRPr lang="en-IN"/>
           </a:p>
@@ -11342,7 +12204,7 @@
           <a:p>
             <a:fld id="{ABA92BD0-17E5-4CD3-8A8A-078C365EACCB}" type="datetimeFigureOut">
               <a:rPr lang="en-IN" smtClean="0"/>
-              <a:t>07-09-2024</a:t>
+              <a:t>12-09-2024</a:t>
             </a:fld>
             <a:endParaRPr lang="en-IN"/>
           </a:p>
@@ -11542,7 +12404,7 @@
           <a:p>
             <a:fld id="{ABA92BD0-17E5-4CD3-8A8A-078C365EACCB}" type="datetimeFigureOut">
               <a:rPr lang="en-IN" smtClean="0"/>
-              <a:t>07-09-2024</a:t>
+              <a:t>12-09-2024</a:t>
             </a:fld>
             <a:endParaRPr lang="en-IN"/>
           </a:p>
@@ -11752,7 +12614,7 @@
           <a:p>
             <a:fld id="{ABA92BD0-17E5-4CD3-8A8A-078C365EACCB}" type="datetimeFigureOut">
               <a:rPr lang="en-IN" smtClean="0"/>
-              <a:t>07-09-2024</a:t>
+              <a:t>12-09-2024</a:t>
             </a:fld>
             <a:endParaRPr lang="en-IN"/>
           </a:p>
@@ -11952,7 +12814,7 @@
           <a:p>
             <a:fld id="{ABA92BD0-17E5-4CD3-8A8A-078C365EACCB}" type="datetimeFigureOut">
               <a:rPr lang="en-IN" smtClean="0"/>
-              <a:t>07-09-2024</a:t>
+              <a:t>12-09-2024</a:t>
             </a:fld>
             <a:endParaRPr lang="en-IN"/>
           </a:p>
@@ -12228,7 +13090,7 @@
           <a:p>
             <a:fld id="{ABA92BD0-17E5-4CD3-8A8A-078C365EACCB}" type="datetimeFigureOut">
               <a:rPr lang="en-IN" smtClean="0"/>
-              <a:t>07-09-2024</a:t>
+              <a:t>12-09-2024</a:t>
             </a:fld>
             <a:endParaRPr lang="en-IN"/>
           </a:p>
@@ -12496,7 +13358,7 @@
           <a:p>
             <a:fld id="{ABA92BD0-17E5-4CD3-8A8A-078C365EACCB}" type="datetimeFigureOut">
               <a:rPr lang="en-IN" smtClean="0"/>
-              <a:t>07-09-2024</a:t>
+              <a:t>12-09-2024</a:t>
             </a:fld>
             <a:endParaRPr lang="en-IN"/>
           </a:p>
@@ -12911,7 +13773,7 @@
           <a:p>
             <a:fld id="{ABA92BD0-17E5-4CD3-8A8A-078C365EACCB}" type="datetimeFigureOut">
               <a:rPr lang="en-IN" smtClean="0"/>
-              <a:t>07-09-2024</a:t>
+              <a:t>12-09-2024</a:t>
             </a:fld>
             <a:endParaRPr lang="en-IN"/>
           </a:p>
@@ -13053,7 +13915,7 @@
           <a:p>
             <a:fld id="{ABA92BD0-17E5-4CD3-8A8A-078C365EACCB}" type="datetimeFigureOut">
               <a:rPr lang="en-IN" smtClean="0"/>
-              <a:t>07-09-2024</a:t>
+              <a:t>12-09-2024</a:t>
             </a:fld>
             <a:endParaRPr lang="en-IN"/>
           </a:p>
@@ -13166,7 +14028,7 @@
           <a:p>
             <a:fld id="{ABA92BD0-17E5-4CD3-8A8A-078C365EACCB}" type="datetimeFigureOut">
               <a:rPr lang="en-IN" smtClean="0"/>
-              <a:t>07-09-2024</a:t>
+              <a:t>12-09-2024</a:t>
             </a:fld>
             <a:endParaRPr lang="en-IN"/>
           </a:p>
@@ -13479,7 +14341,7 @@
           <a:p>
             <a:fld id="{ABA92BD0-17E5-4CD3-8A8A-078C365EACCB}" type="datetimeFigureOut">
               <a:rPr lang="en-IN" smtClean="0"/>
-              <a:t>07-09-2024</a:t>
+              <a:t>12-09-2024</a:t>
             </a:fld>
             <a:endParaRPr lang="en-IN"/>
           </a:p>
@@ -13768,7 +14630,7 @@
           <a:p>
             <a:fld id="{ABA92BD0-17E5-4CD3-8A8A-078C365EACCB}" type="datetimeFigureOut">
               <a:rPr lang="en-IN" smtClean="0"/>
-              <a:t>07-09-2024</a:t>
+              <a:t>12-09-2024</a:t>
             </a:fld>
             <a:endParaRPr lang="en-IN"/>
           </a:p>
@@ -14011,7 +14873,7 @@
           <a:p>
             <a:fld id="{ABA92BD0-17E5-4CD3-8A8A-078C365EACCB}" type="datetimeFigureOut">
               <a:rPr lang="en-IN" smtClean="0"/>
-              <a:t>07-09-2024</a:t>
+              <a:t>12-09-2024</a:t>
             </a:fld>
             <a:endParaRPr lang="en-IN"/>
           </a:p>
@@ -14505,6 +15367,357 @@
           <a:chExt cx="0" cy="0"/>
         </a:xfrm>
       </p:grpSpPr>
+      <p:sp>
+        <p:nvSpPr>
+          <p:cNvPr id="3" name="Footer Placeholder 2">
+            <a:extLst>
+              <a:ext uri="{FF2B5EF4-FFF2-40B4-BE49-F238E27FC236}">
+                <a16:creationId xmlns:a16="http://schemas.microsoft.com/office/drawing/2014/main" id="{DAF5AB59-A2ED-4DA4-A7FA-C90BE9D52D60}"/>
+              </a:ext>
+            </a:extLst>
+          </p:cNvPr>
+          <p:cNvSpPr>
+            <a:spLocks noGrp="1"/>
+          </p:cNvSpPr>
+          <p:nvPr>
+            <p:ph type="ftr" sz="quarter" idx="11"/>
+          </p:nvPr>
+        </p:nvSpPr>
+        <p:spPr/>
+        <p:txBody>
+          <a:bodyPr/>
+          <a:lstStyle/>
+          <a:p>
+            <a:r>
+              <a:rPr lang="en-IN" dirty="0"/>
+              <a:t>Machine Learning Clustering Algorithms</a:t>
+            </a:r>
+          </a:p>
+        </p:txBody>
+      </p:sp>
+      <p:sp>
+        <p:nvSpPr>
+          <p:cNvPr id="2" name="TextBox 1">
+            <a:extLst>
+              <a:ext uri="{FF2B5EF4-FFF2-40B4-BE49-F238E27FC236}">
+                <a16:creationId xmlns:a16="http://schemas.microsoft.com/office/drawing/2014/main" id="{C5AD4A6B-2846-495A-BC28-7F753ECC3633}"/>
+              </a:ext>
+            </a:extLst>
+          </p:cNvPr>
+          <p:cNvSpPr txBox="1"/>
+          <p:nvPr/>
+        </p:nvSpPr>
+        <p:spPr>
+          <a:xfrm>
+            <a:off x="2101362" y="1391485"/>
+            <a:ext cx="7426568" cy="1431161"/>
+          </a:xfrm>
+          <a:prstGeom prst="rect">
+            <a:avLst/>
+          </a:prstGeom>
+          <a:noFill/>
+        </p:spPr>
+        <p:txBody>
+          <a:bodyPr wrap="square" rtlCol="0">
+            <a:spAutoFit/>
+          </a:bodyPr>
+          <a:lstStyle/>
+          <a:p>
+            <a:pPr>
+              <a:spcBef>
+                <a:spcPts val="600"/>
+              </a:spcBef>
+            </a:pPr>
+            <a:r>
+              <a:rPr lang="en-US" b="1" dirty="0">
+                <a:latin typeface="Cascadia Code" panose="020B0609020000020004" pitchFamily="49" charset="0"/>
+                <a:cs typeface="Cascadia Code" panose="020B0609020000020004" pitchFamily="49" charset="0"/>
+              </a:rPr>
+              <a:t>A partition-based clustering algorithm</a:t>
+            </a:r>
+            <a:endParaRPr lang="en-US" dirty="0">
+              <a:latin typeface="Cascadia Code" panose="020B0609020000020004" pitchFamily="49" charset="0"/>
+              <a:cs typeface="Cascadia Code" panose="020B0609020000020004" pitchFamily="49" charset="0"/>
+            </a:endParaRPr>
+          </a:p>
+          <a:p>
+            <a:pPr marL="742950" lvl="1" indent="-285750">
+              <a:spcBef>
+                <a:spcPts val="600"/>
+              </a:spcBef>
+              <a:buFont typeface="Courier New" panose="02070309020205020404" pitchFamily="49" charset="0"/>
+              <a:buChar char="o"/>
+            </a:pPr>
+            <a:r>
+              <a:rPr lang="en-US" dirty="0">
+                <a:latin typeface="Cascadia Code" panose="020B0609020000020004" pitchFamily="49" charset="0"/>
+                <a:cs typeface="Cascadia Code" panose="020B0609020000020004" pitchFamily="49" charset="0"/>
+              </a:rPr>
+              <a:t>Divides data into K clusters    </a:t>
+            </a:r>
+          </a:p>
+          <a:p>
+            <a:pPr marL="742950" lvl="1" indent="-285750">
+              <a:spcBef>
+                <a:spcPts val="600"/>
+              </a:spcBef>
+              <a:buFont typeface="Courier New" panose="02070309020205020404" pitchFamily="49" charset="0"/>
+              <a:buChar char="o"/>
+            </a:pPr>
+            <a:r>
+              <a:rPr lang="en-US" dirty="0">
+                <a:latin typeface="Cascadia Code" panose="020B0609020000020004" pitchFamily="49" charset="0"/>
+                <a:cs typeface="Cascadia Code" panose="020B0609020000020004" pitchFamily="49" charset="0"/>
+              </a:rPr>
+              <a:t>Each cluster represented by centroid    </a:t>
+            </a:r>
+          </a:p>
+          <a:p>
+            <a:pPr marL="742950" lvl="1" indent="-285750">
+              <a:spcBef>
+                <a:spcPts val="600"/>
+              </a:spcBef>
+              <a:buFont typeface="Courier New" panose="02070309020205020404" pitchFamily="49" charset="0"/>
+              <a:buChar char="o"/>
+            </a:pPr>
+            <a:r>
+              <a:rPr lang="en-US" dirty="0">
+                <a:latin typeface="Cascadia Code" panose="020B0609020000020004" pitchFamily="49" charset="0"/>
+                <a:cs typeface="Cascadia Code" panose="020B0609020000020004" pitchFamily="49" charset="0"/>
+              </a:rPr>
+              <a:t>Iterative refinement of centroids</a:t>
+            </a:r>
+            <a:endParaRPr lang="en-IN" dirty="0">
+              <a:latin typeface="Cascadia Code" panose="020B0609020000020004" pitchFamily="49" charset="0"/>
+              <a:cs typeface="Cascadia Code" panose="020B0609020000020004" pitchFamily="49" charset="0"/>
+            </a:endParaRPr>
+          </a:p>
+        </p:txBody>
+      </p:sp>
+      <p:sp>
+        <p:nvSpPr>
+          <p:cNvPr id="5" name="TextBox 4">
+            <a:extLst>
+              <a:ext uri="{FF2B5EF4-FFF2-40B4-BE49-F238E27FC236}">
+                <a16:creationId xmlns:a16="http://schemas.microsoft.com/office/drawing/2014/main" id="{0F1C7B19-9F0B-4B15-AC52-92FD338C2635}"/>
+              </a:ext>
+            </a:extLst>
+          </p:cNvPr>
+          <p:cNvSpPr txBox="1"/>
+          <p:nvPr/>
+        </p:nvSpPr>
+        <p:spPr>
+          <a:xfrm>
+            <a:off x="4218723" y="647113"/>
+            <a:ext cx="3754554" cy="523220"/>
+          </a:xfrm>
+          <a:prstGeom prst="rect">
+            <a:avLst/>
+          </a:prstGeom>
+          <a:noFill/>
+        </p:spPr>
+        <p:txBody>
+          <a:bodyPr wrap="none" rtlCol="0">
+            <a:spAutoFit/>
+          </a:bodyPr>
+          <a:lstStyle/>
+          <a:p>
+            <a:r>
+              <a:rPr lang="en-US" sz="2800" b="1" dirty="0" err="1">
+                <a:latin typeface="Cascadia Code" panose="020B0609020000020004" pitchFamily="49" charset="0"/>
+                <a:cs typeface="Cascadia Code" panose="020B0609020000020004" pitchFamily="49" charset="0"/>
+              </a:rPr>
+              <a:t>Kmeans</a:t>
+            </a:r>
+            <a:r>
+              <a:rPr lang="en-US" sz="2800" b="1" dirty="0">
+                <a:latin typeface="Cascadia Code" panose="020B0609020000020004" pitchFamily="49" charset="0"/>
+                <a:cs typeface="Cascadia Code" panose="020B0609020000020004" pitchFamily="49" charset="0"/>
+              </a:rPr>
+              <a:t> Clustering</a:t>
+            </a:r>
+            <a:endParaRPr lang="en-IN" sz="2800" b="1" dirty="0">
+              <a:latin typeface="Cascadia Code" panose="020B0609020000020004" pitchFamily="49" charset="0"/>
+              <a:cs typeface="Cascadia Code" panose="020B0609020000020004" pitchFamily="49" charset="0"/>
+            </a:endParaRPr>
+          </a:p>
+        </p:txBody>
+      </p:sp>
+      <p:sp>
+        <p:nvSpPr>
+          <p:cNvPr id="6" name="TextBox 5">
+            <a:extLst>
+              <a:ext uri="{FF2B5EF4-FFF2-40B4-BE49-F238E27FC236}">
+                <a16:creationId xmlns:a16="http://schemas.microsoft.com/office/drawing/2014/main" id="{BC794A4B-16EF-43DE-A407-3155F73A107A}"/>
+              </a:ext>
+            </a:extLst>
+          </p:cNvPr>
+          <p:cNvSpPr txBox="1"/>
+          <p:nvPr/>
+        </p:nvSpPr>
+        <p:spPr>
+          <a:xfrm>
+            <a:off x="2101362" y="3142803"/>
+            <a:ext cx="7426568" cy="1785104"/>
+          </a:xfrm>
+          <a:prstGeom prst="rect">
+            <a:avLst/>
+          </a:prstGeom>
+          <a:noFill/>
+        </p:spPr>
+        <p:txBody>
+          <a:bodyPr wrap="square" rtlCol="0">
+            <a:spAutoFit/>
+          </a:bodyPr>
+          <a:lstStyle/>
+          <a:p>
+            <a:pPr>
+              <a:spcBef>
+                <a:spcPts val="600"/>
+              </a:spcBef>
+            </a:pPr>
+            <a:r>
+              <a:rPr lang="en-US" b="1" dirty="0">
+                <a:latin typeface="Cascadia Code" panose="020B0609020000020004" pitchFamily="49" charset="0"/>
+                <a:cs typeface="Cascadia Code" panose="020B0609020000020004" pitchFamily="49" charset="0"/>
+              </a:rPr>
+              <a:t>Algorithm Steps</a:t>
+            </a:r>
+            <a:endParaRPr lang="en-US" dirty="0">
+              <a:latin typeface="Cascadia Code" panose="020B0609020000020004" pitchFamily="49" charset="0"/>
+              <a:cs typeface="Cascadia Code" panose="020B0609020000020004" pitchFamily="49" charset="0"/>
+            </a:endParaRPr>
+          </a:p>
+          <a:p>
+            <a:pPr marL="800100" lvl="1" indent="-342900">
+              <a:spcBef>
+                <a:spcPts val="600"/>
+              </a:spcBef>
+              <a:buFont typeface="+mj-lt"/>
+              <a:buAutoNum type="arabicPeriod"/>
+            </a:pPr>
+            <a:r>
+              <a:rPr lang="en-US" dirty="0">
+                <a:latin typeface="Cascadia Code" panose="020B0609020000020004" pitchFamily="49" charset="0"/>
+                <a:cs typeface="Cascadia Code" panose="020B0609020000020004" pitchFamily="49" charset="0"/>
+              </a:rPr>
+              <a:t>Initialize K centroids randomly</a:t>
+            </a:r>
+          </a:p>
+          <a:p>
+            <a:pPr marL="800100" lvl="1" indent="-342900">
+              <a:spcBef>
+                <a:spcPts val="600"/>
+              </a:spcBef>
+              <a:buFont typeface="+mj-lt"/>
+              <a:buAutoNum type="arabicPeriod"/>
+            </a:pPr>
+            <a:r>
+              <a:rPr lang="en-US" dirty="0">
+                <a:latin typeface="Cascadia Code" panose="020B0609020000020004" pitchFamily="49" charset="0"/>
+                <a:cs typeface="Cascadia Code" panose="020B0609020000020004" pitchFamily="49" charset="0"/>
+              </a:rPr>
+              <a:t>Assign each data point to nearest centroid</a:t>
+            </a:r>
+          </a:p>
+          <a:p>
+            <a:pPr marL="800100" lvl="1" indent="-342900">
+              <a:spcBef>
+                <a:spcPts val="600"/>
+              </a:spcBef>
+              <a:buFont typeface="+mj-lt"/>
+              <a:buAutoNum type="arabicPeriod"/>
+            </a:pPr>
+            <a:r>
+              <a:rPr lang="en-US" dirty="0">
+                <a:latin typeface="Cascadia Code" panose="020B0609020000020004" pitchFamily="49" charset="0"/>
+                <a:cs typeface="Cascadia Code" panose="020B0609020000020004" pitchFamily="49" charset="0"/>
+              </a:rPr>
+              <a:t>Update centroids as mean of assigned points</a:t>
+            </a:r>
+          </a:p>
+          <a:p>
+            <a:pPr marL="800100" lvl="1" indent="-342900">
+              <a:spcBef>
+                <a:spcPts val="600"/>
+              </a:spcBef>
+              <a:buFont typeface="+mj-lt"/>
+              <a:buAutoNum type="arabicPeriod"/>
+            </a:pPr>
+            <a:r>
+              <a:rPr lang="en-US" dirty="0">
+                <a:latin typeface="Cascadia Code" panose="020B0609020000020004" pitchFamily="49" charset="0"/>
+                <a:cs typeface="Cascadia Code" panose="020B0609020000020004" pitchFamily="49" charset="0"/>
+              </a:rPr>
+              <a:t>Repeat steps 2-3 until convergence</a:t>
+            </a:r>
+            <a:endParaRPr lang="en-IN" dirty="0">
+              <a:latin typeface="Cascadia Code" panose="020B0609020000020004" pitchFamily="49" charset="0"/>
+              <a:cs typeface="Cascadia Code" panose="020B0609020000020004" pitchFamily="49" charset="0"/>
+            </a:endParaRPr>
+          </a:p>
+        </p:txBody>
+      </p:sp>
+      <p:pic>
+        <p:nvPicPr>
+          <p:cNvPr id="4" name="Picture 3">
+            <a:extLst>
+              <a:ext uri="{FF2B5EF4-FFF2-40B4-BE49-F238E27FC236}">
+                <a16:creationId xmlns:a16="http://schemas.microsoft.com/office/drawing/2014/main" id="{C48B73DE-E688-4080-8521-135A9C36176C}"/>
+              </a:ext>
+            </a:extLst>
+          </p:cNvPr>
+          <p:cNvPicPr>
+            <a:picLocks noChangeAspect="1"/>
+          </p:cNvPicPr>
+          <p:nvPr/>
+        </p:nvPicPr>
+        <p:blipFill>
+          <a:blip r:embed="rId2"/>
+          <a:stretch>
+            <a:fillRect/>
+          </a:stretch>
+        </p:blipFill>
+        <p:spPr>
+          <a:xfrm>
+            <a:off x="2101362" y="5241925"/>
+            <a:ext cx="6238875" cy="1114425"/>
+          </a:xfrm>
+          <a:prstGeom prst="rect">
+            <a:avLst/>
+          </a:prstGeom>
+        </p:spPr>
+      </p:pic>
+    </p:spTree>
+    <p:extLst>
+      <p:ext uri="{BB962C8B-B14F-4D97-AF65-F5344CB8AC3E}">
+        <p14:creationId xmlns:p14="http://schemas.microsoft.com/office/powerpoint/2010/main" val="4235698664"/>
+      </p:ext>
+    </p:extLst>
+  </p:cSld>
+  <p:clrMapOvr>
+    <a:masterClrMapping/>
+  </p:clrMapOvr>
+</p:sld>
+</file>
+
+<file path=ppt/slides/slide11.xml><?xml version="1.0" encoding="utf-8"?>
+<p:sld xmlns:a="http://schemas.openxmlformats.org/drawingml/2006/main" xmlns:r="http://schemas.openxmlformats.org/officeDocument/2006/relationships" xmlns:p="http://schemas.openxmlformats.org/presentationml/2006/main">
+  <p:cSld>
+    <p:spTree>
+      <p:nvGrpSpPr>
+        <p:cNvPr id="1" name=""/>
+        <p:cNvGrpSpPr/>
+        <p:nvPr/>
+      </p:nvGrpSpPr>
+      <p:grpSpPr>
+        <a:xfrm>
+          <a:off x="0" y="0"/>
+          <a:ext cx="0" cy="0"/>
+          <a:chOff x="0" y="0"/>
+          <a:chExt cx="0" cy="0"/>
+        </a:xfrm>
+      </p:grpSpPr>
       <p:graphicFrame>
         <p:nvGraphicFramePr>
           <p:cNvPr id="3" name="Chart 2">
@@ -14895,7 +16108,7 @@
 </p:sld>
 </file>
 
-<file path=ppt/slides/slide11.xml><?xml version="1.0" encoding="utf-8"?>
+<file path=ppt/slides/slide12.xml><?xml version="1.0" encoding="utf-8"?>
 <p:sld xmlns:a="http://schemas.openxmlformats.org/drawingml/2006/main" xmlns:r="http://schemas.openxmlformats.org/officeDocument/2006/relationships" xmlns:p="http://schemas.openxmlformats.org/presentationml/2006/main">
   <p:cSld>
     <p:spTree>
@@ -15319,7 +16532,7 @@
 </p:sld>
 </file>
 
-<file path=ppt/slides/slide12.xml><?xml version="1.0" encoding="utf-8"?>
+<file path=ppt/slides/slide13.xml><?xml version="1.0" encoding="utf-8"?>
 <p:sld xmlns:a="http://schemas.openxmlformats.org/drawingml/2006/main" xmlns:r="http://schemas.openxmlformats.org/officeDocument/2006/relationships" xmlns:p="http://schemas.openxmlformats.org/presentationml/2006/main">
   <p:cSld>
     <p:spTree>
@@ -15688,7 +16901,7 @@
 </p:sld>
 </file>
 
-<file path=ppt/slides/slide13.xml><?xml version="1.0" encoding="utf-8"?>
+<file path=ppt/slides/slide14.xml><?xml version="1.0" encoding="utf-8"?>
 <p:sld xmlns:a="http://schemas.openxmlformats.org/drawingml/2006/main" xmlns:r="http://schemas.openxmlformats.org/officeDocument/2006/relationships" xmlns:p="http://schemas.openxmlformats.org/presentationml/2006/main">
   <p:cSld>
     <p:spTree>
@@ -16193,7 +17406,7 @@
 </p:sld>
 </file>
 
-<file path=ppt/slides/slide14.xml><?xml version="1.0" encoding="utf-8"?>
+<file path=ppt/slides/slide15.xml><?xml version="1.0" encoding="utf-8"?>
 <p:sld xmlns:a="http://schemas.openxmlformats.org/drawingml/2006/main" xmlns:r="http://schemas.openxmlformats.org/officeDocument/2006/relationships" xmlns:p="http://schemas.openxmlformats.org/presentationml/2006/main">
   <p:cSld>
     <p:spTree>
@@ -16608,7 +17821,7 @@
 </p:sld>
 </file>
 
-<file path=ppt/slides/slide15.xml><?xml version="1.0" encoding="utf-8"?>
+<file path=ppt/slides/slide16.xml><?xml version="1.0" encoding="utf-8"?>
 <p:sld xmlns:a="http://schemas.openxmlformats.org/drawingml/2006/main" xmlns:r="http://schemas.openxmlformats.org/officeDocument/2006/relationships" xmlns:p="http://schemas.openxmlformats.org/presentationml/2006/main">
   <p:cSld>
     <p:spTree>
@@ -16979,7 +18192,7 @@
 </p:sld>
 </file>
 
-<file path=ppt/slides/slide16.xml><?xml version="1.0" encoding="utf-8"?>
+<file path=ppt/slides/slide17.xml><?xml version="1.0" encoding="utf-8"?>
 <p:sld xmlns:a="http://schemas.openxmlformats.org/drawingml/2006/main" xmlns:r="http://schemas.openxmlformats.org/officeDocument/2006/relationships" xmlns:p="http://schemas.openxmlformats.org/presentationml/2006/main">
   <p:cSld>
     <p:spTree>
@@ -17201,423 +18414,6 @@
 </p:sld>
 </file>
 
-<file path=ppt/slides/slide17.xml><?xml version="1.0" encoding="utf-8"?>
-<p:sld xmlns:a="http://schemas.openxmlformats.org/drawingml/2006/main" xmlns:r="http://schemas.openxmlformats.org/officeDocument/2006/relationships" xmlns:p="http://schemas.openxmlformats.org/presentationml/2006/main">
-  <p:cSld>
-    <p:spTree>
-      <p:nvGrpSpPr>
-        <p:cNvPr id="1" name=""/>
-        <p:cNvGrpSpPr/>
-        <p:nvPr/>
-      </p:nvGrpSpPr>
-      <p:grpSpPr>
-        <a:xfrm>
-          <a:off x="0" y="0"/>
-          <a:ext cx="0" cy="0"/>
-          <a:chOff x="0" y="0"/>
-          <a:chExt cx="0" cy="0"/>
-        </a:xfrm>
-      </p:grpSpPr>
-      <p:sp>
-        <p:nvSpPr>
-          <p:cNvPr id="3" name="Footer Placeholder 2">
-            <a:extLst>
-              <a:ext uri="{FF2B5EF4-FFF2-40B4-BE49-F238E27FC236}">
-                <a16:creationId xmlns:a16="http://schemas.microsoft.com/office/drawing/2014/main" id="{DAF5AB59-A2ED-4DA4-A7FA-C90BE9D52D60}"/>
-              </a:ext>
-            </a:extLst>
-          </p:cNvPr>
-          <p:cNvSpPr>
-            <a:spLocks noGrp="1"/>
-          </p:cNvSpPr>
-          <p:nvPr>
-            <p:ph type="ftr" sz="quarter" idx="11"/>
-          </p:nvPr>
-        </p:nvSpPr>
-        <p:spPr/>
-        <p:txBody>
-          <a:bodyPr/>
-          <a:lstStyle/>
-          <a:p>
-            <a:r>
-              <a:rPr lang="en-IN" dirty="0"/>
-              <a:t>Machine Learning Clustering Algorithms</a:t>
-            </a:r>
-          </a:p>
-        </p:txBody>
-      </p:sp>
-      <p:sp>
-        <p:nvSpPr>
-          <p:cNvPr id="2" name="TextBox 1">
-            <a:extLst>
-              <a:ext uri="{FF2B5EF4-FFF2-40B4-BE49-F238E27FC236}">
-                <a16:creationId xmlns:a16="http://schemas.microsoft.com/office/drawing/2014/main" id="{C5AD4A6B-2846-495A-BC28-7F753ECC3633}"/>
-              </a:ext>
-            </a:extLst>
-          </p:cNvPr>
-          <p:cNvSpPr txBox="1"/>
-          <p:nvPr/>
-        </p:nvSpPr>
-        <p:spPr>
-          <a:xfrm>
-            <a:off x="1960686" y="1156946"/>
-            <a:ext cx="7426568" cy="1431161"/>
-          </a:xfrm>
-          <a:prstGeom prst="rect">
-            <a:avLst/>
-          </a:prstGeom>
-          <a:noFill/>
-        </p:spPr>
-        <p:txBody>
-          <a:bodyPr wrap="square" rtlCol="0">
-            <a:spAutoFit/>
-          </a:bodyPr>
-          <a:lstStyle/>
-          <a:p>
-            <a:pPr>
-              <a:spcBef>
-                <a:spcPts val="600"/>
-              </a:spcBef>
-            </a:pPr>
-            <a:r>
-              <a:rPr lang="en-US" b="1" dirty="0">
-                <a:latin typeface="Cascadia Code" panose="020B0609020000020004" pitchFamily="49" charset="0"/>
-                <a:cs typeface="Cascadia Code" panose="020B0609020000020004" pitchFamily="49" charset="0"/>
-              </a:rPr>
-              <a:t>Advantages</a:t>
-            </a:r>
-            <a:endParaRPr lang="en-US" dirty="0">
-              <a:latin typeface="Cascadia Code" panose="020B0609020000020004" pitchFamily="49" charset="0"/>
-              <a:cs typeface="Cascadia Code" panose="020B0609020000020004" pitchFamily="49" charset="0"/>
-            </a:endParaRPr>
-          </a:p>
-          <a:p>
-            <a:pPr marL="742950" lvl="1" indent="-285750">
-              <a:spcBef>
-                <a:spcPts val="600"/>
-              </a:spcBef>
-              <a:buFont typeface="Courier New" panose="02070309020205020404" pitchFamily="49" charset="0"/>
-              <a:buChar char="o"/>
-            </a:pPr>
-            <a:r>
-              <a:rPr lang="en-US" dirty="0">
-                <a:latin typeface="Cascadia Code" panose="020B0609020000020004" pitchFamily="49" charset="0"/>
-                <a:cs typeface="Cascadia Code" panose="020B0609020000020004" pitchFamily="49" charset="0"/>
-              </a:rPr>
-              <a:t>No need to specify number of clusters</a:t>
-            </a:r>
-          </a:p>
-          <a:p>
-            <a:pPr marL="742950" lvl="1" indent="-285750">
-              <a:spcBef>
-                <a:spcPts val="600"/>
-              </a:spcBef>
-              <a:buFont typeface="Courier New" panose="02070309020205020404" pitchFamily="49" charset="0"/>
-              <a:buChar char="o"/>
-            </a:pPr>
-            <a:r>
-              <a:rPr lang="en-US" dirty="0">
-                <a:latin typeface="Cascadia Code" panose="020B0609020000020004" pitchFamily="49" charset="0"/>
-                <a:cs typeface="Cascadia Code" panose="020B0609020000020004" pitchFamily="49" charset="0"/>
-              </a:rPr>
-              <a:t>Robust to noise and outliers</a:t>
-            </a:r>
-          </a:p>
-          <a:p>
-            <a:pPr marL="742950" lvl="1" indent="-285750">
-              <a:spcBef>
-                <a:spcPts val="600"/>
-              </a:spcBef>
-              <a:buFont typeface="Courier New" panose="02070309020205020404" pitchFamily="49" charset="0"/>
-              <a:buChar char="o"/>
-            </a:pPr>
-            <a:r>
-              <a:rPr lang="en-US" dirty="0">
-                <a:latin typeface="Cascadia Code" panose="020B0609020000020004" pitchFamily="49" charset="0"/>
-                <a:cs typeface="Cascadia Code" panose="020B0609020000020004" pitchFamily="49" charset="0"/>
-              </a:rPr>
-              <a:t>Handles varying densities</a:t>
-            </a:r>
-          </a:p>
-        </p:txBody>
-      </p:sp>
-      <p:sp>
-        <p:nvSpPr>
-          <p:cNvPr id="7" name="TextBox 6">
-            <a:extLst>
-              <a:ext uri="{FF2B5EF4-FFF2-40B4-BE49-F238E27FC236}">
-                <a16:creationId xmlns:a16="http://schemas.microsoft.com/office/drawing/2014/main" id="{CF620D77-58A8-48A0-96D3-43A36584B010}"/>
-              </a:ext>
-            </a:extLst>
-          </p:cNvPr>
-          <p:cNvSpPr txBox="1"/>
-          <p:nvPr/>
-        </p:nvSpPr>
-        <p:spPr>
-          <a:xfrm>
-            <a:off x="1960686" y="2629995"/>
-            <a:ext cx="7426568" cy="1431161"/>
-          </a:xfrm>
-          <a:prstGeom prst="rect">
-            <a:avLst/>
-          </a:prstGeom>
-          <a:noFill/>
-        </p:spPr>
-        <p:txBody>
-          <a:bodyPr wrap="square" rtlCol="0">
-            <a:spAutoFit/>
-          </a:bodyPr>
-          <a:lstStyle/>
-          <a:p>
-            <a:pPr>
-              <a:spcBef>
-                <a:spcPts val="600"/>
-              </a:spcBef>
-            </a:pPr>
-            <a:r>
-              <a:rPr lang="en-US" b="1" dirty="0">
-                <a:latin typeface="Cascadia Code" panose="020B0609020000020004" pitchFamily="49" charset="0"/>
-                <a:cs typeface="Cascadia Code" panose="020B0609020000020004" pitchFamily="49" charset="0"/>
-              </a:rPr>
-              <a:t>Disadvantages</a:t>
-            </a:r>
-            <a:endParaRPr lang="en-US" dirty="0">
-              <a:latin typeface="Cascadia Code" panose="020B0609020000020004" pitchFamily="49" charset="0"/>
-              <a:cs typeface="Cascadia Code" panose="020B0609020000020004" pitchFamily="49" charset="0"/>
-            </a:endParaRPr>
-          </a:p>
-          <a:p>
-            <a:pPr marL="742950" lvl="1" indent="-285750">
-              <a:spcBef>
-                <a:spcPts val="600"/>
-              </a:spcBef>
-              <a:buFont typeface="Courier New" panose="02070309020205020404" pitchFamily="49" charset="0"/>
-              <a:buChar char="o"/>
-            </a:pPr>
-            <a:r>
-              <a:rPr lang="en-US" dirty="0">
-                <a:latin typeface="Cascadia Code" panose="020B0609020000020004" pitchFamily="49" charset="0"/>
-                <a:cs typeface="Cascadia Code" panose="020B0609020000020004" pitchFamily="49" charset="0"/>
-              </a:rPr>
-              <a:t>Computationally expensive (O(n^2) complexity)</a:t>
-            </a:r>
-          </a:p>
-          <a:p>
-            <a:pPr marL="742950" lvl="1" indent="-285750">
-              <a:spcBef>
-                <a:spcPts val="600"/>
-              </a:spcBef>
-              <a:buFont typeface="Courier New" panose="02070309020205020404" pitchFamily="49" charset="0"/>
-              <a:buChar char="o"/>
-            </a:pPr>
-            <a:r>
-              <a:rPr lang="en-US" dirty="0">
-                <a:latin typeface="Cascadia Code" panose="020B0609020000020004" pitchFamily="49" charset="0"/>
-                <a:cs typeface="Cascadia Code" panose="020B0609020000020004" pitchFamily="49" charset="0"/>
-              </a:rPr>
-              <a:t>Sensitive to bandwidth parameter</a:t>
-            </a:r>
-          </a:p>
-          <a:p>
-            <a:pPr marL="742950" lvl="1" indent="-285750">
-              <a:spcBef>
-                <a:spcPts val="600"/>
-              </a:spcBef>
-              <a:buFont typeface="Courier New" panose="02070309020205020404" pitchFamily="49" charset="0"/>
-              <a:buChar char="o"/>
-            </a:pPr>
-            <a:r>
-              <a:rPr lang="en-US" dirty="0">
-                <a:latin typeface="Cascadia Code" panose="020B0609020000020004" pitchFamily="49" charset="0"/>
-                <a:cs typeface="Cascadia Code" panose="020B0609020000020004" pitchFamily="49" charset="0"/>
-              </a:rPr>
-              <a:t>Can be slow for large datasets</a:t>
-            </a:r>
-          </a:p>
-        </p:txBody>
-      </p:sp>
-      <p:sp>
-        <p:nvSpPr>
-          <p:cNvPr id="8" name="TextBox 7">
-            <a:extLst>
-              <a:ext uri="{FF2B5EF4-FFF2-40B4-BE49-F238E27FC236}">
-                <a16:creationId xmlns:a16="http://schemas.microsoft.com/office/drawing/2014/main" id="{62DA76A8-233C-41B3-8D2B-1FC49D5F6B12}"/>
-              </a:ext>
-            </a:extLst>
-          </p:cNvPr>
-          <p:cNvSpPr txBox="1"/>
-          <p:nvPr/>
-        </p:nvSpPr>
-        <p:spPr>
-          <a:xfrm>
-            <a:off x="1960686" y="4217303"/>
-            <a:ext cx="7426568" cy="2139047"/>
-          </a:xfrm>
-          <a:prstGeom prst="rect">
-            <a:avLst/>
-          </a:prstGeom>
-          <a:noFill/>
-        </p:spPr>
-        <p:txBody>
-          <a:bodyPr wrap="square" rtlCol="0">
-            <a:spAutoFit/>
-          </a:bodyPr>
-          <a:lstStyle/>
-          <a:p>
-            <a:pPr>
-              <a:spcBef>
-                <a:spcPts val="600"/>
-              </a:spcBef>
-            </a:pPr>
-            <a:r>
-              <a:rPr lang="en-US" b="1" dirty="0">
-                <a:latin typeface="Cascadia Code" panose="020B0609020000020004" pitchFamily="49" charset="0"/>
-                <a:cs typeface="Cascadia Code" panose="020B0609020000020004" pitchFamily="49" charset="0"/>
-              </a:rPr>
-              <a:t>Applications</a:t>
-            </a:r>
-            <a:endParaRPr lang="en-US" dirty="0">
-              <a:latin typeface="Cascadia Code" panose="020B0609020000020004" pitchFamily="49" charset="0"/>
-              <a:cs typeface="Cascadia Code" panose="020B0609020000020004" pitchFamily="49" charset="0"/>
-            </a:endParaRPr>
-          </a:p>
-          <a:p>
-            <a:pPr marL="742950" lvl="1" indent="-285750">
-              <a:spcBef>
-                <a:spcPts val="600"/>
-              </a:spcBef>
-              <a:buFont typeface="Courier New" panose="02070309020205020404" pitchFamily="49" charset="0"/>
-              <a:buChar char="o"/>
-            </a:pPr>
-            <a:r>
-              <a:rPr lang="en-US" dirty="0">
-                <a:latin typeface="Cascadia Code" panose="020B0609020000020004" pitchFamily="49" charset="0"/>
-                <a:cs typeface="Cascadia Code" panose="020B0609020000020004" pitchFamily="49" charset="0"/>
-              </a:rPr>
-              <a:t>Image segmentation</a:t>
-            </a:r>
-          </a:p>
-          <a:p>
-            <a:pPr marL="742950" lvl="1" indent="-285750">
-              <a:spcBef>
-                <a:spcPts val="600"/>
-              </a:spcBef>
-              <a:buFont typeface="Courier New" panose="02070309020205020404" pitchFamily="49" charset="0"/>
-              <a:buChar char="o"/>
-            </a:pPr>
-            <a:r>
-              <a:rPr lang="en-US" dirty="0">
-                <a:latin typeface="Cascadia Code" panose="020B0609020000020004" pitchFamily="49" charset="0"/>
-                <a:cs typeface="Cascadia Code" panose="020B0609020000020004" pitchFamily="49" charset="0"/>
-              </a:rPr>
-              <a:t>Object tracking</a:t>
-            </a:r>
-          </a:p>
-          <a:p>
-            <a:pPr marL="742950" lvl="1" indent="-285750">
-              <a:spcBef>
-                <a:spcPts val="600"/>
-              </a:spcBef>
-              <a:buFont typeface="Courier New" panose="02070309020205020404" pitchFamily="49" charset="0"/>
-              <a:buChar char="o"/>
-            </a:pPr>
-            <a:r>
-              <a:rPr lang="en-US" dirty="0">
-                <a:latin typeface="Cascadia Code" panose="020B0609020000020004" pitchFamily="49" charset="0"/>
-                <a:cs typeface="Cascadia Code" panose="020B0609020000020004" pitchFamily="49" charset="0"/>
-              </a:rPr>
-              <a:t>Customer segmentation</a:t>
-            </a:r>
-          </a:p>
-          <a:p>
-            <a:pPr marL="742950" lvl="1" indent="-285750">
-              <a:spcBef>
-                <a:spcPts val="600"/>
-              </a:spcBef>
-              <a:buFont typeface="Courier New" panose="02070309020205020404" pitchFamily="49" charset="0"/>
-              <a:buChar char="o"/>
-            </a:pPr>
-            <a:r>
-              <a:rPr lang="en-US" dirty="0">
-                <a:latin typeface="Cascadia Code" panose="020B0609020000020004" pitchFamily="49" charset="0"/>
-                <a:cs typeface="Cascadia Code" panose="020B0609020000020004" pitchFamily="49" charset="0"/>
-              </a:rPr>
-              <a:t>Gene expression analysis</a:t>
-            </a:r>
-          </a:p>
-          <a:p>
-            <a:pPr marL="742950" lvl="1" indent="-285750">
-              <a:spcBef>
-                <a:spcPts val="600"/>
-              </a:spcBef>
-              <a:buFont typeface="Courier New" panose="02070309020205020404" pitchFamily="49" charset="0"/>
-              <a:buChar char="o"/>
-            </a:pPr>
-            <a:r>
-              <a:rPr lang="en-US" dirty="0">
-                <a:latin typeface="Cascadia Code" panose="020B0609020000020004" pitchFamily="49" charset="0"/>
-                <a:cs typeface="Cascadia Code" panose="020B0609020000020004" pitchFamily="49" charset="0"/>
-              </a:rPr>
-              <a:t>Text clustering</a:t>
-            </a:r>
-          </a:p>
-        </p:txBody>
-      </p:sp>
-      <p:sp>
-        <p:nvSpPr>
-          <p:cNvPr id="9" name="TextBox 8">
-            <a:extLst>
-              <a:ext uri="{FF2B5EF4-FFF2-40B4-BE49-F238E27FC236}">
-                <a16:creationId xmlns:a16="http://schemas.microsoft.com/office/drawing/2014/main" id="{F550929B-2CFD-40C6-87EE-6934EAD8C527}"/>
-              </a:ext>
-            </a:extLst>
-          </p:cNvPr>
-          <p:cNvSpPr txBox="1"/>
-          <p:nvPr/>
-        </p:nvSpPr>
-        <p:spPr>
-          <a:xfrm>
-            <a:off x="3680256" y="234059"/>
-            <a:ext cx="4594528" cy="523220"/>
-          </a:xfrm>
-          <a:prstGeom prst="rect">
-            <a:avLst/>
-          </a:prstGeom>
-          <a:noFill/>
-        </p:spPr>
-        <p:txBody>
-          <a:bodyPr wrap="none" rtlCol="0">
-            <a:spAutoFit/>
-          </a:bodyPr>
-          <a:lstStyle/>
-          <a:p>
-            <a:r>
-              <a:rPr lang="en-US" sz="2800" b="1" dirty="0">
-                <a:latin typeface="Cascadia Code" panose="020B0609020000020004" pitchFamily="49" charset="0"/>
-                <a:cs typeface="Cascadia Code" panose="020B0609020000020004" pitchFamily="49" charset="0"/>
-              </a:rPr>
-              <a:t>Mean Shift Clustering</a:t>
-            </a:r>
-            <a:endParaRPr lang="en-IN" sz="2800" b="1" dirty="0">
-              <a:latin typeface="Cascadia Code" panose="020B0609020000020004" pitchFamily="49" charset="0"/>
-              <a:cs typeface="Cascadia Code" panose="020B0609020000020004" pitchFamily="49" charset="0"/>
-            </a:endParaRPr>
-          </a:p>
-        </p:txBody>
-      </p:sp>
-    </p:spTree>
-    <p:extLst>
-      <p:ext uri="{BB962C8B-B14F-4D97-AF65-F5344CB8AC3E}">
-        <p14:creationId xmlns:p14="http://schemas.microsoft.com/office/powerpoint/2010/main" val="2118629608"/>
-      </p:ext>
-    </p:extLst>
-  </p:cSld>
-  <p:clrMapOvr>
-    <a:masterClrMapping/>
-  </p:clrMapOvr>
-</p:sld>
-</file>
-
 <file path=ppt/slides/slide18.xml><?xml version="1.0" encoding="utf-8"?>
 <p:sld xmlns:a="http://schemas.openxmlformats.org/drawingml/2006/main" xmlns:r="http://schemas.openxmlformats.org/officeDocument/2006/relationships" xmlns:p="http://schemas.openxmlformats.org/presentationml/2006/main">
   <p:cSld>
@@ -17677,6 +18473,423 @@
         </p:nvSpPr>
         <p:spPr>
           <a:xfrm>
+            <a:off x="1960686" y="1156946"/>
+            <a:ext cx="7426568" cy="1431161"/>
+          </a:xfrm>
+          <a:prstGeom prst="rect">
+            <a:avLst/>
+          </a:prstGeom>
+          <a:noFill/>
+        </p:spPr>
+        <p:txBody>
+          <a:bodyPr wrap="square" rtlCol="0">
+            <a:spAutoFit/>
+          </a:bodyPr>
+          <a:lstStyle/>
+          <a:p>
+            <a:pPr>
+              <a:spcBef>
+                <a:spcPts val="600"/>
+              </a:spcBef>
+            </a:pPr>
+            <a:r>
+              <a:rPr lang="en-US" b="1" dirty="0">
+                <a:latin typeface="Cascadia Code" panose="020B0609020000020004" pitchFamily="49" charset="0"/>
+                <a:cs typeface="Cascadia Code" panose="020B0609020000020004" pitchFamily="49" charset="0"/>
+              </a:rPr>
+              <a:t>Advantages</a:t>
+            </a:r>
+            <a:endParaRPr lang="en-US" dirty="0">
+              <a:latin typeface="Cascadia Code" panose="020B0609020000020004" pitchFamily="49" charset="0"/>
+              <a:cs typeface="Cascadia Code" panose="020B0609020000020004" pitchFamily="49" charset="0"/>
+            </a:endParaRPr>
+          </a:p>
+          <a:p>
+            <a:pPr marL="742950" lvl="1" indent="-285750">
+              <a:spcBef>
+                <a:spcPts val="600"/>
+              </a:spcBef>
+              <a:buFont typeface="Courier New" panose="02070309020205020404" pitchFamily="49" charset="0"/>
+              <a:buChar char="o"/>
+            </a:pPr>
+            <a:r>
+              <a:rPr lang="en-US" dirty="0">
+                <a:latin typeface="Cascadia Code" panose="020B0609020000020004" pitchFamily="49" charset="0"/>
+                <a:cs typeface="Cascadia Code" panose="020B0609020000020004" pitchFamily="49" charset="0"/>
+              </a:rPr>
+              <a:t>No need to specify number of clusters</a:t>
+            </a:r>
+          </a:p>
+          <a:p>
+            <a:pPr marL="742950" lvl="1" indent="-285750">
+              <a:spcBef>
+                <a:spcPts val="600"/>
+              </a:spcBef>
+              <a:buFont typeface="Courier New" panose="02070309020205020404" pitchFamily="49" charset="0"/>
+              <a:buChar char="o"/>
+            </a:pPr>
+            <a:r>
+              <a:rPr lang="en-US" dirty="0">
+                <a:latin typeface="Cascadia Code" panose="020B0609020000020004" pitchFamily="49" charset="0"/>
+                <a:cs typeface="Cascadia Code" panose="020B0609020000020004" pitchFamily="49" charset="0"/>
+              </a:rPr>
+              <a:t>Robust to noise and outliers</a:t>
+            </a:r>
+          </a:p>
+          <a:p>
+            <a:pPr marL="742950" lvl="1" indent="-285750">
+              <a:spcBef>
+                <a:spcPts val="600"/>
+              </a:spcBef>
+              <a:buFont typeface="Courier New" panose="02070309020205020404" pitchFamily="49" charset="0"/>
+              <a:buChar char="o"/>
+            </a:pPr>
+            <a:r>
+              <a:rPr lang="en-US" dirty="0">
+                <a:latin typeface="Cascadia Code" panose="020B0609020000020004" pitchFamily="49" charset="0"/>
+                <a:cs typeface="Cascadia Code" panose="020B0609020000020004" pitchFamily="49" charset="0"/>
+              </a:rPr>
+              <a:t>Handles varying densities</a:t>
+            </a:r>
+          </a:p>
+        </p:txBody>
+      </p:sp>
+      <p:sp>
+        <p:nvSpPr>
+          <p:cNvPr id="7" name="TextBox 6">
+            <a:extLst>
+              <a:ext uri="{FF2B5EF4-FFF2-40B4-BE49-F238E27FC236}">
+                <a16:creationId xmlns:a16="http://schemas.microsoft.com/office/drawing/2014/main" id="{CF620D77-58A8-48A0-96D3-43A36584B010}"/>
+              </a:ext>
+            </a:extLst>
+          </p:cNvPr>
+          <p:cNvSpPr txBox="1"/>
+          <p:nvPr/>
+        </p:nvSpPr>
+        <p:spPr>
+          <a:xfrm>
+            <a:off x="1960686" y="2629995"/>
+            <a:ext cx="7426568" cy="1431161"/>
+          </a:xfrm>
+          <a:prstGeom prst="rect">
+            <a:avLst/>
+          </a:prstGeom>
+          <a:noFill/>
+        </p:spPr>
+        <p:txBody>
+          <a:bodyPr wrap="square" rtlCol="0">
+            <a:spAutoFit/>
+          </a:bodyPr>
+          <a:lstStyle/>
+          <a:p>
+            <a:pPr>
+              <a:spcBef>
+                <a:spcPts val="600"/>
+              </a:spcBef>
+            </a:pPr>
+            <a:r>
+              <a:rPr lang="en-US" b="1" dirty="0">
+                <a:latin typeface="Cascadia Code" panose="020B0609020000020004" pitchFamily="49" charset="0"/>
+                <a:cs typeface="Cascadia Code" panose="020B0609020000020004" pitchFamily="49" charset="0"/>
+              </a:rPr>
+              <a:t>Disadvantages</a:t>
+            </a:r>
+            <a:endParaRPr lang="en-US" dirty="0">
+              <a:latin typeface="Cascadia Code" panose="020B0609020000020004" pitchFamily="49" charset="0"/>
+              <a:cs typeface="Cascadia Code" panose="020B0609020000020004" pitchFamily="49" charset="0"/>
+            </a:endParaRPr>
+          </a:p>
+          <a:p>
+            <a:pPr marL="742950" lvl="1" indent="-285750">
+              <a:spcBef>
+                <a:spcPts val="600"/>
+              </a:spcBef>
+              <a:buFont typeface="Courier New" panose="02070309020205020404" pitchFamily="49" charset="0"/>
+              <a:buChar char="o"/>
+            </a:pPr>
+            <a:r>
+              <a:rPr lang="en-US" dirty="0">
+                <a:latin typeface="Cascadia Code" panose="020B0609020000020004" pitchFamily="49" charset="0"/>
+                <a:cs typeface="Cascadia Code" panose="020B0609020000020004" pitchFamily="49" charset="0"/>
+              </a:rPr>
+              <a:t>Computationally expensive (O(n^2) complexity)</a:t>
+            </a:r>
+          </a:p>
+          <a:p>
+            <a:pPr marL="742950" lvl="1" indent="-285750">
+              <a:spcBef>
+                <a:spcPts val="600"/>
+              </a:spcBef>
+              <a:buFont typeface="Courier New" panose="02070309020205020404" pitchFamily="49" charset="0"/>
+              <a:buChar char="o"/>
+            </a:pPr>
+            <a:r>
+              <a:rPr lang="en-US" dirty="0">
+                <a:latin typeface="Cascadia Code" panose="020B0609020000020004" pitchFamily="49" charset="0"/>
+                <a:cs typeface="Cascadia Code" panose="020B0609020000020004" pitchFamily="49" charset="0"/>
+              </a:rPr>
+              <a:t>Sensitive to bandwidth parameter</a:t>
+            </a:r>
+          </a:p>
+          <a:p>
+            <a:pPr marL="742950" lvl="1" indent="-285750">
+              <a:spcBef>
+                <a:spcPts val="600"/>
+              </a:spcBef>
+              <a:buFont typeface="Courier New" panose="02070309020205020404" pitchFamily="49" charset="0"/>
+              <a:buChar char="o"/>
+            </a:pPr>
+            <a:r>
+              <a:rPr lang="en-US" dirty="0">
+                <a:latin typeface="Cascadia Code" panose="020B0609020000020004" pitchFamily="49" charset="0"/>
+                <a:cs typeface="Cascadia Code" panose="020B0609020000020004" pitchFamily="49" charset="0"/>
+              </a:rPr>
+              <a:t>Can be slow for large datasets</a:t>
+            </a:r>
+          </a:p>
+        </p:txBody>
+      </p:sp>
+      <p:sp>
+        <p:nvSpPr>
+          <p:cNvPr id="8" name="TextBox 7">
+            <a:extLst>
+              <a:ext uri="{FF2B5EF4-FFF2-40B4-BE49-F238E27FC236}">
+                <a16:creationId xmlns:a16="http://schemas.microsoft.com/office/drawing/2014/main" id="{62DA76A8-233C-41B3-8D2B-1FC49D5F6B12}"/>
+              </a:ext>
+            </a:extLst>
+          </p:cNvPr>
+          <p:cNvSpPr txBox="1"/>
+          <p:nvPr/>
+        </p:nvSpPr>
+        <p:spPr>
+          <a:xfrm>
+            <a:off x="1960686" y="4217303"/>
+            <a:ext cx="7426568" cy="2139047"/>
+          </a:xfrm>
+          <a:prstGeom prst="rect">
+            <a:avLst/>
+          </a:prstGeom>
+          <a:noFill/>
+        </p:spPr>
+        <p:txBody>
+          <a:bodyPr wrap="square" rtlCol="0">
+            <a:spAutoFit/>
+          </a:bodyPr>
+          <a:lstStyle/>
+          <a:p>
+            <a:pPr>
+              <a:spcBef>
+                <a:spcPts val="600"/>
+              </a:spcBef>
+            </a:pPr>
+            <a:r>
+              <a:rPr lang="en-US" b="1" dirty="0">
+                <a:latin typeface="Cascadia Code" panose="020B0609020000020004" pitchFamily="49" charset="0"/>
+                <a:cs typeface="Cascadia Code" panose="020B0609020000020004" pitchFamily="49" charset="0"/>
+              </a:rPr>
+              <a:t>Applications</a:t>
+            </a:r>
+            <a:endParaRPr lang="en-US" dirty="0">
+              <a:latin typeface="Cascadia Code" panose="020B0609020000020004" pitchFamily="49" charset="0"/>
+              <a:cs typeface="Cascadia Code" panose="020B0609020000020004" pitchFamily="49" charset="0"/>
+            </a:endParaRPr>
+          </a:p>
+          <a:p>
+            <a:pPr marL="742950" lvl="1" indent="-285750">
+              <a:spcBef>
+                <a:spcPts val="600"/>
+              </a:spcBef>
+              <a:buFont typeface="Courier New" panose="02070309020205020404" pitchFamily="49" charset="0"/>
+              <a:buChar char="o"/>
+            </a:pPr>
+            <a:r>
+              <a:rPr lang="en-US" dirty="0">
+                <a:latin typeface="Cascadia Code" panose="020B0609020000020004" pitchFamily="49" charset="0"/>
+                <a:cs typeface="Cascadia Code" panose="020B0609020000020004" pitchFamily="49" charset="0"/>
+              </a:rPr>
+              <a:t>Image segmentation</a:t>
+            </a:r>
+          </a:p>
+          <a:p>
+            <a:pPr marL="742950" lvl="1" indent="-285750">
+              <a:spcBef>
+                <a:spcPts val="600"/>
+              </a:spcBef>
+              <a:buFont typeface="Courier New" panose="02070309020205020404" pitchFamily="49" charset="0"/>
+              <a:buChar char="o"/>
+            </a:pPr>
+            <a:r>
+              <a:rPr lang="en-US" dirty="0">
+                <a:latin typeface="Cascadia Code" panose="020B0609020000020004" pitchFamily="49" charset="0"/>
+                <a:cs typeface="Cascadia Code" panose="020B0609020000020004" pitchFamily="49" charset="0"/>
+              </a:rPr>
+              <a:t>Object tracking</a:t>
+            </a:r>
+          </a:p>
+          <a:p>
+            <a:pPr marL="742950" lvl="1" indent="-285750">
+              <a:spcBef>
+                <a:spcPts val="600"/>
+              </a:spcBef>
+              <a:buFont typeface="Courier New" panose="02070309020205020404" pitchFamily="49" charset="0"/>
+              <a:buChar char="o"/>
+            </a:pPr>
+            <a:r>
+              <a:rPr lang="en-US" dirty="0">
+                <a:latin typeface="Cascadia Code" panose="020B0609020000020004" pitchFamily="49" charset="0"/>
+                <a:cs typeface="Cascadia Code" panose="020B0609020000020004" pitchFamily="49" charset="0"/>
+              </a:rPr>
+              <a:t>Customer segmentation</a:t>
+            </a:r>
+          </a:p>
+          <a:p>
+            <a:pPr marL="742950" lvl="1" indent="-285750">
+              <a:spcBef>
+                <a:spcPts val="600"/>
+              </a:spcBef>
+              <a:buFont typeface="Courier New" panose="02070309020205020404" pitchFamily="49" charset="0"/>
+              <a:buChar char="o"/>
+            </a:pPr>
+            <a:r>
+              <a:rPr lang="en-US" dirty="0">
+                <a:latin typeface="Cascadia Code" panose="020B0609020000020004" pitchFamily="49" charset="0"/>
+                <a:cs typeface="Cascadia Code" panose="020B0609020000020004" pitchFamily="49" charset="0"/>
+              </a:rPr>
+              <a:t>Gene expression analysis</a:t>
+            </a:r>
+          </a:p>
+          <a:p>
+            <a:pPr marL="742950" lvl="1" indent="-285750">
+              <a:spcBef>
+                <a:spcPts val="600"/>
+              </a:spcBef>
+              <a:buFont typeface="Courier New" panose="02070309020205020404" pitchFamily="49" charset="0"/>
+              <a:buChar char="o"/>
+            </a:pPr>
+            <a:r>
+              <a:rPr lang="en-US" dirty="0">
+                <a:latin typeface="Cascadia Code" panose="020B0609020000020004" pitchFamily="49" charset="0"/>
+                <a:cs typeface="Cascadia Code" panose="020B0609020000020004" pitchFamily="49" charset="0"/>
+              </a:rPr>
+              <a:t>Text clustering</a:t>
+            </a:r>
+          </a:p>
+        </p:txBody>
+      </p:sp>
+      <p:sp>
+        <p:nvSpPr>
+          <p:cNvPr id="9" name="TextBox 8">
+            <a:extLst>
+              <a:ext uri="{FF2B5EF4-FFF2-40B4-BE49-F238E27FC236}">
+                <a16:creationId xmlns:a16="http://schemas.microsoft.com/office/drawing/2014/main" id="{F550929B-2CFD-40C6-87EE-6934EAD8C527}"/>
+              </a:ext>
+            </a:extLst>
+          </p:cNvPr>
+          <p:cNvSpPr txBox="1"/>
+          <p:nvPr/>
+        </p:nvSpPr>
+        <p:spPr>
+          <a:xfrm>
+            <a:off x="3680256" y="234059"/>
+            <a:ext cx="4594528" cy="523220"/>
+          </a:xfrm>
+          <a:prstGeom prst="rect">
+            <a:avLst/>
+          </a:prstGeom>
+          <a:noFill/>
+        </p:spPr>
+        <p:txBody>
+          <a:bodyPr wrap="none" rtlCol="0">
+            <a:spAutoFit/>
+          </a:bodyPr>
+          <a:lstStyle/>
+          <a:p>
+            <a:r>
+              <a:rPr lang="en-US" sz="2800" b="1" dirty="0">
+                <a:latin typeface="Cascadia Code" panose="020B0609020000020004" pitchFamily="49" charset="0"/>
+                <a:cs typeface="Cascadia Code" panose="020B0609020000020004" pitchFamily="49" charset="0"/>
+              </a:rPr>
+              <a:t>Mean Shift Clustering</a:t>
+            </a:r>
+            <a:endParaRPr lang="en-IN" sz="2800" b="1" dirty="0">
+              <a:latin typeface="Cascadia Code" panose="020B0609020000020004" pitchFamily="49" charset="0"/>
+              <a:cs typeface="Cascadia Code" panose="020B0609020000020004" pitchFamily="49" charset="0"/>
+            </a:endParaRPr>
+          </a:p>
+        </p:txBody>
+      </p:sp>
+    </p:spTree>
+    <p:extLst>
+      <p:ext uri="{BB962C8B-B14F-4D97-AF65-F5344CB8AC3E}">
+        <p14:creationId xmlns:p14="http://schemas.microsoft.com/office/powerpoint/2010/main" val="2118629608"/>
+      </p:ext>
+    </p:extLst>
+  </p:cSld>
+  <p:clrMapOvr>
+    <a:masterClrMapping/>
+  </p:clrMapOvr>
+</p:sld>
+</file>
+
+<file path=ppt/slides/slide19.xml><?xml version="1.0" encoding="utf-8"?>
+<p:sld xmlns:a="http://schemas.openxmlformats.org/drawingml/2006/main" xmlns:r="http://schemas.openxmlformats.org/officeDocument/2006/relationships" xmlns:p="http://schemas.openxmlformats.org/presentationml/2006/main">
+  <p:cSld>
+    <p:spTree>
+      <p:nvGrpSpPr>
+        <p:cNvPr id="1" name=""/>
+        <p:cNvGrpSpPr/>
+        <p:nvPr/>
+      </p:nvGrpSpPr>
+      <p:grpSpPr>
+        <a:xfrm>
+          <a:off x="0" y="0"/>
+          <a:ext cx="0" cy="0"/>
+          <a:chOff x="0" y="0"/>
+          <a:chExt cx="0" cy="0"/>
+        </a:xfrm>
+      </p:grpSpPr>
+      <p:sp>
+        <p:nvSpPr>
+          <p:cNvPr id="3" name="Footer Placeholder 2">
+            <a:extLst>
+              <a:ext uri="{FF2B5EF4-FFF2-40B4-BE49-F238E27FC236}">
+                <a16:creationId xmlns:a16="http://schemas.microsoft.com/office/drawing/2014/main" id="{DAF5AB59-A2ED-4DA4-A7FA-C90BE9D52D60}"/>
+              </a:ext>
+            </a:extLst>
+          </p:cNvPr>
+          <p:cNvSpPr>
+            <a:spLocks noGrp="1"/>
+          </p:cNvSpPr>
+          <p:nvPr>
+            <p:ph type="ftr" sz="quarter" idx="11"/>
+          </p:nvPr>
+        </p:nvSpPr>
+        <p:spPr/>
+        <p:txBody>
+          <a:bodyPr/>
+          <a:lstStyle/>
+          <a:p>
+            <a:r>
+              <a:rPr lang="en-IN" dirty="0"/>
+              <a:t>Machine Learning Clustering Algorithms</a:t>
+            </a:r>
+          </a:p>
+        </p:txBody>
+      </p:sp>
+      <p:sp>
+        <p:nvSpPr>
+          <p:cNvPr id="2" name="TextBox 1">
+            <a:extLst>
+              <a:ext uri="{FF2B5EF4-FFF2-40B4-BE49-F238E27FC236}">
+                <a16:creationId xmlns:a16="http://schemas.microsoft.com/office/drawing/2014/main" id="{C5AD4A6B-2846-495A-BC28-7F753ECC3633}"/>
+              </a:ext>
+            </a:extLst>
+          </p:cNvPr>
+          <p:cNvSpPr txBox="1"/>
+          <p:nvPr/>
+        </p:nvSpPr>
+        <p:spPr>
+          <a:xfrm>
             <a:off x="1974744" y="1318175"/>
             <a:ext cx="7426568" cy="1431161"/>
           </a:xfrm>
@@ -17964,198 +19177,6 @@
     <p:extLst>
       <p:ext uri="{BB962C8B-B14F-4D97-AF65-F5344CB8AC3E}">
         <p14:creationId xmlns:p14="http://schemas.microsoft.com/office/powerpoint/2010/main" val="2192957540"/>
-      </p:ext>
-    </p:extLst>
-  </p:cSld>
-  <p:clrMapOvr>
-    <a:masterClrMapping/>
-  </p:clrMapOvr>
-</p:sld>
-</file>
-
-<file path=ppt/slides/slide19.xml><?xml version="1.0" encoding="utf-8"?>
-<p:sld xmlns:a="http://schemas.openxmlformats.org/drawingml/2006/main" xmlns:r="http://schemas.openxmlformats.org/officeDocument/2006/relationships" xmlns:p="http://schemas.openxmlformats.org/presentationml/2006/main">
-  <p:cSld>
-    <p:spTree>
-      <p:nvGrpSpPr>
-        <p:cNvPr id="1" name=""/>
-        <p:cNvGrpSpPr/>
-        <p:nvPr/>
-      </p:nvGrpSpPr>
-      <p:grpSpPr>
-        <a:xfrm>
-          <a:off x="0" y="0"/>
-          <a:ext cx="0" cy="0"/>
-          <a:chOff x="0" y="0"/>
-          <a:chExt cx="0" cy="0"/>
-        </a:xfrm>
-      </p:grpSpPr>
-      <p:pic>
-        <p:nvPicPr>
-          <p:cNvPr id="3" name="Picture 2">
-            <a:extLst>
-              <a:ext uri="{FF2B5EF4-FFF2-40B4-BE49-F238E27FC236}">
-                <a16:creationId xmlns:a16="http://schemas.microsoft.com/office/drawing/2014/main" id="{CA42887E-13F6-411A-B58A-763A4F50931C}"/>
-              </a:ext>
-            </a:extLst>
-          </p:cNvPr>
-          <p:cNvPicPr>
-            <a:picLocks noChangeAspect="1"/>
-          </p:cNvPicPr>
-          <p:nvPr/>
-        </p:nvPicPr>
-        <p:blipFill>
-          <a:blip r:embed="rId2"/>
-          <a:stretch>
-            <a:fillRect/>
-          </a:stretch>
-        </p:blipFill>
-        <p:spPr>
-          <a:xfrm>
-            <a:off x="428624" y="1258358"/>
-            <a:ext cx="3371851" cy="2334359"/>
-          </a:xfrm>
-          <a:prstGeom prst="rect">
-            <a:avLst/>
-          </a:prstGeom>
-        </p:spPr>
-      </p:pic>
-      <p:pic>
-        <p:nvPicPr>
-          <p:cNvPr id="4" name="Picture 3">
-            <a:extLst>
-              <a:ext uri="{FF2B5EF4-FFF2-40B4-BE49-F238E27FC236}">
-                <a16:creationId xmlns:a16="http://schemas.microsoft.com/office/drawing/2014/main" id="{6D121D54-922B-4695-8056-401BF0884C7F}"/>
-              </a:ext>
-            </a:extLst>
-          </p:cNvPr>
-          <p:cNvPicPr>
-            <a:picLocks noChangeAspect="1"/>
-          </p:cNvPicPr>
-          <p:nvPr/>
-        </p:nvPicPr>
-        <p:blipFill>
-          <a:blip r:embed="rId3"/>
-          <a:stretch>
-            <a:fillRect/>
-          </a:stretch>
-        </p:blipFill>
-        <p:spPr>
-          <a:xfrm>
-            <a:off x="5381625" y="1463145"/>
-            <a:ext cx="5829300" cy="1933575"/>
-          </a:xfrm>
-          <a:prstGeom prst="rect">
-            <a:avLst/>
-          </a:prstGeom>
-        </p:spPr>
-      </p:pic>
-      <p:pic>
-        <p:nvPicPr>
-          <p:cNvPr id="5" name="Picture 4">
-            <a:extLst>
-              <a:ext uri="{FF2B5EF4-FFF2-40B4-BE49-F238E27FC236}">
-                <a16:creationId xmlns:a16="http://schemas.microsoft.com/office/drawing/2014/main" id="{B5AEA3C0-8D4C-442C-A204-15E028B8360D}"/>
-              </a:ext>
-            </a:extLst>
-          </p:cNvPr>
-          <p:cNvPicPr>
-            <a:picLocks noChangeAspect="1"/>
-          </p:cNvPicPr>
-          <p:nvPr/>
-        </p:nvPicPr>
-        <p:blipFill>
-          <a:blip r:embed="rId4"/>
-          <a:stretch>
-            <a:fillRect/>
-          </a:stretch>
-        </p:blipFill>
-        <p:spPr>
-          <a:xfrm>
-            <a:off x="428624" y="3987271"/>
-            <a:ext cx="3133726" cy="2298066"/>
-          </a:xfrm>
-          <a:prstGeom prst="rect">
-            <a:avLst/>
-          </a:prstGeom>
-        </p:spPr>
-      </p:pic>
-      <p:pic>
-        <p:nvPicPr>
-          <p:cNvPr id="7" name="Picture 6">
-            <a:extLst>
-              <a:ext uri="{FF2B5EF4-FFF2-40B4-BE49-F238E27FC236}">
-                <a16:creationId xmlns:a16="http://schemas.microsoft.com/office/drawing/2014/main" id="{64C86C17-8C30-4715-8F39-52705AB37CFC}"/>
-              </a:ext>
-            </a:extLst>
-          </p:cNvPr>
-          <p:cNvPicPr>
-            <a:picLocks noChangeAspect="1"/>
-          </p:cNvPicPr>
-          <p:nvPr/>
-        </p:nvPicPr>
-        <p:blipFill>
-          <a:blip r:embed="rId5"/>
-          <a:stretch>
-            <a:fillRect/>
-          </a:stretch>
-        </p:blipFill>
-        <p:spPr>
-          <a:xfrm>
-            <a:off x="4986338" y="4130146"/>
-            <a:ext cx="6362700" cy="1714500"/>
-          </a:xfrm>
-          <a:prstGeom prst="rect">
-            <a:avLst/>
-          </a:prstGeom>
-        </p:spPr>
-      </p:pic>
-      <p:sp>
-        <p:nvSpPr>
-          <p:cNvPr id="22" name="TextBox 21">
-            <a:extLst>
-              <a:ext uri="{FF2B5EF4-FFF2-40B4-BE49-F238E27FC236}">
-                <a16:creationId xmlns:a16="http://schemas.microsoft.com/office/drawing/2014/main" id="{96B1628D-2AE3-49B8-963D-6DBE82AE7AD6}"/>
-              </a:ext>
-            </a:extLst>
-          </p:cNvPr>
-          <p:cNvSpPr txBox="1"/>
-          <p:nvPr/>
-        </p:nvSpPr>
-        <p:spPr>
-          <a:xfrm>
-            <a:off x="3483746" y="368425"/>
-            <a:ext cx="5224507" cy="523220"/>
-          </a:xfrm>
-          <a:prstGeom prst="rect">
-            <a:avLst/>
-          </a:prstGeom>
-          <a:noFill/>
-        </p:spPr>
-        <p:txBody>
-          <a:bodyPr wrap="none" rtlCol="0">
-            <a:spAutoFit/>
-          </a:bodyPr>
-          <a:lstStyle/>
-          <a:p>
-            <a:r>
-              <a:rPr lang="en-US" sz="2800" b="1" dirty="0">
-                <a:latin typeface="Cascadia Code" panose="020B0609020000020004" pitchFamily="49" charset="0"/>
-                <a:cs typeface="Cascadia Code" panose="020B0609020000020004" pitchFamily="49" charset="0"/>
-              </a:rPr>
-              <a:t>Agglomerative Clustering</a:t>
-            </a:r>
-            <a:endParaRPr lang="en-IN" sz="2800" b="1" dirty="0">
-              <a:latin typeface="Cascadia Code" panose="020B0609020000020004" pitchFamily="49" charset="0"/>
-              <a:cs typeface="Cascadia Code" panose="020B0609020000020004" pitchFamily="49" charset="0"/>
-            </a:endParaRPr>
-          </a:p>
-        </p:txBody>
-      </p:sp>
-    </p:spTree>
-    <p:extLst>
-      <p:ext uri="{BB962C8B-B14F-4D97-AF65-F5344CB8AC3E}">
-        <p14:creationId xmlns:p14="http://schemas.microsoft.com/office/powerpoint/2010/main" val="3475165314"/>
       </p:ext>
     </p:extLst>
   </p:cSld>
@@ -18382,6 +19403,198 @@
       </p:grpSpPr>
       <p:pic>
         <p:nvPicPr>
+          <p:cNvPr id="3" name="Picture 2">
+            <a:extLst>
+              <a:ext uri="{FF2B5EF4-FFF2-40B4-BE49-F238E27FC236}">
+                <a16:creationId xmlns:a16="http://schemas.microsoft.com/office/drawing/2014/main" id="{CA42887E-13F6-411A-B58A-763A4F50931C}"/>
+              </a:ext>
+            </a:extLst>
+          </p:cNvPr>
+          <p:cNvPicPr>
+            <a:picLocks noChangeAspect="1"/>
+          </p:cNvPicPr>
+          <p:nvPr/>
+        </p:nvPicPr>
+        <p:blipFill>
+          <a:blip r:embed="rId2"/>
+          <a:stretch>
+            <a:fillRect/>
+          </a:stretch>
+        </p:blipFill>
+        <p:spPr>
+          <a:xfrm>
+            <a:off x="428624" y="1258358"/>
+            <a:ext cx="3371851" cy="2334359"/>
+          </a:xfrm>
+          <a:prstGeom prst="rect">
+            <a:avLst/>
+          </a:prstGeom>
+        </p:spPr>
+      </p:pic>
+      <p:pic>
+        <p:nvPicPr>
+          <p:cNvPr id="4" name="Picture 3">
+            <a:extLst>
+              <a:ext uri="{FF2B5EF4-FFF2-40B4-BE49-F238E27FC236}">
+                <a16:creationId xmlns:a16="http://schemas.microsoft.com/office/drawing/2014/main" id="{6D121D54-922B-4695-8056-401BF0884C7F}"/>
+              </a:ext>
+            </a:extLst>
+          </p:cNvPr>
+          <p:cNvPicPr>
+            <a:picLocks noChangeAspect="1"/>
+          </p:cNvPicPr>
+          <p:nvPr/>
+        </p:nvPicPr>
+        <p:blipFill>
+          <a:blip r:embed="rId3"/>
+          <a:stretch>
+            <a:fillRect/>
+          </a:stretch>
+        </p:blipFill>
+        <p:spPr>
+          <a:xfrm>
+            <a:off x="5381625" y="1463145"/>
+            <a:ext cx="5829300" cy="1933575"/>
+          </a:xfrm>
+          <a:prstGeom prst="rect">
+            <a:avLst/>
+          </a:prstGeom>
+        </p:spPr>
+      </p:pic>
+      <p:pic>
+        <p:nvPicPr>
+          <p:cNvPr id="5" name="Picture 4">
+            <a:extLst>
+              <a:ext uri="{FF2B5EF4-FFF2-40B4-BE49-F238E27FC236}">
+                <a16:creationId xmlns:a16="http://schemas.microsoft.com/office/drawing/2014/main" id="{B5AEA3C0-8D4C-442C-A204-15E028B8360D}"/>
+              </a:ext>
+            </a:extLst>
+          </p:cNvPr>
+          <p:cNvPicPr>
+            <a:picLocks noChangeAspect="1"/>
+          </p:cNvPicPr>
+          <p:nvPr/>
+        </p:nvPicPr>
+        <p:blipFill>
+          <a:blip r:embed="rId4"/>
+          <a:stretch>
+            <a:fillRect/>
+          </a:stretch>
+        </p:blipFill>
+        <p:spPr>
+          <a:xfrm>
+            <a:off x="428624" y="3987271"/>
+            <a:ext cx="3133726" cy="2298066"/>
+          </a:xfrm>
+          <a:prstGeom prst="rect">
+            <a:avLst/>
+          </a:prstGeom>
+        </p:spPr>
+      </p:pic>
+      <p:pic>
+        <p:nvPicPr>
+          <p:cNvPr id="7" name="Picture 6">
+            <a:extLst>
+              <a:ext uri="{FF2B5EF4-FFF2-40B4-BE49-F238E27FC236}">
+                <a16:creationId xmlns:a16="http://schemas.microsoft.com/office/drawing/2014/main" id="{64C86C17-8C30-4715-8F39-52705AB37CFC}"/>
+              </a:ext>
+            </a:extLst>
+          </p:cNvPr>
+          <p:cNvPicPr>
+            <a:picLocks noChangeAspect="1"/>
+          </p:cNvPicPr>
+          <p:nvPr/>
+        </p:nvPicPr>
+        <p:blipFill>
+          <a:blip r:embed="rId5"/>
+          <a:stretch>
+            <a:fillRect/>
+          </a:stretch>
+        </p:blipFill>
+        <p:spPr>
+          <a:xfrm>
+            <a:off x="4986338" y="4130146"/>
+            <a:ext cx="6362700" cy="1714500"/>
+          </a:xfrm>
+          <a:prstGeom prst="rect">
+            <a:avLst/>
+          </a:prstGeom>
+        </p:spPr>
+      </p:pic>
+      <p:sp>
+        <p:nvSpPr>
+          <p:cNvPr id="22" name="TextBox 21">
+            <a:extLst>
+              <a:ext uri="{FF2B5EF4-FFF2-40B4-BE49-F238E27FC236}">
+                <a16:creationId xmlns:a16="http://schemas.microsoft.com/office/drawing/2014/main" id="{96B1628D-2AE3-49B8-963D-6DBE82AE7AD6}"/>
+              </a:ext>
+            </a:extLst>
+          </p:cNvPr>
+          <p:cNvSpPr txBox="1"/>
+          <p:nvPr/>
+        </p:nvSpPr>
+        <p:spPr>
+          <a:xfrm>
+            <a:off x="3483746" y="368425"/>
+            <a:ext cx="5224507" cy="523220"/>
+          </a:xfrm>
+          <a:prstGeom prst="rect">
+            <a:avLst/>
+          </a:prstGeom>
+          <a:noFill/>
+        </p:spPr>
+        <p:txBody>
+          <a:bodyPr wrap="none" rtlCol="0">
+            <a:spAutoFit/>
+          </a:bodyPr>
+          <a:lstStyle/>
+          <a:p>
+            <a:r>
+              <a:rPr lang="en-US" sz="2800" b="1" dirty="0">
+                <a:latin typeface="Cascadia Code" panose="020B0609020000020004" pitchFamily="49" charset="0"/>
+                <a:cs typeface="Cascadia Code" panose="020B0609020000020004" pitchFamily="49" charset="0"/>
+              </a:rPr>
+              <a:t>Agglomerative Clustering</a:t>
+            </a:r>
+            <a:endParaRPr lang="en-IN" sz="2800" b="1" dirty="0">
+              <a:latin typeface="Cascadia Code" panose="020B0609020000020004" pitchFamily="49" charset="0"/>
+              <a:cs typeface="Cascadia Code" panose="020B0609020000020004" pitchFamily="49" charset="0"/>
+            </a:endParaRPr>
+          </a:p>
+        </p:txBody>
+      </p:sp>
+    </p:spTree>
+    <p:extLst>
+      <p:ext uri="{BB962C8B-B14F-4D97-AF65-F5344CB8AC3E}">
+        <p14:creationId xmlns:p14="http://schemas.microsoft.com/office/powerpoint/2010/main" val="3475165314"/>
+      </p:ext>
+    </p:extLst>
+  </p:cSld>
+  <p:clrMapOvr>
+    <a:masterClrMapping/>
+  </p:clrMapOvr>
+</p:sld>
+</file>
+
+<file path=ppt/slides/slide21.xml><?xml version="1.0" encoding="utf-8"?>
+<p:sld xmlns:a="http://schemas.openxmlformats.org/drawingml/2006/main" xmlns:r="http://schemas.openxmlformats.org/officeDocument/2006/relationships" xmlns:p="http://schemas.openxmlformats.org/presentationml/2006/main">
+  <p:cSld>
+    <p:spTree>
+      <p:nvGrpSpPr>
+        <p:cNvPr id="1" name=""/>
+        <p:cNvGrpSpPr/>
+        <p:nvPr/>
+      </p:nvGrpSpPr>
+      <p:grpSpPr>
+        <a:xfrm>
+          <a:off x="0" y="0"/>
+          <a:ext cx="0" cy="0"/>
+          <a:chOff x="0" y="0"/>
+          <a:chExt cx="0" cy="0"/>
+        </a:xfrm>
+      </p:grpSpPr>
+      <p:pic>
+        <p:nvPicPr>
           <p:cNvPr id="2" name="Picture 1">
             <a:extLst>
               <a:ext uri="{FF2B5EF4-FFF2-40B4-BE49-F238E27FC236}">
@@ -18555,7 +19768,7 @@
 </p:sld>
 </file>
 
-<file path=ppt/slides/slide21.xml><?xml version="1.0" encoding="utf-8"?>
+<file path=ppt/slides/slide22.xml><?xml version="1.0" encoding="utf-8"?>
 <p:sld xmlns:a="http://schemas.openxmlformats.org/drawingml/2006/main" xmlns:r="http://schemas.openxmlformats.org/officeDocument/2006/relationships" xmlns:p="http://schemas.openxmlformats.org/presentationml/2006/main">
   <p:cSld>
     <p:spTree>
@@ -18956,7 +20169,7 @@
 </p:sld>
 </file>
 
-<file path=ppt/slides/slide22.xml><?xml version="1.0" encoding="utf-8"?>
+<file path=ppt/slides/slide23.xml><?xml version="1.0" encoding="utf-8"?>
 <p:sld xmlns:a="http://schemas.openxmlformats.org/drawingml/2006/main" xmlns:r="http://schemas.openxmlformats.org/officeDocument/2006/relationships" xmlns:p="http://schemas.openxmlformats.org/presentationml/2006/main">
   <p:cSld>
     <p:spTree>
@@ -19343,7 +20556,7 @@
 </p:sld>
 </file>
 
-<file path=ppt/slides/slide23.xml><?xml version="1.0" encoding="utf-8"?>
+<file path=ppt/slides/slide24.xml><?xml version="1.0" encoding="utf-8"?>
 <p:sld xmlns:a="http://schemas.openxmlformats.org/drawingml/2006/main" xmlns:r="http://schemas.openxmlformats.org/officeDocument/2006/relationships" xmlns:p="http://schemas.openxmlformats.org/presentationml/2006/main">
   <p:cSld>
     <p:spTree>
@@ -19503,7 +20716,7 @@
 </p:sld>
 </file>
 
-<file path=ppt/slides/slide24.xml><?xml version="1.0" encoding="utf-8"?>
+<file path=ppt/slides/slide25.xml><?xml version="1.0" encoding="utf-8"?>
 <p:sld xmlns:a="http://schemas.openxmlformats.org/drawingml/2006/main" xmlns:r="http://schemas.openxmlformats.org/officeDocument/2006/relationships" xmlns:p="http://schemas.openxmlformats.org/presentationml/2006/main">
   <p:cSld>
     <p:spTree>
@@ -19995,7 +21208,7 @@
 </p:sld>
 </file>
 
-<file path=ppt/slides/slide25.xml><?xml version="1.0" encoding="utf-8"?>
+<file path=ppt/slides/slide26.xml><?xml version="1.0" encoding="utf-8"?>
 <p:sld xmlns:a="http://schemas.openxmlformats.org/drawingml/2006/main" xmlns:r="http://schemas.openxmlformats.org/officeDocument/2006/relationships" xmlns:p="http://schemas.openxmlformats.org/presentationml/2006/main">
   <p:cSld>
     <p:spTree>
@@ -20375,7 +21588,7 @@
 </p:sld>
 </file>
 
-<file path=ppt/slides/slide26.xml><?xml version="1.0" encoding="utf-8"?>
+<file path=ppt/slides/slide27.xml><?xml version="1.0" encoding="utf-8"?>
 <p:sld xmlns:a="http://schemas.openxmlformats.org/drawingml/2006/main" xmlns:r="http://schemas.openxmlformats.org/officeDocument/2006/relationships" xmlns:p="http://schemas.openxmlformats.org/presentationml/2006/main">
   <p:cSld>
     <p:spTree>
@@ -20854,7 +22067,7 @@
 </p:sld>
 </file>
 
-<file path=ppt/slides/slide27.xml><?xml version="1.0" encoding="utf-8"?>
+<file path=ppt/slides/slide28.xml><?xml version="1.0" encoding="utf-8"?>
 <p:sld xmlns:a="http://schemas.openxmlformats.org/drawingml/2006/main" xmlns:r="http://schemas.openxmlformats.org/officeDocument/2006/relationships" xmlns:p="http://schemas.openxmlformats.org/presentationml/2006/main">
   <p:cSld>
     <p:spTree>
@@ -21262,6 +22475,361 @@
     <p:extLst>
       <p:ext uri="{BB962C8B-B14F-4D97-AF65-F5344CB8AC3E}">
         <p14:creationId xmlns:p14="http://schemas.microsoft.com/office/powerpoint/2010/main" val="3498932165"/>
+      </p:ext>
+    </p:extLst>
+  </p:cSld>
+  <p:clrMapOvr>
+    <a:masterClrMapping/>
+  </p:clrMapOvr>
+</p:sld>
+</file>
+
+<file path=ppt/slides/slide29.xml><?xml version="1.0" encoding="utf-8"?>
+<p:sld xmlns:a="http://schemas.openxmlformats.org/drawingml/2006/main" xmlns:r="http://schemas.openxmlformats.org/officeDocument/2006/relationships" xmlns:p="http://schemas.openxmlformats.org/presentationml/2006/main">
+  <p:cSld>
+    <p:spTree>
+      <p:nvGrpSpPr>
+        <p:cNvPr id="1" name=""/>
+        <p:cNvGrpSpPr/>
+        <p:nvPr/>
+      </p:nvGrpSpPr>
+      <p:grpSpPr>
+        <a:xfrm>
+          <a:off x="0" y="0"/>
+          <a:ext cx="0" cy="0"/>
+          <a:chOff x="0" y="0"/>
+          <a:chExt cx="0" cy="0"/>
+        </a:xfrm>
+      </p:grpSpPr>
+      <p:sp>
+        <p:nvSpPr>
+          <p:cNvPr id="3" name="Footer Placeholder 2">
+            <a:extLst>
+              <a:ext uri="{FF2B5EF4-FFF2-40B4-BE49-F238E27FC236}">
+                <a16:creationId xmlns:a16="http://schemas.microsoft.com/office/drawing/2014/main" id="{DAF5AB59-A2ED-4DA4-A7FA-C90BE9D52D60}"/>
+              </a:ext>
+            </a:extLst>
+          </p:cNvPr>
+          <p:cNvSpPr>
+            <a:spLocks noGrp="1"/>
+          </p:cNvSpPr>
+          <p:nvPr>
+            <p:ph type="ftr" sz="quarter" idx="11"/>
+          </p:nvPr>
+        </p:nvSpPr>
+        <p:spPr/>
+        <p:txBody>
+          <a:bodyPr/>
+          <a:lstStyle/>
+          <a:p>
+            <a:r>
+              <a:rPr lang="en-IN" dirty="0"/>
+              <a:t>Machine Learning Clustering Algorithms</a:t>
+            </a:r>
+          </a:p>
+        </p:txBody>
+      </p:sp>
+      <p:sp>
+        <p:nvSpPr>
+          <p:cNvPr id="2" name="TextBox 1">
+            <a:extLst>
+              <a:ext uri="{FF2B5EF4-FFF2-40B4-BE49-F238E27FC236}">
+                <a16:creationId xmlns:a16="http://schemas.microsoft.com/office/drawing/2014/main" id="{C5AD4A6B-2846-495A-BC28-7F753ECC3633}"/>
+              </a:ext>
+            </a:extLst>
+          </p:cNvPr>
+          <p:cNvSpPr txBox="1"/>
+          <p:nvPr/>
+        </p:nvSpPr>
+        <p:spPr>
+          <a:xfrm>
+            <a:off x="1974743" y="1318175"/>
+            <a:ext cx="9712432" cy="1431161"/>
+          </a:xfrm>
+          <a:prstGeom prst="rect">
+            <a:avLst/>
+          </a:prstGeom>
+          <a:noFill/>
+        </p:spPr>
+        <p:txBody>
+          <a:bodyPr wrap="square" rtlCol="0">
+            <a:spAutoFit/>
+          </a:bodyPr>
+          <a:lstStyle/>
+          <a:p>
+            <a:pPr>
+              <a:spcBef>
+                <a:spcPts val="600"/>
+              </a:spcBef>
+            </a:pPr>
+            <a:r>
+              <a:rPr lang="en-US" b="1" dirty="0">
+                <a:latin typeface="Cascadia Code" panose="020B0609020000020004" pitchFamily="49" charset="0"/>
+                <a:cs typeface="Cascadia Code" panose="020B0609020000020004" pitchFamily="49" charset="0"/>
+              </a:rPr>
+              <a:t>A clustering algorithm based on message passing</a:t>
+            </a:r>
+            <a:r>
+              <a:rPr lang="en-US" dirty="0">
+                <a:latin typeface="Cascadia Code" panose="020B0609020000020004" pitchFamily="49" charset="0"/>
+                <a:cs typeface="Cascadia Code" panose="020B0609020000020004" pitchFamily="49" charset="0"/>
+              </a:rPr>
+              <a:t>    </a:t>
+            </a:r>
+          </a:p>
+          <a:p>
+            <a:pPr marL="742950" lvl="1" indent="-285750">
+              <a:spcBef>
+                <a:spcPts val="600"/>
+              </a:spcBef>
+              <a:buFont typeface="Courier New" panose="02070309020205020404" pitchFamily="49" charset="0"/>
+              <a:buChar char="o"/>
+            </a:pPr>
+            <a:r>
+              <a:rPr lang="en-US" dirty="0">
+                <a:latin typeface="Cascadia Code" panose="020B0609020000020004" pitchFamily="49" charset="0"/>
+                <a:cs typeface="Cascadia Code" panose="020B0609020000020004" pitchFamily="49" charset="0"/>
+              </a:rPr>
+              <a:t>Identifies exemplars (representative data points) </a:t>
+            </a:r>
+          </a:p>
+          <a:p>
+            <a:pPr marL="742950" lvl="1" indent="-285750">
+              <a:spcBef>
+                <a:spcPts val="600"/>
+              </a:spcBef>
+              <a:buFont typeface="Courier New" panose="02070309020205020404" pitchFamily="49" charset="0"/>
+              <a:buChar char="o"/>
+            </a:pPr>
+            <a:r>
+              <a:rPr lang="en-US" dirty="0">
+                <a:latin typeface="Cascadia Code" panose="020B0609020000020004" pitchFamily="49" charset="0"/>
+                <a:cs typeface="Cascadia Code" panose="020B0609020000020004" pitchFamily="49" charset="0"/>
+              </a:rPr>
+              <a:t>Clusters data points around exemplars    </a:t>
+            </a:r>
+          </a:p>
+          <a:p>
+            <a:pPr marL="742950" lvl="1" indent="-285750">
+              <a:spcBef>
+                <a:spcPts val="600"/>
+              </a:spcBef>
+              <a:buFont typeface="Courier New" panose="02070309020205020404" pitchFamily="49" charset="0"/>
+              <a:buChar char="o"/>
+            </a:pPr>
+            <a:r>
+              <a:rPr lang="en-US" dirty="0">
+                <a:latin typeface="Cascadia Code" panose="020B0609020000020004" pitchFamily="49" charset="0"/>
+                <a:cs typeface="Cascadia Code" panose="020B0609020000020004" pitchFamily="49" charset="0"/>
+              </a:rPr>
+              <a:t>No need to specify number of clusters</a:t>
+            </a:r>
+          </a:p>
+        </p:txBody>
+      </p:sp>
+      <p:sp>
+        <p:nvSpPr>
+          <p:cNvPr id="5" name="TextBox 4">
+            <a:extLst>
+              <a:ext uri="{FF2B5EF4-FFF2-40B4-BE49-F238E27FC236}">
+                <a16:creationId xmlns:a16="http://schemas.microsoft.com/office/drawing/2014/main" id="{0F1C7B19-9F0B-4B15-AC52-92FD338C2635}"/>
+              </a:ext>
+            </a:extLst>
+          </p:cNvPr>
+          <p:cNvSpPr txBox="1"/>
+          <p:nvPr/>
+        </p:nvSpPr>
+        <p:spPr>
+          <a:xfrm>
+            <a:off x="2748769" y="501650"/>
+            <a:ext cx="6694461" cy="523220"/>
+          </a:xfrm>
+          <a:prstGeom prst="rect">
+            <a:avLst/>
+          </a:prstGeom>
+          <a:noFill/>
+        </p:spPr>
+        <p:txBody>
+          <a:bodyPr wrap="none" rtlCol="0">
+            <a:spAutoFit/>
+          </a:bodyPr>
+          <a:lstStyle/>
+          <a:p>
+            <a:r>
+              <a:rPr lang="en-US" sz="2800" b="1" dirty="0">
+                <a:latin typeface="Cascadia Code" panose="020B0609020000020004" pitchFamily="49" charset="0"/>
+                <a:cs typeface="Cascadia Code" panose="020B0609020000020004" pitchFamily="49" charset="0"/>
+              </a:rPr>
+              <a:t>Affinity Propagation Clustering</a:t>
+            </a:r>
+            <a:endParaRPr lang="en-IN" sz="2800" b="1" dirty="0">
+              <a:latin typeface="Cascadia Code" panose="020B0609020000020004" pitchFamily="49" charset="0"/>
+              <a:cs typeface="Cascadia Code" panose="020B0609020000020004" pitchFamily="49" charset="0"/>
+            </a:endParaRPr>
+          </a:p>
+        </p:txBody>
+      </p:sp>
+      <p:sp>
+        <p:nvSpPr>
+          <p:cNvPr id="6" name="TextBox 5">
+            <a:extLst>
+              <a:ext uri="{FF2B5EF4-FFF2-40B4-BE49-F238E27FC236}">
+                <a16:creationId xmlns:a16="http://schemas.microsoft.com/office/drawing/2014/main" id="{BC794A4B-16EF-43DE-A407-3155F73A107A}"/>
+              </a:ext>
+            </a:extLst>
+          </p:cNvPr>
+          <p:cNvSpPr txBox="1"/>
+          <p:nvPr/>
+        </p:nvSpPr>
+        <p:spPr>
+          <a:xfrm>
+            <a:off x="1862709" y="3046835"/>
+            <a:ext cx="10044113" cy="2139047"/>
+          </a:xfrm>
+          <a:prstGeom prst="rect">
+            <a:avLst/>
+          </a:prstGeom>
+          <a:noFill/>
+        </p:spPr>
+        <p:txBody>
+          <a:bodyPr wrap="square" rtlCol="0">
+            <a:spAutoFit/>
+          </a:bodyPr>
+          <a:lstStyle/>
+          <a:p>
+            <a:pPr>
+              <a:spcBef>
+                <a:spcPts val="600"/>
+              </a:spcBef>
+            </a:pPr>
+            <a:r>
+              <a:rPr lang="en-US" b="1" dirty="0">
+                <a:latin typeface="Cascadia Code" panose="020B0609020000020004" pitchFamily="49" charset="0"/>
+                <a:cs typeface="Cascadia Code" panose="020B0609020000020004" pitchFamily="49" charset="0"/>
+              </a:rPr>
+              <a:t>Algorithm Steps</a:t>
+            </a:r>
+            <a:endParaRPr lang="en-US" dirty="0">
+              <a:latin typeface="Cascadia Code" panose="020B0609020000020004" pitchFamily="49" charset="0"/>
+              <a:cs typeface="Cascadia Code" panose="020B0609020000020004" pitchFamily="49" charset="0"/>
+            </a:endParaRPr>
+          </a:p>
+          <a:p>
+            <a:pPr marL="800100" lvl="1" indent="-342900">
+              <a:spcBef>
+                <a:spcPts val="600"/>
+              </a:spcBef>
+              <a:buFont typeface="+mj-lt"/>
+              <a:buAutoNum type="arabicPeriod"/>
+            </a:pPr>
+            <a:r>
+              <a:rPr lang="en-US" dirty="0">
+                <a:latin typeface="Cascadia Code" panose="020B0609020000020004" pitchFamily="49" charset="0"/>
+                <a:cs typeface="Cascadia Code" panose="020B0609020000020004" pitchFamily="49" charset="0"/>
+              </a:rPr>
+              <a:t>Initialize similarity matrix (S)</a:t>
+            </a:r>
+          </a:p>
+          <a:p>
+            <a:pPr marL="800100" lvl="1" indent="-342900">
+              <a:spcBef>
+                <a:spcPts val="600"/>
+              </a:spcBef>
+              <a:buFont typeface="+mj-lt"/>
+              <a:buAutoNum type="arabicPeriod"/>
+            </a:pPr>
+            <a:r>
+              <a:rPr lang="en-US" dirty="0">
+                <a:latin typeface="Cascadia Code" panose="020B0609020000020004" pitchFamily="49" charset="0"/>
+                <a:cs typeface="Cascadia Code" panose="020B0609020000020004" pitchFamily="49" charset="0"/>
+              </a:rPr>
+              <a:t>Calculate responsibility matrix (R)</a:t>
+            </a:r>
+          </a:p>
+          <a:p>
+            <a:pPr marL="800100" lvl="1" indent="-342900">
+              <a:spcBef>
+                <a:spcPts val="600"/>
+              </a:spcBef>
+              <a:buFont typeface="+mj-lt"/>
+              <a:buAutoNum type="arabicPeriod"/>
+            </a:pPr>
+            <a:r>
+              <a:rPr lang="en-US" dirty="0">
+                <a:latin typeface="Cascadia Code" panose="020B0609020000020004" pitchFamily="49" charset="0"/>
+                <a:cs typeface="Cascadia Code" panose="020B0609020000020004" pitchFamily="49" charset="0"/>
+              </a:rPr>
+              <a:t>Calculate availability matrix (A)</a:t>
+            </a:r>
+          </a:p>
+          <a:p>
+            <a:pPr marL="800100" lvl="1" indent="-342900">
+              <a:spcBef>
+                <a:spcPts val="600"/>
+              </a:spcBef>
+              <a:buFont typeface="+mj-lt"/>
+              <a:buAutoNum type="arabicPeriod"/>
+            </a:pPr>
+            <a:r>
+              <a:rPr lang="en-US" dirty="0">
+                <a:latin typeface="Cascadia Code" panose="020B0609020000020004" pitchFamily="49" charset="0"/>
+                <a:cs typeface="Cascadia Code" panose="020B0609020000020004" pitchFamily="49" charset="0"/>
+              </a:rPr>
+              <a:t>Update R and A matrices iteratively</a:t>
+            </a:r>
+          </a:p>
+          <a:p>
+            <a:pPr marL="800100" lvl="1" indent="-342900">
+              <a:spcBef>
+                <a:spcPts val="600"/>
+              </a:spcBef>
+              <a:buFont typeface="+mj-lt"/>
+              <a:buAutoNum type="arabicPeriod"/>
+            </a:pPr>
+            <a:r>
+              <a:rPr lang="en-US" dirty="0">
+                <a:latin typeface="Cascadia Code" panose="020B0609020000020004" pitchFamily="49" charset="0"/>
+                <a:cs typeface="Cascadia Code" panose="020B0609020000020004" pitchFamily="49" charset="0"/>
+              </a:rPr>
+              <a:t>Identify exemplars and clusters</a:t>
+            </a:r>
+          </a:p>
+        </p:txBody>
+      </p:sp>
+      <p:pic>
+        <p:nvPicPr>
+          <p:cNvPr id="7" name="Picture 6">
+            <a:extLst>
+              <a:ext uri="{FF2B5EF4-FFF2-40B4-BE49-F238E27FC236}">
+                <a16:creationId xmlns:a16="http://schemas.microsoft.com/office/drawing/2014/main" id="{7CE4AB6E-15CE-4B51-BC68-E7D1668C9428}"/>
+              </a:ext>
+            </a:extLst>
+          </p:cNvPr>
+          <p:cNvPicPr>
+            <a:picLocks noChangeAspect="1"/>
+          </p:cNvPicPr>
+          <p:nvPr/>
+        </p:nvPicPr>
+        <p:blipFill>
+          <a:blip r:embed="rId2"/>
+          <a:stretch>
+            <a:fillRect/>
+          </a:stretch>
+        </p:blipFill>
+        <p:spPr>
+          <a:xfrm>
+            <a:off x="1862709" y="5462587"/>
+            <a:ext cx="4200525" cy="1076325"/>
+          </a:xfrm>
+          <a:prstGeom prst="rect">
+            <a:avLst/>
+          </a:prstGeom>
+        </p:spPr>
+      </p:pic>
+    </p:spTree>
+    <p:extLst>
+      <p:ext uri="{BB962C8B-B14F-4D97-AF65-F5344CB8AC3E}">
+        <p14:creationId xmlns:p14="http://schemas.microsoft.com/office/powerpoint/2010/main" val="1036296085"/>
       </p:ext>
     </p:extLst>
   </p:cSld>
@@ -21320,6 +22888,803 @@
     <p:extLst>
       <p:ext uri="{BB962C8B-B14F-4D97-AF65-F5344CB8AC3E}">
         <p14:creationId xmlns:p14="http://schemas.microsoft.com/office/powerpoint/2010/main" val="3162494538"/>
+      </p:ext>
+    </p:extLst>
+  </p:cSld>
+  <p:clrMapOvr>
+    <a:masterClrMapping/>
+  </p:clrMapOvr>
+</p:sld>
+</file>
+
+<file path=ppt/slides/slide30.xml><?xml version="1.0" encoding="utf-8"?>
+<p:sld xmlns:a="http://schemas.openxmlformats.org/drawingml/2006/main" xmlns:r="http://schemas.openxmlformats.org/officeDocument/2006/relationships" xmlns:p="http://schemas.openxmlformats.org/presentationml/2006/main">
+  <p:cSld>
+    <p:spTree>
+      <p:nvGrpSpPr>
+        <p:cNvPr id="1" name=""/>
+        <p:cNvGrpSpPr/>
+        <p:nvPr/>
+      </p:nvGrpSpPr>
+      <p:grpSpPr>
+        <a:xfrm>
+          <a:off x="0" y="0"/>
+          <a:ext cx="0" cy="0"/>
+          <a:chOff x="0" y="0"/>
+          <a:chExt cx="0" cy="0"/>
+        </a:xfrm>
+      </p:grpSpPr>
+      <p:sp>
+        <p:nvSpPr>
+          <p:cNvPr id="3" name="Footer Placeholder 2">
+            <a:extLst>
+              <a:ext uri="{FF2B5EF4-FFF2-40B4-BE49-F238E27FC236}">
+                <a16:creationId xmlns:a16="http://schemas.microsoft.com/office/drawing/2014/main" id="{DAF5AB59-A2ED-4DA4-A7FA-C90BE9D52D60}"/>
+              </a:ext>
+            </a:extLst>
+          </p:cNvPr>
+          <p:cNvSpPr>
+            <a:spLocks noGrp="1"/>
+          </p:cNvSpPr>
+          <p:nvPr>
+            <p:ph type="ftr" sz="quarter" idx="11"/>
+          </p:nvPr>
+        </p:nvSpPr>
+        <p:spPr/>
+        <p:txBody>
+          <a:bodyPr/>
+          <a:lstStyle/>
+          <a:p>
+            <a:r>
+              <a:rPr lang="en-IN" dirty="0"/>
+              <a:t>Machine Learning Clustering Algorithms</a:t>
+            </a:r>
+          </a:p>
+        </p:txBody>
+      </p:sp>
+      <p:sp>
+        <p:nvSpPr>
+          <p:cNvPr id="5" name="TextBox 4">
+            <a:extLst>
+              <a:ext uri="{FF2B5EF4-FFF2-40B4-BE49-F238E27FC236}">
+                <a16:creationId xmlns:a16="http://schemas.microsoft.com/office/drawing/2014/main" id="{0F1C7B19-9F0B-4B15-AC52-92FD338C2635}"/>
+              </a:ext>
+            </a:extLst>
+          </p:cNvPr>
+          <p:cNvSpPr txBox="1"/>
+          <p:nvPr/>
+        </p:nvSpPr>
+        <p:spPr>
+          <a:xfrm>
+            <a:off x="2748769" y="501650"/>
+            <a:ext cx="6694461" cy="523220"/>
+          </a:xfrm>
+          <a:prstGeom prst="rect">
+            <a:avLst/>
+          </a:prstGeom>
+          <a:noFill/>
+        </p:spPr>
+        <p:txBody>
+          <a:bodyPr wrap="none" rtlCol="0">
+            <a:spAutoFit/>
+          </a:bodyPr>
+          <a:lstStyle/>
+          <a:p>
+            <a:r>
+              <a:rPr lang="en-US" sz="2800" b="1" dirty="0">
+                <a:latin typeface="Cascadia Code" panose="020B0609020000020004" pitchFamily="49" charset="0"/>
+                <a:cs typeface="Cascadia Code" panose="020B0609020000020004" pitchFamily="49" charset="0"/>
+              </a:rPr>
+              <a:t>Affinity Propagation Clustering</a:t>
+            </a:r>
+            <a:endParaRPr lang="en-IN" sz="2800" b="1" dirty="0">
+              <a:latin typeface="Cascadia Code" panose="020B0609020000020004" pitchFamily="49" charset="0"/>
+              <a:cs typeface="Cascadia Code" panose="020B0609020000020004" pitchFamily="49" charset="0"/>
+            </a:endParaRPr>
+          </a:p>
+        </p:txBody>
+      </p:sp>
+      <p:pic>
+        <p:nvPicPr>
+          <p:cNvPr id="4" name="Picture 3">
+            <a:extLst>
+              <a:ext uri="{FF2B5EF4-FFF2-40B4-BE49-F238E27FC236}">
+                <a16:creationId xmlns:a16="http://schemas.microsoft.com/office/drawing/2014/main" id="{F6D94525-2439-40B0-8FD7-FA6A13E3E7EF}"/>
+              </a:ext>
+            </a:extLst>
+          </p:cNvPr>
+          <p:cNvPicPr>
+            <a:picLocks noChangeAspect="1"/>
+          </p:cNvPicPr>
+          <p:nvPr/>
+        </p:nvPicPr>
+        <p:blipFill>
+          <a:blip r:embed="rId2"/>
+          <a:stretch>
+            <a:fillRect/>
+          </a:stretch>
+        </p:blipFill>
+        <p:spPr>
+          <a:xfrm>
+            <a:off x="5888063" y="1709765"/>
+            <a:ext cx="4200525" cy="628650"/>
+          </a:xfrm>
+          <a:prstGeom prst="rect">
+            <a:avLst/>
+          </a:prstGeom>
+        </p:spPr>
+      </p:pic>
+      <p:pic>
+        <p:nvPicPr>
+          <p:cNvPr id="8" name="Picture 7">
+            <a:extLst>
+              <a:ext uri="{FF2B5EF4-FFF2-40B4-BE49-F238E27FC236}">
+                <a16:creationId xmlns:a16="http://schemas.microsoft.com/office/drawing/2014/main" id="{6970F7BD-ED8A-4CC1-A14A-555282A818FD}"/>
+              </a:ext>
+            </a:extLst>
+          </p:cNvPr>
+          <p:cNvPicPr>
+            <a:picLocks noChangeAspect="1"/>
+          </p:cNvPicPr>
+          <p:nvPr/>
+        </p:nvPicPr>
+        <p:blipFill>
+          <a:blip r:embed="rId3"/>
+          <a:stretch>
+            <a:fillRect/>
+          </a:stretch>
+        </p:blipFill>
+        <p:spPr>
+          <a:xfrm>
+            <a:off x="1170256" y="1276617"/>
+            <a:ext cx="2516652" cy="1697382"/>
+          </a:xfrm>
+          <a:prstGeom prst="rect">
+            <a:avLst/>
+          </a:prstGeom>
+        </p:spPr>
+      </p:pic>
+      <p:pic>
+        <p:nvPicPr>
+          <p:cNvPr id="9" name="Picture 8">
+            <a:extLst>
+              <a:ext uri="{FF2B5EF4-FFF2-40B4-BE49-F238E27FC236}">
+                <a16:creationId xmlns:a16="http://schemas.microsoft.com/office/drawing/2014/main" id="{C6740A06-16B0-4772-B8B4-02AFE835491B}"/>
+              </a:ext>
+            </a:extLst>
+          </p:cNvPr>
+          <p:cNvPicPr>
+            <a:picLocks noChangeAspect="1"/>
+          </p:cNvPicPr>
+          <p:nvPr/>
+        </p:nvPicPr>
+        <p:blipFill>
+          <a:blip r:embed="rId4"/>
+          <a:stretch>
+            <a:fillRect/>
+          </a:stretch>
+        </p:blipFill>
+        <p:spPr>
+          <a:xfrm>
+            <a:off x="1324124" y="3449639"/>
+            <a:ext cx="6425346" cy="2402710"/>
+          </a:xfrm>
+          <a:prstGeom prst="rect">
+            <a:avLst/>
+          </a:prstGeom>
+        </p:spPr>
+      </p:pic>
+    </p:spTree>
+    <p:extLst>
+      <p:ext uri="{BB962C8B-B14F-4D97-AF65-F5344CB8AC3E}">
+        <p14:creationId xmlns:p14="http://schemas.microsoft.com/office/powerpoint/2010/main" val="1551962079"/>
+      </p:ext>
+    </p:extLst>
+  </p:cSld>
+  <p:clrMapOvr>
+    <a:masterClrMapping/>
+  </p:clrMapOvr>
+</p:sld>
+</file>
+
+<file path=ppt/slides/slide31.xml><?xml version="1.0" encoding="utf-8"?>
+<p:sld xmlns:a="http://schemas.openxmlformats.org/drawingml/2006/main" xmlns:r="http://schemas.openxmlformats.org/officeDocument/2006/relationships" xmlns:p="http://schemas.openxmlformats.org/presentationml/2006/main">
+  <p:cSld>
+    <p:spTree>
+      <p:nvGrpSpPr>
+        <p:cNvPr id="1" name=""/>
+        <p:cNvGrpSpPr/>
+        <p:nvPr/>
+      </p:nvGrpSpPr>
+      <p:grpSpPr>
+        <a:xfrm>
+          <a:off x="0" y="0"/>
+          <a:ext cx="0" cy="0"/>
+          <a:chOff x="0" y="0"/>
+          <a:chExt cx="0" cy="0"/>
+        </a:xfrm>
+      </p:grpSpPr>
+      <p:sp>
+        <p:nvSpPr>
+          <p:cNvPr id="3" name="Footer Placeholder 2">
+            <a:extLst>
+              <a:ext uri="{FF2B5EF4-FFF2-40B4-BE49-F238E27FC236}">
+                <a16:creationId xmlns:a16="http://schemas.microsoft.com/office/drawing/2014/main" id="{DAF5AB59-A2ED-4DA4-A7FA-C90BE9D52D60}"/>
+              </a:ext>
+            </a:extLst>
+          </p:cNvPr>
+          <p:cNvSpPr>
+            <a:spLocks noGrp="1"/>
+          </p:cNvSpPr>
+          <p:nvPr>
+            <p:ph type="ftr" sz="quarter" idx="11"/>
+          </p:nvPr>
+        </p:nvSpPr>
+        <p:spPr/>
+        <p:txBody>
+          <a:bodyPr/>
+          <a:lstStyle/>
+          <a:p>
+            <a:r>
+              <a:rPr lang="en-IN" dirty="0"/>
+              <a:t>Machine Learning Clustering Algorithms</a:t>
+            </a:r>
+          </a:p>
+        </p:txBody>
+      </p:sp>
+      <p:sp>
+        <p:nvSpPr>
+          <p:cNvPr id="5" name="TextBox 4">
+            <a:extLst>
+              <a:ext uri="{FF2B5EF4-FFF2-40B4-BE49-F238E27FC236}">
+                <a16:creationId xmlns:a16="http://schemas.microsoft.com/office/drawing/2014/main" id="{0F1C7B19-9F0B-4B15-AC52-92FD338C2635}"/>
+              </a:ext>
+            </a:extLst>
+          </p:cNvPr>
+          <p:cNvSpPr txBox="1"/>
+          <p:nvPr/>
+        </p:nvSpPr>
+        <p:spPr>
+          <a:xfrm>
+            <a:off x="2748769" y="501650"/>
+            <a:ext cx="6694461" cy="523220"/>
+          </a:xfrm>
+          <a:prstGeom prst="rect">
+            <a:avLst/>
+          </a:prstGeom>
+          <a:noFill/>
+        </p:spPr>
+        <p:txBody>
+          <a:bodyPr wrap="none" rtlCol="0">
+            <a:spAutoFit/>
+          </a:bodyPr>
+          <a:lstStyle/>
+          <a:p>
+            <a:r>
+              <a:rPr lang="en-US" sz="2800" b="1" dirty="0">
+                <a:latin typeface="Cascadia Code" panose="020B0609020000020004" pitchFamily="49" charset="0"/>
+                <a:cs typeface="Cascadia Code" panose="020B0609020000020004" pitchFamily="49" charset="0"/>
+              </a:rPr>
+              <a:t>Affinity Propagation Clustering</a:t>
+            </a:r>
+            <a:endParaRPr lang="en-IN" sz="2800" b="1" dirty="0">
+              <a:latin typeface="Cascadia Code" panose="020B0609020000020004" pitchFamily="49" charset="0"/>
+              <a:cs typeface="Cascadia Code" panose="020B0609020000020004" pitchFamily="49" charset="0"/>
+            </a:endParaRPr>
+          </a:p>
+        </p:txBody>
+      </p:sp>
+      <p:pic>
+        <p:nvPicPr>
+          <p:cNvPr id="2" name="Picture 1">
+            <a:extLst>
+              <a:ext uri="{FF2B5EF4-FFF2-40B4-BE49-F238E27FC236}">
+                <a16:creationId xmlns:a16="http://schemas.microsoft.com/office/drawing/2014/main" id="{3A3C5FFC-2FD8-41D5-9DF8-D541632133CB}"/>
+              </a:ext>
+            </a:extLst>
+          </p:cNvPr>
+          <p:cNvPicPr>
+            <a:picLocks noChangeAspect="1"/>
+          </p:cNvPicPr>
+          <p:nvPr/>
+        </p:nvPicPr>
+        <p:blipFill>
+          <a:blip r:embed="rId2"/>
+          <a:stretch>
+            <a:fillRect/>
+          </a:stretch>
+        </p:blipFill>
+        <p:spPr>
+          <a:xfrm>
+            <a:off x="1611629" y="1415121"/>
+            <a:ext cx="6286361" cy="4366701"/>
+          </a:xfrm>
+          <a:prstGeom prst="rect">
+            <a:avLst/>
+          </a:prstGeom>
+        </p:spPr>
+      </p:pic>
+      <p:pic>
+        <p:nvPicPr>
+          <p:cNvPr id="6" name="Picture 5">
+            <a:extLst>
+              <a:ext uri="{FF2B5EF4-FFF2-40B4-BE49-F238E27FC236}">
+                <a16:creationId xmlns:a16="http://schemas.microsoft.com/office/drawing/2014/main" id="{22734700-5D5D-4C8F-8859-2BE6C90B077C}"/>
+              </a:ext>
+            </a:extLst>
+          </p:cNvPr>
+          <p:cNvPicPr>
+            <a:picLocks noChangeAspect="1"/>
+          </p:cNvPicPr>
+          <p:nvPr/>
+        </p:nvPicPr>
+        <p:blipFill>
+          <a:blip r:embed="rId3"/>
+          <a:stretch>
+            <a:fillRect/>
+          </a:stretch>
+        </p:blipFill>
+        <p:spPr>
+          <a:xfrm>
+            <a:off x="7636705" y="1208869"/>
+            <a:ext cx="3924300" cy="2105025"/>
+          </a:xfrm>
+          <a:prstGeom prst="rect">
+            <a:avLst/>
+          </a:prstGeom>
+        </p:spPr>
+      </p:pic>
+      <p:pic>
+        <p:nvPicPr>
+          <p:cNvPr id="7" name="Picture 6">
+            <a:extLst>
+              <a:ext uri="{FF2B5EF4-FFF2-40B4-BE49-F238E27FC236}">
+                <a16:creationId xmlns:a16="http://schemas.microsoft.com/office/drawing/2014/main" id="{33FECC7D-CBFF-481F-9F8A-A8ED9F424518}"/>
+              </a:ext>
+            </a:extLst>
+          </p:cNvPr>
+          <p:cNvPicPr>
+            <a:picLocks noChangeAspect="1"/>
+          </p:cNvPicPr>
+          <p:nvPr/>
+        </p:nvPicPr>
+        <p:blipFill>
+          <a:blip r:embed="rId4"/>
+          <a:stretch>
+            <a:fillRect/>
+          </a:stretch>
+        </p:blipFill>
+        <p:spPr>
+          <a:xfrm>
+            <a:off x="7636705" y="3429000"/>
+            <a:ext cx="3539564" cy="2374644"/>
+          </a:xfrm>
+          <a:prstGeom prst="rect">
+            <a:avLst/>
+          </a:prstGeom>
+        </p:spPr>
+      </p:pic>
+    </p:spTree>
+    <p:extLst>
+      <p:ext uri="{BB962C8B-B14F-4D97-AF65-F5344CB8AC3E}">
+        <p14:creationId xmlns:p14="http://schemas.microsoft.com/office/powerpoint/2010/main" val="1983336499"/>
+      </p:ext>
+    </p:extLst>
+  </p:cSld>
+  <p:clrMapOvr>
+    <a:masterClrMapping/>
+  </p:clrMapOvr>
+</p:sld>
+</file>
+
+<file path=ppt/slides/slide32.xml><?xml version="1.0" encoding="utf-8"?>
+<p:sld xmlns:a="http://schemas.openxmlformats.org/drawingml/2006/main" xmlns:r="http://schemas.openxmlformats.org/officeDocument/2006/relationships" xmlns:p="http://schemas.openxmlformats.org/presentationml/2006/main">
+  <p:cSld>
+    <p:spTree>
+      <p:nvGrpSpPr>
+        <p:cNvPr id="1" name=""/>
+        <p:cNvGrpSpPr/>
+        <p:nvPr/>
+      </p:nvGrpSpPr>
+      <p:grpSpPr>
+        <a:xfrm>
+          <a:off x="0" y="0"/>
+          <a:ext cx="0" cy="0"/>
+          <a:chOff x="0" y="0"/>
+          <a:chExt cx="0" cy="0"/>
+        </a:xfrm>
+      </p:grpSpPr>
+      <p:sp>
+        <p:nvSpPr>
+          <p:cNvPr id="3" name="Footer Placeholder 2">
+            <a:extLst>
+              <a:ext uri="{FF2B5EF4-FFF2-40B4-BE49-F238E27FC236}">
+                <a16:creationId xmlns:a16="http://schemas.microsoft.com/office/drawing/2014/main" id="{DAF5AB59-A2ED-4DA4-A7FA-C90BE9D52D60}"/>
+              </a:ext>
+            </a:extLst>
+          </p:cNvPr>
+          <p:cNvSpPr>
+            <a:spLocks noGrp="1"/>
+          </p:cNvSpPr>
+          <p:nvPr>
+            <p:ph type="ftr" sz="quarter" idx="11"/>
+          </p:nvPr>
+        </p:nvSpPr>
+        <p:spPr/>
+        <p:txBody>
+          <a:bodyPr/>
+          <a:lstStyle/>
+          <a:p>
+            <a:r>
+              <a:rPr lang="en-IN" dirty="0"/>
+              <a:t>Machine Learning Clustering Algorithms</a:t>
+            </a:r>
+          </a:p>
+        </p:txBody>
+      </p:sp>
+      <p:sp>
+        <p:nvSpPr>
+          <p:cNvPr id="2" name="TextBox 1">
+            <a:extLst>
+              <a:ext uri="{FF2B5EF4-FFF2-40B4-BE49-F238E27FC236}">
+                <a16:creationId xmlns:a16="http://schemas.microsoft.com/office/drawing/2014/main" id="{C5AD4A6B-2846-495A-BC28-7F753ECC3633}"/>
+              </a:ext>
+            </a:extLst>
+          </p:cNvPr>
+          <p:cNvSpPr txBox="1"/>
+          <p:nvPr/>
+        </p:nvSpPr>
+        <p:spPr>
+          <a:xfrm>
+            <a:off x="1960686" y="1156946"/>
+            <a:ext cx="7426568" cy="1431161"/>
+          </a:xfrm>
+          <a:prstGeom prst="rect">
+            <a:avLst/>
+          </a:prstGeom>
+          <a:noFill/>
+        </p:spPr>
+        <p:txBody>
+          <a:bodyPr wrap="square" rtlCol="0">
+            <a:spAutoFit/>
+          </a:bodyPr>
+          <a:lstStyle/>
+          <a:p>
+            <a:pPr>
+              <a:spcBef>
+                <a:spcPts val="600"/>
+              </a:spcBef>
+            </a:pPr>
+            <a:r>
+              <a:rPr lang="en-US" b="1" dirty="0">
+                <a:latin typeface="Cascadia Code" panose="020B0609020000020004" pitchFamily="49" charset="0"/>
+                <a:cs typeface="Cascadia Code" panose="020B0609020000020004" pitchFamily="49" charset="0"/>
+              </a:rPr>
+              <a:t>Advantages</a:t>
+            </a:r>
+            <a:endParaRPr lang="en-US" dirty="0">
+              <a:latin typeface="Cascadia Code" panose="020B0609020000020004" pitchFamily="49" charset="0"/>
+              <a:cs typeface="Cascadia Code" panose="020B0609020000020004" pitchFamily="49" charset="0"/>
+            </a:endParaRPr>
+          </a:p>
+          <a:p>
+            <a:pPr marL="742950" lvl="1" indent="-285750">
+              <a:spcBef>
+                <a:spcPts val="600"/>
+              </a:spcBef>
+              <a:buFont typeface="Courier New" panose="02070309020205020404" pitchFamily="49" charset="0"/>
+              <a:buChar char="o"/>
+            </a:pPr>
+            <a:r>
+              <a:rPr lang="en-US" dirty="0">
+                <a:latin typeface="Cascadia Code" panose="020B0609020000020004" pitchFamily="49" charset="0"/>
+                <a:cs typeface="Cascadia Code" panose="020B0609020000020004" pitchFamily="49" charset="0"/>
+              </a:rPr>
+              <a:t>No need to specify number of clusters</a:t>
+            </a:r>
+          </a:p>
+          <a:p>
+            <a:pPr marL="742950" lvl="1" indent="-285750">
+              <a:spcBef>
+                <a:spcPts val="600"/>
+              </a:spcBef>
+              <a:buFont typeface="Courier New" panose="02070309020205020404" pitchFamily="49" charset="0"/>
+              <a:buChar char="o"/>
+            </a:pPr>
+            <a:r>
+              <a:rPr lang="en-US" dirty="0">
+                <a:latin typeface="Cascadia Code" panose="020B0609020000020004" pitchFamily="49" charset="0"/>
+                <a:cs typeface="Cascadia Code" panose="020B0609020000020004" pitchFamily="49" charset="0"/>
+              </a:rPr>
+              <a:t>Robust to noise and outliers</a:t>
+            </a:r>
+          </a:p>
+          <a:p>
+            <a:pPr marL="742950" lvl="1" indent="-285750">
+              <a:spcBef>
+                <a:spcPts val="600"/>
+              </a:spcBef>
+              <a:buFont typeface="Courier New" panose="02070309020205020404" pitchFamily="49" charset="0"/>
+              <a:buChar char="o"/>
+            </a:pPr>
+            <a:r>
+              <a:rPr lang="en-US" dirty="0">
+                <a:latin typeface="Cascadia Code" panose="020B0609020000020004" pitchFamily="49" charset="0"/>
+                <a:cs typeface="Cascadia Code" panose="020B0609020000020004" pitchFamily="49" charset="0"/>
+              </a:rPr>
+              <a:t>Handles varying densities</a:t>
+            </a:r>
+          </a:p>
+        </p:txBody>
+      </p:sp>
+      <p:sp>
+        <p:nvSpPr>
+          <p:cNvPr id="7" name="TextBox 6">
+            <a:extLst>
+              <a:ext uri="{FF2B5EF4-FFF2-40B4-BE49-F238E27FC236}">
+                <a16:creationId xmlns:a16="http://schemas.microsoft.com/office/drawing/2014/main" id="{CF620D77-58A8-48A0-96D3-43A36584B010}"/>
+              </a:ext>
+            </a:extLst>
+          </p:cNvPr>
+          <p:cNvSpPr txBox="1"/>
+          <p:nvPr/>
+        </p:nvSpPr>
+        <p:spPr>
+          <a:xfrm>
+            <a:off x="1960686" y="2629995"/>
+            <a:ext cx="7426568" cy="1431161"/>
+          </a:xfrm>
+          <a:prstGeom prst="rect">
+            <a:avLst/>
+          </a:prstGeom>
+          <a:noFill/>
+        </p:spPr>
+        <p:txBody>
+          <a:bodyPr wrap="square" rtlCol="0">
+            <a:spAutoFit/>
+          </a:bodyPr>
+          <a:lstStyle/>
+          <a:p>
+            <a:pPr>
+              <a:spcBef>
+                <a:spcPts val="600"/>
+              </a:spcBef>
+            </a:pPr>
+            <a:r>
+              <a:rPr lang="en-US" b="1" dirty="0">
+                <a:latin typeface="Cascadia Code" panose="020B0609020000020004" pitchFamily="49" charset="0"/>
+                <a:cs typeface="Cascadia Code" panose="020B0609020000020004" pitchFamily="49" charset="0"/>
+              </a:rPr>
+              <a:t>Disadvantages</a:t>
+            </a:r>
+            <a:endParaRPr lang="en-US" dirty="0">
+              <a:latin typeface="Cascadia Code" panose="020B0609020000020004" pitchFamily="49" charset="0"/>
+              <a:cs typeface="Cascadia Code" panose="020B0609020000020004" pitchFamily="49" charset="0"/>
+            </a:endParaRPr>
+          </a:p>
+          <a:p>
+            <a:pPr marL="742950" lvl="1" indent="-285750">
+              <a:spcBef>
+                <a:spcPts val="600"/>
+              </a:spcBef>
+              <a:buFont typeface="Courier New" panose="02070309020205020404" pitchFamily="49" charset="0"/>
+              <a:buChar char="o"/>
+            </a:pPr>
+            <a:r>
+              <a:rPr lang="en-US" dirty="0">
+                <a:latin typeface="Cascadia Code" panose="020B0609020000020004" pitchFamily="49" charset="0"/>
+                <a:cs typeface="Cascadia Code" panose="020B0609020000020004" pitchFamily="49" charset="0"/>
+              </a:rPr>
+              <a:t>Computationally expensive (O(n^2) complexity)</a:t>
+            </a:r>
+          </a:p>
+          <a:p>
+            <a:pPr marL="742950" lvl="1" indent="-285750">
+              <a:spcBef>
+                <a:spcPts val="600"/>
+              </a:spcBef>
+              <a:buFont typeface="Courier New" panose="02070309020205020404" pitchFamily="49" charset="0"/>
+              <a:buChar char="o"/>
+            </a:pPr>
+            <a:r>
+              <a:rPr lang="en-US" dirty="0">
+                <a:latin typeface="Cascadia Code" panose="020B0609020000020004" pitchFamily="49" charset="0"/>
+                <a:cs typeface="Cascadia Code" panose="020B0609020000020004" pitchFamily="49" charset="0"/>
+              </a:rPr>
+              <a:t>Sensitive to damping factor parameter</a:t>
+            </a:r>
+          </a:p>
+          <a:p>
+            <a:pPr marL="742950" lvl="1" indent="-285750">
+              <a:spcBef>
+                <a:spcPts val="600"/>
+              </a:spcBef>
+              <a:buFont typeface="Courier New" panose="02070309020205020404" pitchFamily="49" charset="0"/>
+              <a:buChar char="o"/>
+            </a:pPr>
+            <a:r>
+              <a:rPr lang="en-US" dirty="0">
+                <a:latin typeface="Cascadia Code" panose="020B0609020000020004" pitchFamily="49" charset="0"/>
+                <a:cs typeface="Cascadia Code" panose="020B0609020000020004" pitchFamily="49" charset="0"/>
+              </a:rPr>
+              <a:t>Can be slow for large datasets</a:t>
+            </a:r>
+          </a:p>
+        </p:txBody>
+      </p:sp>
+      <p:sp>
+        <p:nvSpPr>
+          <p:cNvPr id="8" name="TextBox 7">
+            <a:extLst>
+              <a:ext uri="{FF2B5EF4-FFF2-40B4-BE49-F238E27FC236}">
+                <a16:creationId xmlns:a16="http://schemas.microsoft.com/office/drawing/2014/main" id="{62DA76A8-233C-41B3-8D2B-1FC49D5F6B12}"/>
+              </a:ext>
+            </a:extLst>
+          </p:cNvPr>
+          <p:cNvSpPr txBox="1"/>
+          <p:nvPr/>
+        </p:nvSpPr>
+        <p:spPr>
+          <a:xfrm>
+            <a:off x="1960686" y="4217303"/>
+            <a:ext cx="7426568" cy="2139047"/>
+          </a:xfrm>
+          <a:prstGeom prst="rect">
+            <a:avLst/>
+          </a:prstGeom>
+          <a:noFill/>
+        </p:spPr>
+        <p:txBody>
+          <a:bodyPr wrap="square" rtlCol="0">
+            <a:spAutoFit/>
+          </a:bodyPr>
+          <a:lstStyle/>
+          <a:p>
+            <a:pPr>
+              <a:spcBef>
+                <a:spcPts val="600"/>
+              </a:spcBef>
+            </a:pPr>
+            <a:r>
+              <a:rPr lang="en-US" b="1" dirty="0">
+                <a:latin typeface="Cascadia Code" panose="020B0609020000020004" pitchFamily="49" charset="0"/>
+                <a:cs typeface="Cascadia Code" panose="020B0609020000020004" pitchFamily="49" charset="0"/>
+              </a:rPr>
+              <a:t>Applications</a:t>
+            </a:r>
+            <a:endParaRPr lang="en-US" dirty="0">
+              <a:latin typeface="Cascadia Code" panose="020B0609020000020004" pitchFamily="49" charset="0"/>
+              <a:cs typeface="Cascadia Code" panose="020B0609020000020004" pitchFamily="49" charset="0"/>
+            </a:endParaRPr>
+          </a:p>
+          <a:p>
+            <a:pPr marL="742950" lvl="1" indent="-285750">
+              <a:spcBef>
+                <a:spcPts val="600"/>
+              </a:spcBef>
+              <a:buFont typeface="Courier New" panose="02070309020205020404" pitchFamily="49" charset="0"/>
+              <a:buChar char="o"/>
+            </a:pPr>
+            <a:r>
+              <a:rPr lang="en-US" dirty="0">
+                <a:latin typeface="Cascadia Code" panose="020B0609020000020004" pitchFamily="49" charset="0"/>
+                <a:cs typeface="Cascadia Code" panose="020B0609020000020004" pitchFamily="49" charset="0"/>
+              </a:rPr>
+              <a:t>Image segmentation</a:t>
+            </a:r>
+          </a:p>
+          <a:p>
+            <a:pPr marL="742950" lvl="1" indent="-285750">
+              <a:spcBef>
+                <a:spcPts val="600"/>
+              </a:spcBef>
+              <a:buFont typeface="Courier New" panose="02070309020205020404" pitchFamily="49" charset="0"/>
+              <a:buChar char="o"/>
+            </a:pPr>
+            <a:r>
+              <a:rPr lang="en-US" dirty="0">
+                <a:latin typeface="Cascadia Code" panose="020B0609020000020004" pitchFamily="49" charset="0"/>
+                <a:cs typeface="Cascadia Code" panose="020B0609020000020004" pitchFamily="49" charset="0"/>
+              </a:rPr>
+              <a:t>Gene expression analysis</a:t>
+            </a:r>
+          </a:p>
+          <a:p>
+            <a:pPr marL="742950" lvl="1" indent="-285750">
+              <a:spcBef>
+                <a:spcPts val="600"/>
+              </a:spcBef>
+              <a:buFont typeface="Courier New" panose="02070309020205020404" pitchFamily="49" charset="0"/>
+              <a:buChar char="o"/>
+            </a:pPr>
+            <a:r>
+              <a:rPr lang="en-US" dirty="0">
+                <a:latin typeface="Cascadia Code" panose="020B0609020000020004" pitchFamily="49" charset="0"/>
+                <a:cs typeface="Cascadia Code" panose="020B0609020000020004" pitchFamily="49" charset="0"/>
+              </a:rPr>
+              <a:t>Customer segmentation</a:t>
+            </a:r>
+          </a:p>
+          <a:p>
+            <a:pPr marL="742950" lvl="1" indent="-285750">
+              <a:spcBef>
+                <a:spcPts val="600"/>
+              </a:spcBef>
+              <a:buFont typeface="Courier New" panose="02070309020205020404" pitchFamily="49" charset="0"/>
+              <a:buChar char="o"/>
+            </a:pPr>
+            <a:r>
+              <a:rPr lang="en-US" dirty="0">
+                <a:latin typeface="Cascadia Code" panose="020B0609020000020004" pitchFamily="49" charset="0"/>
+                <a:cs typeface="Cascadia Code" panose="020B0609020000020004" pitchFamily="49" charset="0"/>
+              </a:rPr>
+              <a:t>Text clustering</a:t>
+            </a:r>
+          </a:p>
+          <a:p>
+            <a:pPr marL="742950" lvl="1" indent="-285750">
+              <a:spcBef>
+                <a:spcPts val="600"/>
+              </a:spcBef>
+              <a:buFont typeface="Courier New" panose="02070309020205020404" pitchFamily="49" charset="0"/>
+              <a:buChar char="o"/>
+            </a:pPr>
+            <a:r>
+              <a:rPr lang="en-US" dirty="0">
+                <a:latin typeface="Cascadia Code" panose="020B0609020000020004" pitchFamily="49" charset="0"/>
+                <a:cs typeface="Cascadia Code" panose="020B0609020000020004" pitchFamily="49" charset="0"/>
+              </a:rPr>
+              <a:t>Recommendation systems</a:t>
+            </a:r>
+          </a:p>
+        </p:txBody>
+      </p:sp>
+      <p:sp>
+        <p:nvSpPr>
+          <p:cNvPr id="10" name="TextBox 9">
+            <a:extLst>
+              <a:ext uri="{FF2B5EF4-FFF2-40B4-BE49-F238E27FC236}">
+                <a16:creationId xmlns:a16="http://schemas.microsoft.com/office/drawing/2014/main" id="{5BECF237-C0F2-4A9E-A498-FD266F4A2868}"/>
+              </a:ext>
+            </a:extLst>
+          </p:cNvPr>
+          <p:cNvSpPr txBox="1"/>
+          <p:nvPr/>
+        </p:nvSpPr>
+        <p:spPr>
+          <a:xfrm>
+            <a:off x="2748769" y="501650"/>
+            <a:ext cx="6694461" cy="523220"/>
+          </a:xfrm>
+          <a:prstGeom prst="rect">
+            <a:avLst/>
+          </a:prstGeom>
+          <a:noFill/>
+        </p:spPr>
+        <p:txBody>
+          <a:bodyPr wrap="none" rtlCol="0">
+            <a:spAutoFit/>
+          </a:bodyPr>
+          <a:lstStyle/>
+          <a:p>
+            <a:r>
+              <a:rPr lang="en-US" sz="2800" b="1" dirty="0">
+                <a:latin typeface="Cascadia Code" panose="020B0609020000020004" pitchFamily="49" charset="0"/>
+                <a:cs typeface="Cascadia Code" panose="020B0609020000020004" pitchFamily="49" charset="0"/>
+              </a:rPr>
+              <a:t>Affinity Propagation Clustering</a:t>
+            </a:r>
+            <a:endParaRPr lang="en-IN" sz="2800" b="1" dirty="0">
+              <a:latin typeface="Cascadia Code" panose="020B0609020000020004" pitchFamily="49" charset="0"/>
+              <a:cs typeface="Cascadia Code" panose="020B0609020000020004" pitchFamily="49" charset="0"/>
+            </a:endParaRPr>
+          </a:p>
+        </p:txBody>
+      </p:sp>
+    </p:spTree>
+    <p:extLst>
+      <p:ext uri="{BB962C8B-B14F-4D97-AF65-F5344CB8AC3E}">
+        <p14:creationId xmlns:p14="http://schemas.microsoft.com/office/powerpoint/2010/main" val="284306147"/>
       </p:ext>
     </p:extLst>
   </p:cSld>
@@ -21415,6 +23780,64 @@
           </p:cNvPr>
           <p:cNvGraphicFramePr/>
           <p:nvPr>
+            <p:extLst>
+              <p:ext uri="{D42A27DB-BD31-4B8C-83A1-F6EECF244321}">
+                <p14:modId xmlns:p14="http://schemas.microsoft.com/office/powerpoint/2010/main" val="3381393185"/>
+              </p:ext>
+            </p:extLst>
+          </p:nvPr>
+        </p:nvGraphicFramePr>
+        <p:xfrm>
+          <a:off x="2031998" y="719666"/>
+          <a:ext cx="4954589" cy="3623734"/>
+        </p:xfrm>
+        <a:graphic>
+          <a:graphicData uri="http://schemas.openxmlformats.org/drawingml/2006/chart">
+            <c:chart xmlns:c="http://schemas.openxmlformats.org/drawingml/2006/chart" xmlns:r="http://schemas.openxmlformats.org/officeDocument/2006/relationships" r:id="rId2"/>
+          </a:graphicData>
+        </a:graphic>
+      </p:graphicFrame>
+    </p:spTree>
+    <p:extLst>
+      <p:ext uri="{BB962C8B-B14F-4D97-AF65-F5344CB8AC3E}">
+        <p14:creationId xmlns:p14="http://schemas.microsoft.com/office/powerpoint/2010/main" val="2925432827"/>
+      </p:ext>
+    </p:extLst>
+  </p:cSld>
+  <p:clrMapOvr>
+    <a:masterClrMapping/>
+  </p:clrMapOvr>
+</p:sld>
+</file>
+
+<file path=ppt/slides/slide6.xml><?xml version="1.0" encoding="utf-8"?>
+<p:sld xmlns:a="http://schemas.openxmlformats.org/drawingml/2006/main" xmlns:r="http://schemas.openxmlformats.org/officeDocument/2006/relationships" xmlns:p="http://schemas.openxmlformats.org/presentationml/2006/main">
+  <p:cSld>
+    <p:spTree>
+      <p:nvGrpSpPr>
+        <p:cNvPr id="1" name=""/>
+        <p:cNvGrpSpPr/>
+        <p:nvPr/>
+      </p:nvGrpSpPr>
+      <p:grpSpPr>
+        <a:xfrm>
+          <a:off x="0" y="0"/>
+          <a:ext cx="0" cy="0"/>
+          <a:chOff x="0" y="0"/>
+          <a:chExt cx="0" cy="0"/>
+        </a:xfrm>
+      </p:grpSpPr>
+      <p:graphicFrame>
+        <p:nvGraphicFramePr>
+          <p:cNvPr id="6" name="Chart 5">
+            <a:extLst>
+              <a:ext uri="{FF2B5EF4-FFF2-40B4-BE49-F238E27FC236}">
+                <a16:creationId xmlns:a16="http://schemas.microsoft.com/office/drawing/2014/main" id="{F2AB69F2-174E-4BC7-91D9-212DC5350EB1}"/>
+              </a:ext>
+            </a:extLst>
+          </p:cNvPr>
+          <p:cNvGraphicFramePr/>
+          <p:nvPr>
             <p:extLst/>
           </p:nvPr>
         </p:nvGraphicFramePr>
@@ -21441,7 +23864,7 @@
 </p:sld>
 </file>
 
-<file path=ppt/slides/slide6.xml><?xml version="1.0" encoding="utf-8"?>
+<file path=ppt/slides/slide7.xml><?xml version="1.0" encoding="utf-8"?>
 <p:sld xmlns:a="http://schemas.openxmlformats.org/drawingml/2006/main" xmlns:r="http://schemas.openxmlformats.org/officeDocument/2006/relationships" xmlns:p="http://schemas.openxmlformats.org/presentationml/2006/main">
   <p:cSld>
     <p:spTree>
@@ -21541,7 +23964,7 @@
 </p:sld>
 </file>
 
-<file path=ppt/slides/slide7.xml><?xml version="1.0" encoding="utf-8"?>
+<file path=ppt/slides/slide8.xml><?xml version="1.0" encoding="utf-8"?>
 <p:sld xmlns:a="http://schemas.openxmlformats.org/drawingml/2006/main" xmlns:r="http://schemas.openxmlformats.org/officeDocument/2006/relationships" xmlns:p="http://schemas.openxmlformats.org/presentationml/2006/main">
   <p:cSld>
     <p:spTree>
@@ -21863,338 +24286,6 @@
 </p:sld>
 </file>
 
-<file path=ppt/slides/slide8.xml><?xml version="1.0" encoding="utf-8"?>
-<p:sld xmlns:a="http://schemas.openxmlformats.org/drawingml/2006/main" xmlns:r="http://schemas.openxmlformats.org/officeDocument/2006/relationships" xmlns:p="http://schemas.openxmlformats.org/presentationml/2006/main">
-  <p:cSld>
-    <p:spTree>
-      <p:nvGrpSpPr>
-        <p:cNvPr id="1" name=""/>
-        <p:cNvGrpSpPr/>
-        <p:nvPr/>
-      </p:nvGrpSpPr>
-      <p:grpSpPr>
-        <a:xfrm>
-          <a:off x="0" y="0"/>
-          <a:ext cx="0" cy="0"/>
-          <a:chOff x="0" y="0"/>
-          <a:chExt cx="0" cy="0"/>
-        </a:xfrm>
-      </p:grpSpPr>
-      <p:sp>
-        <p:nvSpPr>
-          <p:cNvPr id="3" name="Footer Placeholder 2">
-            <a:extLst>
-              <a:ext uri="{FF2B5EF4-FFF2-40B4-BE49-F238E27FC236}">
-                <a16:creationId xmlns:a16="http://schemas.microsoft.com/office/drawing/2014/main" id="{DAF5AB59-A2ED-4DA4-A7FA-C90BE9D52D60}"/>
-              </a:ext>
-            </a:extLst>
-          </p:cNvPr>
-          <p:cNvSpPr>
-            <a:spLocks noGrp="1"/>
-          </p:cNvSpPr>
-          <p:nvPr>
-            <p:ph type="ftr" sz="quarter" idx="11"/>
-          </p:nvPr>
-        </p:nvSpPr>
-        <p:spPr/>
-        <p:txBody>
-          <a:bodyPr/>
-          <a:lstStyle/>
-          <a:p>
-            <a:r>
-              <a:rPr lang="en-IN" dirty="0"/>
-              <a:t>Machine Learning Clustering Algorithms</a:t>
-            </a:r>
-          </a:p>
-        </p:txBody>
-      </p:sp>
-      <p:sp>
-        <p:nvSpPr>
-          <p:cNvPr id="2" name="TextBox 1">
-            <a:extLst>
-              <a:ext uri="{FF2B5EF4-FFF2-40B4-BE49-F238E27FC236}">
-                <a16:creationId xmlns:a16="http://schemas.microsoft.com/office/drawing/2014/main" id="{C5AD4A6B-2846-495A-BC28-7F753ECC3633}"/>
-              </a:ext>
-            </a:extLst>
-          </p:cNvPr>
-          <p:cNvSpPr txBox="1"/>
-          <p:nvPr/>
-        </p:nvSpPr>
-        <p:spPr>
-          <a:xfrm>
-            <a:off x="3846486" y="2143960"/>
-            <a:ext cx="4720740" cy="3554819"/>
-          </a:xfrm>
-          <a:prstGeom prst="rect">
-            <a:avLst/>
-          </a:prstGeom>
-          <a:noFill/>
-        </p:spPr>
-        <p:txBody>
-          <a:bodyPr wrap="square" rtlCol="0">
-            <a:spAutoFit/>
-          </a:bodyPr>
-          <a:lstStyle/>
-          <a:p>
-            <a:pPr marL="342900" indent="-342900">
-              <a:spcBef>
-                <a:spcPts val="600"/>
-              </a:spcBef>
-              <a:buFont typeface="+mj-lt"/>
-              <a:buAutoNum type="arabicPeriod"/>
-            </a:pPr>
-            <a:r>
-              <a:rPr lang="en-US" dirty="0" err="1">
-                <a:latin typeface="Cascadia Code" panose="020B0609020000020004" pitchFamily="49" charset="0"/>
-                <a:cs typeface="Cascadia Code" panose="020B0609020000020004" pitchFamily="49" charset="0"/>
-              </a:rPr>
-              <a:t>BisectingKMeansClustering</a:t>
-            </a:r>
-            <a:endParaRPr lang="en-US" dirty="0">
-              <a:latin typeface="Cascadia Code" panose="020B0609020000020004" pitchFamily="49" charset="0"/>
-              <a:cs typeface="Cascadia Code" panose="020B0609020000020004" pitchFamily="49" charset="0"/>
-            </a:endParaRPr>
-          </a:p>
-          <a:p>
-            <a:pPr marL="342900" indent="-342900">
-              <a:spcBef>
-                <a:spcPts val="600"/>
-              </a:spcBef>
-              <a:buFont typeface="+mj-lt"/>
-              <a:buAutoNum type="arabicPeriod"/>
-            </a:pPr>
-            <a:r>
-              <a:rPr lang="en-US" dirty="0" err="1">
-                <a:latin typeface="Cascadia Code" panose="020B0609020000020004" pitchFamily="49" charset="0"/>
-                <a:cs typeface="Cascadia Code" panose="020B0609020000020004" pitchFamily="49" charset="0"/>
-              </a:rPr>
-              <a:t>AgglomerativeClustering</a:t>
-            </a:r>
-            <a:endParaRPr lang="en-US" dirty="0">
-              <a:latin typeface="Cascadia Code" panose="020B0609020000020004" pitchFamily="49" charset="0"/>
-              <a:cs typeface="Cascadia Code" panose="020B0609020000020004" pitchFamily="49" charset="0"/>
-            </a:endParaRPr>
-          </a:p>
-          <a:p>
-            <a:pPr marL="342900" indent="-342900">
-              <a:spcBef>
-                <a:spcPts val="600"/>
-              </a:spcBef>
-              <a:buFont typeface="+mj-lt"/>
-              <a:buAutoNum type="arabicPeriod"/>
-            </a:pPr>
-            <a:r>
-              <a:rPr lang="en-US" dirty="0" err="1">
-                <a:latin typeface="Cascadia Code" panose="020B0609020000020004" pitchFamily="49" charset="0"/>
-                <a:cs typeface="Cascadia Code" panose="020B0609020000020004" pitchFamily="49" charset="0"/>
-              </a:rPr>
-              <a:t>BirchClustering</a:t>
-            </a:r>
-            <a:r>
-              <a:rPr lang="en-US" dirty="0">
-                <a:latin typeface="Cascadia Code" panose="020B0609020000020004" pitchFamily="49" charset="0"/>
-                <a:cs typeface="Cascadia Code" panose="020B0609020000020004" pitchFamily="49" charset="0"/>
-              </a:rPr>
-              <a:t> </a:t>
-            </a:r>
-          </a:p>
-          <a:p>
-            <a:pPr marL="342900" indent="-342900">
-              <a:spcBef>
-                <a:spcPts val="600"/>
-              </a:spcBef>
-              <a:buFont typeface="+mj-lt"/>
-              <a:buAutoNum type="arabicPeriod"/>
-            </a:pPr>
-            <a:r>
-              <a:rPr lang="en-US" dirty="0" err="1">
-                <a:latin typeface="Cascadia Code" panose="020B0609020000020004" pitchFamily="49" charset="0"/>
-                <a:cs typeface="Cascadia Code" panose="020B0609020000020004" pitchFamily="49" charset="0"/>
-              </a:rPr>
-              <a:t>MeanShiftClustering</a:t>
-            </a:r>
-            <a:endParaRPr lang="en-US" dirty="0">
-              <a:latin typeface="Cascadia Code" panose="020B0609020000020004" pitchFamily="49" charset="0"/>
-              <a:cs typeface="Cascadia Code" panose="020B0609020000020004" pitchFamily="49" charset="0"/>
-            </a:endParaRPr>
-          </a:p>
-          <a:p>
-            <a:pPr marL="342900" indent="-342900">
-              <a:spcBef>
-                <a:spcPts val="600"/>
-              </a:spcBef>
-              <a:buFont typeface="+mj-lt"/>
-              <a:buAutoNum type="arabicPeriod"/>
-            </a:pPr>
-            <a:r>
-              <a:rPr lang="en-US" dirty="0" err="1">
-                <a:latin typeface="Cascadia Code" panose="020B0609020000020004" pitchFamily="49" charset="0"/>
-                <a:cs typeface="Cascadia Code" panose="020B0609020000020004" pitchFamily="49" charset="0"/>
-              </a:rPr>
-              <a:t>AffinityPropagationClustering</a:t>
-            </a:r>
-            <a:endParaRPr lang="en-US" dirty="0">
-              <a:latin typeface="Cascadia Code" panose="020B0609020000020004" pitchFamily="49" charset="0"/>
-              <a:cs typeface="Cascadia Code" panose="020B0609020000020004" pitchFamily="49" charset="0"/>
-            </a:endParaRPr>
-          </a:p>
-          <a:p>
-            <a:pPr marL="342900" indent="-342900">
-              <a:spcBef>
-                <a:spcPts val="600"/>
-              </a:spcBef>
-              <a:buFont typeface="+mj-lt"/>
-              <a:buAutoNum type="arabicPeriod"/>
-            </a:pPr>
-            <a:r>
-              <a:rPr lang="en-US" dirty="0" err="1">
-                <a:latin typeface="Cascadia Code" panose="020B0609020000020004" pitchFamily="49" charset="0"/>
-                <a:cs typeface="Cascadia Code" panose="020B0609020000020004" pitchFamily="49" charset="0"/>
-              </a:rPr>
-              <a:t>DBScanClustering</a:t>
-            </a:r>
-            <a:endParaRPr lang="en-US" dirty="0">
-              <a:latin typeface="Cascadia Code" panose="020B0609020000020004" pitchFamily="49" charset="0"/>
-              <a:cs typeface="Cascadia Code" panose="020B0609020000020004" pitchFamily="49" charset="0"/>
-            </a:endParaRPr>
-          </a:p>
-          <a:p>
-            <a:pPr marL="342900" indent="-342900">
-              <a:spcBef>
-                <a:spcPts val="600"/>
-              </a:spcBef>
-              <a:buFont typeface="+mj-lt"/>
-              <a:buAutoNum type="arabicPeriod"/>
-            </a:pPr>
-            <a:r>
-              <a:rPr lang="en-US" dirty="0" err="1">
-                <a:latin typeface="Cascadia Code" panose="020B0609020000020004" pitchFamily="49" charset="0"/>
-                <a:cs typeface="Cascadia Code" panose="020B0609020000020004" pitchFamily="49" charset="0"/>
-              </a:rPr>
-              <a:t>KMeansClustering</a:t>
-            </a:r>
-            <a:endParaRPr lang="en-US" dirty="0">
-              <a:latin typeface="Cascadia Code" panose="020B0609020000020004" pitchFamily="49" charset="0"/>
-              <a:cs typeface="Cascadia Code" panose="020B0609020000020004" pitchFamily="49" charset="0"/>
-            </a:endParaRPr>
-          </a:p>
-          <a:p>
-            <a:pPr marL="342900" indent="-342900">
-              <a:spcBef>
-                <a:spcPts val="600"/>
-              </a:spcBef>
-              <a:buFont typeface="+mj-lt"/>
-              <a:buAutoNum type="arabicPeriod"/>
-            </a:pPr>
-            <a:r>
-              <a:rPr lang="en-US" dirty="0" err="1">
-                <a:latin typeface="Cascadia Code" panose="020B0609020000020004" pitchFamily="49" charset="0"/>
-                <a:cs typeface="Cascadia Code" panose="020B0609020000020004" pitchFamily="49" charset="0"/>
-              </a:rPr>
-              <a:t>HDBScanClustering</a:t>
-            </a:r>
-            <a:endParaRPr lang="en-US" dirty="0">
-              <a:latin typeface="Cascadia Code" panose="020B0609020000020004" pitchFamily="49" charset="0"/>
-              <a:cs typeface="Cascadia Code" panose="020B0609020000020004" pitchFamily="49" charset="0"/>
-            </a:endParaRPr>
-          </a:p>
-          <a:p>
-            <a:pPr marL="342900" indent="-342900">
-              <a:spcBef>
-                <a:spcPts val="600"/>
-              </a:spcBef>
-              <a:buFont typeface="+mj-lt"/>
-              <a:buAutoNum type="arabicPeriod"/>
-            </a:pPr>
-            <a:r>
-              <a:rPr lang="en-US" dirty="0" err="1">
-                <a:latin typeface="Cascadia Code" panose="020B0609020000020004" pitchFamily="49" charset="0"/>
-                <a:cs typeface="Cascadia Code" panose="020B0609020000020004" pitchFamily="49" charset="0"/>
-              </a:rPr>
-              <a:t>OpticsClustering</a:t>
-            </a:r>
-            <a:endParaRPr lang="en-US" dirty="0">
-              <a:latin typeface="Cascadia Code" panose="020B0609020000020004" pitchFamily="49" charset="0"/>
-              <a:cs typeface="Cascadia Code" panose="020B0609020000020004" pitchFamily="49" charset="0"/>
-            </a:endParaRPr>
-          </a:p>
-          <a:p>
-            <a:pPr marL="342900" indent="-342900">
-              <a:spcBef>
-                <a:spcPts val="600"/>
-              </a:spcBef>
-              <a:buFont typeface="+mj-lt"/>
-              <a:buAutoNum type="arabicPeriod"/>
-            </a:pPr>
-            <a:r>
-              <a:rPr lang="en-US" dirty="0" err="1">
-                <a:latin typeface="Cascadia Code" panose="020B0609020000020004" pitchFamily="49" charset="0"/>
-                <a:cs typeface="Cascadia Code" panose="020B0609020000020004" pitchFamily="49" charset="0"/>
-              </a:rPr>
-              <a:t>SpectralClustering</a:t>
-            </a:r>
-            <a:endParaRPr lang="en-US" dirty="0">
-              <a:latin typeface="Cascadia Code" panose="020B0609020000020004" pitchFamily="49" charset="0"/>
-              <a:cs typeface="Cascadia Code" panose="020B0609020000020004" pitchFamily="49" charset="0"/>
-            </a:endParaRPr>
-          </a:p>
-        </p:txBody>
-      </p:sp>
-      <p:sp>
-        <p:nvSpPr>
-          <p:cNvPr id="5" name="TextBox 4">
-            <a:extLst>
-              <a:ext uri="{FF2B5EF4-FFF2-40B4-BE49-F238E27FC236}">
-                <a16:creationId xmlns:a16="http://schemas.microsoft.com/office/drawing/2014/main" id="{0F1C7B19-9F0B-4B15-AC52-92FD338C2635}"/>
-              </a:ext>
-            </a:extLst>
-          </p:cNvPr>
-          <p:cNvSpPr txBox="1"/>
-          <p:nvPr/>
-        </p:nvSpPr>
-        <p:spPr>
-          <a:xfrm>
-            <a:off x="2958762" y="633047"/>
-            <a:ext cx="6274475" cy="523220"/>
-          </a:xfrm>
-          <a:prstGeom prst="rect">
-            <a:avLst/>
-          </a:prstGeom>
-          <a:noFill/>
-        </p:spPr>
-        <p:txBody>
-          <a:bodyPr wrap="none" rtlCol="0">
-            <a:spAutoFit/>
-          </a:bodyPr>
-          <a:lstStyle/>
-          <a:p>
-            <a:r>
-              <a:rPr lang="en-US" sz="2800" b="1" dirty="0">
-                <a:latin typeface="Cascadia Code" panose="020B0609020000020004" pitchFamily="49" charset="0"/>
-                <a:cs typeface="Cascadia Code" panose="020B0609020000020004" pitchFamily="49" charset="0"/>
-              </a:rPr>
-              <a:t>Different Types of Clustering</a:t>
-            </a:r>
-            <a:endParaRPr lang="en-IN" sz="2800" b="1" dirty="0">
-              <a:latin typeface="Cascadia Code" panose="020B0609020000020004" pitchFamily="49" charset="0"/>
-              <a:cs typeface="Cascadia Code" panose="020B0609020000020004" pitchFamily="49" charset="0"/>
-            </a:endParaRPr>
-          </a:p>
-        </p:txBody>
-      </p:sp>
-    </p:spTree>
-    <p:extLst>
-      <p:ext uri="{BB962C8B-B14F-4D97-AF65-F5344CB8AC3E}">
-        <p14:creationId xmlns:p14="http://schemas.microsoft.com/office/powerpoint/2010/main" val="3107248426"/>
-      </p:ext>
-    </p:extLst>
-  </p:cSld>
-  <p:clrMapOvr>
-    <a:masterClrMapping/>
-  </p:clrMapOvr>
-</p:sld>
-</file>
-
 <file path=ppt/slides/slide9.xml><?xml version="1.0" encoding="utf-8"?>
 <p:sld xmlns:a="http://schemas.openxmlformats.org/drawingml/2006/main" xmlns:r="http://schemas.openxmlformats.org/officeDocument/2006/relationships" xmlns:p="http://schemas.openxmlformats.org/presentationml/2006/main">
   <p:cSld>
@@ -22254,8 +24345,8 @@
         </p:nvSpPr>
         <p:spPr>
           <a:xfrm>
-            <a:off x="2101362" y="1391485"/>
-            <a:ext cx="7426568" cy="1431161"/>
+            <a:off x="3846486" y="2143960"/>
+            <a:ext cx="4720740" cy="3554819"/>
           </a:xfrm>
           <a:prstGeom prst="rect">
             <a:avLst/>
@@ -22268,17 +24359,19 @@
           </a:bodyPr>
           <a:lstStyle/>
           <a:p>
-            <a:pPr>
+            <a:pPr marL="342900" indent="-342900">
               <a:spcBef>
                 <a:spcPts val="600"/>
               </a:spcBef>
+              <a:buFont typeface="+mj-lt"/>
+              <a:buAutoNum type="arabicPeriod"/>
             </a:pPr>
             <a:r>
-              <a:rPr lang="en-US" b="1" dirty="0">
+              <a:rPr lang="en-US" dirty="0" err="1">
                 <a:latin typeface="Cascadia Code" panose="020B0609020000020004" pitchFamily="49" charset="0"/>
                 <a:cs typeface="Cascadia Code" panose="020B0609020000020004" pitchFamily="49" charset="0"/>
               </a:rPr>
-              <a:t>A partition-based clustering algorithm</a:t>
+              <a:t>BisectingKMeansClustering</a:t>
             </a:r>
             <a:endParaRPr lang="en-US" dirty="0">
               <a:latin typeface="Cascadia Code" panose="020B0609020000020004" pitchFamily="49" charset="0"/>
@@ -22286,53 +24379,184 @@
             </a:endParaRPr>
           </a:p>
           <a:p>
-            <a:pPr marL="742950" lvl="1" indent="-285750">
+            <a:pPr marL="342900" indent="-342900">
               <a:spcBef>
                 <a:spcPts val="600"/>
               </a:spcBef>
-              <a:buFont typeface="Courier New" panose="02070309020205020404" pitchFamily="49" charset="0"/>
-              <a:buChar char="o"/>
+              <a:buFont typeface="+mj-lt"/>
+              <a:buAutoNum type="arabicPeriod"/>
             </a:pPr>
+            <a:r>
+              <a:rPr lang="en-US" dirty="0" err="1">
+                <a:latin typeface="Cascadia Code" panose="020B0609020000020004" pitchFamily="49" charset="0"/>
+                <a:cs typeface="Cascadia Code" panose="020B0609020000020004" pitchFamily="49" charset="0"/>
+              </a:rPr>
+              <a:t>AgglomerativeClustering</a:t>
+            </a:r>
+            <a:endParaRPr lang="en-US" dirty="0">
+              <a:latin typeface="Cascadia Code" panose="020B0609020000020004" pitchFamily="49" charset="0"/>
+              <a:cs typeface="Cascadia Code" panose="020B0609020000020004" pitchFamily="49" charset="0"/>
+            </a:endParaRPr>
+          </a:p>
+          <a:p>
+            <a:pPr marL="342900" indent="-342900">
+              <a:spcBef>
+                <a:spcPts val="600"/>
+              </a:spcBef>
+              <a:buFont typeface="+mj-lt"/>
+              <a:buAutoNum type="arabicPeriod"/>
+            </a:pPr>
+            <a:r>
+              <a:rPr lang="en-US" dirty="0" err="1">
+                <a:latin typeface="Cascadia Code" panose="020B0609020000020004" pitchFamily="49" charset="0"/>
+                <a:cs typeface="Cascadia Code" panose="020B0609020000020004" pitchFamily="49" charset="0"/>
+              </a:rPr>
+              <a:t>BirchClustering</a:t>
+            </a:r>
             <a:r>
               <a:rPr lang="en-US" dirty="0">
                 <a:latin typeface="Cascadia Code" panose="020B0609020000020004" pitchFamily="49" charset="0"/>
                 <a:cs typeface="Cascadia Code" panose="020B0609020000020004" pitchFamily="49" charset="0"/>
               </a:rPr>
-              <a:t>Divides data into K clusters    </a:t>
-            </a:r>
-          </a:p>
-          <a:p>
-            <a:pPr marL="742950" lvl="1" indent="-285750">
+              <a:t> </a:t>
+            </a:r>
+          </a:p>
+          <a:p>
+            <a:pPr marL="342900" indent="-342900">
               <a:spcBef>
                 <a:spcPts val="600"/>
               </a:spcBef>
-              <a:buFont typeface="Courier New" panose="02070309020205020404" pitchFamily="49" charset="0"/>
-              <a:buChar char="o"/>
+              <a:buFont typeface="+mj-lt"/>
+              <a:buAutoNum type="arabicPeriod"/>
             </a:pPr>
             <a:r>
-              <a:rPr lang="en-US" dirty="0">
+              <a:rPr lang="en-US" dirty="0" err="1">
                 <a:latin typeface="Cascadia Code" panose="020B0609020000020004" pitchFamily="49" charset="0"/>
                 <a:cs typeface="Cascadia Code" panose="020B0609020000020004" pitchFamily="49" charset="0"/>
               </a:rPr>
-              <a:t>Each cluster represented by centroid    </a:t>
-            </a:r>
-          </a:p>
-          <a:p>
-            <a:pPr marL="742950" lvl="1" indent="-285750">
+              <a:t>MeanShiftClustering</a:t>
+            </a:r>
+            <a:endParaRPr lang="en-US" dirty="0">
+              <a:latin typeface="Cascadia Code" panose="020B0609020000020004" pitchFamily="49" charset="0"/>
+              <a:cs typeface="Cascadia Code" panose="020B0609020000020004" pitchFamily="49" charset="0"/>
+            </a:endParaRPr>
+          </a:p>
+          <a:p>
+            <a:pPr marL="342900" indent="-342900">
               <a:spcBef>
                 <a:spcPts val="600"/>
               </a:spcBef>
-              <a:buFont typeface="Courier New" panose="02070309020205020404" pitchFamily="49" charset="0"/>
-              <a:buChar char="o"/>
+              <a:buFont typeface="+mj-lt"/>
+              <a:buAutoNum type="arabicPeriod"/>
             </a:pPr>
             <a:r>
-              <a:rPr lang="en-US" dirty="0">
+              <a:rPr lang="en-US" dirty="0" err="1">
                 <a:latin typeface="Cascadia Code" panose="020B0609020000020004" pitchFamily="49" charset="0"/>
                 <a:cs typeface="Cascadia Code" panose="020B0609020000020004" pitchFamily="49" charset="0"/>
               </a:rPr>
-              <a:t>Iterative refinement of centroids</a:t>
-            </a:r>
-            <a:endParaRPr lang="en-IN" dirty="0">
+              <a:t>AffinityPropagationClustering</a:t>
+            </a:r>
+            <a:endParaRPr lang="en-US" dirty="0">
+              <a:latin typeface="Cascadia Code" panose="020B0609020000020004" pitchFamily="49" charset="0"/>
+              <a:cs typeface="Cascadia Code" panose="020B0609020000020004" pitchFamily="49" charset="0"/>
+            </a:endParaRPr>
+          </a:p>
+          <a:p>
+            <a:pPr marL="342900" indent="-342900">
+              <a:spcBef>
+                <a:spcPts val="600"/>
+              </a:spcBef>
+              <a:buFont typeface="+mj-lt"/>
+              <a:buAutoNum type="arabicPeriod"/>
+            </a:pPr>
+            <a:r>
+              <a:rPr lang="en-US" dirty="0" err="1">
+                <a:latin typeface="Cascadia Code" panose="020B0609020000020004" pitchFamily="49" charset="0"/>
+                <a:cs typeface="Cascadia Code" panose="020B0609020000020004" pitchFamily="49" charset="0"/>
+              </a:rPr>
+              <a:t>DBScanClustering</a:t>
+            </a:r>
+            <a:endParaRPr lang="en-US" dirty="0">
+              <a:latin typeface="Cascadia Code" panose="020B0609020000020004" pitchFamily="49" charset="0"/>
+              <a:cs typeface="Cascadia Code" panose="020B0609020000020004" pitchFamily="49" charset="0"/>
+            </a:endParaRPr>
+          </a:p>
+          <a:p>
+            <a:pPr marL="342900" indent="-342900">
+              <a:spcBef>
+                <a:spcPts val="600"/>
+              </a:spcBef>
+              <a:buFont typeface="+mj-lt"/>
+              <a:buAutoNum type="arabicPeriod"/>
+            </a:pPr>
+            <a:r>
+              <a:rPr lang="en-US" dirty="0" err="1">
+                <a:latin typeface="Cascadia Code" panose="020B0609020000020004" pitchFamily="49" charset="0"/>
+                <a:cs typeface="Cascadia Code" panose="020B0609020000020004" pitchFamily="49" charset="0"/>
+              </a:rPr>
+              <a:t>KMeansClustering</a:t>
+            </a:r>
+            <a:endParaRPr lang="en-US" dirty="0">
+              <a:latin typeface="Cascadia Code" panose="020B0609020000020004" pitchFamily="49" charset="0"/>
+              <a:cs typeface="Cascadia Code" panose="020B0609020000020004" pitchFamily="49" charset="0"/>
+            </a:endParaRPr>
+          </a:p>
+          <a:p>
+            <a:pPr marL="342900" indent="-342900">
+              <a:spcBef>
+                <a:spcPts val="600"/>
+              </a:spcBef>
+              <a:buFont typeface="+mj-lt"/>
+              <a:buAutoNum type="arabicPeriod"/>
+            </a:pPr>
+            <a:r>
+              <a:rPr lang="en-US" dirty="0" err="1">
+                <a:latin typeface="Cascadia Code" panose="020B0609020000020004" pitchFamily="49" charset="0"/>
+                <a:cs typeface="Cascadia Code" panose="020B0609020000020004" pitchFamily="49" charset="0"/>
+              </a:rPr>
+              <a:t>HDBScanClustering</a:t>
+            </a:r>
+            <a:endParaRPr lang="en-US" dirty="0">
+              <a:latin typeface="Cascadia Code" panose="020B0609020000020004" pitchFamily="49" charset="0"/>
+              <a:cs typeface="Cascadia Code" panose="020B0609020000020004" pitchFamily="49" charset="0"/>
+            </a:endParaRPr>
+          </a:p>
+          <a:p>
+            <a:pPr marL="342900" indent="-342900">
+              <a:spcBef>
+                <a:spcPts val="600"/>
+              </a:spcBef>
+              <a:buFont typeface="+mj-lt"/>
+              <a:buAutoNum type="arabicPeriod"/>
+            </a:pPr>
+            <a:r>
+              <a:rPr lang="en-US" dirty="0" err="1">
+                <a:latin typeface="Cascadia Code" panose="020B0609020000020004" pitchFamily="49" charset="0"/>
+                <a:cs typeface="Cascadia Code" panose="020B0609020000020004" pitchFamily="49" charset="0"/>
+              </a:rPr>
+              <a:t>OpticsClustering</a:t>
+            </a:r>
+            <a:endParaRPr lang="en-US" dirty="0">
+              <a:latin typeface="Cascadia Code" panose="020B0609020000020004" pitchFamily="49" charset="0"/>
+              <a:cs typeface="Cascadia Code" panose="020B0609020000020004" pitchFamily="49" charset="0"/>
+            </a:endParaRPr>
+          </a:p>
+          <a:p>
+            <a:pPr marL="342900" indent="-342900">
+              <a:spcBef>
+                <a:spcPts val="600"/>
+              </a:spcBef>
+              <a:buFont typeface="+mj-lt"/>
+              <a:buAutoNum type="arabicPeriod"/>
+            </a:pPr>
+            <a:r>
+              <a:rPr lang="en-US" dirty="0" err="1">
+                <a:latin typeface="Cascadia Code" panose="020B0609020000020004" pitchFamily="49" charset="0"/>
+                <a:cs typeface="Cascadia Code" panose="020B0609020000020004" pitchFamily="49" charset="0"/>
+              </a:rPr>
+              <a:t>SpectralClustering</a:t>
+            </a:r>
+            <a:endParaRPr lang="en-US" dirty="0">
               <a:latin typeface="Cascadia Code" panose="020B0609020000020004" pitchFamily="49" charset="0"/>
               <a:cs typeface="Cascadia Code" panose="020B0609020000020004" pitchFamily="49" charset="0"/>
             </a:endParaRPr>
@@ -22353,8 +24577,8 @@
         </p:nvSpPr>
         <p:spPr>
           <a:xfrm>
-            <a:off x="4218723" y="647113"/>
-            <a:ext cx="3754554" cy="523220"/>
+            <a:off x="2958762" y="633047"/>
+            <a:ext cx="6274475" cy="523220"/>
           </a:xfrm>
           <a:prstGeom prst="rect">
             <a:avLst/>
@@ -22368,18 +24592,11 @@
           <a:lstStyle/>
           <a:p>
             <a:r>
-              <a:rPr lang="en-US" sz="2800" b="1" dirty="0" err="1">
-                <a:latin typeface="Cascadia Code" panose="020B0609020000020004" pitchFamily="49" charset="0"/>
-                <a:cs typeface="Cascadia Code" panose="020B0609020000020004" pitchFamily="49" charset="0"/>
-              </a:rPr>
-              <a:t>Kmeans</a:t>
-            </a:r>
-            <a:r>
               <a:rPr lang="en-US" sz="2800" b="1" dirty="0">
                 <a:latin typeface="Cascadia Code" panose="020B0609020000020004" pitchFamily="49" charset="0"/>
                 <a:cs typeface="Cascadia Code" panose="020B0609020000020004" pitchFamily="49" charset="0"/>
               </a:rPr>
-              <a:t> Clustering</a:t>
+              <a:t>Different Types of Clustering</a:t>
             </a:r>
             <a:endParaRPr lang="en-IN" sz="2800" b="1" dirty="0">
               <a:latin typeface="Cascadia Code" panose="020B0609020000020004" pitchFamily="49" charset="0"/>
@@ -22388,155 +24605,10 @@
           </a:p>
         </p:txBody>
       </p:sp>
-      <p:sp>
-        <p:nvSpPr>
-          <p:cNvPr id="6" name="TextBox 5">
-            <a:extLst>
-              <a:ext uri="{FF2B5EF4-FFF2-40B4-BE49-F238E27FC236}">
-                <a16:creationId xmlns:a16="http://schemas.microsoft.com/office/drawing/2014/main" id="{BC794A4B-16EF-43DE-A407-3155F73A107A}"/>
-              </a:ext>
-            </a:extLst>
-          </p:cNvPr>
-          <p:cNvSpPr txBox="1"/>
-          <p:nvPr/>
-        </p:nvSpPr>
-        <p:spPr>
-          <a:xfrm>
-            <a:off x="2101362" y="3142803"/>
-            <a:ext cx="7426568" cy="1785104"/>
-          </a:xfrm>
-          <a:prstGeom prst="rect">
-            <a:avLst/>
-          </a:prstGeom>
-          <a:noFill/>
-        </p:spPr>
-        <p:txBody>
-          <a:bodyPr wrap="square" rtlCol="0">
-            <a:spAutoFit/>
-          </a:bodyPr>
-          <a:lstStyle/>
-          <a:p>
-            <a:pPr>
-              <a:spcBef>
-                <a:spcPts val="600"/>
-              </a:spcBef>
-            </a:pPr>
-            <a:r>
-              <a:rPr lang="en-US" b="1" dirty="0">
-                <a:latin typeface="Cascadia Code" panose="020B0609020000020004" pitchFamily="49" charset="0"/>
-                <a:cs typeface="Cascadia Code" panose="020B0609020000020004" pitchFamily="49" charset="0"/>
-              </a:rPr>
-              <a:t>Algorithm Steps</a:t>
-            </a:r>
-            <a:endParaRPr lang="en-US" dirty="0">
-              <a:latin typeface="Cascadia Code" panose="020B0609020000020004" pitchFamily="49" charset="0"/>
-              <a:cs typeface="Cascadia Code" panose="020B0609020000020004" pitchFamily="49" charset="0"/>
-            </a:endParaRPr>
-          </a:p>
-          <a:p>
-            <a:pPr marL="800100" lvl="1" indent="-342900">
-              <a:spcBef>
-                <a:spcPts val="600"/>
-              </a:spcBef>
-              <a:buFont typeface="+mj-lt"/>
-              <a:buAutoNum type="arabicPeriod"/>
-            </a:pPr>
-            <a:r>
-              <a:rPr lang="en-US" dirty="0">
-                <a:latin typeface="Cascadia Code" panose="020B0609020000020004" pitchFamily="49" charset="0"/>
-                <a:cs typeface="Cascadia Code" panose="020B0609020000020004" pitchFamily="49" charset="0"/>
-              </a:rPr>
-              <a:t>Initialize K centroids randomly</a:t>
-            </a:r>
-          </a:p>
-          <a:p>
-            <a:pPr marL="800100" lvl="1" indent="-342900">
-              <a:spcBef>
-                <a:spcPts val="600"/>
-              </a:spcBef>
-              <a:buFont typeface="+mj-lt"/>
-              <a:buAutoNum type="arabicPeriod"/>
-            </a:pPr>
-            <a:r>
-              <a:rPr lang="en-US" dirty="0">
-                <a:latin typeface="Cascadia Code" panose="020B0609020000020004" pitchFamily="49" charset="0"/>
-                <a:cs typeface="Cascadia Code" panose="020B0609020000020004" pitchFamily="49" charset="0"/>
-              </a:rPr>
-              <a:t>Assign each data point to nearest centroid</a:t>
-            </a:r>
-          </a:p>
-          <a:p>
-            <a:pPr marL="800100" lvl="1" indent="-342900">
-              <a:spcBef>
-                <a:spcPts val="600"/>
-              </a:spcBef>
-              <a:buFont typeface="+mj-lt"/>
-              <a:buAutoNum type="arabicPeriod"/>
-            </a:pPr>
-            <a:r>
-              <a:rPr lang="en-US" dirty="0">
-                <a:latin typeface="Cascadia Code" panose="020B0609020000020004" pitchFamily="49" charset="0"/>
-                <a:cs typeface="Cascadia Code" panose="020B0609020000020004" pitchFamily="49" charset="0"/>
-              </a:rPr>
-              <a:t>Update centroids as mean of assigned points</a:t>
-            </a:r>
-          </a:p>
-          <a:p>
-            <a:pPr marL="800100" lvl="1" indent="-342900">
-              <a:spcBef>
-                <a:spcPts val="600"/>
-              </a:spcBef>
-              <a:buFont typeface="+mj-lt"/>
-              <a:buAutoNum type="arabicPeriod"/>
-            </a:pPr>
-            <a:r>
-              <a:rPr lang="en-US" dirty="0">
-                <a:latin typeface="Cascadia Code" panose="020B0609020000020004" pitchFamily="49" charset="0"/>
-                <a:cs typeface="Cascadia Code" panose="020B0609020000020004" pitchFamily="49" charset="0"/>
-              </a:rPr>
-              <a:t>Repeat steps 2-3 until convergence</a:t>
-            </a:r>
-            <a:endParaRPr lang="en-IN" dirty="0">
-              <a:latin typeface="Cascadia Code" panose="020B0609020000020004" pitchFamily="49" charset="0"/>
-              <a:cs typeface="Cascadia Code" panose="020B0609020000020004" pitchFamily="49" charset="0"/>
-            </a:endParaRPr>
-          </a:p>
-        </p:txBody>
-      </p:sp>
-      <p:pic>
-        <p:nvPicPr>
-          <p:cNvPr id="4" name="Picture 3">
-            <a:extLst>
-              <a:ext uri="{FF2B5EF4-FFF2-40B4-BE49-F238E27FC236}">
-                <a16:creationId xmlns:a16="http://schemas.microsoft.com/office/drawing/2014/main" id="{C48B73DE-E688-4080-8521-135A9C36176C}"/>
-              </a:ext>
-            </a:extLst>
-          </p:cNvPr>
-          <p:cNvPicPr>
-            <a:picLocks noChangeAspect="1"/>
-          </p:cNvPicPr>
-          <p:nvPr/>
-        </p:nvPicPr>
-        <p:blipFill>
-          <a:blip r:embed="rId2"/>
-          <a:stretch>
-            <a:fillRect/>
-          </a:stretch>
-        </p:blipFill>
-        <p:spPr>
-          <a:xfrm>
-            <a:off x="2101362" y="5241925"/>
-            <a:ext cx="6238875" cy="1114425"/>
-          </a:xfrm>
-          <a:prstGeom prst="rect">
-            <a:avLst/>
-          </a:prstGeom>
-        </p:spPr>
-      </p:pic>
     </p:spTree>
     <p:extLst>
       <p:ext uri="{BB962C8B-B14F-4D97-AF65-F5344CB8AC3E}">
-        <p14:creationId xmlns:p14="http://schemas.microsoft.com/office/powerpoint/2010/main" val="4235698664"/>
+        <p14:creationId xmlns:p14="http://schemas.microsoft.com/office/powerpoint/2010/main" val="3107248426"/>
       </p:ext>
     </p:extLst>
   </p:cSld>

--- a/MLClusteringAlgorithms.pptx
+++ b/MLClusteringAlgorithms.pptx
@@ -2969,7 +2969,7 @@
           <a:p>
             <a:fld id="{632BE07B-4151-411A-A48D-7B840AF9CC49}" type="datetimeFigureOut">
               <a:rPr lang="en-IN" smtClean="0"/>
-              <a:t>18-09-2024</a:t>
+              <a:t>19-09-2024</a:t>
             </a:fld>
             <a:endParaRPr lang="en-IN"/>
           </a:p>
@@ -3386,7 +3386,7 @@
           <a:p>
             <a:fld id="{ABA92BD0-17E5-4CD3-8A8A-078C365EACCB}" type="datetimeFigureOut">
               <a:rPr lang="en-IN" smtClean="0"/>
-              <a:t>18-09-2024</a:t>
+              <a:t>19-09-2024</a:t>
             </a:fld>
             <a:endParaRPr lang="en-IN"/>
           </a:p>
@@ -3586,7 +3586,7 @@
           <a:p>
             <a:fld id="{ABA92BD0-17E5-4CD3-8A8A-078C365EACCB}" type="datetimeFigureOut">
               <a:rPr lang="en-IN" smtClean="0"/>
-              <a:t>18-09-2024</a:t>
+              <a:t>19-09-2024</a:t>
             </a:fld>
             <a:endParaRPr lang="en-IN"/>
           </a:p>
@@ -3796,7 +3796,7 @@
           <a:p>
             <a:fld id="{ABA92BD0-17E5-4CD3-8A8A-078C365EACCB}" type="datetimeFigureOut">
               <a:rPr lang="en-IN" smtClean="0"/>
-              <a:t>18-09-2024</a:t>
+              <a:t>19-09-2024</a:t>
             </a:fld>
             <a:endParaRPr lang="en-IN"/>
           </a:p>
@@ -3996,7 +3996,7 @@
           <a:p>
             <a:fld id="{ABA92BD0-17E5-4CD3-8A8A-078C365EACCB}" type="datetimeFigureOut">
               <a:rPr lang="en-IN" smtClean="0"/>
-              <a:t>18-09-2024</a:t>
+              <a:t>19-09-2024</a:t>
             </a:fld>
             <a:endParaRPr lang="en-IN"/>
           </a:p>
@@ -4272,7 +4272,7 @@
           <a:p>
             <a:fld id="{ABA92BD0-17E5-4CD3-8A8A-078C365EACCB}" type="datetimeFigureOut">
               <a:rPr lang="en-IN" smtClean="0"/>
-              <a:t>18-09-2024</a:t>
+              <a:t>19-09-2024</a:t>
             </a:fld>
             <a:endParaRPr lang="en-IN"/>
           </a:p>
@@ -4540,7 +4540,7 @@
           <a:p>
             <a:fld id="{ABA92BD0-17E5-4CD3-8A8A-078C365EACCB}" type="datetimeFigureOut">
               <a:rPr lang="en-IN" smtClean="0"/>
-              <a:t>18-09-2024</a:t>
+              <a:t>19-09-2024</a:t>
             </a:fld>
             <a:endParaRPr lang="en-IN"/>
           </a:p>
@@ -4955,7 +4955,7 @@
           <a:p>
             <a:fld id="{ABA92BD0-17E5-4CD3-8A8A-078C365EACCB}" type="datetimeFigureOut">
               <a:rPr lang="en-IN" smtClean="0"/>
-              <a:t>18-09-2024</a:t>
+              <a:t>19-09-2024</a:t>
             </a:fld>
             <a:endParaRPr lang="en-IN"/>
           </a:p>
@@ -5097,7 +5097,7 @@
           <a:p>
             <a:fld id="{ABA92BD0-17E5-4CD3-8A8A-078C365EACCB}" type="datetimeFigureOut">
               <a:rPr lang="en-IN" smtClean="0"/>
-              <a:t>18-09-2024</a:t>
+              <a:t>19-09-2024</a:t>
             </a:fld>
             <a:endParaRPr lang="en-IN"/>
           </a:p>
@@ -5210,7 +5210,7 @@
           <a:p>
             <a:fld id="{ABA92BD0-17E5-4CD3-8A8A-078C365EACCB}" type="datetimeFigureOut">
               <a:rPr lang="en-IN" smtClean="0"/>
-              <a:t>18-09-2024</a:t>
+              <a:t>19-09-2024</a:t>
             </a:fld>
             <a:endParaRPr lang="en-IN"/>
           </a:p>
@@ -5523,7 +5523,7 @@
           <a:p>
             <a:fld id="{ABA92BD0-17E5-4CD3-8A8A-078C365EACCB}" type="datetimeFigureOut">
               <a:rPr lang="en-IN" smtClean="0"/>
-              <a:t>18-09-2024</a:t>
+              <a:t>19-09-2024</a:t>
             </a:fld>
             <a:endParaRPr lang="en-IN"/>
           </a:p>
@@ -5812,7 +5812,7 @@
           <a:p>
             <a:fld id="{ABA92BD0-17E5-4CD3-8A8A-078C365EACCB}" type="datetimeFigureOut">
               <a:rPr lang="en-IN" smtClean="0"/>
-              <a:t>18-09-2024</a:t>
+              <a:t>19-09-2024</a:t>
             </a:fld>
             <a:endParaRPr lang="en-IN"/>
           </a:p>
@@ -6055,7 +6055,7 @@
           <a:p>
             <a:fld id="{ABA92BD0-17E5-4CD3-8A8A-078C365EACCB}" type="datetimeFigureOut">
               <a:rPr lang="en-IN" smtClean="0"/>
-              <a:t>18-09-2024</a:t>
+              <a:t>19-09-2024</a:t>
             </a:fld>
             <a:endParaRPr lang="en-IN"/>
           </a:p>
@@ -7624,7 +7624,7 @@
         </p:nvSpPr>
         <p:spPr>
           <a:xfrm>
-            <a:off x="1974744" y="1318175"/>
+            <a:off x="1848142" y="1323130"/>
             <a:ext cx="7426568" cy="1431161"/>
           </a:xfrm>
           <a:prstGeom prst="rect">
@@ -8764,7 +8764,7 @@
         </p:nvSpPr>
         <p:spPr>
           <a:xfrm>
-            <a:off x="1974743" y="1318175"/>
+            <a:off x="1862709" y="1318175"/>
             <a:ext cx="9712432" cy="1785104"/>
           </a:xfrm>
           <a:prstGeom prst="rect">
@@ -11401,7 +11401,7 @@
         </p:nvSpPr>
         <p:spPr>
           <a:xfrm>
-            <a:off x="1974743" y="1318175"/>
+            <a:off x="1862709" y="1301575"/>
             <a:ext cx="9712432" cy="1431161"/>
           </a:xfrm>
           <a:prstGeom prst="rect">
@@ -12553,7 +12553,7 @@
         </p:nvSpPr>
         <p:spPr>
           <a:xfrm>
-            <a:off x="1974742" y="994618"/>
+            <a:off x="1643062" y="980211"/>
             <a:ext cx="9712432" cy="1431161"/>
           </a:xfrm>
           <a:prstGeom prst="rect">
